--- a/presentacion/Cómo triunfar en Spotify_ANDERPENAVILLALOBOS.pptx
+++ b/presentacion/Cómo triunfar en Spotify_ANDERPENAVILLALOBOS.pptx
@@ -1805,7 +1805,7 @@
               <a:effectLst/>
               <a:latin typeface="Arial" panose="020B0604020202020204" pitchFamily="34" charset="0"/>
             </a:rPr>
-            <a:t>).</a:t>
+            <a:t>…).</a:t>
           </a:r>
           <a:endParaRPr lang="es-ES" dirty="0"/>
         </a:p>
@@ -1841,17 +1841,17 @@
         <a:lstStyle/>
         <a:p>
           <a:r>
-            <a:rPr kumimoji="0" lang="es-ES" altLang="es-ES" b="1" i="0" u="none" strike="noStrike" cap="none" normalizeH="0" baseline="0" dirty="0">
-              <a:ln/>
-              <a:effectLst/>
+            <a:rPr lang="es-ES" b="1" dirty="0">
               <a:latin typeface="Arial" panose="020B0604020202020204" pitchFamily="34" charset="0"/>
+              <a:cs typeface="Arial" panose="020B0604020202020204" pitchFamily="34" charset="0"/>
             </a:rPr>
-            <a:t>El género determina el éxito por intervención de Spotify</a:t>
+            <a:t>Spotify favorece ciertos géneros frente a otros.</a:t>
           </a:r>
           <a:endParaRPr kumimoji="0" lang="es-ES" altLang="es-ES" b="0" i="0" u="none" strike="noStrike" cap="none" normalizeH="0" baseline="0" dirty="0">
             <a:ln/>
             <a:effectLst/>
             <a:latin typeface="Arial" panose="020B0604020202020204" pitchFamily="34" charset="0"/>
+            <a:cs typeface="Arial" panose="020B0604020202020204" pitchFamily="34" charset="0"/>
           </a:endParaRPr>
         </a:p>
       </dgm:t>
@@ -1891,7 +1891,7 @@
               <a:effectLst/>
               <a:latin typeface="Arial" panose="020B0604020202020204" pitchFamily="34" charset="0"/>
             </a:rPr>
-            <a:t>El día y mes de lanzamiento influyen en el éxito de una canción</a:t>
+            <a:t>El día y mes de lanzamiento influyen en el éxito de una canción.</a:t>
           </a:r>
           <a:endParaRPr kumimoji="0" lang="es-ES" altLang="es-ES" b="0" i="0" u="none" strike="noStrike" cap="none" normalizeH="0" baseline="0" dirty="0">
             <a:ln/>
@@ -1931,12 +1931,12 @@
         <a:lstStyle/>
         <a:p>
           <a:r>
-            <a:rPr kumimoji="0" lang="es-ES" altLang="es-ES" b="1" i="0" u="none" strike="noStrike" cap="none" normalizeH="0" baseline="0">
+            <a:rPr kumimoji="0" lang="es-ES" altLang="es-ES" b="1" i="0" u="none" strike="noStrike" cap="none" normalizeH="0" baseline="0" dirty="0">
               <a:ln/>
               <a:effectLst/>
               <a:latin typeface="Arial" panose="020B0604020202020204" pitchFamily="34" charset="0"/>
             </a:rPr>
-            <a:t>Las canciones más cortas suelen ser más populares</a:t>
+            <a:t>Las canciones más cortas suelen ser más populares.</a:t>
           </a:r>
           <a:endParaRPr kumimoji="0" lang="es-ES" altLang="es-ES" b="0" i="0" u="none" strike="noStrike" cap="none" normalizeH="0" baseline="0" dirty="0">
             <a:ln/>
@@ -1981,7 +1981,7 @@
               <a:effectLst/>
               <a:latin typeface="Arial" panose="020B0604020202020204" pitchFamily="34" charset="0"/>
             </a:rPr>
-            <a:t>Lanzar un álbum con estrategia de singles es efectivo</a:t>
+            <a:t>Lanzar un álbum con estrategia de singles es efectivo.</a:t>
           </a:r>
           <a:endParaRPr kumimoji="0" lang="es-ES" altLang="es-ES" b="0" i="0" u="none" strike="noStrike" cap="none" normalizeH="0" baseline="0" dirty="0">
             <a:ln/>
@@ -2026,7 +2026,7 @@
               <a:effectLst/>
               <a:latin typeface="Arial" panose="020B0604020202020204" pitchFamily="34" charset="0"/>
             </a:rPr>
-            <a:t>Las letras explícitas repercuten en el éxito de una canción</a:t>
+            <a:t>Las letras explícitas repercuten en el éxito de una canción.</a:t>
           </a:r>
           <a:endParaRPr kumimoji="0" lang="es-ES" altLang="es-ES" b="0" i="0" u="none" strike="noStrike" cap="none" normalizeH="0" baseline="0" dirty="0">
             <a:ln/>
@@ -2326,12 +2326,11 @@
         <a:lstStyle/>
         <a:p>
           <a:r>
-            <a:rPr kumimoji="0" lang="es-ES" altLang="es-ES" b="1" i="0" u="none" strike="noStrike" cap="none" normalizeH="0" baseline="0">
-              <a:ln/>
-              <a:effectLst/>
+            <a:rPr lang="es-ES" b="1" dirty="0">
               <a:latin typeface="Arial" panose="020B0604020202020204" pitchFamily="34" charset="0"/>
+              <a:cs typeface="Arial" panose="020B0604020202020204" pitchFamily="34" charset="0"/>
             </a:rPr>
-            <a:t>El género no determina el éxito por intervención de Spotify</a:t>
+            <a:t>Spotify favorece ciertos géneros frente a otros.</a:t>
           </a:r>
           <a:endParaRPr kumimoji="0" lang="es-ES" altLang="es-ES" b="0" i="0" u="none" strike="noStrike" cap="none" normalizeH="0" baseline="0" dirty="0">
             <a:ln/>
@@ -2756,7 +2755,7 @@
   <dgm:whole/>
   <dgm:extLst>
     <a:ext uri="http://schemas.microsoft.com/office/drawing/2008/diagram">
-      <dsp:dataModelExt xmlns:dsp="http://schemas.microsoft.com/office/drawing/2008/diagram" relId="rId6" minVer="http://schemas.openxmlformats.org/drawingml/2006/diagram"/>
+      <dsp:dataModelExt xmlns:dsp="http://schemas.microsoft.com/office/drawing/2008/diagram" relId="rId7" minVer="http://schemas.openxmlformats.org/drawingml/2006/diagram"/>
     </a:ext>
   </dgm:extLst>
 </dgm:dataModel>
@@ -2917,7 +2916,7 @@
               <a:effectLst/>
               <a:latin typeface="Arial" panose="020B0604020202020204" pitchFamily="34" charset="0"/>
             </a:rPr>
-            <a:t>).</a:t>
+            <a:t>…).</a:t>
           </a:r>
           <a:endParaRPr lang="es-ES" sz="1700" kern="1200" dirty="0"/>
         </a:p>
@@ -3044,17 +3043,17 @@
             <a:buNone/>
           </a:pPr>
           <a:r>
-            <a:rPr kumimoji="0" lang="es-ES" altLang="es-ES" sz="1700" b="1" i="0" u="none" strike="noStrike" kern="1200" cap="none" normalizeH="0" baseline="0" dirty="0">
-              <a:ln/>
-              <a:effectLst/>
+            <a:rPr lang="es-ES" sz="1700" b="1" kern="1200" dirty="0">
               <a:latin typeface="Arial" panose="020B0604020202020204" pitchFamily="34" charset="0"/>
+              <a:cs typeface="Arial" panose="020B0604020202020204" pitchFamily="34" charset="0"/>
             </a:rPr>
-            <a:t>El género determina el éxito por intervención de Spotify</a:t>
+            <a:t>Spotify favorece ciertos géneros frente a otros.</a:t>
           </a:r>
           <a:endParaRPr kumimoji="0" lang="es-ES" altLang="es-ES" sz="1700" b="0" i="0" u="none" strike="noStrike" kern="1200" cap="none" normalizeH="0" baseline="0" dirty="0">
             <a:ln/>
             <a:effectLst/>
             <a:latin typeface="Arial" panose="020B0604020202020204" pitchFamily="34" charset="0"/>
+            <a:cs typeface="Arial" panose="020B0604020202020204" pitchFamily="34" charset="0"/>
           </a:endParaRPr>
         </a:p>
       </dsp:txBody>
@@ -3185,7 +3184,7 @@
               <a:effectLst/>
               <a:latin typeface="Arial" panose="020B0604020202020204" pitchFamily="34" charset="0"/>
             </a:rPr>
-            <a:t>El día y mes de lanzamiento influyen en el éxito de una canción</a:t>
+            <a:t>El día y mes de lanzamiento influyen en el éxito de una canción.</a:t>
           </a:r>
           <a:endParaRPr kumimoji="0" lang="es-ES" altLang="es-ES" sz="1700" b="0" i="0" u="none" strike="noStrike" kern="1200" cap="none" normalizeH="0" baseline="0" dirty="0">
             <a:ln/>
@@ -3316,12 +3315,12 @@
             <a:buNone/>
           </a:pPr>
           <a:r>
-            <a:rPr kumimoji="0" lang="es-ES" altLang="es-ES" sz="1700" b="1" i="0" u="none" strike="noStrike" kern="1200" cap="none" normalizeH="0" baseline="0">
+            <a:rPr kumimoji="0" lang="es-ES" altLang="es-ES" sz="1700" b="1" i="0" u="none" strike="noStrike" kern="1200" cap="none" normalizeH="0" baseline="0" dirty="0">
               <a:ln/>
               <a:effectLst/>
               <a:latin typeface="Arial" panose="020B0604020202020204" pitchFamily="34" charset="0"/>
             </a:rPr>
-            <a:t>Las canciones más cortas suelen ser más populares</a:t>
+            <a:t>Las canciones más cortas suelen ser más populares.</a:t>
           </a:r>
           <a:endParaRPr kumimoji="0" lang="es-ES" altLang="es-ES" sz="1700" b="0" i="0" u="none" strike="noStrike" kern="1200" cap="none" normalizeH="0" baseline="0" dirty="0">
             <a:ln/>
@@ -3457,7 +3456,7 @@
               <a:effectLst/>
               <a:latin typeface="Arial" panose="020B0604020202020204" pitchFamily="34" charset="0"/>
             </a:rPr>
-            <a:t>Las letras explícitas repercuten en el éxito de una canción</a:t>
+            <a:t>Las letras explícitas repercuten en el éxito de una canción.</a:t>
           </a:r>
           <a:endParaRPr kumimoji="0" lang="es-ES" altLang="es-ES" sz="1700" b="0" i="0" u="none" strike="noStrike" kern="1200" cap="none" normalizeH="0" baseline="0" dirty="0">
             <a:ln/>
@@ -3593,7 +3592,7 @@
               <a:effectLst/>
               <a:latin typeface="Arial" panose="020B0604020202020204" pitchFamily="34" charset="0"/>
             </a:rPr>
-            <a:t>Lanzar un álbum con estrategia de singles es efectivo</a:t>
+            <a:t>Lanzar un álbum con estrategia de singles es efectivo.</a:t>
           </a:r>
           <a:endParaRPr kumimoji="0" lang="es-ES" altLang="es-ES" sz="1700" b="0" i="0" u="none" strike="noStrike" kern="1200" cap="none" normalizeH="0" baseline="0" dirty="0">
             <a:ln/>
@@ -3915,12 +3914,11 @@
             <a:buNone/>
           </a:pPr>
           <a:r>
-            <a:rPr kumimoji="0" lang="es-ES" altLang="es-ES" sz="1500" b="1" i="0" u="none" strike="noStrike" kern="1200" cap="none" normalizeH="0" baseline="0">
-              <a:ln/>
-              <a:effectLst/>
+            <a:rPr lang="es-ES" sz="1500" b="1" kern="1200" dirty="0">
               <a:latin typeface="Arial" panose="020B0604020202020204" pitchFamily="34" charset="0"/>
+              <a:cs typeface="Arial" panose="020B0604020202020204" pitchFamily="34" charset="0"/>
             </a:rPr>
-            <a:t>El género no determina el éxito por intervención de Spotify</a:t>
+            <a:t>Spotify favorece ciertos géneros frente a otros.</a:t>
           </a:r>
           <a:endParaRPr kumimoji="0" lang="es-ES" altLang="es-ES" sz="1500" b="0" i="0" u="none" strike="noStrike" kern="1200" cap="none" normalizeH="0" baseline="0" dirty="0">
             <a:ln/>
@@ -9238,7 +9236,7 @@
           <a:p>
             <a:fld id="{20D715C0-E22A-4D1C-88B5-23890E9AC1E1}" type="datetimeFigureOut">
               <a:rPr lang="es-ES" smtClean="0"/>
-              <a:t>05/04/2025</a:t>
+              <a:t>06/04/2025</a:t>
             </a:fld>
             <a:endParaRPr lang="es-ES"/>
           </a:p>
@@ -10223,6 +10221,90 @@
 </p:notes>
 </file>
 
+<file path=ppt/notesSlides/notesSlide9.xml><?xml version="1.0" encoding="utf-8"?>
+<p:notes xmlns:a="http://schemas.openxmlformats.org/drawingml/2006/main" xmlns:r="http://schemas.openxmlformats.org/officeDocument/2006/relationships" xmlns:p="http://schemas.openxmlformats.org/presentationml/2006/main">
+  <p:cSld>
+    <p:spTree>
+      <p:nvGrpSpPr>
+        <p:cNvPr id="1" name=""/>
+        <p:cNvGrpSpPr/>
+        <p:nvPr/>
+      </p:nvGrpSpPr>
+      <p:grpSpPr>
+        <a:xfrm>
+          <a:off x="0" y="0"/>
+          <a:ext cx="0" cy="0"/>
+          <a:chOff x="0" y="0"/>
+          <a:chExt cx="0" cy="0"/>
+        </a:xfrm>
+      </p:grpSpPr>
+      <p:sp>
+        <p:nvSpPr>
+          <p:cNvPr id="2" name="Marcador de imagen de diapositiva 1"/>
+          <p:cNvSpPr>
+            <a:spLocks noGrp="1" noRot="1" noChangeAspect="1"/>
+          </p:cNvSpPr>
+          <p:nvPr>
+            <p:ph type="sldImg"/>
+          </p:nvPr>
+        </p:nvSpPr>
+        <p:spPr/>
+      </p:sp>
+      <p:sp>
+        <p:nvSpPr>
+          <p:cNvPr id="3" name="Marcador de notas 2"/>
+          <p:cNvSpPr>
+            <a:spLocks noGrp="1"/>
+          </p:cNvSpPr>
+          <p:nvPr>
+            <p:ph type="body" idx="1"/>
+          </p:nvPr>
+        </p:nvSpPr>
+        <p:spPr/>
+        <p:txBody>
+          <a:bodyPr/>
+          <a:lstStyle/>
+          <a:p>
+            <a:endParaRPr lang="es-ES" dirty="0"/>
+          </a:p>
+        </p:txBody>
+      </p:sp>
+      <p:sp>
+        <p:nvSpPr>
+          <p:cNvPr id="4" name="Marcador de número de diapositiva 3"/>
+          <p:cNvSpPr>
+            <a:spLocks noGrp="1"/>
+          </p:cNvSpPr>
+          <p:nvPr>
+            <p:ph type="sldNum" sz="quarter" idx="5"/>
+          </p:nvPr>
+        </p:nvSpPr>
+        <p:spPr/>
+        <p:txBody>
+          <a:bodyPr/>
+          <a:lstStyle/>
+          <a:p>
+            <a:fld id="{1AC6D009-F329-4F8A-8AE1-8EA1863FF191}" type="slidenum">
+              <a:rPr lang="es-ES" smtClean="0"/>
+              <a:t>19</a:t>
+            </a:fld>
+            <a:endParaRPr lang="es-ES"/>
+          </a:p>
+        </p:txBody>
+      </p:sp>
+    </p:spTree>
+    <p:extLst>
+      <p:ext uri="{BB962C8B-B14F-4D97-AF65-F5344CB8AC3E}">
+        <p14:creationId xmlns:p14="http://schemas.microsoft.com/office/powerpoint/2010/main" val="1011032566"/>
+      </p:ext>
+    </p:extLst>
+  </p:cSld>
+  <p:clrMapOvr>
+    <a:masterClrMapping/>
+  </p:clrMapOvr>
+</p:notes>
+</file>
+
 <file path=ppt/slideLayouts/slideLayout1.xml><?xml version="1.0" encoding="utf-8"?>
 <p:sldLayout xmlns:a="http://schemas.openxmlformats.org/drawingml/2006/main" xmlns:r="http://schemas.openxmlformats.org/officeDocument/2006/relationships" xmlns:p="http://schemas.openxmlformats.org/presentationml/2006/main" type="title" preserve="1">
   <p:cSld name="Diapositiva de título">
@@ -10370,7 +10452,7 @@
           <a:p>
             <a:fld id="{116A90F1-1ED3-4C59-AE5F-C1704E0852C3}" type="datetimeFigureOut">
               <a:rPr lang="es-ES" smtClean="0"/>
-              <a:t>05/04/2025</a:t>
+              <a:t>06/04/2025</a:t>
             </a:fld>
             <a:endParaRPr lang="es-ES"/>
           </a:p>
@@ -10568,7 +10650,7 @@
           <a:p>
             <a:fld id="{116A90F1-1ED3-4C59-AE5F-C1704E0852C3}" type="datetimeFigureOut">
               <a:rPr lang="es-ES" smtClean="0"/>
-              <a:t>05/04/2025</a:t>
+              <a:t>06/04/2025</a:t>
             </a:fld>
             <a:endParaRPr lang="es-ES"/>
           </a:p>
@@ -10776,7 +10858,7 @@
           <a:p>
             <a:fld id="{116A90F1-1ED3-4C59-AE5F-C1704E0852C3}" type="datetimeFigureOut">
               <a:rPr lang="es-ES" smtClean="0"/>
-              <a:t>05/04/2025</a:t>
+              <a:t>06/04/2025</a:t>
             </a:fld>
             <a:endParaRPr lang="es-ES"/>
           </a:p>
@@ -10974,7 +11056,7 @@
           <a:p>
             <a:fld id="{116A90F1-1ED3-4C59-AE5F-C1704E0852C3}" type="datetimeFigureOut">
               <a:rPr lang="es-ES" smtClean="0"/>
-              <a:t>05/04/2025</a:t>
+              <a:t>06/04/2025</a:t>
             </a:fld>
             <a:endParaRPr lang="es-ES"/>
           </a:p>
@@ -11249,7 +11331,7 @@
           <a:p>
             <a:fld id="{116A90F1-1ED3-4C59-AE5F-C1704E0852C3}" type="datetimeFigureOut">
               <a:rPr lang="es-ES" smtClean="0"/>
-              <a:t>05/04/2025</a:t>
+              <a:t>06/04/2025</a:t>
             </a:fld>
             <a:endParaRPr lang="es-ES"/>
           </a:p>
@@ -11514,7 +11596,7 @@
           <a:p>
             <a:fld id="{116A90F1-1ED3-4C59-AE5F-C1704E0852C3}" type="datetimeFigureOut">
               <a:rPr lang="es-ES" smtClean="0"/>
-              <a:t>05/04/2025</a:t>
+              <a:t>06/04/2025</a:t>
             </a:fld>
             <a:endParaRPr lang="es-ES"/>
           </a:p>
@@ -11926,7 +12008,7 @@
           <a:p>
             <a:fld id="{116A90F1-1ED3-4C59-AE5F-C1704E0852C3}" type="datetimeFigureOut">
               <a:rPr lang="es-ES" smtClean="0"/>
-              <a:t>05/04/2025</a:t>
+              <a:t>06/04/2025</a:t>
             </a:fld>
             <a:endParaRPr lang="es-ES"/>
           </a:p>
@@ -12067,7 +12149,7 @@
           <a:p>
             <a:fld id="{116A90F1-1ED3-4C59-AE5F-C1704E0852C3}" type="datetimeFigureOut">
               <a:rPr lang="es-ES" smtClean="0"/>
-              <a:t>05/04/2025</a:t>
+              <a:t>06/04/2025</a:t>
             </a:fld>
             <a:endParaRPr lang="es-ES"/>
           </a:p>
@@ -12180,7 +12262,7 @@
           <a:p>
             <a:fld id="{116A90F1-1ED3-4C59-AE5F-C1704E0852C3}" type="datetimeFigureOut">
               <a:rPr lang="es-ES" smtClean="0"/>
-              <a:t>05/04/2025</a:t>
+              <a:t>06/04/2025</a:t>
             </a:fld>
             <a:endParaRPr lang="es-ES"/>
           </a:p>
@@ -12491,7 +12573,7 @@
           <a:p>
             <a:fld id="{116A90F1-1ED3-4C59-AE5F-C1704E0852C3}" type="datetimeFigureOut">
               <a:rPr lang="es-ES" smtClean="0"/>
-              <a:t>05/04/2025</a:t>
+              <a:t>06/04/2025</a:t>
             </a:fld>
             <a:endParaRPr lang="es-ES"/>
           </a:p>
@@ -12779,7 +12861,7 @@
           <a:p>
             <a:fld id="{116A90F1-1ED3-4C59-AE5F-C1704E0852C3}" type="datetimeFigureOut">
               <a:rPr lang="es-ES" smtClean="0"/>
-              <a:t>05/04/2025</a:t>
+              <a:t>06/04/2025</a:t>
             </a:fld>
             <a:endParaRPr lang="es-ES"/>
           </a:p>
@@ -13020,7 +13102,7 @@
           <a:p>
             <a:fld id="{116A90F1-1ED3-4C59-AE5F-C1704E0852C3}" type="datetimeFigureOut">
               <a:rPr lang="es-ES" smtClean="0"/>
-              <a:t>05/04/2025</a:t>
+              <a:t>06/04/2025</a:t>
             </a:fld>
             <a:endParaRPr lang="es-ES"/>
           </a:p>
@@ -13494,21 +13576,70 @@
         </p:nvSpPr>
         <p:spPr>
           <a:xfrm>
-            <a:off x="1524000" y="4547612"/>
-            <a:ext cx="9144000" cy="793316"/>
+            <a:off x="2098766" y="4547612"/>
+            <a:ext cx="7994468" cy="538194"/>
           </a:xfrm>
         </p:spPr>
         <p:txBody>
-          <a:bodyPr/>
+          <a:bodyPr>
+            <a:normAutofit fontScale="85000" lnSpcReduction="20000"/>
+          </a:bodyPr>
           <a:lstStyle/>
           <a:p>
             <a:r>
               <a:rPr lang="es-ES" dirty="0"/>
-              <a:t>¿Tiene Spotify influencia directa en el éxito de las canciones en función de sus características?</a:t>
+              <a:t>¿Favorece Spotify los lanzamiento de ciertos tipos de canciones por sus características?</a:t>
             </a:r>
           </a:p>
         </p:txBody>
       </p:sp>
+      <p:pic>
+        <p:nvPicPr>
+          <p:cNvPr id="1028" name="Picture 4" descr="Flecha Crecimiento PNG para descargar gratis">
+            <a:extLst>
+              <a:ext uri="{FF2B5EF4-FFF2-40B4-BE49-F238E27FC236}">
+                <a16:creationId xmlns:a16="http://schemas.microsoft.com/office/drawing/2014/main" id="{3AA5DDC4-19E4-4F59-BA17-3155BB9FCA8E}"/>
+              </a:ext>
+            </a:extLst>
+          </p:cNvPr>
+          <p:cNvPicPr>
+            <a:picLocks noChangeAspect="1" noChangeArrowheads="1"/>
+          </p:cNvPicPr>
+          <p:nvPr/>
+        </p:nvPicPr>
+        <p:blipFill>
+          <a:blip r:embed="rId2">
+            <a:extLst>
+              <a:ext uri="{28A0092B-C50C-407E-A947-70E740481C1C}">
+                <a14:useLocalDpi xmlns:a14="http://schemas.microsoft.com/office/drawing/2010/main" val="0"/>
+              </a:ext>
+            </a:extLst>
+          </a:blip>
+          <a:srcRect/>
+          <a:stretch>
+            <a:fillRect/>
+          </a:stretch>
+        </p:blipFill>
+        <p:spPr bwMode="auto">
+          <a:xfrm>
+            <a:off x="9778652" y="5340928"/>
+            <a:ext cx="2413347" cy="1508342"/>
+          </a:xfrm>
+          <a:prstGeom prst="rect">
+            <a:avLst/>
+          </a:prstGeom>
+          <a:noFill/>
+          <a:extLst>
+            <a:ext uri="{909E8E84-426E-40DD-AFC4-6F175D3DCCD1}">
+              <a14:hiddenFill xmlns:a14="http://schemas.microsoft.com/office/drawing/2010/main">
+                <a:solidFill>
+                  <a:srgbClr val="FFFFFF"/>
+                </a:solidFill>
+              </a14:hiddenFill>
+            </a:ext>
+          </a:extLst>
+        </p:spPr>
+      </p:pic>
     </p:spTree>
     <p:extLst>
       <p:ext uri="{BB962C8B-B14F-4D97-AF65-F5344CB8AC3E}">
@@ -14591,42 +14722,6 @@
           <a:chExt cx="0" cy="0"/>
         </a:xfrm>
       </p:grpSpPr>
-      <p:pic>
-        <p:nvPicPr>
-          <p:cNvPr id="5" name="Imagen 4">
-            <a:extLst>
-              <a:ext uri="{FF2B5EF4-FFF2-40B4-BE49-F238E27FC236}">
-                <a16:creationId xmlns:a16="http://schemas.microsoft.com/office/drawing/2014/main" id="{FB2379B8-E3A0-45BC-9E08-D032D0E344D9}"/>
-              </a:ext>
-            </a:extLst>
-          </p:cNvPr>
-          <p:cNvPicPr>
-            <a:picLocks noChangeAspect="1"/>
-          </p:cNvPicPr>
-          <p:nvPr/>
-        </p:nvPicPr>
-        <p:blipFill>
-          <a:blip r:embed="rId3">
-            <a:extLst>
-              <a:ext uri="{28A0092B-C50C-407E-A947-70E740481C1C}">
-                <a14:useLocalDpi xmlns:a14="http://schemas.microsoft.com/office/drawing/2010/main" val="0"/>
-              </a:ext>
-            </a:extLst>
-          </a:blip>
-          <a:stretch>
-            <a:fillRect/>
-          </a:stretch>
-        </p:blipFill>
-        <p:spPr>
-          <a:xfrm>
-            <a:off x="2753592" y="232406"/>
-            <a:ext cx="7211652" cy="4574060"/>
-          </a:xfrm>
-          <a:prstGeom prst="rect">
-            <a:avLst/>
-          </a:prstGeom>
-        </p:spPr>
-      </p:pic>
       <p:sp>
         <p:nvSpPr>
           <p:cNvPr id="13" name="CuadroTexto 12">
@@ -14713,7 +14808,7 @@
                 <a:effectLst/>
                 <a:latin typeface="+mj-lt"/>
               </a:rPr>
-              <a:t>canciones más cortas</a:t>
+              <a:t>canciones más cortas.</a:t>
             </a:r>
             <a:endParaRPr kumimoji="0" lang="es-ES" altLang="es-ES" sz="1800" b="0" i="0" u="none" strike="noStrike" cap="none" normalizeH="0" baseline="0" dirty="0">
               <a:ln>
@@ -14767,11 +14862,47 @@
                 <a:effectLst/>
                 <a:latin typeface="+mj-lt"/>
               </a:rPr>
-              <a:t> entre duración y popularidad</a:t>
+              <a:t> entre duración y popularidad.</a:t>
             </a:r>
           </a:p>
         </p:txBody>
       </p:sp>
+      <p:pic>
+        <p:nvPicPr>
+          <p:cNvPr id="5" name="Imagen 4">
+            <a:extLst>
+              <a:ext uri="{FF2B5EF4-FFF2-40B4-BE49-F238E27FC236}">
+                <a16:creationId xmlns:a16="http://schemas.microsoft.com/office/drawing/2014/main" id="{FB2379B8-E3A0-45BC-9E08-D032D0E344D9}"/>
+              </a:ext>
+            </a:extLst>
+          </p:cNvPr>
+          <p:cNvPicPr>
+            <a:picLocks noChangeAspect="1"/>
+          </p:cNvPicPr>
+          <p:nvPr/>
+        </p:nvPicPr>
+        <p:blipFill>
+          <a:blip r:embed="rId3">
+            <a:extLst>
+              <a:ext uri="{28A0092B-C50C-407E-A947-70E740481C1C}">
+                <a14:useLocalDpi xmlns:a14="http://schemas.microsoft.com/office/drawing/2010/main" val="0"/>
+              </a:ext>
+            </a:extLst>
+          </a:blip>
+          <a:stretch>
+            <a:fillRect/>
+          </a:stretch>
+        </p:blipFill>
+        <p:spPr>
+          <a:xfrm>
+            <a:off x="2753592" y="232406"/>
+            <a:ext cx="7211652" cy="4574060"/>
+          </a:xfrm>
+          <a:prstGeom prst="rect">
+            <a:avLst/>
+          </a:prstGeom>
+        </p:spPr>
+      </p:pic>
       <p:sp>
         <p:nvSpPr>
           <p:cNvPr id="8" name="CuadroTexto 7">
@@ -14787,7 +14918,7 @@
         <p:spPr>
           <a:xfrm>
             <a:off x="3204442" y="5516814"/>
-            <a:ext cx="6309952" cy="923330"/>
+            <a:ext cx="6309952" cy="646331"/>
           </a:xfrm>
           <a:prstGeom prst="rect">
             <a:avLst/>
@@ -14902,21 +15033,18 @@
                 <a:effectLst/>
                 <a:latin typeface="+mj-lt"/>
               </a:rPr>
-              <a:t>Las canciones más largas tienden a ser menos populares</a:t>
+              <a:t>Las canciones más largas tienden a ser menos populares.</a:t>
             </a:r>
-            <a:r>
-              <a:rPr kumimoji="0" lang="es-ES" altLang="es-ES" sz="1800" b="0" i="0" u="none" strike="noStrike" cap="none" normalizeH="0" baseline="0" dirty="0">
-                <a:ln>
-                  <a:noFill/>
-                </a:ln>
-                <a:solidFill>
-                  <a:schemeClr val="tx1"/>
-                </a:solidFill>
-                <a:effectLst/>
-                <a:latin typeface="+mj-lt"/>
-              </a:rPr>
-              <a:t>, pero la duración no es el único factor determinante.</a:t>
-            </a:r>
+            <a:endParaRPr kumimoji="0" lang="es-ES" altLang="es-ES" sz="1800" b="0" i="0" u="none" strike="noStrike" cap="none" normalizeH="0" baseline="0" dirty="0">
+              <a:ln>
+                <a:noFill/>
+              </a:ln>
+              <a:solidFill>
+                <a:schemeClr val="tx1"/>
+              </a:solidFill>
+              <a:effectLst/>
+              <a:latin typeface="+mj-lt"/>
+            </a:endParaRPr>
           </a:p>
         </p:txBody>
       </p:sp>
@@ -14948,7 +15076,7 @@
         </p:blipFill>
         <p:spPr>
           <a:xfrm>
-            <a:off x="2572985" y="257097"/>
+            <a:off x="2572985" y="213554"/>
             <a:ext cx="7046029" cy="4558223"/>
           </a:xfrm>
           <a:prstGeom prst="rect">
@@ -16735,7 +16863,7 @@
           <p:nvPr>
             <p:extLst>
               <p:ext uri="{D42A27DB-BD31-4B8C-83A1-F6EECF244321}">
-                <p14:modId xmlns:p14="http://schemas.microsoft.com/office/powerpoint/2010/main" val="3116459285"/>
+                <p14:modId xmlns:p14="http://schemas.microsoft.com/office/powerpoint/2010/main" val="153467717"/>
               </p:ext>
             </p:extLst>
           </p:nvPr>
@@ -16746,7 +16874,7 @@
         </p:xfrm>
         <a:graphic>
           <a:graphicData uri="http://schemas.openxmlformats.org/drawingml/2006/diagram">
-            <dgm:relIds xmlns:dgm="http://schemas.openxmlformats.org/drawingml/2006/diagram" xmlns:r="http://schemas.openxmlformats.org/officeDocument/2006/relationships" r:dm="rId2" r:lo="rId3" r:qs="rId4" r:cs="rId5"/>
+            <dgm:relIds xmlns:dgm="http://schemas.openxmlformats.org/drawingml/2006/diagram" xmlns:r="http://schemas.openxmlformats.org/officeDocument/2006/relationships" r:dm="rId3" r:lo="rId4" r:qs="rId5" r:cs="rId6"/>
           </a:graphicData>
         </a:graphic>
       </p:graphicFrame>
@@ -16765,7 +16893,7 @@
           <p:nvPr/>
         </p:nvPicPr>
         <p:blipFill>
-          <a:blip r:embed="rId7">
+          <a:blip r:embed="rId8">
             <a:extLst>
               <a:ext uri="{28A0092B-C50C-407E-A947-70E740481C1C}">
                 <a14:useLocalDpi xmlns:a14="http://schemas.microsoft.com/office/drawing/2010/main" val="0"/>
@@ -16873,7 +17001,7 @@
           <p:nvPr>
             <p:extLst>
               <p:ext uri="{D42A27DB-BD31-4B8C-83A1-F6EECF244321}">
-                <p14:modId xmlns:p14="http://schemas.microsoft.com/office/powerpoint/2010/main" val="3427787719"/>
+                <p14:modId xmlns:p14="http://schemas.microsoft.com/office/powerpoint/2010/main" val="1260308950"/>
               </p:ext>
             </p:extLst>
           </p:nvPr>
@@ -17082,6 +17210,51 @@
           <a:xfrm>
             <a:off x="4429991" y="3429000"/>
             <a:ext cx="3332017" cy="3332017"/>
+          </a:xfrm>
+          <a:prstGeom prst="rect">
+            <a:avLst/>
+          </a:prstGeom>
+          <a:noFill/>
+          <a:extLst>
+            <a:ext uri="{909E8E84-426E-40DD-AFC4-6F175D3DCCD1}">
+              <a14:hiddenFill xmlns:a14="http://schemas.microsoft.com/office/drawing/2010/main">
+                <a:solidFill>
+                  <a:srgbClr val="FFFFFF"/>
+                </a:solidFill>
+              </a14:hiddenFill>
+            </a:ext>
+          </a:extLst>
+        </p:spPr>
+      </p:pic>
+      <p:pic>
+        <p:nvPicPr>
+          <p:cNvPr id="5" name="Picture 2" descr="Dinero png by iamlupitacarbajal on DeviantArt">
+            <a:extLst>
+              <a:ext uri="{FF2B5EF4-FFF2-40B4-BE49-F238E27FC236}">
+                <a16:creationId xmlns:a16="http://schemas.microsoft.com/office/drawing/2014/main" id="{24BFAF84-6FE3-4665-A525-E95975F67082}"/>
+              </a:ext>
+            </a:extLst>
+          </p:cNvPr>
+          <p:cNvPicPr>
+            <a:picLocks noChangeAspect="1" noChangeArrowheads="1"/>
+          </p:cNvPicPr>
+          <p:nvPr/>
+        </p:nvPicPr>
+        <p:blipFill rotWithShape="1">
+          <a:blip r:embed="rId3">
+            <a:extLst>
+              <a:ext uri="{28A0092B-C50C-407E-A947-70E740481C1C}">
+                <a14:useLocalDpi xmlns:a14="http://schemas.microsoft.com/office/drawing/2010/main" val="0"/>
+              </a:ext>
+            </a:extLst>
+          </a:blip>
+          <a:srcRect r="48714"/>
+          <a:stretch/>
+        </p:blipFill>
+        <p:spPr bwMode="auto">
+          <a:xfrm>
+            <a:off x="7940" y="2237047"/>
+            <a:ext cx="1991189" cy="3658906"/>
           </a:xfrm>
           <a:prstGeom prst="rect">
             <a:avLst/>
@@ -17410,6 +17583,41 @@
                                   </p:childTnLst>
                                 </p:cTn>
                               </p:par>
+                              <p:par>
+                                <p:cTn id="21" presetID="10" presetClass="entr" presetSubtype="0" fill="hold" nodeType="withEffect">
+                                  <p:stCondLst>
+                                    <p:cond delay="0"/>
+                                  </p:stCondLst>
+                                  <p:childTnLst>
+                                    <p:set>
+                                      <p:cBhvr>
+                                        <p:cTn id="22" dur="1" fill="hold">
+                                          <p:stCondLst>
+                                            <p:cond delay="0"/>
+                                          </p:stCondLst>
+                                        </p:cTn>
+                                        <p:tgtEl>
+                                          <p:spTgt spid="5"/>
+                                        </p:tgtEl>
+                                        <p:attrNameLst>
+                                          <p:attrName>style.visibility</p:attrName>
+                                        </p:attrNameLst>
+                                      </p:cBhvr>
+                                      <p:to>
+                                        <p:strVal val="visible"/>
+                                      </p:to>
+                                    </p:set>
+                                    <p:animEffect transition="in" filter="fade">
+                                      <p:cBhvr>
+                                        <p:cTn id="23" dur="500"/>
+                                        <p:tgtEl>
+                                          <p:spTgt spid="5"/>
+                                        </p:tgtEl>
+                                      </p:cBhvr>
+                                    </p:animEffect>
+                                  </p:childTnLst>
+                                </p:cTn>
+                              </p:par>
                             </p:childTnLst>
                           </p:cTn>
                         </p:par>
@@ -17574,14 +17782,11 @@
               <a:rPr lang="es-ES" altLang="es-ES" sz="1600" b="1" dirty="0">
                 <a:latin typeface="+mj-lt"/>
               </a:rPr>
-              <a:t>El público no muestra una preferencia clara</a:t>
+              <a:t>El público puede no mostrar una preferencia clara.</a:t>
             </a:r>
-            <a:r>
-              <a:rPr lang="es-ES" altLang="es-ES" sz="1600" dirty="0">
-                <a:latin typeface="+mj-lt"/>
-              </a:rPr>
-              <a:t> por un estilo específico.</a:t>
-            </a:r>
+            <a:endParaRPr lang="es-ES" altLang="es-ES" sz="1600" dirty="0">
+              <a:latin typeface="+mj-lt"/>
+            </a:endParaRPr>
           </a:p>
         </p:txBody>
       </p:sp>
@@ -19220,21 +19425,18 @@
                 <a:effectLst/>
                 <a:latin typeface="+mj-lt"/>
               </a:rPr>
-              <a:t>Géneros con pocas canciones pueden destacar -&gt; </a:t>
+              <a:t>Géneros con pocas canciones pueden destacar.</a:t>
             </a:r>
-            <a:r>
-              <a:rPr kumimoji="0" lang="es-ES" altLang="es-ES" sz="1800" i="0" u="none" strike="noStrike" cap="none" normalizeH="0" baseline="0" dirty="0">
-                <a:ln>
-                  <a:noFill/>
-                </a:ln>
-                <a:solidFill>
-                  <a:schemeClr val="tx1"/>
-                </a:solidFill>
-                <a:effectLst/>
-                <a:latin typeface="+mj-lt"/>
-              </a:rPr>
-              <a:t>son bien recibidos.</a:t>
-            </a:r>
+            <a:endParaRPr kumimoji="0" lang="es-ES" altLang="es-ES" sz="1800" i="0" u="none" strike="noStrike" cap="none" normalizeH="0" baseline="0" dirty="0">
+              <a:ln>
+                <a:noFill/>
+              </a:ln>
+              <a:solidFill>
+                <a:schemeClr val="tx1"/>
+              </a:solidFill>
+              <a:effectLst/>
+              <a:latin typeface="+mj-lt"/>
+            </a:endParaRPr>
           </a:p>
         </p:txBody>
       </p:sp>
@@ -19304,20 +19506,7 @@
                 <a:effectLst/>
                 <a:latin typeface="+mj-lt"/>
               </a:rPr>
-              <a:t>El favoritismo de Spotify parece depender más de la demanda y la curaduría algorítmica</a:t>
-            </a:r>
-            <a:r>
-              <a:rPr kumimoji="0" lang="es-ES" altLang="es-ES" sz="2400" b="0" i="0" u="none" strike="noStrike" cap="none" normalizeH="0" baseline="0" dirty="0">
-                <a:ln>
-                  <a:noFill/>
-                </a:ln>
-                <a:solidFill>
-                  <a:schemeClr val="tx1"/>
-                </a:solidFill>
-                <a:effectLst/>
-                <a:latin typeface="+mj-lt"/>
-              </a:rPr>
-              <a:t> que de la cantidad de contenido.</a:t>
+              <a:t>El favoritismo de Spotify parece depender más de la demanda y la curaduría algorítmica que de la cantidad de contenido.</a:t>
             </a:r>
           </a:p>
         </p:txBody>
@@ -19556,78 +19745,6 @@
           <a:chExt cx="0" cy="0"/>
         </a:xfrm>
       </p:grpSpPr>
-      <p:pic>
-        <p:nvPicPr>
-          <p:cNvPr id="3" name="Imagen 2">
-            <a:extLst>
-              <a:ext uri="{FF2B5EF4-FFF2-40B4-BE49-F238E27FC236}">
-                <a16:creationId xmlns:a16="http://schemas.microsoft.com/office/drawing/2014/main" id="{98A2463E-4034-4F5C-AA4C-3FC4756294E6}"/>
-              </a:ext>
-            </a:extLst>
-          </p:cNvPr>
-          <p:cNvPicPr>
-            <a:picLocks noChangeAspect="1"/>
-          </p:cNvPicPr>
-          <p:nvPr/>
-        </p:nvPicPr>
-        <p:blipFill>
-          <a:blip r:embed="rId3">
-            <a:extLst>
-              <a:ext uri="{28A0092B-C50C-407E-A947-70E740481C1C}">
-                <a14:useLocalDpi xmlns:a14="http://schemas.microsoft.com/office/drawing/2010/main" val="0"/>
-              </a:ext>
-            </a:extLst>
-          </a:blip>
-          <a:stretch>
-            <a:fillRect/>
-          </a:stretch>
-        </p:blipFill>
-        <p:spPr>
-          <a:xfrm>
-            <a:off x="140570" y="142967"/>
-            <a:ext cx="6455538" cy="3722212"/>
-          </a:xfrm>
-          <a:prstGeom prst="rect">
-            <a:avLst/>
-          </a:prstGeom>
-        </p:spPr>
-      </p:pic>
-      <p:pic>
-        <p:nvPicPr>
-          <p:cNvPr id="6" name="Imagen 5">
-            <a:extLst>
-              <a:ext uri="{FF2B5EF4-FFF2-40B4-BE49-F238E27FC236}">
-                <a16:creationId xmlns:a16="http://schemas.microsoft.com/office/drawing/2014/main" id="{1D8B2A6D-63CC-4D42-94CF-A115F6972781}"/>
-              </a:ext>
-            </a:extLst>
-          </p:cNvPr>
-          <p:cNvPicPr>
-            <a:picLocks noChangeAspect="1"/>
-          </p:cNvPicPr>
-          <p:nvPr/>
-        </p:nvPicPr>
-        <p:blipFill>
-          <a:blip r:embed="rId4">
-            <a:extLst>
-              <a:ext uri="{28A0092B-C50C-407E-A947-70E740481C1C}">
-                <a14:useLocalDpi xmlns:a14="http://schemas.microsoft.com/office/drawing/2010/main" val="0"/>
-              </a:ext>
-            </a:extLst>
-          </a:blip>
-          <a:stretch>
-            <a:fillRect/>
-          </a:stretch>
-        </p:blipFill>
-        <p:spPr>
-          <a:xfrm>
-            <a:off x="6214368" y="3829741"/>
-            <a:ext cx="5766039" cy="2885291"/>
-          </a:xfrm>
-          <a:prstGeom prst="rect">
-            <a:avLst/>
-          </a:prstGeom>
-        </p:spPr>
-      </p:pic>
       <p:sp>
         <p:nvSpPr>
           <p:cNvPr id="8" name="CuadroTexto 7">
@@ -19643,7 +19760,7 @@
         <p:spPr>
           <a:xfrm>
             <a:off x="7102135" y="709082"/>
-            <a:ext cx="4620088" cy="2554545"/>
+            <a:ext cx="4620088" cy="2800767"/>
           </a:xfrm>
           <a:prstGeom prst="rect">
             <a:avLst/>
@@ -19701,7 +19818,7 @@
                 <a:effectLst/>
                 <a:latin typeface="+mj-lt"/>
               </a:rPr>
-              <a:t>, alineado con estrategias de ventas y premiaciones.</a:t>
+              <a:t>, alineado con estrategias de ventas y galas de premios.</a:t>
             </a:r>
           </a:p>
           <a:p>
@@ -19951,11 +20068,83 @@
                 <a:effectLst/>
                 <a:latin typeface="+mj-lt"/>
               </a:rPr>
-              <a:t>: e prioriza septiembre</a:t>
+              <a:t>: se prioriza septiembre</a:t>
             </a:r>
           </a:p>
         </p:txBody>
       </p:sp>
+      <p:pic>
+        <p:nvPicPr>
+          <p:cNvPr id="3" name="Imagen 2">
+            <a:extLst>
+              <a:ext uri="{FF2B5EF4-FFF2-40B4-BE49-F238E27FC236}">
+                <a16:creationId xmlns:a16="http://schemas.microsoft.com/office/drawing/2014/main" id="{98A2463E-4034-4F5C-AA4C-3FC4756294E6}"/>
+              </a:ext>
+            </a:extLst>
+          </p:cNvPr>
+          <p:cNvPicPr>
+            <a:picLocks noChangeAspect="1"/>
+          </p:cNvPicPr>
+          <p:nvPr/>
+        </p:nvPicPr>
+        <p:blipFill>
+          <a:blip r:embed="rId3">
+            <a:extLst>
+              <a:ext uri="{28A0092B-C50C-407E-A947-70E740481C1C}">
+                <a14:useLocalDpi xmlns:a14="http://schemas.microsoft.com/office/drawing/2010/main" val="0"/>
+              </a:ext>
+            </a:extLst>
+          </a:blip>
+          <a:stretch>
+            <a:fillRect/>
+          </a:stretch>
+        </p:blipFill>
+        <p:spPr>
+          <a:xfrm>
+            <a:off x="140570" y="142967"/>
+            <a:ext cx="6455538" cy="3722212"/>
+          </a:xfrm>
+          <a:prstGeom prst="rect">
+            <a:avLst/>
+          </a:prstGeom>
+        </p:spPr>
+      </p:pic>
+      <p:pic>
+        <p:nvPicPr>
+          <p:cNvPr id="6" name="Imagen 5">
+            <a:extLst>
+              <a:ext uri="{FF2B5EF4-FFF2-40B4-BE49-F238E27FC236}">
+                <a16:creationId xmlns:a16="http://schemas.microsoft.com/office/drawing/2014/main" id="{1D8B2A6D-63CC-4D42-94CF-A115F6972781}"/>
+              </a:ext>
+            </a:extLst>
+          </p:cNvPr>
+          <p:cNvPicPr>
+            <a:picLocks noChangeAspect="1"/>
+          </p:cNvPicPr>
+          <p:nvPr/>
+        </p:nvPicPr>
+        <p:blipFill>
+          <a:blip r:embed="rId4">
+            <a:extLst>
+              <a:ext uri="{28A0092B-C50C-407E-A947-70E740481C1C}">
+                <a14:useLocalDpi xmlns:a14="http://schemas.microsoft.com/office/drawing/2010/main" val="0"/>
+              </a:ext>
+            </a:extLst>
+          </a:blip>
+          <a:stretch>
+            <a:fillRect/>
+          </a:stretch>
+        </p:blipFill>
+        <p:spPr>
+          <a:xfrm>
+            <a:off x="6214368" y="3829741"/>
+            <a:ext cx="5766039" cy="2885291"/>
+          </a:xfrm>
+          <a:prstGeom prst="rect">
+            <a:avLst/>
+          </a:prstGeom>
+        </p:spPr>
+      </p:pic>
       <p:sp>
         <p:nvSpPr>
           <p:cNvPr id="10" name="CuadroTexto 9">

--- a/presentacion/Cómo triunfar en Spotify_ANDERPENAVILLALOBOS.pptx
+++ b/presentacion/Cómo triunfar en Spotify_ANDERPENAVILLALOBOS.pptx
@@ -9236,7 +9236,7 @@
           <a:p>
             <a:fld id="{20D715C0-E22A-4D1C-88B5-23890E9AC1E1}" type="datetimeFigureOut">
               <a:rPr lang="es-ES" smtClean="0"/>
-              <a:t>06/04/2025</a:t>
+              <a:t>07/04/2025</a:t>
             </a:fld>
             <a:endParaRPr lang="es-ES"/>
           </a:p>
@@ -10452,7 +10452,7 @@
           <a:p>
             <a:fld id="{116A90F1-1ED3-4C59-AE5F-C1704E0852C3}" type="datetimeFigureOut">
               <a:rPr lang="es-ES" smtClean="0"/>
-              <a:t>06/04/2025</a:t>
+              <a:t>07/04/2025</a:t>
             </a:fld>
             <a:endParaRPr lang="es-ES"/>
           </a:p>
@@ -10650,7 +10650,7 @@
           <a:p>
             <a:fld id="{116A90F1-1ED3-4C59-AE5F-C1704E0852C3}" type="datetimeFigureOut">
               <a:rPr lang="es-ES" smtClean="0"/>
-              <a:t>06/04/2025</a:t>
+              <a:t>07/04/2025</a:t>
             </a:fld>
             <a:endParaRPr lang="es-ES"/>
           </a:p>
@@ -10858,7 +10858,7 @@
           <a:p>
             <a:fld id="{116A90F1-1ED3-4C59-AE5F-C1704E0852C3}" type="datetimeFigureOut">
               <a:rPr lang="es-ES" smtClean="0"/>
-              <a:t>06/04/2025</a:t>
+              <a:t>07/04/2025</a:t>
             </a:fld>
             <a:endParaRPr lang="es-ES"/>
           </a:p>
@@ -11056,7 +11056,7 @@
           <a:p>
             <a:fld id="{116A90F1-1ED3-4C59-AE5F-C1704E0852C3}" type="datetimeFigureOut">
               <a:rPr lang="es-ES" smtClean="0"/>
-              <a:t>06/04/2025</a:t>
+              <a:t>07/04/2025</a:t>
             </a:fld>
             <a:endParaRPr lang="es-ES"/>
           </a:p>
@@ -11331,7 +11331,7 @@
           <a:p>
             <a:fld id="{116A90F1-1ED3-4C59-AE5F-C1704E0852C3}" type="datetimeFigureOut">
               <a:rPr lang="es-ES" smtClean="0"/>
-              <a:t>06/04/2025</a:t>
+              <a:t>07/04/2025</a:t>
             </a:fld>
             <a:endParaRPr lang="es-ES"/>
           </a:p>
@@ -11596,7 +11596,7 @@
           <a:p>
             <a:fld id="{116A90F1-1ED3-4C59-AE5F-C1704E0852C3}" type="datetimeFigureOut">
               <a:rPr lang="es-ES" smtClean="0"/>
-              <a:t>06/04/2025</a:t>
+              <a:t>07/04/2025</a:t>
             </a:fld>
             <a:endParaRPr lang="es-ES"/>
           </a:p>
@@ -12008,7 +12008,7 @@
           <a:p>
             <a:fld id="{116A90F1-1ED3-4C59-AE5F-C1704E0852C3}" type="datetimeFigureOut">
               <a:rPr lang="es-ES" smtClean="0"/>
-              <a:t>06/04/2025</a:t>
+              <a:t>07/04/2025</a:t>
             </a:fld>
             <a:endParaRPr lang="es-ES"/>
           </a:p>
@@ -12149,7 +12149,7 @@
           <a:p>
             <a:fld id="{116A90F1-1ED3-4C59-AE5F-C1704E0852C3}" type="datetimeFigureOut">
               <a:rPr lang="es-ES" smtClean="0"/>
-              <a:t>06/04/2025</a:t>
+              <a:t>07/04/2025</a:t>
             </a:fld>
             <a:endParaRPr lang="es-ES"/>
           </a:p>
@@ -12262,7 +12262,7 @@
           <a:p>
             <a:fld id="{116A90F1-1ED3-4C59-AE5F-C1704E0852C3}" type="datetimeFigureOut">
               <a:rPr lang="es-ES" smtClean="0"/>
-              <a:t>06/04/2025</a:t>
+              <a:t>07/04/2025</a:t>
             </a:fld>
             <a:endParaRPr lang="es-ES"/>
           </a:p>
@@ -12573,7 +12573,7 @@
           <a:p>
             <a:fld id="{116A90F1-1ED3-4C59-AE5F-C1704E0852C3}" type="datetimeFigureOut">
               <a:rPr lang="es-ES" smtClean="0"/>
-              <a:t>06/04/2025</a:t>
+              <a:t>07/04/2025</a:t>
             </a:fld>
             <a:endParaRPr lang="es-ES"/>
           </a:p>
@@ -12861,7 +12861,7 @@
           <a:p>
             <a:fld id="{116A90F1-1ED3-4C59-AE5F-C1704E0852C3}" type="datetimeFigureOut">
               <a:rPr lang="es-ES" smtClean="0"/>
-              <a:t>06/04/2025</a:t>
+              <a:t>07/04/2025</a:t>
             </a:fld>
             <a:endParaRPr lang="es-ES"/>
           </a:p>
@@ -13102,7 +13102,7 @@
           <a:p>
             <a:fld id="{116A90F1-1ED3-4C59-AE5F-C1704E0852C3}" type="datetimeFigureOut">
               <a:rPr lang="es-ES" smtClean="0"/>
-              <a:t>06/04/2025</a:t>
+              <a:t>07/04/2025</a:t>
             </a:fld>
             <a:endParaRPr lang="es-ES"/>
           </a:p>
@@ -18032,7 +18032,7 @@
 </file>
 
 <file path=ppt/slides/slide4.xml><?xml version="1.0" encoding="utf-8"?>
-<p:sld xmlns:a="http://schemas.openxmlformats.org/drawingml/2006/main" xmlns:r="http://schemas.openxmlformats.org/officeDocument/2006/relationships" xmlns:p="http://schemas.openxmlformats.org/presentationml/2006/main">
+<p:sld xmlns:a="http://schemas.openxmlformats.org/drawingml/2006/main" xmlns:r="http://schemas.openxmlformats.org/officeDocument/2006/relationships" xmlns:p="http://schemas.openxmlformats.org/presentationml/2006/main" show="0">
   <p:cSld>
     <p:spTree>
       <p:nvGrpSpPr>
@@ -18691,19 +18691,6 @@
                 <a:latin typeface="+mj-lt"/>
               </a:rPr>
               <a:t>streams</a:t>
-            </a:r>
-            <a:r>
-              <a:rPr kumimoji="0" lang="es-ES" altLang="es-ES" b="1" i="0" u="none" strike="noStrike" cap="none" normalizeH="0" baseline="0" dirty="0">
-                <a:ln>
-                  <a:noFill/>
-                </a:ln>
-                <a:solidFill>
-                  <a:schemeClr val="tx1"/>
-                </a:solidFill>
-                <a:effectLst/>
-                <a:latin typeface="+mj-lt"/>
-              </a:rPr>
-              <a:t> en Spotify</a:t>
             </a:r>
             <a:r>
               <a:rPr kumimoji="0" lang="es-ES" altLang="es-ES" b="0" i="0" u="none" strike="noStrike" cap="none" normalizeH="0" baseline="0" dirty="0">
@@ -19760,7 +19747,7 @@
         <p:spPr>
           <a:xfrm>
             <a:off x="7102135" y="709082"/>
-            <a:ext cx="4620088" cy="2800767"/>
+            <a:ext cx="4620088" cy="2308324"/>
           </a:xfrm>
           <a:prstGeom prst="rect">
             <a:avLst/>
@@ -19922,44 +19909,6 @@
                 <a:effectLst/>
                 <a:latin typeface="+mj-lt"/>
               </a:rPr>
-              <a:t>Mayo - Junio</a:t>
-            </a:r>
-            <a:r>
-              <a:rPr kumimoji="0" lang="es-ES" altLang="es-ES" sz="1600" b="0" i="0" u="none" strike="noStrike" cap="none" normalizeH="0" baseline="0" dirty="0">
-                <a:ln>
-                  <a:noFill/>
-                </a:ln>
-                <a:solidFill>
-                  <a:schemeClr val="tx1"/>
-                </a:solidFill>
-                <a:effectLst/>
-                <a:latin typeface="+mj-lt"/>
-              </a:rPr>
-              <a:t>: hits del verano</a:t>
-            </a:r>
-          </a:p>
-          <a:p>
-            <a:pPr marL="742950" lvl="1" indent="-285750" eaLnBrk="0" fontAlgn="base" hangingPunct="0">
-              <a:spcBef>
-                <a:spcPct val="0"/>
-              </a:spcBef>
-              <a:spcAft>
-                <a:spcPct val="0"/>
-              </a:spcAft>
-              <a:buFont typeface="Arial" panose="020B0604020202020204" pitchFamily="34" charset="0"/>
-              <a:buChar char="•"/>
-            </a:pPr>
-            <a:r>
-              <a:rPr kumimoji="0" lang="es-ES" altLang="es-ES" sz="1600" b="1" i="0" u="none" strike="noStrike" cap="none" normalizeH="0" baseline="0" dirty="0">
-                <a:ln>
-                  <a:noFill/>
-                </a:ln>
-                <a:solidFill>
-                  <a:schemeClr val="tx1"/>
-                </a:solidFill>
-                <a:effectLst/>
-                <a:latin typeface="+mj-lt"/>
-              </a:rPr>
               <a:t>Enero - Febrero</a:t>
             </a:r>
             <a:r>
@@ -20031,44 +19980,6 @@
                 <a:latin typeface="+mj-lt"/>
               </a:rPr>
               <a:t>: cierre de la industria☑</a:t>
-            </a:r>
-          </a:p>
-          <a:p>
-            <a:pPr marL="742950" lvl="1" indent="-285750" eaLnBrk="0" fontAlgn="base" hangingPunct="0">
-              <a:spcBef>
-                <a:spcPct val="0"/>
-              </a:spcBef>
-              <a:spcAft>
-                <a:spcPct val="0"/>
-              </a:spcAft>
-              <a:buFont typeface="Arial" panose="020B0604020202020204" pitchFamily="34" charset="0"/>
-              <a:buChar char="•"/>
-            </a:pPr>
-            <a:r>
-              <a:rPr kumimoji="0" lang="es-ES" altLang="es-ES" sz="1600" b="1" i="0" u="none" strike="noStrike" cap="none" normalizeH="0" baseline="0" dirty="0">
-                <a:ln>
-                  <a:noFill/>
-                </a:ln>
-                <a:solidFill>
-                  <a:schemeClr val="tx1"/>
-                </a:solidFill>
-                <a:effectLst/>
-                <a:latin typeface="+mj-lt"/>
-              </a:rPr>
-              <a:t>Julio - Agosto</a:t>
-            </a:r>
-            <a:r>
-              <a:rPr kumimoji="0" lang="es-ES" altLang="es-ES" sz="1600" b="0" i="0" u="none" strike="noStrike" cap="none" normalizeH="0" baseline="0" dirty="0">
-                <a:ln>
-                  <a:noFill/>
-                </a:ln>
-                <a:solidFill>
-                  <a:schemeClr val="tx1"/>
-                </a:solidFill>
-                <a:effectLst/>
-                <a:latin typeface="+mj-lt"/>
-              </a:rPr>
-              <a:t>: se prioriza septiembre</a:t>
             </a:r>
           </a:p>
         </p:txBody>

--- a/presentacion/Cómo triunfar en Spotify_ANDERPENAVILLALOBOS.pptx
+++ b/presentacion/Cómo triunfar en Spotify_ANDERPENAVILLALOBOS.pptx
@@ -1923,51 +1923,6 @@
         </a:p>
       </dgm:t>
     </dgm:pt>
-    <dgm:pt modelId="{EADE134E-EF45-4640-B9DB-1DC3FF79FCEB}">
-      <dgm:prSet/>
-      <dgm:spPr/>
-      <dgm:t>
-        <a:bodyPr/>
-        <a:lstStyle/>
-        <a:p>
-          <a:r>
-            <a:rPr kumimoji="0" lang="es-ES" altLang="es-ES" b="1" i="0" u="none" strike="noStrike" cap="none" normalizeH="0" baseline="0" dirty="0">
-              <a:ln/>
-              <a:effectLst/>
-              <a:latin typeface="Arial" panose="020B0604020202020204" pitchFamily="34" charset="0"/>
-            </a:rPr>
-            <a:t>Las canciones más cortas suelen ser más populares.</a:t>
-          </a:r>
-          <a:endParaRPr kumimoji="0" lang="es-ES" altLang="es-ES" b="0" i="0" u="none" strike="noStrike" cap="none" normalizeH="0" baseline="0" dirty="0">
-            <a:ln/>
-            <a:effectLst/>
-            <a:latin typeface="Arial" panose="020B0604020202020204" pitchFamily="34" charset="0"/>
-          </a:endParaRPr>
-        </a:p>
-      </dgm:t>
-    </dgm:pt>
-    <dgm:pt modelId="{54891A6B-42EF-4081-92C4-77D84FD51636}" type="parTrans" cxnId="{EA7BBC44-15A5-4EF4-850A-43F743772081}">
-      <dgm:prSet/>
-      <dgm:spPr/>
-      <dgm:t>
-        <a:bodyPr/>
-        <a:lstStyle/>
-        <a:p>
-          <a:endParaRPr lang="es-ES"/>
-        </a:p>
-      </dgm:t>
-    </dgm:pt>
-    <dgm:pt modelId="{A5D44DC1-AE96-446B-A8AA-73847524EE1B}" type="sibTrans" cxnId="{EA7BBC44-15A5-4EF4-850A-43F743772081}">
-      <dgm:prSet/>
-      <dgm:spPr/>
-      <dgm:t>
-        <a:bodyPr/>
-        <a:lstStyle/>
-        <a:p>
-          <a:endParaRPr lang="es-ES"/>
-        </a:p>
-      </dgm:t>
-    </dgm:pt>
     <dgm:pt modelId="{0E0ADF52-3E57-410F-8832-048E1CB82C65}">
       <dgm:prSet/>
       <dgm:spPr/>
@@ -2077,7 +2032,7 @@
       <dgm:spPr/>
     </dgm:pt>
     <dgm:pt modelId="{3BC58DCE-9A49-49AA-8F34-B006DA24D14B}" type="pres">
-      <dgm:prSet presAssocID="{BE63C68E-20F5-4D37-B5FE-26DE8985D49E}" presName="srcNode" presStyleLbl="node1" presStyleIdx="0" presStyleCnt="6"/>
+      <dgm:prSet presAssocID="{BE63C68E-20F5-4D37-B5FE-26DE8985D49E}" presName="srcNode" presStyleLbl="node1" presStyleIdx="0" presStyleCnt="5"/>
       <dgm:spPr/>
     </dgm:pt>
     <dgm:pt modelId="{77B48406-3A64-4B37-A831-F2D8C19D8F89}" type="pres">
@@ -2085,15 +2040,15 @@
       <dgm:spPr/>
     </dgm:pt>
     <dgm:pt modelId="{61B26A17-4482-49A9-95BF-F93FE670D70D}" type="pres">
-      <dgm:prSet presAssocID="{BE63C68E-20F5-4D37-B5FE-26DE8985D49E}" presName="extraNode" presStyleLbl="node1" presStyleIdx="0" presStyleCnt="6"/>
+      <dgm:prSet presAssocID="{BE63C68E-20F5-4D37-B5FE-26DE8985D49E}" presName="extraNode" presStyleLbl="node1" presStyleIdx="0" presStyleCnt="5"/>
       <dgm:spPr/>
     </dgm:pt>
     <dgm:pt modelId="{A8F7D9C2-7AF5-4F74-BBF4-FD2609A1A212}" type="pres">
-      <dgm:prSet presAssocID="{BE63C68E-20F5-4D37-B5FE-26DE8985D49E}" presName="dstNode" presStyleLbl="node1" presStyleIdx="0" presStyleCnt="6"/>
+      <dgm:prSet presAssocID="{BE63C68E-20F5-4D37-B5FE-26DE8985D49E}" presName="dstNode" presStyleLbl="node1" presStyleIdx="0" presStyleCnt="5"/>
       <dgm:spPr/>
     </dgm:pt>
     <dgm:pt modelId="{D57FE9FF-9389-4601-9A4E-6CBD8F3B7A60}" type="pres">
-      <dgm:prSet presAssocID="{4FB880F6-F4EA-4497-AA44-2D61FEA2596D}" presName="text_1" presStyleLbl="node1" presStyleIdx="0" presStyleCnt="6">
+      <dgm:prSet presAssocID="{4FB880F6-F4EA-4497-AA44-2D61FEA2596D}" presName="text_1" presStyleLbl="node1" presStyleIdx="0" presStyleCnt="5">
         <dgm:presLayoutVars>
           <dgm:bulletEnabled val="1"/>
         </dgm:presLayoutVars>
@@ -2105,11 +2060,11 @@
       <dgm:spPr/>
     </dgm:pt>
     <dgm:pt modelId="{87C25D6F-E287-43E8-B517-FAEAA1151E3E}" type="pres">
-      <dgm:prSet presAssocID="{4FB880F6-F4EA-4497-AA44-2D61FEA2596D}" presName="accentRepeatNode" presStyleLbl="solidFgAcc1" presStyleIdx="0" presStyleCnt="6"/>
+      <dgm:prSet presAssocID="{4FB880F6-F4EA-4497-AA44-2D61FEA2596D}" presName="accentRepeatNode" presStyleLbl="solidFgAcc1" presStyleIdx="0" presStyleCnt="5"/>
       <dgm:spPr/>
     </dgm:pt>
     <dgm:pt modelId="{B43EEE51-7FA3-43D4-A603-53D2130794C6}" type="pres">
-      <dgm:prSet presAssocID="{94854CFF-66B0-4C77-8607-37E89885711C}" presName="text_2" presStyleLbl="node1" presStyleIdx="1" presStyleCnt="6">
+      <dgm:prSet presAssocID="{94854CFF-66B0-4C77-8607-37E89885711C}" presName="text_2" presStyleLbl="node1" presStyleIdx="1" presStyleCnt="5">
         <dgm:presLayoutVars>
           <dgm:bulletEnabled val="1"/>
         </dgm:presLayoutVars>
@@ -2121,11 +2076,11 @@
       <dgm:spPr/>
     </dgm:pt>
     <dgm:pt modelId="{5B0E6E65-C541-4C28-A2D5-9CFE13756F5B}" type="pres">
-      <dgm:prSet presAssocID="{94854CFF-66B0-4C77-8607-37E89885711C}" presName="accentRepeatNode" presStyleLbl="solidFgAcc1" presStyleIdx="1" presStyleCnt="6"/>
+      <dgm:prSet presAssocID="{94854CFF-66B0-4C77-8607-37E89885711C}" presName="accentRepeatNode" presStyleLbl="solidFgAcc1" presStyleIdx="1" presStyleCnt="5"/>
       <dgm:spPr/>
     </dgm:pt>
     <dgm:pt modelId="{E9FE3DBE-6A90-4E53-B6B3-AB85D93D20E3}" type="pres">
-      <dgm:prSet presAssocID="{A429BF68-12DF-4A32-A0EC-0760F967F595}" presName="text_3" presStyleLbl="node1" presStyleIdx="2" presStyleCnt="6">
+      <dgm:prSet presAssocID="{A429BF68-12DF-4A32-A0EC-0760F967F595}" presName="text_3" presStyleLbl="node1" presStyleIdx="2" presStyleCnt="5">
         <dgm:presLayoutVars>
           <dgm:bulletEnabled val="1"/>
         </dgm:presLayoutVars>
@@ -2137,73 +2092,55 @@
       <dgm:spPr/>
     </dgm:pt>
     <dgm:pt modelId="{EEDAD627-E8EB-4006-9B2B-6C6F75BD0106}" type="pres">
-      <dgm:prSet presAssocID="{A429BF68-12DF-4A32-A0EC-0760F967F595}" presName="accentRepeatNode" presStyleLbl="solidFgAcc1" presStyleIdx="2" presStyleCnt="6"/>
+      <dgm:prSet presAssocID="{A429BF68-12DF-4A32-A0EC-0760F967F595}" presName="accentRepeatNode" presStyleLbl="solidFgAcc1" presStyleIdx="2" presStyleCnt="5"/>
       <dgm:spPr/>
     </dgm:pt>
-    <dgm:pt modelId="{52B60F3F-1E47-43EF-95B9-4C4BD60BD375}" type="pres">
-      <dgm:prSet presAssocID="{EADE134E-EF45-4640-B9DB-1DC3FF79FCEB}" presName="text_4" presStyleLbl="node1" presStyleIdx="3" presStyleCnt="6">
+    <dgm:pt modelId="{3F0A1807-8362-4BB8-8DA0-C0B66603D226}" type="pres">
+      <dgm:prSet presAssocID="{3A4ACC02-679C-4703-BB90-8753DEE0717E}" presName="text_4" presStyleLbl="node1" presStyleIdx="3" presStyleCnt="5">
         <dgm:presLayoutVars>
           <dgm:bulletEnabled val="1"/>
         </dgm:presLayoutVars>
       </dgm:prSet>
       <dgm:spPr/>
     </dgm:pt>
-    <dgm:pt modelId="{EC77775A-77B7-4B92-BAED-2B34B137D269}" type="pres">
-      <dgm:prSet presAssocID="{EADE134E-EF45-4640-B9DB-1DC3FF79FCEB}" presName="accent_4" presStyleCnt="0"/>
+    <dgm:pt modelId="{F8554282-B8B7-48B7-BE70-F53CE51C444A}" type="pres">
+      <dgm:prSet presAssocID="{3A4ACC02-679C-4703-BB90-8753DEE0717E}" presName="accent_4" presStyleCnt="0"/>
       <dgm:spPr/>
     </dgm:pt>
-    <dgm:pt modelId="{A1AEA756-D7ED-4A9E-B5BF-2AA941DFA390}" type="pres">
-      <dgm:prSet presAssocID="{EADE134E-EF45-4640-B9DB-1DC3FF79FCEB}" presName="accentRepeatNode" presStyleLbl="solidFgAcc1" presStyleIdx="3" presStyleCnt="6"/>
+    <dgm:pt modelId="{A5EC3969-192B-40AC-9728-041CD250B718}" type="pres">
+      <dgm:prSet presAssocID="{3A4ACC02-679C-4703-BB90-8753DEE0717E}" presName="accentRepeatNode" presStyleLbl="solidFgAcc1" presStyleIdx="3" presStyleCnt="5"/>
       <dgm:spPr/>
     </dgm:pt>
-    <dgm:pt modelId="{37CE2F58-684A-4E69-B518-D081BB910AEB}" type="pres">
-      <dgm:prSet presAssocID="{3A4ACC02-679C-4703-BB90-8753DEE0717E}" presName="text_5" presStyleLbl="node1" presStyleIdx="4" presStyleCnt="6">
+    <dgm:pt modelId="{3595A138-6CC0-40F7-966E-B8769FD469D3}" type="pres">
+      <dgm:prSet presAssocID="{0E0ADF52-3E57-410F-8832-048E1CB82C65}" presName="text_5" presStyleLbl="node1" presStyleIdx="4" presStyleCnt="5">
         <dgm:presLayoutVars>
           <dgm:bulletEnabled val="1"/>
         </dgm:presLayoutVars>
       </dgm:prSet>
       <dgm:spPr/>
     </dgm:pt>
-    <dgm:pt modelId="{9405C3C9-872D-4F70-9478-C293F9A39C45}" type="pres">
-      <dgm:prSet presAssocID="{3A4ACC02-679C-4703-BB90-8753DEE0717E}" presName="accent_5" presStyleCnt="0"/>
-      <dgm:spPr/>
-    </dgm:pt>
-    <dgm:pt modelId="{A5EC3969-192B-40AC-9728-041CD250B718}" type="pres">
-      <dgm:prSet presAssocID="{3A4ACC02-679C-4703-BB90-8753DEE0717E}" presName="accentRepeatNode" presStyleLbl="solidFgAcc1" presStyleIdx="4" presStyleCnt="6"/>
-      <dgm:spPr/>
-    </dgm:pt>
-    <dgm:pt modelId="{ADAA0FD0-E298-4588-8AF0-D4F543A69C36}" type="pres">
-      <dgm:prSet presAssocID="{0E0ADF52-3E57-410F-8832-048E1CB82C65}" presName="text_6" presStyleLbl="node1" presStyleIdx="5" presStyleCnt="6">
-        <dgm:presLayoutVars>
-          <dgm:bulletEnabled val="1"/>
-        </dgm:presLayoutVars>
-      </dgm:prSet>
-      <dgm:spPr/>
-    </dgm:pt>
-    <dgm:pt modelId="{4631E1F2-B835-47D7-A2ED-274786657CC7}" type="pres">
-      <dgm:prSet presAssocID="{0E0ADF52-3E57-410F-8832-048E1CB82C65}" presName="accent_6" presStyleCnt="0"/>
+    <dgm:pt modelId="{711D43FD-4884-4D46-BA3F-FDE39EE021C7}" type="pres">
+      <dgm:prSet presAssocID="{0E0ADF52-3E57-410F-8832-048E1CB82C65}" presName="accent_5" presStyleCnt="0"/>
       <dgm:spPr/>
     </dgm:pt>
     <dgm:pt modelId="{01B5D62D-6146-4151-BF6D-FE5BD437478A}" type="pres">
-      <dgm:prSet presAssocID="{0E0ADF52-3E57-410F-8832-048E1CB82C65}" presName="accentRepeatNode" presStyleLbl="solidFgAcc1" presStyleIdx="5" presStyleCnt="6"/>
+      <dgm:prSet presAssocID="{0E0ADF52-3E57-410F-8832-048E1CB82C65}" presName="accentRepeatNode" presStyleLbl="solidFgAcc1" presStyleIdx="4" presStyleCnt="5"/>
       <dgm:spPr/>
     </dgm:pt>
   </dgm:ptLst>
   <dgm:cxnLst>
-    <dgm:cxn modelId="{3C695103-74B7-427B-8718-D1AA52119AF6}" type="presOf" srcId="{3A4ACC02-679C-4703-BB90-8753DEE0717E}" destId="{37CE2F58-684A-4E69-B518-D081BB910AEB}" srcOrd="0" destOrd="0" presId="urn:microsoft.com/office/officeart/2008/layout/VerticalCurvedList"/>
     <dgm:cxn modelId="{A331C805-3E5F-4731-8A99-1791DC452B42}" type="presOf" srcId="{BE63C68E-20F5-4D37-B5FE-26DE8985D49E}" destId="{D79D9C5C-588B-42F2-8178-B258F71EC5B1}" srcOrd="0" destOrd="0" presId="urn:microsoft.com/office/officeart/2008/layout/VerticalCurvedList"/>
-    <dgm:cxn modelId="{EA7BBC44-15A5-4EF4-850A-43F743772081}" srcId="{BE63C68E-20F5-4D37-B5FE-26DE8985D49E}" destId="{EADE134E-EF45-4640-B9DB-1DC3FF79FCEB}" srcOrd="3" destOrd="0" parTransId="{54891A6B-42EF-4081-92C4-77D84FD51636}" sibTransId="{A5D44DC1-AE96-446B-A8AA-73847524EE1B}"/>
     <dgm:cxn modelId="{2CA28868-572B-420B-B7EE-A675A366C6CD}" type="presOf" srcId="{A429BF68-12DF-4A32-A0EC-0760F967F595}" destId="{E9FE3DBE-6A90-4E53-B6B3-AB85D93D20E3}" srcOrd="0" destOrd="0" presId="urn:microsoft.com/office/officeart/2008/layout/VerticalCurvedList"/>
-    <dgm:cxn modelId="{90526A6D-E20D-46D1-B0EF-44391FAB034E}" srcId="{BE63C68E-20F5-4D37-B5FE-26DE8985D49E}" destId="{0E0ADF52-3E57-410F-8832-048E1CB82C65}" srcOrd="5" destOrd="0" parTransId="{C967924A-C8F2-47A9-BFCF-D363AF74AA41}" sibTransId="{0726772F-B681-42C9-AD99-A8D8A773D595}"/>
+    <dgm:cxn modelId="{90526A6D-E20D-46D1-B0EF-44391FAB034E}" srcId="{BE63C68E-20F5-4D37-B5FE-26DE8985D49E}" destId="{0E0ADF52-3E57-410F-8832-048E1CB82C65}" srcOrd="4" destOrd="0" parTransId="{C967924A-C8F2-47A9-BFCF-D363AF74AA41}" sibTransId="{0726772F-B681-42C9-AD99-A8D8A773D595}"/>
     <dgm:cxn modelId="{04924772-D873-4A82-8094-C4253F590D4B}" type="presOf" srcId="{ABC5F04F-E51B-4B13-A470-60C9D9E7A975}" destId="{77B48406-3A64-4B37-A831-F2D8C19D8F89}" srcOrd="0" destOrd="0" presId="urn:microsoft.com/office/officeart/2008/layout/VerticalCurvedList"/>
-    <dgm:cxn modelId="{5D7E9574-4640-4BBA-8454-DF2E8A428BC9}" type="presOf" srcId="{EADE134E-EF45-4640-B9DB-1DC3FF79FCEB}" destId="{52B60F3F-1E47-43EF-95B9-4C4BD60BD375}" srcOrd="0" destOrd="0" presId="urn:microsoft.com/office/officeart/2008/layout/VerticalCurvedList"/>
     <dgm:cxn modelId="{26943B8A-30B5-46F3-A193-62EECC447040}" srcId="{BE63C68E-20F5-4D37-B5FE-26DE8985D49E}" destId="{A429BF68-12DF-4A32-A0EC-0760F967F595}" srcOrd="2" destOrd="0" parTransId="{502BB672-C846-4E5C-AEEA-BE9FCA6F24A1}" sibTransId="{7D84CC68-97B9-426F-B2DF-83808E6021C8}"/>
     <dgm:cxn modelId="{80AC5394-C0F5-4DF9-95C1-603545653659}" srcId="{BE63C68E-20F5-4D37-B5FE-26DE8985D49E}" destId="{94854CFF-66B0-4C77-8607-37E89885711C}" srcOrd="1" destOrd="0" parTransId="{42220AD3-6EE8-4381-B31E-2DE0449DBE40}" sibTransId="{63A294BC-48DB-4B98-8E8F-C9C236486E65}"/>
-    <dgm:cxn modelId="{1F6F92B0-D9CF-4E5C-B6E9-F0EA28D9917D}" type="presOf" srcId="{0E0ADF52-3E57-410F-8832-048E1CB82C65}" destId="{ADAA0FD0-E298-4588-8AF0-D4F543A69C36}" srcOrd="0" destOrd="0" presId="urn:microsoft.com/office/officeart/2008/layout/VerticalCurvedList"/>
+    <dgm:cxn modelId="{0FA1B0AD-B924-45A2-90C0-C7122D22B41C}" type="presOf" srcId="{3A4ACC02-679C-4703-BB90-8753DEE0717E}" destId="{3F0A1807-8362-4BB8-8DA0-C0B66603D226}" srcOrd="0" destOrd="0" presId="urn:microsoft.com/office/officeart/2008/layout/VerticalCurvedList"/>
     <dgm:cxn modelId="{5AE5E1D0-CB62-4D43-9EB1-CA4B645E3EC4}" srcId="{BE63C68E-20F5-4D37-B5FE-26DE8985D49E}" destId="{4FB880F6-F4EA-4497-AA44-2D61FEA2596D}" srcOrd="0" destOrd="0" parTransId="{4775797E-CD45-46F8-9F83-DCAD5B04C64C}" sibTransId="{ABC5F04F-E51B-4B13-A470-60C9D9E7A975}"/>
     <dgm:cxn modelId="{B49134D3-AB7F-4B2F-8B74-EEC556680D28}" type="presOf" srcId="{4FB880F6-F4EA-4497-AA44-2D61FEA2596D}" destId="{D57FE9FF-9389-4601-9A4E-6CBD8F3B7A60}" srcOrd="0" destOrd="0" presId="urn:microsoft.com/office/officeart/2008/layout/VerticalCurvedList"/>
     <dgm:cxn modelId="{5C6600EC-A911-48BD-AE6E-871186F09FE1}" type="presOf" srcId="{94854CFF-66B0-4C77-8607-37E89885711C}" destId="{B43EEE51-7FA3-43D4-A603-53D2130794C6}" srcOrd="0" destOrd="0" presId="urn:microsoft.com/office/officeart/2008/layout/VerticalCurvedList"/>
-    <dgm:cxn modelId="{14F731F9-405C-4532-950C-20CF27C295F7}" srcId="{BE63C68E-20F5-4D37-B5FE-26DE8985D49E}" destId="{3A4ACC02-679C-4703-BB90-8753DEE0717E}" srcOrd="4" destOrd="0" parTransId="{C6B3E134-76BA-48D2-94A0-9FF00D8E8DB1}" sibTransId="{C0F17646-6426-4F30-92C9-A81EA804DAB3}"/>
+    <dgm:cxn modelId="{14F731F9-405C-4532-950C-20CF27C295F7}" srcId="{BE63C68E-20F5-4D37-B5FE-26DE8985D49E}" destId="{3A4ACC02-679C-4703-BB90-8753DEE0717E}" srcOrd="3" destOrd="0" parTransId="{C6B3E134-76BA-48D2-94A0-9FF00D8E8DB1}" sibTransId="{C0F17646-6426-4F30-92C9-A81EA804DAB3}"/>
+    <dgm:cxn modelId="{3DB728FB-ED76-482F-BFAF-CCB04E111A8F}" type="presOf" srcId="{0E0ADF52-3E57-410F-8832-048E1CB82C65}" destId="{3595A138-6CC0-40F7-966E-B8769FD469D3}" srcOrd="0" destOrd="0" presId="urn:microsoft.com/office/officeart/2008/layout/VerticalCurvedList"/>
     <dgm:cxn modelId="{8B55C46F-9398-450D-9136-B91A380E073C}" type="presParOf" srcId="{D79D9C5C-588B-42F2-8178-B258F71EC5B1}" destId="{CBF8D870-1D72-4740-B65A-1138F85616D1}" srcOrd="0" destOrd="0" presId="urn:microsoft.com/office/officeart/2008/layout/VerticalCurvedList"/>
     <dgm:cxn modelId="{77332858-F957-4AFE-B5A7-193741B0C508}" type="presParOf" srcId="{CBF8D870-1D72-4740-B65A-1138F85616D1}" destId="{671DED32-9DDA-4F0D-822B-F7A6C0115A2A}" srcOrd="0" destOrd="0" presId="urn:microsoft.com/office/officeart/2008/layout/VerticalCurvedList"/>
     <dgm:cxn modelId="{EDEEB349-F57E-435E-BCEF-3E3BFE9642AF}" type="presParOf" srcId="{671DED32-9DDA-4F0D-822B-F7A6C0115A2A}" destId="{3BC58DCE-9A49-49AA-8F34-B006DA24D14B}" srcOrd="0" destOrd="0" presId="urn:microsoft.com/office/officeart/2008/layout/VerticalCurvedList"/>
@@ -2219,15 +2156,12 @@
     <dgm:cxn modelId="{6FC07FF1-D7B3-402A-A5E0-3BB32AEB7906}" type="presParOf" srcId="{CBF8D870-1D72-4740-B65A-1138F85616D1}" destId="{E9FE3DBE-6A90-4E53-B6B3-AB85D93D20E3}" srcOrd="5" destOrd="0" presId="urn:microsoft.com/office/officeart/2008/layout/VerticalCurvedList"/>
     <dgm:cxn modelId="{D67C41D8-B162-42C0-877C-BD30E684A3C4}" type="presParOf" srcId="{CBF8D870-1D72-4740-B65A-1138F85616D1}" destId="{4748ECF2-6E4B-4E56-A9C2-17C9A6EC7494}" srcOrd="6" destOrd="0" presId="urn:microsoft.com/office/officeart/2008/layout/VerticalCurvedList"/>
     <dgm:cxn modelId="{29238E9F-54CF-4B33-969F-AA66F230E8B3}" type="presParOf" srcId="{4748ECF2-6E4B-4E56-A9C2-17C9A6EC7494}" destId="{EEDAD627-E8EB-4006-9B2B-6C6F75BD0106}" srcOrd="0" destOrd="0" presId="urn:microsoft.com/office/officeart/2008/layout/VerticalCurvedList"/>
-    <dgm:cxn modelId="{350B1C50-A0C7-413C-A06E-2956BB4AAE01}" type="presParOf" srcId="{CBF8D870-1D72-4740-B65A-1138F85616D1}" destId="{52B60F3F-1E47-43EF-95B9-4C4BD60BD375}" srcOrd="7" destOrd="0" presId="urn:microsoft.com/office/officeart/2008/layout/VerticalCurvedList"/>
-    <dgm:cxn modelId="{E5FD8B45-A152-4258-89A8-F3EB320C5E74}" type="presParOf" srcId="{CBF8D870-1D72-4740-B65A-1138F85616D1}" destId="{EC77775A-77B7-4B92-BAED-2B34B137D269}" srcOrd="8" destOrd="0" presId="urn:microsoft.com/office/officeart/2008/layout/VerticalCurvedList"/>
-    <dgm:cxn modelId="{6E8C2960-127A-44E7-BB75-3DAAF9AA67DA}" type="presParOf" srcId="{EC77775A-77B7-4B92-BAED-2B34B137D269}" destId="{A1AEA756-D7ED-4A9E-B5BF-2AA941DFA390}" srcOrd="0" destOrd="0" presId="urn:microsoft.com/office/officeart/2008/layout/VerticalCurvedList"/>
-    <dgm:cxn modelId="{21C9BF88-CB68-4B21-A6D7-981D1C1663CD}" type="presParOf" srcId="{CBF8D870-1D72-4740-B65A-1138F85616D1}" destId="{37CE2F58-684A-4E69-B518-D081BB910AEB}" srcOrd="9" destOrd="0" presId="urn:microsoft.com/office/officeart/2008/layout/VerticalCurvedList"/>
-    <dgm:cxn modelId="{8E56547F-50D7-4D03-BE45-00FEDF665B9A}" type="presParOf" srcId="{CBF8D870-1D72-4740-B65A-1138F85616D1}" destId="{9405C3C9-872D-4F70-9478-C293F9A39C45}" srcOrd="10" destOrd="0" presId="urn:microsoft.com/office/officeart/2008/layout/VerticalCurvedList"/>
-    <dgm:cxn modelId="{D081A6A6-6F21-44F1-82B7-CCED8D3B8618}" type="presParOf" srcId="{9405C3C9-872D-4F70-9478-C293F9A39C45}" destId="{A5EC3969-192B-40AC-9728-041CD250B718}" srcOrd="0" destOrd="0" presId="urn:microsoft.com/office/officeart/2008/layout/VerticalCurvedList"/>
-    <dgm:cxn modelId="{7E291303-C8CE-4507-83CD-CAD8B4BA7CD8}" type="presParOf" srcId="{CBF8D870-1D72-4740-B65A-1138F85616D1}" destId="{ADAA0FD0-E298-4588-8AF0-D4F543A69C36}" srcOrd="11" destOrd="0" presId="urn:microsoft.com/office/officeart/2008/layout/VerticalCurvedList"/>
-    <dgm:cxn modelId="{FB6E1727-EA3E-4A31-882B-F83B9B9127FA}" type="presParOf" srcId="{CBF8D870-1D72-4740-B65A-1138F85616D1}" destId="{4631E1F2-B835-47D7-A2ED-274786657CC7}" srcOrd="12" destOrd="0" presId="urn:microsoft.com/office/officeart/2008/layout/VerticalCurvedList"/>
-    <dgm:cxn modelId="{5C20DA7A-B063-4AEA-8573-53D04E73FBE5}" type="presParOf" srcId="{4631E1F2-B835-47D7-A2ED-274786657CC7}" destId="{01B5D62D-6146-4151-BF6D-FE5BD437478A}" srcOrd="0" destOrd="0" presId="urn:microsoft.com/office/officeart/2008/layout/VerticalCurvedList"/>
+    <dgm:cxn modelId="{16CED897-E2DC-4FB3-BA1F-CC79BD6FDBA5}" type="presParOf" srcId="{CBF8D870-1D72-4740-B65A-1138F85616D1}" destId="{3F0A1807-8362-4BB8-8DA0-C0B66603D226}" srcOrd="7" destOrd="0" presId="urn:microsoft.com/office/officeart/2008/layout/VerticalCurvedList"/>
+    <dgm:cxn modelId="{D8240C6A-3CB3-40E5-B564-5DA16DE1C762}" type="presParOf" srcId="{CBF8D870-1D72-4740-B65A-1138F85616D1}" destId="{F8554282-B8B7-48B7-BE70-F53CE51C444A}" srcOrd="8" destOrd="0" presId="urn:microsoft.com/office/officeart/2008/layout/VerticalCurvedList"/>
+    <dgm:cxn modelId="{F5B3BB70-C9F2-4F44-8739-F93E1371DB6B}" type="presParOf" srcId="{F8554282-B8B7-48B7-BE70-F53CE51C444A}" destId="{A5EC3969-192B-40AC-9728-041CD250B718}" srcOrd="0" destOrd="0" presId="urn:microsoft.com/office/officeart/2008/layout/VerticalCurvedList"/>
+    <dgm:cxn modelId="{8D9D988F-86D4-4D28-8801-C8E2E6CDD4FB}" type="presParOf" srcId="{CBF8D870-1D72-4740-B65A-1138F85616D1}" destId="{3595A138-6CC0-40F7-966E-B8769FD469D3}" srcOrd="9" destOrd="0" presId="urn:microsoft.com/office/officeart/2008/layout/VerticalCurvedList"/>
+    <dgm:cxn modelId="{2357F45E-1C7D-4949-ACE9-CA82540D90A2}" type="presParOf" srcId="{CBF8D870-1D72-4740-B65A-1138F85616D1}" destId="{711D43FD-4884-4D46-BA3F-FDE39EE021C7}" srcOrd="10" destOrd="0" presId="urn:microsoft.com/office/officeart/2008/layout/VerticalCurvedList"/>
+    <dgm:cxn modelId="{E7E385B5-75A5-44E8-86AC-122FA4AA8AEC}" type="presParOf" srcId="{711D43FD-4884-4D46-BA3F-FDE39EE021C7}" destId="{01B5D62D-6146-4151-BF6D-FE5BD437478A}" srcOrd="0" destOrd="0" presId="urn:microsoft.com/office/officeart/2008/layout/VerticalCurvedList"/>
   </dgm:cxnLst>
   <dgm:bg>
     <a:noFill/>
@@ -2419,115 +2353,6 @@
         </a:p>
       </dgm:t>
     </dgm:pt>
-    <dgm:pt modelId="{EADE134E-EF45-4640-B9DB-1DC3FF79FCEB}">
-      <dgm:prSet/>
-      <dgm:spPr>
-        <a:solidFill>
-          <a:srgbClr val="FFC000"/>
-        </a:solidFill>
-      </dgm:spPr>
-      <dgm:t>
-        <a:bodyPr/>
-        <a:lstStyle/>
-        <a:p>
-          <a:r>
-            <a:rPr kumimoji="0" lang="es-ES" altLang="es-ES" b="1" i="0" u="none" strike="noStrike" cap="none" normalizeH="0" baseline="0">
-              <a:ln/>
-              <a:effectLst/>
-              <a:latin typeface="Arial" panose="020B0604020202020204" pitchFamily="34" charset="0"/>
-            </a:rPr>
-            <a:t>Las canciones más cortas suelen ser más populares</a:t>
-          </a:r>
-          <a:r>
-            <a:rPr kumimoji="0" lang="es-ES" altLang="es-ES" b="0" i="0" u="none" strike="noStrike" cap="none" normalizeH="0" baseline="0">
-              <a:ln/>
-              <a:effectLst/>
-              <a:latin typeface="Arial" panose="020B0604020202020204" pitchFamily="34" charset="0"/>
-            </a:rPr>
-            <a:t>, aunque la relación es débil.</a:t>
-          </a:r>
-          <a:endParaRPr kumimoji="0" lang="es-ES" altLang="es-ES" b="0" i="0" u="none" strike="noStrike" cap="none" normalizeH="0" baseline="0" dirty="0">
-            <a:ln/>
-            <a:effectLst/>
-            <a:latin typeface="Arial" panose="020B0604020202020204" pitchFamily="34" charset="0"/>
-          </a:endParaRPr>
-        </a:p>
-      </dgm:t>
-    </dgm:pt>
-    <dgm:pt modelId="{54891A6B-42EF-4081-92C4-77D84FD51636}" type="parTrans" cxnId="{EA7BBC44-15A5-4EF4-850A-43F743772081}">
-      <dgm:prSet/>
-      <dgm:spPr/>
-      <dgm:t>
-        <a:bodyPr/>
-        <a:lstStyle/>
-        <a:p>
-          <a:endParaRPr lang="es-ES"/>
-        </a:p>
-      </dgm:t>
-    </dgm:pt>
-    <dgm:pt modelId="{A5D44DC1-AE96-446B-A8AA-73847524EE1B}" type="sibTrans" cxnId="{EA7BBC44-15A5-4EF4-850A-43F743772081}">
-      <dgm:prSet/>
-      <dgm:spPr/>
-      <dgm:t>
-        <a:bodyPr/>
-        <a:lstStyle/>
-        <a:p>
-          <a:endParaRPr lang="es-ES"/>
-        </a:p>
-      </dgm:t>
-    </dgm:pt>
-    <dgm:pt modelId="{0E0ADF52-3E57-410F-8832-048E1CB82C65}">
-      <dgm:prSet/>
-      <dgm:spPr>
-        <a:solidFill>
-          <a:srgbClr val="00B050"/>
-        </a:solidFill>
-      </dgm:spPr>
-      <dgm:t>
-        <a:bodyPr/>
-        <a:lstStyle/>
-        <a:p>
-          <a:r>
-            <a:rPr kumimoji="0" lang="es-ES" altLang="es-ES" b="1" i="0" u="none" strike="noStrike" cap="none" normalizeH="0" baseline="0" dirty="0">
-              <a:ln/>
-              <a:effectLst/>
-              <a:latin typeface="Arial" panose="020B0604020202020204" pitchFamily="34" charset="0"/>
-            </a:rPr>
-            <a:t>Lanzar un álbum con estrategia de singles es efectivo</a:t>
-          </a:r>
-          <a:r>
-            <a:rPr kumimoji="0" lang="es-ES" altLang="es-ES" b="0" i="0" u="none" strike="noStrike" cap="none" normalizeH="0" baseline="0" dirty="0">
-              <a:ln/>
-              <a:effectLst/>
-              <a:latin typeface="Arial" panose="020B0604020202020204" pitchFamily="34" charset="0"/>
-            </a:rPr>
-            <a:t>, aumenta la popularidad.</a:t>
-          </a:r>
-        </a:p>
-      </dgm:t>
-    </dgm:pt>
-    <dgm:pt modelId="{C967924A-C8F2-47A9-BFCF-D363AF74AA41}" type="parTrans" cxnId="{90526A6D-E20D-46D1-B0EF-44391FAB034E}">
-      <dgm:prSet/>
-      <dgm:spPr/>
-      <dgm:t>
-        <a:bodyPr/>
-        <a:lstStyle/>
-        <a:p>
-          <a:endParaRPr lang="es-ES"/>
-        </a:p>
-      </dgm:t>
-    </dgm:pt>
-    <dgm:pt modelId="{0726772F-B681-42C9-AD99-A8D8A773D595}" type="sibTrans" cxnId="{90526A6D-E20D-46D1-B0EF-44391FAB034E}">
-      <dgm:prSet/>
-      <dgm:spPr/>
-      <dgm:t>
-        <a:bodyPr/>
-        <a:lstStyle/>
-        <a:p>
-          <a:endParaRPr lang="es-ES"/>
-        </a:p>
-      </dgm:t>
-    </dgm:pt>
     <dgm:pt modelId="{3A4ACC02-679C-4703-BB90-8753DEE0717E}">
       <dgm:prSet/>
       <dgm:spPr>
@@ -2580,6 +2405,168 @@
         </a:p>
       </dgm:t>
     </dgm:pt>
+    <dgm:pt modelId="{0E0ADF52-3E57-410F-8832-048E1CB82C65}">
+      <dgm:prSet/>
+      <dgm:spPr>
+        <a:solidFill>
+          <a:srgbClr val="00B050"/>
+        </a:solidFill>
+      </dgm:spPr>
+      <dgm:t>
+        <a:bodyPr/>
+        <a:lstStyle/>
+        <a:p>
+          <a:r>
+            <a:rPr kumimoji="0" lang="es-ES" altLang="es-ES" b="1" i="0" u="none" strike="noStrike" cap="none" normalizeH="0" baseline="0" dirty="0">
+              <a:ln/>
+              <a:effectLst/>
+              <a:latin typeface="Arial" panose="020B0604020202020204" pitchFamily="34" charset="0"/>
+            </a:rPr>
+            <a:t>Lanzar un álbum con estrategia de singles es efectivo</a:t>
+          </a:r>
+          <a:r>
+            <a:rPr kumimoji="0" lang="es-ES" altLang="es-ES" b="0" i="0" u="none" strike="noStrike" cap="none" normalizeH="0" baseline="0" dirty="0">
+              <a:ln/>
+              <a:effectLst/>
+              <a:latin typeface="Arial" panose="020B0604020202020204" pitchFamily="34" charset="0"/>
+            </a:rPr>
+            <a:t>, aumenta la popularidad.</a:t>
+          </a:r>
+        </a:p>
+      </dgm:t>
+    </dgm:pt>
+    <dgm:pt modelId="{0726772F-B681-42C9-AD99-A8D8A773D595}" type="sibTrans" cxnId="{90526A6D-E20D-46D1-B0EF-44391FAB034E}">
+      <dgm:prSet/>
+      <dgm:spPr/>
+      <dgm:t>
+        <a:bodyPr/>
+        <a:lstStyle/>
+        <a:p>
+          <a:endParaRPr lang="es-ES"/>
+        </a:p>
+      </dgm:t>
+    </dgm:pt>
+    <dgm:pt modelId="{C967924A-C8F2-47A9-BFCF-D363AF74AA41}" type="parTrans" cxnId="{90526A6D-E20D-46D1-B0EF-44391FAB034E}">
+      <dgm:prSet/>
+      <dgm:spPr/>
+      <dgm:t>
+        <a:bodyPr/>
+        <a:lstStyle/>
+        <a:p>
+          <a:endParaRPr lang="es-ES"/>
+        </a:p>
+      </dgm:t>
+    </dgm:pt>
+    <dgm:pt modelId="{6D9622A9-449E-4937-BD2B-6C94CCABEA4A}">
+      <dgm:prSet/>
+      <dgm:spPr>
+        <a:solidFill>
+          <a:srgbClr val="FFC000"/>
+        </a:solidFill>
+      </dgm:spPr>
+      <dgm:t>
+        <a:bodyPr/>
+        <a:lstStyle/>
+        <a:p>
+          <a:r>
+            <a:rPr kumimoji="0" lang="es-ES" altLang="es-ES" b="1" i="0" u="none" strike="noStrike" cap="none" normalizeH="0" baseline="0" dirty="0">
+              <a:ln/>
+              <a:effectLst/>
+              <a:latin typeface="Arial" panose="020B0604020202020204" pitchFamily="34" charset="0"/>
+            </a:rPr>
+            <a:t>ADICIONAL: Las canciones más cortas suelen ser más populares</a:t>
+          </a:r>
+          <a:r>
+            <a:rPr kumimoji="0" lang="es-ES" altLang="es-ES" b="0" i="0" u="none" strike="noStrike" cap="none" normalizeH="0" baseline="0" dirty="0">
+              <a:ln/>
+              <a:effectLst/>
+              <a:latin typeface="Arial" panose="020B0604020202020204" pitchFamily="34" charset="0"/>
+            </a:rPr>
+            <a:t>, aunque la relación es débil.</a:t>
+          </a:r>
+        </a:p>
+      </dgm:t>
+    </dgm:pt>
+    <dgm:pt modelId="{7F164686-DABB-4E73-89D9-AFCFABE57FA1}" type="parTrans" cxnId="{BD0D0711-3AED-45A0-800A-1712DFD27260}">
+      <dgm:prSet/>
+      <dgm:spPr/>
+      <dgm:t>
+        <a:bodyPr/>
+        <a:lstStyle/>
+        <a:p>
+          <a:endParaRPr lang="es-ES"/>
+        </a:p>
+      </dgm:t>
+    </dgm:pt>
+    <dgm:pt modelId="{3565A1F3-3880-445D-A53C-B6814E42B762}" type="sibTrans" cxnId="{BD0D0711-3AED-45A0-800A-1712DFD27260}">
+      <dgm:prSet/>
+      <dgm:spPr/>
+      <dgm:t>
+        <a:bodyPr/>
+        <a:lstStyle/>
+        <a:p>
+          <a:endParaRPr lang="es-ES"/>
+        </a:p>
+      </dgm:t>
+    </dgm:pt>
+    <dgm:pt modelId="{39E733DA-C0EE-44A5-80FB-F504D1CC5DC0}">
+      <dgm:prSet custT="1"/>
+      <dgm:spPr>
+        <a:solidFill>
+          <a:srgbClr val="FFC000"/>
+        </a:solidFill>
+      </dgm:spPr>
+      <dgm:t>
+        <a:bodyPr/>
+        <a:lstStyle/>
+        <a:p>
+          <a:r>
+            <a:rPr kumimoji="0" lang="es-ES" altLang="es-ES" sz="1500" b="1" i="0" u="none" strike="noStrike" cap="none" normalizeH="0" baseline="0" dirty="0">
+              <a:ln/>
+              <a:effectLst/>
+              <a:latin typeface="Arial" panose="020B0604020202020204" pitchFamily="34" charset="0"/>
+              <a:cs typeface="Arial" panose="020B0604020202020204" pitchFamily="34" charset="0"/>
+            </a:rPr>
+            <a:t>ADICIONAL: No se puede asegurar que l</a:t>
+          </a:r>
+          <a:r>
+            <a:rPr lang="es-ES" sz="1500" b="1" dirty="0">
+              <a:latin typeface="Arial" panose="020B0604020202020204" pitchFamily="34" charset="0"/>
+              <a:cs typeface="Arial" panose="020B0604020202020204" pitchFamily="34" charset="0"/>
+            </a:rPr>
+            <a:t>as colaboraciones impulsen la popularidad.</a:t>
+          </a:r>
+          <a:endParaRPr kumimoji="0" lang="es-ES" altLang="es-ES" sz="1500" b="1" i="0" u="none" strike="noStrike" cap="none" normalizeH="0" baseline="0" dirty="0">
+            <a:ln/>
+            <a:effectLst/>
+            <a:latin typeface="Arial" panose="020B0604020202020204" pitchFamily="34" charset="0"/>
+            <a:cs typeface="Arial" panose="020B0604020202020204" pitchFamily="34" charset="0"/>
+          </a:endParaRPr>
+        </a:p>
+      </dgm:t>
+    </dgm:pt>
+    <dgm:pt modelId="{5E444FA5-3329-4E9D-BF1F-CA91CAF9D561}" type="parTrans" cxnId="{716E5198-799F-41AA-9F52-9160C90F596F}">
+      <dgm:prSet/>
+      <dgm:spPr/>
+      <dgm:t>
+        <a:bodyPr/>
+        <a:lstStyle/>
+        <a:p>
+          <a:endParaRPr lang="es-ES"/>
+        </a:p>
+      </dgm:t>
+    </dgm:pt>
+    <dgm:pt modelId="{242D68E8-A846-4D0B-A3CD-49EEEEE2CB8E}" type="sibTrans" cxnId="{716E5198-799F-41AA-9F52-9160C90F596F}">
+      <dgm:prSet/>
+      <dgm:spPr/>
+      <dgm:t>
+        <a:bodyPr/>
+        <a:lstStyle/>
+        <a:p>
+          <a:endParaRPr lang="es-ES"/>
+        </a:p>
+      </dgm:t>
+    </dgm:pt>
     <dgm:pt modelId="{D79D9C5C-588B-42F2-8178-B258F71EC5B1}" type="pres">
       <dgm:prSet presAssocID="{BE63C68E-20F5-4D37-B5FE-26DE8985D49E}" presName="Name0" presStyleCnt="0">
         <dgm:presLayoutVars>
@@ -2599,7 +2586,7 @@
       <dgm:spPr/>
     </dgm:pt>
     <dgm:pt modelId="{3BC58DCE-9A49-49AA-8F34-B006DA24D14B}" type="pres">
-      <dgm:prSet presAssocID="{BE63C68E-20F5-4D37-B5FE-26DE8985D49E}" presName="srcNode" presStyleLbl="node1" presStyleIdx="0" presStyleCnt="6"/>
+      <dgm:prSet presAssocID="{BE63C68E-20F5-4D37-B5FE-26DE8985D49E}" presName="srcNode" presStyleLbl="node1" presStyleIdx="0" presStyleCnt="7"/>
       <dgm:spPr/>
     </dgm:pt>
     <dgm:pt modelId="{77B48406-3A64-4B37-A831-F2D8C19D8F89}" type="pres">
@@ -2607,15 +2594,15 @@
       <dgm:spPr/>
     </dgm:pt>
     <dgm:pt modelId="{61B26A17-4482-49A9-95BF-F93FE670D70D}" type="pres">
-      <dgm:prSet presAssocID="{BE63C68E-20F5-4D37-B5FE-26DE8985D49E}" presName="extraNode" presStyleLbl="node1" presStyleIdx="0" presStyleCnt="6"/>
+      <dgm:prSet presAssocID="{BE63C68E-20F5-4D37-B5FE-26DE8985D49E}" presName="extraNode" presStyleLbl="node1" presStyleIdx="0" presStyleCnt="7"/>
       <dgm:spPr/>
     </dgm:pt>
     <dgm:pt modelId="{A8F7D9C2-7AF5-4F74-BBF4-FD2609A1A212}" type="pres">
-      <dgm:prSet presAssocID="{BE63C68E-20F5-4D37-B5FE-26DE8985D49E}" presName="dstNode" presStyleLbl="node1" presStyleIdx="0" presStyleCnt="6"/>
+      <dgm:prSet presAssocID="{BE63C68E-20F5-4D37-B5FE-26DE8985D49E}" presName="dstNode" presStyleLbl="node1" presStyleIdx="0" presStyleCnt="7"/>
       <dgm:spPr/>
     </dgm:pt>
     <dgm:pt modelId="{D57FE9FF-9389-4601-9A4E-6CBD8F3B7A60}" type="pres">
-      <dgm:prSet presAssocID="{4FB880F6-F4EA-4497-AA44-2D61FEA2596D}" presName="text_1" presStyleLbl="node1" presStyleIdx="0" presStyleCnt="6">
+      <dgm:prSet presAssocID="{4FB880F6-F4EA-4497-AA44-2D61FEA2596D}" presName="text_1" presStyleLbl="node1" presStyleIdx="0" presStyleCnt="7">
         <dgm:presLayoutVars>
           <dgm:bulletEnabled val="1"/>
         </dgm:presLayoutVars>
@@ -2627,11 +2614,11 @@
       <dgm:spPr/>
     </dgm:pt>
     <dgm:pt modelId="{87C25D6F-E287-43E8-B517-FAEAA1151E3E}" type="pres">
-      <dgm:prSet presAssocID="{4FB880F6-F4EA-4497-AA44-2D61FEA2596D}" presName="accentRepeatNode" presStyleLbl="solidFgAcc1" presStyleIdx="0" presStyleCnt="6"/>
+      <dgm:prSet presAssocID="{4FB880F6-F4EA-4497-AA44-2D61FEA2596D}" presName="accentRepeatNode" presStyleLbl="solidFgAcc1" presStyleIdx="0" presStyleCnt="7"/>
       <dgm:spPr/>
     </dgm:pt>
     <dgm:pt modelId="{B43EEE51-7FA3-43D4-A603-53D2130794C6}" type="pres">
-      <dgm:prSet presAssocID="{94854CFF-66B0-4C77-8607-37E89885711C}" presName="text_2" presStyleLbl="node1" presStyleIdx="1" presStyleCnt="6">
+      <dgm:prSet presAssocID="{94854CFF-66B0-4C77-8607-37E89885711C}" presName="text_2" presStyleLbl="node1" presStyleIdx="1" presStyleCnt="7">
         <dgm:presLayoutVars>
           <dgm:bulletEnabled val="1"/>
         </dgm:presLayoutVars>
@@ -2643,11 +2630,11 @@
       <dgm:spPr/>
     </dgm:pt>
     <dgm:pt modelId="{5B0E6E65-C541-4C28-A2D5-9CFE13756F5B}" type="pres">
-      <dgm:prSet presAssocID="{94854CFF-66B0-4C77-8607-37E89885711C}" presName="accentRepeatNode" presStyleLbl="solidFgAcc1" presStyleIdx="1" presStyleCnt="6"/>
+      <dgm:prSet presAssocID="{94854CFF-66B0-4C77-8607-37E89885711C}" presName="accentRepeatNode" presStyleLbl="solidFgAcc1" presStyleIdx="1" presStyleCnt="7"/>
       <dgm:spPr/>
     </dgm:pt>
     <dgm:pt modelId="{E9FE3DBE-6A90-4E53-B6B3-AB85D93D20E3}" type="pres">
-      <dgm:prSet presAssocID="{A429BF68-12DF-4A32-A0EC-0760F967F595}" presName="text_3" presStyleLbl="node1" presStyleIdx="2" presStyleCnt="6">
+      <dgm:prSet presAssocID="{A429BF68-12DF-4A32-A0EC-0760F967F595}" presName="text_3" presStyleLbl="node1" presStyleIdx="2" presStyleCnt="7">
         <dgm:presLayoutVars>
           <dgm:bulletEnabled val="1"/>
         </dgm:presLayoutVars>
@@ -2659,73 +2646,91 @@
       <dgm:spPr/>
     </dgm:pt>
     <dgm:pt modelId="{EEDAD627-E8EB-4006-9B2B-6C6F75BD0106}" type="pres">
-      <dgm:prSet presAssocID="{A429BF68-12DF-4A32-A0EC-0760F967F595}" presName="accentRepeatNode" presStyleLbl="solidFgAcc1" presStyleIdx="2" presStyleCnt="6"/>
+      <dgm:prSet presAssocID="{A429BF68-12DF-4A32-A0EC-0760F967F595}" presName="accentRepeatNode" presStyleLbl="solidFgAcc1" presStyleIdx="2" presStyleCnt="7"/>
       <dgm:spPr/>
     </dgm:pt>
-    <dgm:pt modelId="{52B60F3F-1E47-43EF-95B9-4C4BD60BD375}" type="pres">
-      <dgm:prSet presAssocID="{EADE134E-EF45-4640-B9DB-1DC3FF79FCEB}" presName="text_4" presStyleLbl="node1" presStyleIdx="3" presStyleCnt="6">
+    <dgm:pt modelId="{43F809F3-CFF6-4A58-A6C2-FB0EBEBB4AA9}" type="pres">
+      <dgm:prSet presAssocID="{3A4ACC02-679C-4703-BB90-8753DEE0717E}" presName="text_4" presStyleLbl="node1" presStyleIdx="3" presStyleCnt="7">
         <dgm:presLayoutVars>
           <dgm:bulletEnabled val="1"/>
         </dgm:presLayoutVars>
       </dgm:prSet>
       <dgm:spPr/>
     </dgm:pt>
-    <dgm:pt modelId="{EC77775A-77B7-4B92-BAED-2B34B137D269}" type="pres">
-      <dgm:prSet presAssocID="{EADE134E-EF45-4640-B9DB-1DC3FF79FCEB}" presName="accent_4" presStyleCnt="0"/>
+    <dgm:pt modelId="{4CAB179F-97E5-45D0-B740-7C18D366836F}" type="pres">
+      <dgm:prSet presAssocID="{3A4ACC02-679C-4703-BB90-8753DEE0717E}" presName="accent_4" presStyleCnt="0"/>
       <dgm:spPr/>
     </dgm:pt>
-    <dgm:pt modelId="{A1AEA756-D7ED-4A9E-B5BF-2AA941DFA390}" type="pres">
-      <dgm:prSet presAssocID="{EADE134E-EF45-4640-B9DB-1DC3FF79FCEB}" presName="accentRepeatNode" presStyleLbl="solidFgAcc1" presStyleIdx="3" presStyleCnt="6"/>
+    <dgm:pt modelId="{A5EC3969-192B-40AC-9728-041CD250B718}" type="pres">
+      <dgm:prSet presAssocID="{3A4ACC02-679C-4703-BB90-8753DEE0717E}" presName="accentRepeatNode" presStyleLbl="solidFgAcc1" presStyleIdx="3" presStyleCnt="7"/>
       <dgm:spPr/>
     </dgm:pt>
-    <dgm:pt modelId="{37CE2F58-684A-4E69-B518-D081BB910AEB}" type="pres">
-      <dgm:prSet presAssocID="{3A4ACC02-679C-4703-BB90-8753DEE0717E}" presName="text_5" presStyleLbl="node1" presStyleIdx="4" presStyleCnt="6">
+    <dgm:pt modelId="{AADEEF9E-6514-4209-B0AB-70303127C9BC}" type="pres">
+      <dgm:prSet presAssocID="{0E0ADF52-3E57-410F-8832-048E1CB82C65}" presName="text_5" presStyleLbl="node1" presStyleIdx="4" presStyleCnt="7">
         <dgm:presLayoutVars>
           <dgm:bulletEnabled val="1"/>
         </dgm:presLayoutVars>
       </dgm:prSet>
       <dgm:spPr/>
     </dgm:pt>
-    <dgm:pt modelId="{9405C3C9-872D-4F70-9478-C293F9A39C45}" type="pres">
-      <dgm:prSet presAssocID="{3A4ACC02-679C-4703-BB90-8753DEE0717E}" presName="accent_5" presStyleCnt="0"/>
+    <dgm:pt modelId="{645EE064-12F4-4D0B-B9E8-95A82194C374}" type="pres">
+      <dgm:prSet presAssocID="{0E0ADF52-3E57-410F-8832-048E1CB82C65}" presName="accent_5" presStyleCnt="0"/>
       <dgm:spPr/>
     </dgm:pt>
-    <dgm:pt modelId="{A5EC3969-192B-40AC-9728-041CD250B718}" type="pres">
-      <dgm:prSet presAssocID="{3A4ACC02-679C-4703-BB90-8753DEE0717E}" presName="accentRepeatNode" presStyleLbl="solidFgAcc1" presStyleIdx="4" presStyleCnt="6"/>
+    <dgm:pt modelId="{01B5D62D-6146-4151-BF6D-FE5BD437478A}" type="pres">
+      <dgm:prSet presAssocID="{0E0ADF52-3E57-410F-8832-048E1CB82C65}" presName="accentRepeatNode" presStyleLbl="solidFgAcc1" presStyleIdx="4" presStyleCnt="7"/>
       <dgm:spPr/>
     </dgm:pt>
-    <dgm:pt modelId="{0EFA84E4-F379-4FB9-B8C3-1A33252BCD67}" type="pres">
-      <dgm:prSet presAssocID="{0E0ADF52-3E57-410F-8832-048E1CB82C65}" presName="text_6" presStyleLbl="node1" presStyleIdx="5" presStyleCnt="6">
+    <dgm:pt modelId="{AFA8D7F2-52D8-471B-A5AB-CAB9564599F4}" type="pres">
+      <dgm:prSet presAssocID="{6D9622A9-449E-4937-BD2B-6C94CCABEA4A}" presName="text_6" presStyleLbl="node1" presStyleIdx="5" presStyleCnt="7">
         <dgm:presLayoutVars>
           <dgm:bulletEnabled val="1"/>
         </dgm:presLayoutVars>
       </dgm:prSet>
       <dgm:spPr/>
     </dgm:pt>
-    <dgm:pt modelId="{857F49F3-1D63-4263-961A-A529BE29E273}" type="pres">
-      <dgm:prSet presAssocID="{0E0ADF52-3E57-410F-8832-048E1CB82C65}" presName="accent_6" presStyleCnt="0"/>
+    <dgm:pt modelId="{FACE83F2-1A70-4877-B15D-AB1BC6AB30F7}" type="pres">
+      <dgm:prSet presAssocID="{6D9622A9-449E-4937-BD2B-6C94CCABEA4A}" presName="accent_6" presStyleCnt="0"/>
       <dgm:spPr/>
     </dgm:pt>
-    <dgm:pt modelId="{01B5D62D-6146-4151-BF6D-FE5BD437478A}" type="pres">
-      <dgm:prSet presAssocID="{0E0ADF52-3E57-410F-8832-048E1CB82C65}" presName="accentRepeatNode" presStyleLbl="solidFgAcc1" presStyleIdx="5" presStyleCnt="6"/>
+    <dgm:pt modelId="{358213D4-7A82-4B21-A8DB-86270F72903F}" type="pres">
+      <dgm:prSet presAssocID="{6D9622A9-449E-4937-BD2B-6C94CCABEA4A}" presName="accentRepeatNode" presStyleLbl="solidFgAcc1" presStyleIdx="5" presStyleCnt="7"/>
+      <dgm:spPr/>
+    </dgm:pt>
+    <dgm:pt modelId="{8424699D-2C67-4034-BCB3-27C28B025C10}" type="pres">
+      <dgm:prSet presAssocID="{39E733DA-C0EE-44A5-80FB-F504D1CC5DC0}" presName="text_7" presStyleLbl="node1" presStyleIdx="6" presStyleCnt="7">
+        <dgm:presLayoutVars>
+          <dgm:bulletEnabled val="1"/>
+        </dgm:presLayoutVars>
+      </dgm:prSet>
+      <dgm:spPr/>
+    </dgm:pt>
+    <dgm:pt modelId="{9BCF4BBD-F554-49D0-8A10-C1328123EEA7}" type="pres">
+      <dgm:prSet presAssocID="{39E733DA-C0EE-44A5-80FB-F504D1CC5DC0}" presName="accent_7" presStyleCnt="0"/>
+      <dgm:spPr/>
+    </dgm:pt>
+    <dgm:pt modelId="{F9FD0456-1E55-4FA7-AD71-116F83C8E65D}" type="pres">
+      <dgm:prSet presAssocID="{39E733DA-C0EE-44A5-80FB-F504D1CC5DC0}" presName="accentRepeatNode" presStyleLbl="solidFgAcc1" presStyleIdx="6" presStyleCnt="7"/>
       <dgm:spPr/>
     </dgm:pt>
   </dgm:ptLst>
   <dgm:cxnLst>
-    <dgm:cxn modelId="{3C695103-74B7-427B-8718-D1AA52119AF6}" type="presOf" srcId="{3A4ACC02-679C-4703-BB90-8753DEE0717E}" destId="{37CE2F58-684A-4E69-B518-D081BB910AEB}" srcOrd="0" destOrd="0" presId="urn:microsoft.com/office/officeart/2008/layout/VerticalCurvedList"/>
     <dgm:cxn modelId="{A331C805-3E5F-4731-8A99-1791DC452B42}" type="presOf" srcId="{BE63C68E-20F5-4D37-B5FE-26DE8985D49E}" destId="{D79D9C5C-588B-42F2-8178-B258F71EC5B1}" srcOrd="0" destOrd="0" presId="urn:microsoft.com/office/officeart/2008/layout/VerticalCurvedList"/>
-    <dgm:cxn modelId="{EA7BBC44-15A5-4EF4-850A-43F743772081}" srcId="{BE63C68E-20F5-4D37-B5FE-26DE8985D49E}" destId="{EADE134E-EF45-4640-B9DB-1DC3FF79FCEB}" srcOrd="3" destOrd="0" parTransId="{54891A6B-42EF-4081-92C4-77D84FD51636}" sibTransId="{A5D44DC1-AE96-446B-A8AA-73847524EE1B}"/>
+    <dgm:cxn modelId="{BD0D0711-3AED-45A0-800A-1712DFD27260}" srcId="{BE63C68E-20F5-4D37-B5FE-26DE8985D49E}" destId="{6D9622A9-449E-4937-BD2B-6C94CCABEA4A}" srcOrd="5" destOrd="0" parTransId="{7F164686-DABB-4E73-89D9-AFCFABE57FA1}" sibTransId="{3565A1F3-3880-445D-A53C-B6814E42B762}"/>
+    <dgm:cxn modelId="{599C7B22-DA6C-41D2-9793-8F97103A3217}" type="presOf" srcId="{6D9622A9-449E-4937-BD2B-6C94CCABEA4A}" destId="{AFA8D7F2-52D8-471B-A5AB-CAB9564599F4}" srcOrd="0" destOrd="0" presId="urn:microsoft.com/office/officeart/2008/layout/VerticalCurvedList"/>
+    <dgm:cxn modelId="{71F2E034-725B-4B18-99A7-9C221D2DE679}" type="presOf" srcId="{3A4ACC02-679C-4703-BB90-8753DEE0717E}" destId="{43F809F3-CFF6-4A58-A6C2-FB0EBEBB4AA9}" srcOrd="0" destOrd="0" presId="urn:microsoft.com/office/officeart/2008/layout/VerticalCurvedList"/>
     <dgm:cxn modelId="{2CA28868-572B-420B-B7EE-A675A366C6CD}" type="presOf" srcId="{A429BF68-12DF-4A32-A0EC-0760F967F595}" destId="{E9FE3DBE-6A90-4E53-B6B3-AB85D93D20E3}" srcOrd="0" destOrd="0" presId="urn:microsoft.com/office/officeart/2008/layout/VerticalCurvedList"/>
-    <dgm:cxn modelId="{3BA98E68-F61C-4FD2-B260-2C3E4FF99E27}" type="presOf" srcId="{0E0ADF52-3E57-410F-8832-048E1CB82C65}" destId="{0EFA84E4-F379-4FB9-B8C3-1A33252BCD67}" srcOrd="0" destOrd="0" presId="urn:microsoft.com/office/officeart/2008/layout/VerticalCurvedList"/>
-    <dgm:cxn modelId="{90526A6D-E20D-46D1-B0EF-44391FAB034E}" srcId="{BE63C68E-20F5-4D37-B5FE-26DE8985D49E}" destId="{0E0ADF52-3E57-410F-8832-048E1CB82C65}" srcOrd="5" destOrd="0" parTransId="{C967924A-C8F2-47A9-BFCF-D363AF74AA41}" sibTransId="{0726772F-B681-42C9-AD99-A8D8A773D595}"/>
+    <dgm:cxn modelId="{90526A6D-E20D-46D1-B0EF-44391FAB034E}" srcId="{BE63C68E-20F5-4D37-B5FE-26DE8985D49E}" destId="{0E0ADF52-3E57-410F-8832-048E1CB82C65}" srcOrd="4" destOrd="0" parTransId="{C967924A-C8F2-47A9-BFCF-D363AF74AA41}" sibTransId="{0726772F-B681-42C9-AD99-A8D8A773D595}"/>
     <dgm:cxn modelId="{04924772-D873-4A82-8094-C4253F590D4B}" type="presOf" srcId="{ABC5F04F-E51B-4B13-A470-60C9D9E7A975}" destId="{77B48406-3A64-4B37-A831-F2D8C19D8F89}" srcOrd="0" destOrd="0" presId="urn:microsoft.com/office/officeart/2008/layout/VerticalCurvedList"/>
-    <dgm:cxn modelId="{5D7E9574-4640-4BBA-8454-DF2E8A428BC9}" type="presOf" srcId="{EADE134E-EF45-4640-B9DB-1DC3FF79FCEB}" destId="{52B60F3F-1E47-43EF-95B9-4C4BD60BD375}" srcOrd="0" destOrd="0" presId="urn:microsoft.com/office/officeart/2008/layout/VerticalCurvedList"/>
     <dgm:cxn modelId="{26943B8A-30B5-46F3-A193-62EECC447040}" srcId="{BE63C68E-20F5-4D37-B5FE-26DE8985D49E}" destId="{A429BF68-12DF-4A32-A0EC-0760F967F595}" srcOrd="2" destOrd="0" parTransId="{502BB672-C846-4E5C-AEEA-BE9FCA6F24A1}" sibTransId="{7D84CC68-97B9-426F-B2DF-83808E6021C8}"/>
     <dgm:cxn modelId="{80AC5394-C0F5-4DF9-95C1-603545653659}" srcId="{BE63C68E-20F5-4D37-B5FE-26DE8985D49E}" destId="{94854CFF-66B0-4C77-8607-37E89885711C}" srcOrd="1" destOrd="0" parTransId="{42220AD3-6EE8-4381-B31E-2DE0449DBE40}" sibTransId="{63A294BC-48DB-4B98-8E8F-C9C236486E65}"/>
+    <dgm:cxn modelId="{716E5198-799F-41AA-9F52-9160C90F596F}" srcId="{BE63C68E-20F5-4D37-B5FE-26DE8985D49E}" destId="{39E733DA-C0EE-44A5-80FB-F504D1CC5DC0}" srcOrd="6" destOrd="0" parTransId="{5E444FA5-3329-4E9D-BF1F-CA91CAF9D561}" sibTransId="{242D68E8-A846-4D0B-A3CD-49EEEEE2CB8E}"/>
+    <dgm:cxn modelId="{A624889F-5B5C-4B91-807F-AF0876E906C5}" type="presOf" srcId="{0E0ADF52-3E57-410F-8832-048E1CB82C65}" destId="{AADEEF9E-6514-4209-B0AB-70303127C9BC}" srcOrd="0" destOrd="0" presId="urn:microsoft.com/office/officeart/2008/layout/VerticalCurvedList"/>
     <dgm:cxn modelId="{5AE5E1D0-CB62-4D43-9EB1-CA4B645E3EC4}" srcId="{BE63C68E-20F5-4D37-B5FE-26DE8985D49E}" destId="{4FB880F6-F4EA-4497-AA44-2D61FEA2596D}" srcOrd="0" destOrd="0" parTransId="{4775797E-CD45-46F8-9F83-DCAD5B04C64C}" sibTransId="{ABC5F04F-E51B-4B13-A470-60C9D9E7A975}"/>
     <dgm:cxn modelId="{B49134D3-AB7F-4B2F-8B74-EEC556680D28}" type="presOf" srcId="{4FB880F6-F4EA-4497-AA44-2D61FEA2596D}" destId="{D57FE9FF-9389-4601-9A4E-6CBD8F3B7A60}" srcOrd="0" destOrd="0" presId="urn:microsoft.com/office/officeart/2008/layout/VerticalCurvedList"/>
     <dgm:cxn modelId="{5C6600EC-A911-48BD-AE6E-871186F09FE1}" type="presOf" srcId="{94854CFF-66B0-4C77-8607-37E89885711C}" destId="{B43EEE51-7FA3-43D4-A603-53D2130794C6}" srcOrd="0" destOrd="0" presId="urn:microsoft.com/office/officeart/2008/layout/VerticalCurvedList"/>
-    <dgm:cxn modelId="{14F731F9-405C-4532-950C-20CF27C295F7}" srcId="{BE63C68E-20F5-4D37-B5FE-26DE8985D49E}" destId="{3A4ACC02-679C-4703-BB90-8753DEE0717E}" srcOrd="4" destOrd="0" parTransId="{C6B3E134-76BA-48D2-94A0-9FF00D8E8DB1}" sibTransId="{C0F17646-6426-4F30-92C9-A81EA804DAB3}"/>
+    <dgm:cxn modelId="{FE8CB2F5-BB15-40B2-A481-6605855CA7E1}" type="presOf" srcId="{39E733DA-C0EE-44A5-80FB-F504D1CC5DC0}" destId="{8424699D-2C67-4034-BCB3-27C28B025C10}" srcOrd="0" destOrd="0" presId="urn:microsoft.com/office/officeart/2008/layout/VerticalCurvedList"/>
+    <dgm:cxn modelId="{14F731F9-405C-4532-950C-20CF27C295F7}" srcId="{BE63C68E-20F5-4D37-B5FE-26DE8985D49E}" destId="{3A4ACC02-679C-4703-BB90-8753DEE0717E}" srcOrd="3" destOrd="0" parTransId="{C6B3E134-76BA-48D2-94A0-9FF00D8E8DB1}" sibTransId="{C0F17646-6426-4F30-92C9-A81EA804DAB3}"/>
     <dgm:cxn modelId="{8B55C46F-9398-450D-9136-B91A380E073C}" type="presParOf" srcId="{D79D9C5C-588B-42F2-8178-B258F71EC5B1}" destId="{CBF8D870-1D72-4740-B65A-1138F85616D1}" srcOrd="0" destOrd="0" presId="urn:microsoft.com/office/officeart/2008/layout/VerticalCurvedList"/>
     <dgm:cxn modelId="{77332858-F957-4AFE-B5A7-193741B0C508}" type="presParOf" srcId="{CBF8D870-1D72-4740-B65A-1138F85616D1}" destId="{671DED32-9DDA-4F0D-822B-F7A6C0115A2A}" srcOrd="0" destOrd="0" presId="urn:microsoft.com/office/officeart/2008/layout/VerticalCurvedList"/>
     <dgm:cxn modelId="{EDEEB349-F57E-435E-BCEF-3E3BFE9642AF}" type="presParOf" srcId="{671DED32-9DDA-4F0D-822B-F7A6C0115A2A}" destId="{3BC58DCE-9A49-49AA-8F34-B006DA24D14B}" srcOrd="0" destOrd="0" presId="urn:microsoft.com/office/officeart/2008/layout/VerticalCurvedList"/>
@@ -2741,15 +2746,18 @@
     <dgm:cxn modelId="{6FC07FF1-D7B3-402A-A5E0-3BB32AEB7906}" type="presParOf" srcId="{CBF8D870-1D72-4740-B65A-1138F85616D1}" destId="{E9FE3DBE-6A90-4E53-B6B3-AB85D93D20E3}" srcOrd="5" destOrd="0" presId="urn:microsoft.com/office/officeart/2008/layout/VerticalCurvedList"/>
     <dgm:cxn modelId="{D67C41D8-B162-42C0-877C-BD30E684A3C4}" type="presParOf" srcId="{CBF8D870-1D72-4740-B65A-1138F85616D1}" destId="{4748ECF2-6E4B-4E56-A9C2-17C9A6EC7494}" srcOrd="6" destOrd="0" presId="urn:microsoft.com/office/officeart/2008/layout/VerticalCurvedList"/>
     <dgm:cxn modelId="{29238E9F-54CF-4B33-969F-AA66F230E8B3}" type="presParOf" srcId="{4748ECF2-6E4B-4E56-A9C2-17C9A6EC7494}" destId="{EEDAD627-E8EB-4006-9B2B-6C6F75BD0106}" srcOrd="0" destOrd="0" presId="urn:microsoft.com/office/officeart/2008/layout/VerticalCurvedList"/>
-    <dgm:cxn modelId="{350B1C50-A0C7-413C-A06E-2956BB4AAE01}" type="presParOf" srcId="{CBF8D870-1D72-4740-B65A-1138F85616D1}" destId="{52B60F3F-1E47-43EF-95B9-4C4BD60BD375}" srcOrd="7" destOrd="0" presId="urn:microsoft.com/office/officeart/2008/layout/VerticalCurvedList"/>
-    <dgm:cxn modelId="{E5FD8B45-A152-4258-89A8-F3EB320C5E74}" type="presParOf" srcId="{CBF8D870-1D72-4740-B65A-1138F85616D1}" destId="{EC77775A-77B7-4B92-BAED-2B34B137D269}" srcOrd="8" destOrd="0" presId="urn:microsoft.com/office/officeart/2008/layout/VerticalCurvedList"/>
-    <dgm:cxn modelId="{6E8C2960-127A-44E7-BB75-3DAAF9AA67DA}" type="presParOf" srcId="{EC77775A-77B7-4B92-BAED-2B34B137D269}" destId="{A1AEA756-D7ED-4A9E-B5BF-2AA941DFA390}" srcOrd="0" destOrd="0" presId="urn:microsoft.com/office/officeart/2008/layout/VerticalCurvedList"/>
-    <dgm:cxn modelId="{21C9BF88-CB68-4B21-A6D7-981D1C1663CD}" type="presParOf" srcId="{CBF8D870-1D72-4740-B65A-1138F85616D1}" destId="{37CE2F58-684A-4E69-B518-D081BB910AEB}" srcOrd="9" destOrd="0" presId="urn:microsoft.com/office/officeart/2008/layout/VerticalCurvedList"/>
-    <dgm:cxn modelId="{8E56547F-50D7-4D03-BE45-00FEDF665B9A}" type="presParOf" srcId="{CBF8D870-1D72-4740-B65A-1138F85616D1}" destId="{9405C3C9-872D-4F70-9478-C293F9A39C45}" srcOrd="10" destOrd="0" presId="urn:microsoft.com/office/officeart/2008/layout/VerticalCurvedList"/>
-    <dgm:cxn modelId="{D081A6A6-6F21-44F1-82B7-CCED8D3B8618}" type="presParOf" srcId="{9405C3C9-872D-4F70-9478-C293F9A39C45}" destId="{A5EC3969-192B-40AC-9728-041CD250B718}" srcOrd="0" destOrd="0" presId="urn:microsoft.com/office/officeart/2008/layout/VerticalCurvedList"/>
-    <dgm:cxn modelId="{8D24C4E7-4A88-4CB6-B6CA-956FD517960A}" type="presParOf" srcId="{CBF8D870-1D72-4740-B65A-1138F85616D1}" destId="{0EFA84E4-F379-4FB9-B8C3-1A33252BCD67}" srcOrd="11" destOrd="0" presId="urn:microsoft.com/office/officeart/2008/layout/VerticalCurvedList"/>
-    <dgm:cxn modelId="{3DB2EA54-954D-49D6-B0A3-A6E18C97B349}" type="presParOf" srcId="{CBF8D870-1D72-4740-B65A-1138F85616D1}" destId="{857F49F3-1D63-4263-961A-A529BE29E273}" srcOrd="12" destOrd="0" presId="urn:microsoft.com/office/officeart/2008/layout/VerticalCurvedList"/>
-    <dgm:cxn modelId="{59C92414-9E31-4239-9C3E-E3B28BBB6AC1}" type="presParOf" srcId="{857F49F3-1D63-4263-961A-A529BE29E273}" destId="{01B5D62D-6146-4151-BF6D-FE5BD437478A}" srcOrd="0" destOrd="0" presId="urn:microsoft.com/office/officeart/2008/layout/VerticalCurvedList"/>
+    <dgm:cxn modelId="{F481B687-5439-44DA-B925-AFA81A7276CD}" type="presParOf" srcId="{CBF8D870-1D72-4740-B65A-1138F85616D1}" destId="{43F809F3-CFF6-4A58-A6C2-FB0EBEBB4AA9}" srcOrd="7" destOrd="0" presId="urn:microsoft.com/office/officeart/2008/layout/VerticalCurvedList"/>
+    <dgm:cxn modelId="{AD2B46A7-213E-477B-B4E5-A095358B78F9}" type="presParOf" srcId="{CBF8D870-1D72-4740-B65A-1138F85616D1}" destId="{4CAB179F-97E5-45D0-B740-7C18D366836F}" srcOrd="8" destOrd="0" presId="urn:microsoft.com/office/officeart/2008/layout/VerticalCurvedList"/>
+    <dgm:cxn modelId="{1680F119-97D5-49D7-BFBE-41F1880234B8}" type="presParOf" srcId="{4CAB179F-97E5-45D0-B740-7C18D366836F}" destId="{A5EC3969-192B-40AC-9728-041CD250B718}" srcOrd="0" destOrd="0" presId="urn:microsoft.com/office/officeart/2008/layout/VerticalCurvedList"/>
+    <dgm:cxn modelId="{7FD7E67E-AF83-4613-A60F-DA5BDD0AFABE}" type="presParOf" srcId="{CBF8D870-1D72-4740-B65A-1138F85616D1}" destId="{AADEEF9E-6514-4209-B0AB-70303127C9BC}" srcOrd="9" destOrd="0" presId="urn:microsoft.com/office/officeart/2008/layout/VerticalCurvedList"/>
+    <dgm:cxn modelId="{7A7A3ED5-127C-47A1-9727-E42290986216}" type="presParOf" srcId="{CBF8D870-1D72-4740-B65A-1138F85616D1}" destId="{645EE064-12F4-4D0B-B9E8-95A82194C374}" srcOrd="10" destOrd="0" presId="urn:microsoft.com/office/officeart/2008/layout/VerticalCurvedList"/>
+    <dgm:cxn modelId="{D56A878A-DED0-4AF1-8AD4-5D03C6EB06BA}" type="presParOf" srcId="{645EE064-12F4-4D0B-B9E8-95A82194C374}" destId="{01B5D62D-6146-4151-BF6D-FE5BD437478A}" srcOrd="0" destOrd="0" presId="urn:microsoft.com/office/officeart/2008/layout/VerticalCurvedList"/>
+    <dgm:cxn modelId="{13CB0FF0-04DF-4907-8B2D-706D25511BCB}" type="presParOf" srcId="{CBF8D870-1D72-4740-B65A-1138F85616D1}" destId="{AFA8D7F2-52D8-471B-A5AB-CAB9564599F4}" srcOrd="11" destOrd="0" presId="urn:microsoft.com/office/officeart/2008/layout/VerticalCurvedList"/>
+    <dgm:cxn modelId="{DD596B9A-84E9-4DCA-B409-5D64145E0D4B}" type="presParOf" srcId="{CBF8D870-1D72-4740-B65A-1138F85616D1}" destId="{FACE83F2-1A70-4877-B15D-AB1BC6AB30F7}" srcOrd="12" destOrd="0" presId="urn:microsoft.com/office/officeart/2008/layout/VerticalCurvedList"/>
+    <dgm:cxn modelId="{7327C8D1-80EC-44E3-9331-8EA2ED203E9A}" type="presParOf" srcId="{FACE83F2-1A70-4877-B15D-AB1BC6AB30F7}" destId="{358213D4-7A82-4B21-A8DB-86270F72903F}" srcOrd="0" destOrd="0" presId="urn:microsoft.com/office/officeart/2008/layout/VerticalCurvedList"/>
+    <dgm:cxn modelId="{35332AB7-98FE-47C2-A894-B039BB8B2EDE}" type="presParOf" srcId="{CBF8D870-1D72-4740-B65A-1138F85616D1}" destId="{8424699D-2C67-4034-BCB3-27C28B025C10}" srcOrd="13" destOrd="0" presId="urn:microsoft.com/office/officeart/2008/layout/VerticalCurvedList"/>
+    <dgm:cxn modelId="{5C231500-F86E-4225-937B-B67FA366BAA7}" type="presParOf" srcId="{CBF8D870-1D72-4740-B65A-1138F85616D1}" destId="{9BCF4BBD-F554-49D0-8A10-C1328123EEA7}" srcOrd="14" destOrd="0" presId="urn:microsoft.com/office/officeart/2008/layout/VerticalCurvedList"/>
+    <dgm:cxn modelId="{38CE20A9-48ED-4459-AFE1-F4E32D12F7E5}" type="presParOf" srcId="{9BCF4BBD-F554-49D0-8A10-C1328123EEA7}" destId="{F9FD0456-1E55-4FA7-AD71-116F83C8E65D}" srcOrd="0" destOrd="0" presId="urn:microsoft.com/office/officeart/2008/layout/VerticalCurvedList"/>
   </dgm:cxnLst>
   <dgm:bg/>
   <dgm:whole/>
@@ -2822,8 +2830,8 @@
       </dsp:nvSpPr>
       <dsp:spPr>
         <a:xfrm>
-          <a:off x="378323" y="247733"/>
-          <a:ext cx="9157577" cy="495278"/>
+          <a:off x="443714" y="293930"/>
+          <a:ext cx="9092186" cy="588236"/>
         </a:xfrm>
         <a:prstGeom prst="rect">
           <a:avLst/>
@@ -2866,12 +2874,12 @@
         </a:fontRef>
       </dsp:style>
       <dsp:txBody>
-        <a:bodyPr spcFirstLastPara="0" vert="horz" wrap="square" lIns="393127" tIns="43180" rIns="43180" bIns="43180" numCol="1" spcCol="1270" anchor="ctr" anchorCtr="0">
+        <a:bodyPr spcFirstLastPara="0" vert="horz" wrap="square" lIns="466913" tIns="45720" rIns="45720" bIns="45720" numCol="1" spcCol="1270" anchor="ctr" anchorCtr="0">
           <a:noAutofit/>
         </a:bodyPr>
         <a:lstStyle/>
         <a:p>
-          <a:pPr marL="0" lvl="0" indent="0" algn="l" defTabSz="755650">
+          <a:pPr marL="0" lvl="0" indent="0" algn="l" defTabSz="800100">
             <a:lnSpc>
               <a:spcPct val="90000"/>
             </a:lnSpc>
@@ -2887,7 +2895,7 @@
             <a:buNone/>
           </a:pPr>
           <a:r>
-            <a:rPr kumimoji="0" lang="es-ES" altLang="es-ES" sz="1700" b="1" i="0" u="none" strike="noStrike" kern="1200" cap="none" normalizeH="0" baseline="0" dirty="0">
+            <a:rPr kumimoji="0" lang="es-ES" altLang="es-ES" sz="1800" b="1" i="0" u="none" strike="noStrike" kern="1200" cap="none" normalizeH="0" baseline="0" dirty="0">
               <a:ln/>
               <a:effectLst/>
               <a:latin typeface="Arial" panose="020B0604020202020204" pitchFamily="34" charset="0"/>
@@ -2895,7 +2903,7 @@
             <a:t>Spotify favorece canciones por sus características</a:t>
           </a:r>
           <a:r>
-            <a:rPr kumimoji="0" lang="es-ES" altLang="es-ES" sz="1700" b="0" i="0" u="none" strike="noStrike" kern="1200" cap="none" normalizeH="0" baseline="0" dirty="0">
+            <a:rPr kumimoji="0" lang="es-ES" altLang="es-ES" sz="1800" b="0" i="0" u="none" strike="noStrike" kern="1200" cap="none" normalizeH="0" baseline="0" dirty="0">
               <a:ln/>
               <a:effectLst/>
               <a:latin typeface="Arial" panose="020B0604020202020204" pitchFamily="34" charset="0"/>
@@ -2903,7 +2911,7 @@
             <a:t> (energía, felicidad, </a:t>
           </a:r>
           <a:r>
-            <a:rPr kumimoji="0" lang="es-ES" altLang="es-ES" sz="1700" b="0" i="0" u="none" strike="noStrike" kern="1200" cap="none" normalizeH="0" baseline="0" dirty="0" err="1">
+            <a:rPr kumimoji="0" lang="es-ES" altLang="es-ES" sz="1800" b="0" i="0" u="none" strike="noStrike" kern="1200" cap="none" normalizeH="0" baseline="0" dirty="0" err="1">
               <a:ln/>
               <a:effectLst/>
               <a:latin typeface="Arial" panose="020B0604020202020204" pitchFamily="34" charset="0"/>
@@ -2911,19 +2919,19 @@
             <a:t>danzabilidad</a:t>
           </a:r>
           <a:r>
-            <a:rPr kumimoji="0" lang="es-ES" altLang="es-ES" sz="1700" b="0" i="0" u="none" strike="noStrike" kern="1200" cap="none" normalizeH="0" baseline="0" dirty="0">
+            <a:rPr kumimoji="0" lang="es-ES" altLang="es-ES" sz="1800" b="0" i="0" u="none" strike="noStrike" kern="1200" cap="none" normalizeH="0" baseline="0" dirty="0">
               <a:ln/>
               <a:effectLst/>
               <a:latin typeface="Arial" panose="020B0604020202020204" pitchFamily="34" charset="0"/>
             </a:rPr>
             <a:t>…).</a:t>
           </a:r>
-          <a:endParaRPr lang="es-ES" sz="1700" kern="1200" dirty="0"/>
+          <a:endParaRPr lang="es-ES" sz="1800" kern="1200" dirty="0"/>
         </a:p>
       </dsp:txBody>
       <dsp:txXfrm>
-        <a:off x="378323" y="247733"/>
-        <a:ext cx="9157577" cy="495278"/>
+        <a:off x="443714" y="293930"/>
+        <a:ext cx="9092186" cy="588236"/>
       </dsp:txXfrm>
     </dsp:sp>
     <dsp:sp modelId="{87C25D6F-E287-43E8-B517-FAEAA1151E3E}">
@@ -2933,8 +2941,8 @@
       </dsp:nvSpPr>
       <dsp:spPr>
         <a:xfrm>
-          <a:off x="68774" y="185823"/>
-          <a:ext cx="619097" cy="619097"/>
+          <a:off x="76066" y="220400"/>
+          <a:ext cx="735296" cy="735296"/>
         </a:xfrm>
         <a:prstGeom prst="ellipse">
           <a:avLst/>
@@ -2981,8 +2989,8 @@
       </dsp:nvSpPr>
       <dsp:spPr>
         <a:xfrm>
-          <a:off x="785723" y="990556"/>
-          <a:ext cx="8750177" cy="495278"/>
+          <a:off x="865227" y="1176003"/>
+          <a:ext cx="8670672" cy="588236"/>
         </a:xfrm>
         <a:prstGeom prst="rect">
           <a:avLst/>
@@ -3025,12 +3033,12 @@
         </a:fontRef>
       </dsp:style>
       <dsp:txBody>
-        <a:bodyPr spcFirstLastPara="0" vert="horz" wrap="square" lIns="393127" tIns="43180" rIns="43180" bIns="43180" numCol="1" spcCol="1270" anchor="ctr" anchorCtr="0">
+        <a:bodyPr spcFirstLastPara="0" vert="horz" wrap="square" lIns="466913" tIns="45720" rIns="45720" bIns="45720" numCol="1" spcCol="1270" anchor="ctr" anchorCtr="0">
           <a:noAutofit/>
         </a:bodyPr>
         <a:lstStyle/>
         <a:p>
-          <a:pPr marL="0" lvl="0" indent="0" algn="l" defTabSz="755650">
+          <a:pPr marL="0" lvl="0" indent="0" algn="l" defTabSz="800100">
             <a:lnSpc>
               <a:spcPct val="90000"/>
             </a:lnSpc>
@@ -3043,13 +3051,13 @@
             <a:buNone/>
           </a:pPr>
           <a:r>
-            <a:rPr lang="es-ES" sz="1700" b="1" kern="1200" dirty="0">
+            <a:rPr lang="es-ES" sz="1800" b="1" kern="1200" dirty="0">
               <a:latin typeface="Arial" panose="020B0604020202020204" pitchFamily="34" charset="0"/>
               <a:cs typeface="Arial" panose="020B0604020202020204" pitchFamily="34" charset="0"/>
             </a:rPr>
             <a:t>Spotify favorece ciertos géneros frente a otros.</a:t>
           </a:r>
-          <a:endParaRPr kumimoji="0" lang="es-ES" altLang="es-ES" sz="1700" b="0" i="0" u="none" strike="noStrike" kern="1200" cap="none" normalizeH="0" baseline="0" dirty="0">
+          <a:endParaRPr kumimoji="0" lang="es-ES" altLang="es-ES" sz="1800" b="0" i="0" u="none" strike="noStrike" kern="1200" cap="none" normalizeH="0" baseline="0" dirty="0">
             <a:ln/>
             <a:effectLst/>
             <a:latin typeface="Arial" panose="020B0604020202020204" pitchFamily="34" charset="0"/>
@@ -3058,8 +3066,8 @@
         </a:p>
       </dsp:txBody>
       <dsp:txXfrm>
-        <a:off x="785723" y="990556"/>
-        <a:ext cx="8750177" cy="495278"/>
+        <a:off x="865227" y="1176003"/>
+        <a:ext cx="8670672" cy="588236"/>
       </dsp:txXfrm>
     </dsp:sp>
     <dsp:sp modelId="{5B0E6E65-C541-4C28-A2D5-9CFE13756F5B}">
@@ -3069,8 +3077,8 @@
       </dsp:nvSpPr>
       <dsp:spPr>
         <a:xfrm>
-          <a:off x="476174" y="928646"/>
-          <a:ext cx="619097" cy="619097"/>
+          <a:off x="497579" y="1102473"/>
+          <a:ext cx="735296" cy="735296"/>
         </a:xfrm>
         <a:prstGeom prst="ellipse">
           <a:avLst/>
@@ -3117,8 +3125,8 @@
       </dsp:nvSpPr>
       <dsp:spPr>
         <a:xfrm>
-          <a:off x="972016" y="1733379"/>
-          <a:ext cx="8563883" cy="495278"/>
+          <a:off x="994598" y="2058076"/>
+          <a:ext cx="8541302" cy="588236"/>
         </a:xfrm>
         <a:prstGeom prst="rect">
           <a:avLst/>
@@ -3161,12 +3169,12 @@
         </a:fontRef>
       </dsp:style>
       <dsp:txBody>
-        <a:bodyPr spcFirstLastPara="0" vert="horz" wrap="square" lIns="393127" tIns="43180" rIns="43180" bIns="43180" numCol="1" spcCol="1270" anchor="ctr" anchorCtr="0">
+        <a:bodyPr spcFirstLastPara="0" vert="horz" wrap="square" lIns="466913" tIns="45720" rIns="45720" bIns="45720" numCol="1" spcCol="1270" anchor="ctr" anchorCtr="0">
           <a:noAutofit/>
         </a:bodyPr>
         <a:lstStyle/>
         <a:p>
-          <a:pPr marL="0" lvl="0" indent="0" algn="l" defTabSz="755650">
+          <a:pPr marL="0" lvl="0" indent="0" algn="l" defTabSz="800100">
             <a:lnSpc>
               <a:spcPct val="90000"/>
             </a:lnSpc>
@@ -3179,14 +3187,14 @@
             <a:buNone/>
           </a:pPr>
           <a:r>
-            <a:rPr kumimoji="0" lang="es-ES" altLang="es-ES" sz="1700" b="1" i="0" u="none" strike="noStrike" kern="1200" cap="none" normalizeH="0" baseline="0" dirty="0">
+            <a:rPr kumimoji="0" lang="es-ES" altLang="es-ES" sz="1800" b="1" i="0" u="none" strike="noStrike" kern="1200" cap="none" normalizeH="0" baseline="0" dirty="0">
               <a:ln/>
               <a:effectLst/>
               <a:latin typeface="Arial" panose="020B0604020202020204" pitchFamily="34" charset="0"/>
             </a:rPr>
             <a:t>El día y mes de lanzamiento influyen en el éxito de una canción.</a:t>
           </a:r>
-          <a:endParaRPr kumimoji="0" lang="es-ES" altLang="es-ES" sz="1700" b="0" i="0" u="none" strike="noStrike" kern="1200" cap="none" normalizeH="0" baseline="0" dirty="0">
+          <a:endParaRPr kumimoji="0" lang="es-ES" altLang="es-ES" sz="1800" b="0" i="0" u="none" strike="noStrike" kern="1200" cap="none" normalizeH="0" baseline="0" dirty="0">
             <a:ln/>
             <a:effectLst/>
             <a:latin typeface="Arial" panose="020B0604020202020204" pitchFamily="34" charset="0"/>
@@ -3194,8 +3202,8 @@
         </a:p>
       </dsp:txBody>
       <dsp:txXfrm>
-        <a:off x="972016" y="1733379"/>
-        <a:ext cx="8563883" cy="495278"/>
+        <a:off x="994598" y="2058076"/>
+        <a:ext cx="8541302" cy="588236"/>
       </dsp:txXfrm>
     </dsp:sp>
     <dsp:sp modelId="{EEDAD627-E8EB-4006-9B2B-6C6F75BD0106}">
@@ -3205,8 +3213,8 @@
       </dsp:nvSpPr>
       <dsp:spPr>
         <a:xfrm>
-          <a:off x="662468" y="1671469"/>
-          <a:ext cx="619097" cy="619097"/>
+          <a:off x="626950" y="1984546"/>
+          <a:ext cx="735296" cy="735296"/>
         </a:xfrm>
         <a:prstGeom prst="ellipse">
           <a:avLst/>
@@ -3246,15 +3254,15 @@
         <a:fontRef idx="minor"/>
       </dsp:style>
     </dsp:sp>
-    <dsp:sp modelId="{52B60F3F-1E47-43EF-95B9-4C4BD60BD375}">
+    <dsp:sp modelId="{3F0A1807-8362-4BB8-8DA0-C0B66603D226}">
       <dsp:nvSpPr>
         <dsp:cNvPr id="0" name=""/>
         <dsp:cNvSpPr/>
       </dsp:nvSpPr>
       <dsp:spPr>
         <a:xfrm>
-          <a:off x="972016" y="2475731"/>
-          <a:ext cx="8563883" cy="495278"/>
+          <a:off x="865227" y="2940149"/>
+          <a:ext cx="8670672" cy="588236"/>
         </a:xfrm>
         <a:prstGeom prst="rect">
           <a:avLst/>
@@ -3297,12 +3305,12 @@
         </a:fontRef>
       </dsp:style>
       <dsp:txBody>
-        <a:bodyPr spcFirstLastPara="0" vert="horz" wrap="square" lIns="393127" tIns="43180" rIns="43180" bIns="43180" numCol="1" spcCol="1270" anchor="ctr" anchorCtr="0">
+        <a:bodyPr spcFirstLastPara="0" vert="horz" wrap="square" lIns="466913" tIns="45720" rIns="45720" bIns="45720" numCol="1" spcCol="1270" anchor="ctr" anchorCtr="0">
           <a:noAutofit/>
         </a:bodyPr>
         <a:lstStyle/>
         <a:p>
-          <a:pPr marL="0" lvl="0" indent="0" algn="l" defTabSz="755650">
+          <a:pPr marL="0" lvl="0" indent="0" algn="l" defTabSz="800100">
             <a:lnSpc>
               <a:spcPct val="90000"/>
             </a:lnSpc>
@@ -3315,14 +3323,14 @@
             <a:buNone/>
           </a:pPr>
           <a:r>
-            <a:rPr kumimoji="0" lang="es-ES" altLang="es-ES" sz="1700" b="1" i="0" u="none" strike="noStrike" kern="1200" cap="none" normalizeH="0" baseline="0" dirty="0">
+            <a:rPr kumimoji="0" lang="es-ES" altLang="es-ES" sz="1800" b="1" i="0" u="none" strike="noStrike" kern="1200" cap="none" normalizeH="0" baseline="0" dirty="0">
               <a:ln/>
               <a:effectLst/>
               <a:latin typeface="Arial" panose="020B0604020202020204" pitchFamily="34" charset="0"/>
             </a:rPr>
-            <a:t>Las canciones más cortas suelen ser más populares.</a:t>
+            <a:t>Las letras explícitas repercuten en el éxito de una canción.</a:t>
           </a:r>
-          <a:endParaRPr kumimoji="0" lang="es-ES" altLang="es-ES" sz="1700" b="0" i="0" u="none" strike="noStrike" kern="1200" cap="none" normalizeH="0" baseline="0" dirty="0">
+          <a:endParaRPr kumimoji="0" lang="es-ES" altLang="es-ES" sz="1800" b="0" i="0" u="none" strike="noStrike" kern="1200" cap="none" normalizeH="0" baseline="0" dirty="0">
             <a:ln/>
             <a:effectLst/>
             <a:latin typeface="Arial" panose="020B0604020202020204" pitchFamily="34" charset="0"/>
@@ -3330,19 +3338,19 @@
         </a:p>
       </dsp:txBody>
       <dsp:txXfrm>
-        <a:off x="972016" y="2475731"/>
-        <a:ext cx="8563883" cy="495278"/>
+        <a:off x="865227" y="2940149"/>
+        <a:ext cx="8670672" cy="588236"/>
       </dsp:txXfrm>
     </dsp:sp>
-    <dsp:sp modelId="{A1AEA756-D7ED-4A9E-B5BF-2AA941DFA390}">
+    <dsp:sp modelId="{A5EC3969-192B-40AC-9728-041CD250B718}">
       <dsp:nvSpPr>
         <dsp:cNvPr id="0" name=""/>
         <dsp:cNvSpPr/>
       </dsp:nvSpPr>
       <dsp:spPr>
         <a:xfrm>
-          <a:off x="662468" y="2413821"/>
-          <a:ext cx="619097" cy="619097"/>
+          <a:off x="497579" y="2866619"/>
+          <a:ext cx="735296" cy="735296"/>
         </a:xfrm>
         <a:prstGeom prst="ellipse">
           <a:avLst/>
@@ -3382,15 +3390,15 @@
         <a:fontRef idx="minor"/>
       </dsp:style>
     </dsp:sp>
-    <dsp:sp modelId="{37CE2F58-684A-4E69-B518-D081BB910AEB}">
+    <dsp:sp modelId="{3595A138-6CC0-40F7-966E-B8769FD469D3}">
       <dsp:nvSpPr>
         <dsp:cNvPr id="0" name=""/>
         <dsp:cNvSpPr/>
       </dsp:nvSpPr>
       <dsp:spPr>
         <a:xfrm>
-          <a:off x="785723" y="3218554"/>
-          <a:ext cx="8750177" cy="495278"/>
+          <a:off x="443714" y="3822221"/>
+          <a:ext cx="9092186" cy="588236"/>
         </a:xfrm>
         <a:prstGeom prst="rect">
           <a:avLst/>
@@ -3433,12 +3441,12 @@
         </a:fontRef>
       </dsp:style>
       <dsp:txBody>
-        <a:bodyPr spcFirstLastPara="0" vert="horz" wrap="square" lIns="393127" tIns="43180" rIns="43180" bIns="43180" numCol="1" spcCol="1270" anchor="ctr" anchorCtr="0">
+        <a:bodyPr spcFirstLastPara="0" vert="horz" wrap="square" lIns="466913" tIns="45720" rIns="45720" bIns="45720" numCol="1" spcCol="1270" anchor="ctr" anchorCtr="0">
           <a:noAutofit/>
         </a:bodyPr>
         <a:lstStyle/>
         <a:p>
-          <a:pPr marL="0" lvl="0" indent="0" algn="l" defTabSz="755650">
+          <a:pPr marL="0" lvl="0" indent="0" algn="l" defTabSz="800100">
             <a:lnSpc>
               <a:spcPct val="90000"/>
             </a:lnSpc>
@@ -3451,14 +3459,14 @@
             <a:buNone/>
           </a:pPr>
           <a:r>
-            <a:rPr kumimoji="0" lang="es-ES" altLang="es-ES" sz="1700" b="1" i="0" u="none" strike="noStrike" kern="1200" cap="none" normalizeH="0" baseline="0" dirty="0">
+            <a:rPr kumimoji="0" lang="es-ES" altLang="es-ES" sz="1800" b="1" i="0" u="none" strike="noStrike" kern="1200" cap="none" normalizeH="0" baseline="0" dirty="0">
               <a:ln/>
               <a:effectLst/>
               <a:latin typeface="Arial" panose="020B0604020202020204" pitchFamily="34" charset="0"/>
             </a:rPr>
-            <a:t>Las letras explícitas repercuten en el éxito de una canción.</a:t>
+            <a:t>Lanzar un álbum con estrategia de singles es efectivo.</a:t>
           </a:r>
-          <a:endParaRPr kumimoji="0" lang="es-ES" altLang="es-ES" sz="1700" b="0" i="0" u="none" strike="noStrike" kern="1200" cap="none" normalizeH="0" baseline="0" dirty="0">
+          <a:endParaRPr kumimoji="0" lang="es-ES" altLang="es-ES" sz="1800" b="0" i="0" u="none" strike="noStrike" kern="1200" cap="none" normalizeH="0" baseline="0" dirty="0">
             <a:ln/>
             <a:effectLst/>
             <a:latin typeface="Arial" panose="020B0604020202020204" pitchFamily="34" charset="0"/>
@@ -3466,144 +3474,8 @@
         </a:p>
       </dsp:txBody>
       <dsp:txXfrm>
-        <a:off x="785723" y="3218554"/>
-        <a:ext cx="8750177" cy="495278"/>
-      </dsp:txXfrm>
-    </dsp:sp>
-    <dsp:sp modelId="{A5EC3969-192B-40AC-9728-041CD250B718}">
-      <dsp:nvSpPr>
-        <dsp:cNvPr id="0" name=""/>
-        <dsp:cNvSpPr/>
-      </dsp:nvSpPr>
-      <dsp:spPr>
-        <a:xfrm>
-          <a:off x="476174" y="3156645"/>
-          <a:ext cx="619097" cy="619097"/>
-        </a:xfrm>
-        <a:prstGeom prst="ellipse">
-          <a:avLst/>
-        </a:prstGeom>
-        <a:solidFill>
-          <a:schemeClr val="lt1">
-            <a:hueOff val="0"/>
-            <a:satOff val="0"/>
-            <a:lumOff val="0"/>
-            <a:alphaOff val="0"/>
-          </a:schemeClr>
-        </a:solidFill>
-        <a:ln w="12700" cap="flat" cmpd="sng" algn="ctr">
-          <a:solidFill>
-            <a:schemeClr val="accent6">
-              <a:hueOff val="0"/>
-              <a:satOff val="0"/>
-              <a:lumOff val="0"/>
-              <a:alphaOff val="0"/>
-            </a:schemeClr>
-          </a:solidFill>
-          <a:prstDash val="solid"/>
-          <a:miter lim="800000"/>
-        </a:ln>
-        <a:effectLst/>
-      </dsp:spPr>
-      <dsp:style>
-        <a:lnRef idx="2">
-          <a:scrgbClr r="0" g="0" b="0"/>
-        </a:lnRef>
-        <a:fillRef idx="1">
-          <a:scrgbClr r="0" g="0" b="0"/>
-        </a:fillRef>
-        <a:effectRef idx="0">
-          <a:scrgbClr r="0" g="0" b="0"/>
-        </a:effectRef>
-        <a:fontRef idx="minor"/>
-      </dsp:style>
-    </dsp:sp>
-    <dsp:sp modelId="{ADAA0FD0-E298-4588-8AF0-D4F543A69C36}">
-      <dsp:nvSpPr>
-        <dsp:cNvPr id="0" name=""/>
-        <dsp:cNvSpPr/>
-      </dsp:nvSpPr>
-      <dsp:spPr>
-        <a:xfrm>
-          <a:off x="378323" y="3961377"/>
-          <a:ext cx="9157577" cy="495278"/>
-        </a:xfrm>
-        <a:prstGeom prst="rect">
-          <a:avLst/>
-        </a:prstGeom>
-        <a:solidFill>
-          <a:schemeClr val="lt1">
-            <a:hueOff val="0"/>
-            <a:satOff val="0"/>
-            <a:lumOff val="0"/>
-            <a:alphaOff val="0"/>
-          </a:schemeClr>
-        </a:solidFill>
-        <a:ln w="12700" cap="flat" cmpd="sng" algn="ctr">
-          <a:solidFill>
-            <a:schemeClr val="accent6">
-              <a:shade val="80000"/>
-              <a:hueOff val="0"/>
-              <a:satOff val="0"/>
-              <a:lumOff val="0"/>
-              <a:alphaOff val="0"/>
-            </a:schemeClr>
-          </a:solidFill>
-          <a:prstDash val="solid"/>
-          <a:miter lim="800000"/>
-        </a:ln>
-        <a:effectLst/>
-      </dsp:spPr>
-      <dsp:style>
-        <a:lnRef idx="2">
-          <a:scrgbClr r="0" g="0" b="0"/>
-        </a:lnRef>
-        <a:fillRef idx="1">
-          <a:scrgbClr r="0" g="0" b="0"/>
-        </a:fillRef>
-        <a:effectRef idx="0">
-          <a:scrgbClr r="0" g="0" b="0"/>
-        </a:effectRef>
-        <a:fontRef idx="minor">
-          <a:schemeClr val="lt1"/>
-        </a:fontRef>
-      </dsp:style>
-      <dsp:txBody>
-        <a:bodyPr spcFirstLastPara="0" vert="horz" wrap="square" lIns="393127" tIns="43180" rIns="43180" bIns="43180" numCol="1" spcCol="1270" anchor="ctr" anchorCtr="0">
-          <a:noAutofit/>
-        </a:bodyPr>
-        <a:lstStyle/>
-        <a:p>
-          <a:pPr marL="0" lvl="0" indent="0" algn="l" defTabSz="755650">
-            <a:lnSpc>
-              <a:spcPct val="90000"/>
-            </a:lnSpc>
-            <a:spcBef>
-              <a:spcPct val="0"/>
-            </a:spcBef>
-            <a:spcAft>
-              <a:spcPct val="35000"/>
-            </a:spcAft>
-            <a:buNone/>
-          </a:pPr>
-          <a:r>
-            <a:rPr kumimoji="0" lang="es-ES" altLang="es-ES" sz="1700" b="1" i="0" u="none" strike="noStrike" kern="1200" cap="none" normalizeH="0" baseline="0" dirty="0">
-              <a:ln/>
-              <a:effectLst/>
-              <a:latin typeface="Arial" panose="020B0604020202020204" pitchFamily="34" charset="0"/>
-            </a:rPr>
-            <a:t>Lanzar un álbum con estrategia de singles es efectivo.</a:t>
-          </a:r>
-          <a:endParaRPr kumimoji="0" lang="es-ES" altLang="es-ES" sz="1700" b="0" i="0" u="none" strike="noStrike" kern="1200" cap="none" normalizeH="0" baseline="0" dirty="0">
-            <a:ln/>
-            <a:effectLst/>
-            <a:latin typeface="Arial" panose="020B0604020202020204" pitchFamily="34" charset="0"/>
-          </a:endParaRPr>
-        </a:p>
-      </dsp:txBody>
-      <dsp:txXfrm>
-        <a:off x="378323" y="3961377"/>
-        <a:ext cx="9157577" cy="495278"/>
+        <a:off x="443714" y="3822221"/>
+        <a:ext cx="9092186" cy="588236"/>
       </dsp:txXfrm>
     </dsp:sp>
     <dsp:sp modelId="{01B5D62D-6146-4151-BF6D-FE5BD437478A}">
@@ -3613,8 +3485,8 @@
       </dsp:nvSpPr>
       <dsp:spPr>
         <a:xfrm>
-          <a:off x="68774" y="3899468"/>
-          <a:ext cx="619097" cy="619097"/>
+          <a:off x="76066" y="3748692"/>
+          <a:ext cx="735296" cy="735296"/>
         </a:xfrm>
         <a:prstGeom prst="ellipse">
           <a:avLst/>
@@ -3673,7 +3545,7 @@
       </dsp:nvSpPr>
       <dsp:spPr>
         <a:xfrm>
-          <a:off x="-5318860" y="-814554"/>
+          <a:off x="-5316362" y="-814554"/>
           <a:ext cx="6333498" cy="6333498"/>
         </a:xfrm>
         <a:prstGeom prst="blockArc">
@@ -3719,8 +3591,8 @@
       </dsp:nvSpPr>
       <dsp:spPr>
         <a:xfrm>
-          <a:off x="378323" y="247733"/>
-          <a:ext cx="9157577" cy="495278"/>
+          <a:off x="330012" y="213861"/>
+          <a:ext cx="9208384" cy="427534"/>
         </a:xfrm>
         <a:prstGeom prst="rect">
           <a:avLst/>
@@ -3758,7 +3630,7 @@
         </a:fontRef>
       </dsp:style>
       <dsp:txBody>
-        <a:bodyPr spcFirstLastPara="0" vert="horz" wrap="square" lIns="393127" tIns="38100" rIns="38100" bIns="38100" numCol="1" spcCol="1270" anchor="ctr" anchorCtr="0">
+        <a:bodyPr spcFirstLastPara="0" vert="horz" wrap="square" lIns="339356" tIns="38100" rIns="38100" bIns="38100" numCol="1" spcCol="1270" anchor="ctr" anchorCtr="0">
           <a:noAutofit/>
         </a:bodyPr>
         <a:lstStyle/>
@@ -3798,8 +3670,8 @@
         </a:p>
       </dsp:txBody>
       <dsp:txXfrm>
-        <a:off x="378323" y="247733"/>
-        <a:ext cx="9157577" cy="495278"/>
+        <a:off x="330012" y="213861"/>
+        <a:ext cx="9208384" cy="427534"/>
       </dsp:txXfrm>
     </dsp:sp>
     <dsp:sp modelId="{87C25D6F-E287-43E8-B517-FAEAA1151E3E}">
@@ -3809,8 +3681,8 @@
       </dsp:nvSpPr>
       <dsp:spPr>
         <a:xfrm>
-          <a:off x="68774" y="185823"/>
-          <a:ext cx="619097" cy="619097"/>
+          <a:off x="62803" y="160419"/>
+          <a:ext cx="534418" cy="534418"/>
         </a:xfrm>
         <a:prstGeom prst="ellipse">
           <a:avLst/>
@@ -3857,8 +3729,8 @@
       </dsp:nvSpPr>
       <dsp:spPr>
         <a:xfrm>
-          <a:off x="785723" y="990556"/>
-          <a:ext cx="8750177" cy="495278"/>
+          <a:off x="717184" y="855540"/>
+          <a:ext cx="8821213" cy="427534"/>
         </a:xfrm>
         <a:prstGeom prst="rect">
           <a:avLst/>
@@ -3896,7 +3768,7 @@
         </a:fontRef>
       </dsp:style>
       <dsp:txBody>
-        <a:bodyPr spcFirstLastPara="0" vert="horz" wrap="square" lIns="393127" tIns="38100" rIns="38100" bIns="38100" numCol="1" spcCol="1270" anchor="ctr" anchorCtr="0">
+        <a:bodyPr spcFirstLastPara="0" vert="horz" wrap="square" lIns="339356" tIns="38100" rIns="38100" bIns="38100" numCol="1" spcCol="1270" anchor="ctr" anchorCtr="0">
           <a:noAutofit/>
         </a:bodyPr>
         <a:lstStyle/>
@@ -3928,8 +3800,8 @@
         </a:p>
       </dsp:txBody>
       <dsp:txXfrm>
-        <a:off x="785723" y="990556"/>
-        <a:ext cx="8750177" cy="495278"/>
+        <a:off x="717184" y="855540"/>
+        <a:ext cx="8821213" cy="427534"/>
       </dsp:txXfrm>
     </dsp:sp>
     <dsp:sp modelId="{5B0E6E65-C541-4C28-A2D5-9CFE13756F5B}">
@@ -3939,8 +3811,8 @@
       </dsp:nvSpPr>
       <dsp:spPr>
         <a:xfrm>
-          <a:off x="476174" y="928646"/>
-          <a:ext cx="619097" cy="619097"/>
+          <a:off x="449974" y="802098"/>
+          <a:ext cx="534418" cy="534418"/>
         </a:xfrm>
         <a:prstGeom prst="ellipse">
           <a:avLst/>
@@ -3987,8 +3859,8 @@
       </dsp:nvSpPr>
       <dsp:spPr>
         <a:xfrm>
-          <a:off x="972016" y="1733379"/>
-          <a:ext cx="8563883" cy="495278"/>
+          <a:off x="929352" y="1496748"/>
+          <a:ext cx="8609045" cy="427534"/>
         </a:xfrm>
         <a:prstGeom prst="rect">
           <a:avLst/>
@@ -4026,7 +3898,7 @@
         </a:fontRef>
       </dsp:style>
       <dsp:txBody>
-        <a:bodyPr spcFirstLastPara="0" vert="horz" wrap="square" lIns="393127" tIns="38100" rIns="38100" bIns="38100" numCol="1" spcCol="1270" anchor="ctr" anchorCtr="0">
+        <a:bodyPr spcFirstLastPara="0" vert="horz" wrap="square" lIns="339356" tIns="38100" rIns="38100" bIns="38100" numCol="1" spcCol="1270" anchor="ctr" anchorCtr="0">
           <a:noAutofit/>
         </a:bodyPr>
         <a:lstStyle/>
@@ -4067,8 +3939,8 @@
         </a:p>
       </dsp:txBody>
       <dsp:txXfrm>
-        <a:off x="972016" y="1733379"/>
-        <a:ext cx="8563883" cy="495278"/>
+        <a:off x="929352" y="1496748"/>
+        <a:ext cx="8609045" cy="427534"/>
       </dsp:txXfrm>
     </dsp:sp>
     <dsp:sp modelId="{EEDAD627-E8EB-4006-9B2B-6C6F75BD0106}">
@@ -4078,8 +3950,8 @@
       </dsp:nvSpPr>
       <dsp:spPr>
         <a:xfrm>
-          <a:off x="662468" y="1671469"/>
-          <a:ext cx="619097" cy="619097"/>
+          <a:off x="662142" y="1443306"/>
+          <a:ext cx="534418" cy="534418"/>
         </a:xfrm>
         <a:prstGeom prst="ellipse">
           <a:avLst/>
@@ -4119,15 +3991,15 @@
         <a:fontRef idx="minor"/>
       </dsp:style>
     </dsp:sp>
-    <dsp:sp modelId="{52B60F3F-1E47-43EF-95B9-4C4BD60BD375}">
+    <dsp:sp modelId="{43F809F3-CFF6-4A58-A6C2-FB0EBEBB4AA9}">
       <dsp:nvSpPr>
         <dsp:cNvPr id="0" name=""/>
         <dsp:cNvSpPr/>
       </dsp:nvSpPr>
       <dsp:spPr>
         <a:xfrm>
-          <a:off x="972016" y="2475731"/>
-          <a:ext cx="8563883" cy="495278"/>
+          <a:off x="997095" y="2138427"/>
+          <a:ext cx="8541302" cy="427534"/>
         </a:xfrm>
         <a:prstGeom prst="rect">
           <a:avLst/>
@@ -4165,7 +4037,7 @@
         </a:fontRef>
       </dsp:style>
       <dsp:txBody>
-        <a:bodyPr spcFirstLastPara="0" vert="horz" wrap="square" lIns="393127" tIns="38100" rIns="38100" bIns="38100" numCol="1" spcCol="1270" anchor="ctr" anchorCtr="0">
+        <a:bodyPr spcFirstLastPara="0" vert="horz" wrap="square" lIns="339356" tIns="38100" rIns="38100" bIns="38100" numCol="1" spcCol="1270" anchor="ctr" anchorCtr="0">
           <a:noAutofit/>
         </a:bodyPr>
         <a:lstStyle/>
@@ -4183,42 +4055,37 @@
             <a:buNone/>
           </a:pPr>
           <a:r>
-            <a:rPr kumimoji="0" lang="es-ES" altLang="es-ES" sz="1500" b="1" i="0" u="none" strike="noStrike" kern="1200" cap="none" normalizeH="0" baseline="0">
+            <a:rPr kumimoji="0" lang="es-ES" altLang="es-ES" sz="1500" b="1" i="0" u="none" strike="noStrike" kern="1200" cap="none" normalizeH="0" baseline="0" dirty="0">
               <a:ln/>
               <a:effectLst/>
               <a:latin typeface="Arial" panose="020B0604020202020204" pitchFamily="34" charset="0"/>
             </a:rPr>
-            <a:t>Las canciones más cortas suelen ser más populares</a:t>
+            <a:t>Las letras explícitas pueden ser populares</a:t>
           </a:r>
           <a:r>
-            <a:rPr kumimoji="0" lang="es-ES" altLang="es-ES" sz="1500" b="0" i="0" u="none" strike="noStrike" kern="1200" cap="none" normalizeH="0" baseline="0">
+            <a:rPr kumimoji="0" lang="es-ES" altLang="es-ES" sz="1500" b="0" i="0" u="none" strike="noStrike" kern="1200" cap="none" normalizeH="0" baseline="0" dirty="0">
               <a:ln/>
               <a:effectLst/>
               <a:latin typeface="Arial" panose="020B0604020202020204" pitchFamily="34" charset="0"/>
             </a:rPr>
-            <a:t>, aunque la relación es débil.</a:t>
+            <a:t>, pero enfrentan restricciones en otras plataformas.</a:t>
           </a:r>
-          <a:endParaRPr kumimoji="0" lang="es-ES" altLang="es-ES" sz="1500" b="0" i="0" u="none" strike="noStrike" kern="1200" cap="none" normalizeH="0" baseline="0" dirty="0">
-            <a:ln/>
-            <a:effectLst/>
-            <a:latin typeface="Arial" panose="020B0604020202020204" pitchFamily="34" charset="0"/>
-          </a:endParaRPr>
         </a:p>
       </dsp:txBody>
       <dsp:txXfrm>
-        <a:off x="972016" y="2475731"/>
-        <a:ext cx="8563883" cy="495278"/>
+        <a:off x="997095" y="2138427"/>
+        <a:ext cx="8541302" cy="427534"/>
       </dsp:txXfrm>
     </dsp:sp>
-    <dsp:sp modelId="{A1AEA756-D7ED-4A9E-B5BF-2AA941DFA390}">
+    <dsp:sp modelId="{A5EC3969-192B-40AC-9728-041CD250B718}">
       <dsp:nvSpPr>
         <dsp:cNvPr id="0" name=""/>
         <dsp:cNvSpPr/>
       </dsp:nvSpPr>
       <dsp:spPr>
         <a:xfrm>
-          <a:off x="662468" y="2413821"/>
-          <a:ext cx="619097" cy="619097"/>
+          <a:off x="729885" y="2084985"/>
+          <a:ext cx="534418" cy="534418"/>
         </a:xfrm>
         <a:prstGeom prst="ellipse">
           <a:avLst/>
@@ -4258,21 +4125,21 @@
         <a:fontRef idx="minor"/>
       </dsp:style>
     </dsp:sp>
-    <dsp:sp modelId="{37CE2F58-684A-4E69-B518-D081BB910AEB}">
+    <dsp:sp modelId="{AADEEF9E-6514-4209-B0AB-70303127C9BC}">
       <dsp:nvSpPr>
         <dsp:cNvPr id="0" name=""/>
         <dsp:cNvSpPr/>
       </dsp:nvSpPr>
       <dsp:spPr>
         <a:xfrm>
-          <a:off x="785723" y="3218554"/>
-          <a:ext cx="8750177" cy="495278"/>
+          <a:off x="929352" y="2780105"/>
+          <a:ext cx="8609045" cy="427534"/>
         </a:xfrm>
         <a:prstGeom prst="rect">
           <a:avLst/>
         </a:prstGeom>
         <a:solidFill>
-          <a:srgbClr val="FFC000"/>
+          <a:srgbClr val="00B050"/>
         </a:solidFill>
         <a:ln w="12700" cap="flat" cmpd="sng" algn="ctr">
           <a:solidFill>
@@ -4304,7 +4171,7 @@
         </a:fontRef>
       </dsp:style>
       <dsp:txBody>
-        <a:bodyPr spcFirstLastPara="0" vert="horz" wrap="square" lIns="393127" tIns="38100" rIns="38100" bIns="38100" numCol="1" spcCol="1270" anchor="ctr" anchorCtr="0">
+        <a:bodyPr spcFirstLastPara="0" vert="horz" wrap="square" lIns="339356" tIns="38100" rIns="38100" bIns="38100" numCol="1" spcCol="1270" anchor="ctr" anchorCtr="0">
           <a:noAutofit/>
         </a:bodyPr>
         <a:lstStyle/>
@@ -4327,7 +4194,7 @@
               <a:effectLst/>
               <a:latin typeface="Arial" panose="020B0604020202020204" pitchFamily="34" charset="0"/>
             </a:rPr>
-            <a:t>Las letras explícitas pueden ser populares</a:t>
+            <a:t>Lanzar un álbum con estrategia de singles es efectivo</a:t>
           </a:r>
           <a:r>
             <a:rPr kumimoji="0" lang="es-ES" altLang="es-ES" sz="1500" b="0" i="0" u="none" strike="noStrike" kern="1200" cap="none" normalizeH="0" baseline="0" dirty="0">
@@ -4335,24 +4202,24 @@
               <a:effectLst/>
               <a:latin typeface="Arial" panose="020B0604020202020204" pitchFamily="34" charset="0"/>
             </a:rPr>
-            <a:t>, pero enfrentan restricciones en otras plataformas.</a:t>
+            <a:t>, aumenta la popularidad.</a:t>
           </a:r>
         </a:p>
       </dsp:txBody>
       <dsp:txXfrm>
-        <a:off x="785723" y="3218554"/>
-        <a:ext cx="8750177" cy="495278"/>
+        <a:off x="929352" y="2780105"/>
+        <a:ext cx="8609045" cy="427534"/>
       </dsp:txXfrm>
     </dsp:sp>
-    <dsp:sp modelId="{A5EC3969-192B-40AC-9728-041CD250B718}">
+    <dsp:sp modelId="{01B5D62D-6146-4151-BF6D-FE5BD437478A}">
       <dsp:nvSpPr>
         <dsp:cNvPr id="0" name=""/>
         <dsp:cNvSpPr/>
       </dsp:nvSpPr>
       <dsp:spPr>
         <a:xfrm>
-          <a:off x="476174" y="3156645"/>
-          <a:ext cx="619097" cy="619097"/>
+          <a:off x="662142" y="2726663"/>
+          <a:ext cx="534418" cy="534418"/>
         </a:xfrm>
         <a:prstGeom prst="ellipse">
           <a:avLst/>
@@ -4392,21 +4259,21 @@
         <a:fontRef idx="minor"/>
       </dsp:style>
     </dsp:sp>
-    <dsp:sp modelId="{0EFA84E4-F379-4FB9-B8C3-1A33252BCD67}">
+    <dsp:sp modelId="{AFA8D7F2-52D8-471B-A5AB-CAB9564599F4}">
       <dsp:nvSpPr>
         <dsp:cNvPr id="0" name=""/>
         <dsp:cNvSpPr/>
       </dsp:nvSpPr>
       <dsp:spPr>
         <a:xfrm>
-          <a:off x="378323" y="3961377"/>
-          <a:ext cx="9157577" cy="495278"/>
+          <a:off x="717184" y="3421313"/>
+          <a:ext cx="8821213" cy="427534"/>
         </a:xfrm>
         <a:prstGeom prst="rect">
           <a:avLst/>
         </a:prstGeom>
         <a:solidFill>
-          <a:srgbClr val="00B050"/>
+          <a:srgbClr val="FFC000"/>
         </a:solidFill>
         <a:ln w="12700" cap="flat" cmpd="sng" algn="ctr">
           <a:solidFill>
@@ -4438,7 +4305,7 @@
         </a:fontRef>
       </dsp:style>
       <dsp:txBody>
-        <a:bodyPr spcFirstLastPara="0" vert="horz" wrap="square" lIns="393127" tIns="38100" rIns="38100" bIns="38100" numCol="1" spcCol="1270" anchor="ctr" anchorCtr="0">
+        <a:bodyPr spcFirstLastPara="0" vert="horz" wrap="square" lIns="339356" tIns="38100" rIns="38100" bIns="38100" numCol="1" spcCol="1270" anchor="ctr" anchorCtr="0">
           <a:noAutofit/>
         </a:bodyPr>
         <a:lstStyle/>
@@ -4461,7 +4328,7 @@
               <a:effectLst/>
               <a:latin typeface="Arial" panose="020B0604020202020204" pitchFamily="34" charset="0"/>
             </a:rPr>
-            <a:t>Lanzar un álbum con estrategia de singles es efectivo</a:t>
+            <a:t>ADICIONAL: Las canciones más cortas suelen ser más populares</a:t>
           </a:r>
           <a:r>
             <a:rPr kumimoji="0" lang="es-ES" altLang="es-ES" sz="1500" b="0" i="0" u="none" strike="noStrike" kern="1200" cap="none" normalizeH="0" baseline="0" dirty="0">
@@ -4469,24 +4336,164 @@
               <a:effectLst/>
               <a:latin typeface="Arial" panose="020B0604020202020204" pitchFamily="34" charset="0"/>
             </a:rPr>
-            <a:t>, aumenta la popularidad.</a:t>
+            <a:t>, aunque la relación es débil.</a:t>
           </a:r>
         </a:p>
       </dsp:txBody>
       <dsp:txXfrm>
-        <a:off x="378323" y="3961377"/>
-        <a:ext cx="9157577" cy="495278"/>
+        <a:off x="717184" y="3421313"/>
+        <a:ext cx="8821213" cy="427534"/>
       </dsp:txXfrm>
     </dsp:sp>
-    <dsp:sp modelId="{01B5D62D-6146-4151-BF6D-FE5BD437478A}">
+    <dsp:sp modelId="{358213D4-7A82-4B21-A8DB-86270F72903F}">
       <dsp:nvSpPr>
         <dsp:cNvPr id="0" name=""/>
         <dsp:cNvSpPr/>
       </dsp:nvSpPr>
       <dsp:spPr>
         <a:xfrm>
-          <a:off x="68774" y="3899468"/>
-          <a:ext cx="619097" cy="619097"/>
+          <a:off x="449974" y="3367872"/>
+          <a:ext cx="534418" cy="534418"/>
+        </a:xfrm>
+        <a:prstGeom prst="ellipse">
+          <a:avLst/>
+        </a:prstGeom>
+        <a:solidFill>
+          <a:schemeClr val="lt1">
+            <a:hueOff val="0"/>
+            <a:satOff val="0"/>
+            <a:lumOff val="0"/>
+            <a:alphaOff val="0"/>
+          </a:schemeClr>
+        </a:solidFill>
+        <a:ln w="12700" cap="flat" cmpd="sng" algn="ctr">
+          <a:solidFill>
+            <a:schemeClr val="accent6">
+              <a:hueOff val="0"/>
+              <a:satOff val="0"/>
+              <a:lumOff val="0"/>
+              <a:alphaOff val="0"/>
+            </a:schemeClr>
+          </a:solidFill>
+          <a:prstDash val="solid"/>
+          <a:miter lim="800000"/>
+        </a:ln>
+        <a:effectLst/>
+      </dsp:spPr>
+      <dsp:style>
+        <a:lnRef idx="2">
+          <a:scrgbClr r="0" g="0" b="0"/>
+        </a:lnRef>
+        <a:fillRef idx="1">
+          <a:scrgbClr r="0" g="0" b="0"/>
+        </a:fillRef>
+        <a:effectRef idx="0">
+          <a:scrgbClr r="0" g="0" b="0"/>
+        </a:effectRef>
+        <a:fontRef idx="minor"/>
+      </dsp:style>
+    </dsp:sp>
+    <dsp:sp modelId="{8424699D-2C67-4034-BCB3-27C28B025C10}">
+      <dsp:nvSpPr>
+        <dsp:cNvPr id="0" name=""/>
+        <dsp:cNvSpPr/>
+      </dsp:nvSpPr>
+      <dsp:spPr>
+        <a:xfrm>
+          <a:off x="330012" y="4062992"/>
+          <a:ext cx="9208384" cy="427534"/>
+        </a:xfrm>
+        <a:prstGeom prst="rect">
+          <a:avLst/>
+        </a:prstGeom>
+        <a:solidFill>
+          <a:srgbClr val="FFC000"/>
+        </a:solidFill>
+        <a:ln w="12700" cap="flat" cmpd="sng" algn="ctr">
+          <a:solidFill>
+            <a:schemeClr val="accent6">
+              <a:shade val="80000"/>
+              <a:hueOff val="0"/>
+              <a:satOff val="0"/>
+              <a:lumOff val="0"/>
+              <a:alphaOff val="0"/>
+            </a:schemeClr>
+          </a:solidFill>
+          <a:prstDash val="solid"/>
+          <a:miter lim="800000"/>
+        </a:ln>
+        <a:effectLst/>
+      </dsp:spPr>
+      <dsp:style>
+        <a:lnRef idx="2">
+          <a:scrgbClr r="0" g="0" b="0"/>
+        </a:lnRef>
+        <a:fillRef idx="1">
+          <a:scrgbClr r="0" g="0" b="0"/>
+        </a:fillRef>
+        <a:effectRef idx="0">
+          <a:scrgbClr r="0" g="0" b="0"/>
+        </a:effectRef>
+        <a:fontRef idx="minor">
+          <a:schemeClr val="lt1"/>
+        </a:fontRef>
+      </dsp:style>
+      <dsp:txBody>
+        <a:bodyPr spcFirstLastPara="0" vert="horz" wrap="square" lIns="339356" tIns="38100" rIns="38100" bIns="38100" numCol="1" spcCol="1270" anchor="ctr" anchorCtr="0">
+          <a:noAutofit/>
+        </a:bodyPr>
+        <a:lstStyle/>
+        <a:p>
+          <a:pPr marL="0" lvl="0" indent="0" algn="l" defTabSz="666750">
+            <a:lnSpc>
+              <a:spcPct val="90000"/>
+            </a:lnSpc>
+            <a:spcBef>
+              <a:spcPct val="0"/>
+            </a:spcBef>
+            <a:spcAft>
+              <a:spcPct val="35000"/>
+            </a:spcAft>
+            <a:buNone/>
+          </a:pPr>
+          <a:r>
+            <a:rPr kumimoji="0" lang="es-ES" altLang="es-ES" sz="1500" b="1" i="0" u="none" strike="noStrike" kern="1200" cap="none" normalizeH="0" baseline="0" dirty="0">
+              <a:ln/>
+              <a:effectLst/>
+              <a:latin typeface="Arial" panose="020B0604020202020204" pitchFamily="34" charset="0"/>
+              <a:cs typeface="Arial" panose="020B0604020202020204" pitchFamily="34" charset="0"/>
+            </a:rPr>
+            <a:t>ADICIONAL: No se puede asegurar que l</a:t>
+          </a:r>
+          <a:r>
+            <a:rPr lang="es-ES" sz="1500" b="1" kern="1200" dirty="0">
+              <a:latin typeface="Arial" panose="020B0604020202020204" pitchFamily="34" charset="0"/>
+              <a:cs typeface="Arial" panose="020B0604020202020204" pitchFamily="34" charset="0"/>
+            </a:rPr>
+            <a:t>as colaboraciones impulsen la popularidad.</a:t>
+          </a:r>
+          <a:endParaRPr kumimoji="0" lang="es-ES" altLang="es-ES" sz="1500" b="1" i="0" u="none" strike="noStrike" kern="1200" cap="none" normalizeH="0" baseline="0" dirty="0">
+            <a:ln/>
+            <a:effectLst/>
+            <a:latin typeface="Arial" panose="020B0604020202020204" pitchFamily="34" charset="0"/>
+            <a:cs typeface="Arial" panose="020B0604020202020204" pitchFamily="34" charset="0"/>
+          </a:endParaRPr>
+        </a:p>
+      </dsp:txBody>
+      <dsp:txXfrm>
+        <a:off x="330012" y="4062992"/>
+        <a:ext cx="9208384" cy="427534"/>
+      </dsp:txXfrm>
+    </dsp:sp>
+    <dsp:sp modelId="{F9FD0456-1E55-4FA7-AD71-116F83C8E65D}">
+      <dsp:nvSpPr>
+        <dsp:cNvPr id="0" name=""/>
+        <dsp:cNvSpPr/>
+      </dsp:nvSpPr>
+      <dsp:spPr>
+        <a:xfrm>
+          <a:off x="62803" y="4009550"/>
+          <a:ext cx="534418" cy="534418"/>
         </a:xfrm>
         <a:prstGeom prst="ellipse">
           <a:avLst/>
@@ -14642,7 +14649,7 @@
 </file>
 
 <file path=ppt/slides/slide12.xml><?xml version="1.0" encoding="utf-8"?>
-<p:sld xmlns:a="http://schemas.openxmlformats.org/drawingml/2006/main" xmlns:r="http://schemas.openxmlformats.org/officeDocument/2006/relationships" xmlns:p="http://schemas.openxmlformats.org/presentationml/2006/main">
+<p:sld xmlns:a="http://schemas.openxmlformats.org/drawingml/2006/main" xmlns:r="http://schemas.openxmlformats.org/officeDocument/2006/relationships" xmlns:p="http://schemas.openxmlformats.org/presentationml/2006/main" show="0">
   <p:cSld>
     <p:spTree>
       <p:nvGrpSpPr>
@@ -14706,7 +14713,7 @@
 </file>
 
 <file path=ppt/slides/slide13.xml><?xml version="1.0" encoding="utf-8"?>
-<p:sld xmlns:a="http://schemas.openxmlformats.org/drawingml/2006/main" xmlns:r="http://schemas.openxmlformats.org/officeDocument/2006/relationships" xmlns:p="http://schemas.openxmlformats.org/presentationml/2006/main">
+<p:sld xmlns:a="http://schemas.openxmlformats.org/drawingml/2006/main" xmlns:r="http://schemas.openxmlformats.org/officeDocument/2006/relationships" xmlns:p="http://schemas.openxmlformats.org/presentationml/2006/main" show="0">
   <p:cSld>
     <p:spTree>
       <p:nvGrpSpPr>
@@ -16863,7 +16870,7 @@
           <p:nvPr>
             <p:extLst>
               <p:ext uri="{D42A27DB-BD31-4B8C-83A1-F6EECF244321}">
-                <p14:modId xmlns:p14="http://schemas.microsoft.com/office/powerpoint/2010/main" val="153467717"/>
+                <p14:modId xmlns:p14="http://schemas.microsoft.com/office/powerpoint/2010/main" val="185883702"/>
               </p:ext>
             </p:extLst>
           </p:nvPr>
@@ -17001,7 +17008,7 @@
           <p:nvPr>
             <p:extLst>
               <p:ext uri="{D42A27DB-BD31-4B8C-83A1-F6EECF244321}">
-                <p14:modId xmlns:p14="http://schemas.microsoft.com/office/powerpoint/2010/main" val="1260308950"/>
+                <p14:modId xmlns:p14="http://schemas.microsoft.com/office/powerpoint/2010/main" val="2880074089"/>
               </p:ext>
             </p:extLst>
           </p:nvPr>
@@ -17685,8 +17692,8 @@
         </p:nvSpPr>
         <p:spPr bwMode="auto">
           <a:xfrm>
-            <a:off x="982909" y="5622952"/>
-            <a:ext cx="10226180" cy="830997"/>
+            <a:off x="6566263" y="2397948"/>
+            <a:ext cx="4160076" cy="2062103"/>
           </a:xfrm>
           <a:prstGeom prst="rect">
             <a:avLst/>
@@ -17804,7 +17811,7 @@
           </p:cNvPicPr>
           <p:nvPr/>
         </p:nvPicPr>
-        <p:blipFill>
+        <p:blipFill rotWithShape="1">
           <a:blip r:embed="rId3">
             <a:extLst>
               <a:ext uri="{28A0092B-C50C-407E-A947-70E740481C1C}">
@@ -17812,72 +17819,54 @@
               </a:ext>
             </a:extLst>
           </a:blip>
-          <a:stretch>
-            <a:fillRect/>
-          </a:stretch>
+          <a:srcRect r="91971"/>
+          <a:stretch/>
         </p:blipFill>
         <p:spPr>
           <a:xfrm>
-            <a:off x="877633" y="342790"/>
-            <a:ext cx="10436732" cy="5280162"/>
+            <a:off x="1683380" y="665303"/>
+            <a:ext cx="863102" cy="5438611"/>
           </a:xfrm>
           <a:prstGeom prst="rect">
             <a:avLst/>
           </a:prstGeom>
         </p:spPr>
       </p:pic>
-      <p:sp>
-        <p:nvSpPr>
-          <p:cNvPr id="6" name="Rectángulo 5">
+      <p:pic>
+        <p:nvPicPr>
+          <p:cNvPr id="5" name="Imagen 4">
             <a:extLst>
               <a:ext uri="{FF2B5EF4-FFF2-40B4-BE49-F238E27FC236}">
-                <a16:creationId xmlns:a16="http://schemas.microsoft.com/office/drawing/2014/main" id="{35CC0D70-B666-4CDE-A774-80774393E859}"/>
+                <a16:creationId xmlns:a16="http://schemas.microsoft.com/office/drawing/2014/main" id="{02E06A09-208B-4FA7-B9C5-47B735115B45}"/>
               </a:ext>
             </a:extLst>
           </p:cNvPr>
-          <p:cNvSpPr/>
+          <p:cNvPicPr>
+            <a:picLocks noChangeAspect="1"/>
+          </p:cNvPicPr>
           <p:nvPr/>
-        </p:nvSpPr>
+        </p:nvPicPr>
+        <p:blipFill rotWithShape="1">
+          <a:blip r:embed="rId3">
+            <a:extLst>
+              <a:ext uri="{28A0092B-C50C-407E-A947-70E740481C1C}">
+                <a14:useLocalDpi xmlns:a14="http://schemas.microsoft.com/office/drawing/2010/main" val="0"/>
+              </a:ext>
+            </a:extLst>
+          </a:blip>
+          <a:srcRect l="84880"/>
+          <a:stretch/>
+        </p:blipFill>
         <p:spPr>
           <a:xfrm>
-            <a:off x="9736282" y="467591"/>
-            <a:ext cx="561109" cy="4894118"/>
+            <a:off x="2716599" y="665303"/>
+            <a:ext cx="1719644" cy="5753816"/>
           </a:xfrm>
           <a:prstGeom prst="rect">
             <a:avLst/>
           </a:prstGeom>
-          <a:noFill/>
-          <a:ln w="19050">
-            <a:solidFill>
-              <a:srgbClr val="7030A0"/>
-            </a:solidFill>
-          </a:ln>
         </p:spPr>
-        <p:style>
-          <a:lnRef idx="2">
-            <a:schemeClr val="accent1">
-              <a:shade val="50000"/>
-            </a:schemeClr>
-          </a:lnRef>
-          <a:fillRef idx="1">
-            <a:schemeClr val="accent1"/>
-          </a:fillRef>
-          <a:effectRef idx="0">
-            <a:schemeClr val="accent1"/>
-          </a:effectRef>
-          <a:fontRef idx="minor">
-            <a:schemeClr val="lt1"/>
-          </a:fontRef>
-        </p:style>
-        <p:txBody>
-          <a:bodyPr rtlCol="0" anchor="ctr"/>
-          <a:lstStyle/>
-          <a:p>
-            <a:pPr algn="ctr"/>
-            <a:endParaRPr lang="es-ES"/>
-          </a:p>
-        </p:txBody>
-      </p:sp>
+      </p:pic>
     </p:spTree>
     <p:extLst>
       <p:ext uri="{BB962C8B-B14F-4D97-AF65-F5344CB8AC3E}">
@@ -17922,7 +17911,7 @@
                                           </p:stCondLst>
                                         </p:cTn>
                                         <p:tgtEl>
-                                          <p:spTgt spid="6"/>
+                                          <p:spTgt spid="18"/>
                                         </p:tgtEl>
                                         <p:attrNameLst>
                                           <p:attrName>style.visibility</p:attrName>
@@ -17935,59 +17924,6 @@
                                     <p:animEffect transition="in" filter="fade">
                                       <p:cBhvr>
                                         <p:cTn id="7" dur="500"/>
-                                        <p:tgtEl>
-                                          <p:spTgt spid="6"/>
-                                        </p:tgtEl>
-                                      </p:cBhvr>
-                                    </p:animEffect>
-                                  </p:childTnLst>
-                                </p:cTn>
-                              </p:par>
-                            </p:childTnLst>
-                          </p:cTn>
-                        </p:par>
-                      </p:childTnLst>
-                    </p:cTn>
-                  </p:par>
-                  <p:par>
-                    <p:cTn id="8" fill="hold">
-                      <p:stCondLst>
-                        <p:cond delay="indefinite"/>
-                      </p:stCondLst>
-                      <p:childTnLst>
-                        <p:par>
-                          <p:cTn id="9" fill="hold">
-                            <p:stCondLst>
-                              <p:cond delay="0"/>
-                            </p:stCondLst>
-                            <p:childTnLst>
-                              <p:par>
-                                <p:cTn id="10" presetID="10" presetClass="entr" presetSubtype="0" fill="hold" grpId="0" nodeType="clickEffect">
-                                  <p:stCondLst>
-                                    <p:cond delay="0"/>
-                                  </p:stCondLst>
-                                  <p:childTnLst>
-                                    <p:set>
-                                      <p:cBhvr>
-                                        <p:cTn id="11" dur="1" fill="hold">
-                                          <p:stCondLst>
-                                            <p:cond delay="0"/>
-                                          </p:stCondLst>
-                                        </p:cTn>
-                                        <p:tgtEl>
-                                          <p:spTgt spid="18"/>
-                                        </p:tgtEl>
-                                        <p:attrNameLst>
-                                          <p:attrName>style.visibility</p:attrName>
-                                        </p:attrNameLst>
-                                      </p:cBhvr>
-                                      <p:to>
-                                        <p:strVal val="visible"/>
-                                      </p:to>
-                                    </p:set>
-                                    <p:animEffect transition="in" filter="fade">
-                                      <p:cBhvr>
-                                        <p:cTn id="12" dur="500"/>
                                         <p:tgtEl>
                                           <p:spTgt spid="18"/>
                                         </p:tgtEl>
@@ -18025,7 +17961,6 @@
     </p:tnLst>
     <p:bldLst>
       <p:bldP spid="18" grpId="0" animBg="1"/>
-      <p:bldP spid="6" grpId="0" animBg="1"/>
     </p:bldLst>
   </p:timing>
 </p:sld>

--- a/presentacion/Cómo triunfar en Spotify_ANDERPENAVILLALOBOS.pptx
+++ b/presentacion/Cómo triunfar en Spotify_ANDERPENAVILLALOBOS.pptx
@@ -15970,7 +15970,7 @@
                             </p:stCondLst>
                             <p:childTnLst>
                               <p:par>
-                                <p:cTn id="5" presetID="10" presetClass="entr" presetSubtype="0" fill="hold" nodeType="clickEffect">
+                                <p:cTn id="5" presetID="10" presetClass="entr" presetSubtype="0" fill="hold" grpId="0" nodeType="clickEffect">
                                   <p:stCondLst>
                                     <p:cond delay="0"/>
                                   </p:stCondLst>
@@ -15983,11 +15983,7 @@
                                           </p:stCondLst>
                                         </p:cTn>
                                         <p:tgtEl>
-                                          <p:spTgt spid="11">
-                                            <p:txEl>
-                                              <p:pRg st="0" end="0"/>
-                                            </p:txEl>
-                                          </p:spTgt>
+                                          <p:spTgt spid="11"/>
                                         </p:tgtEl>
                                         <p:attrNameLst>
                                           <p:attrName>style.visibility</p:attrName>
@@ -16001,11 +15997,7 @@
                                       <p:cBhvr>
                                         <p:cTn id="7" dur="500"/>
                                         <p:tgtEl>
-                                          <p:spTgt spid="11">
-                                            <p:txEl>
-                                              <p:pRg st="0" end="0"/>
-                                            </p:txEl>
-                                          </p:spTgt>
+                                          <p:spTgt spid="11"/>
                                         </p:tgtEl>
                                       </p:cBhvr>
                                     </p:animEffect>
@@ -16039,6 +16031,9 @@
         </p:cTn>
       </p:par>
     </p:tnLst>
+    <p:bldLst>
+      <p:bldP spid="11" grpId="0" animBg="1"/>
+    </p:bldLst>
   </p:timing>
 </p:sld>
 </file>
@@ -17867,6 +17862,60 @@
           </a:prstGeom>
         </p:spPr>
       </p:pic>
+      <p:sp>
+        <p:nvSpPr>
+          <p:cNvPr id="6" name="Título 1">
+            <a:extLst>
+              <a:ext uri="{FF2B5EF4-FFF2-40B4-BE49-F238E27FC236}">
+                <a16:creationId xmlns:a16="http://schemas.microsoft.com/office/drawing/2014/main" id="{D8BD41AE-CAAC-4C5F-BCA4-B423C6929474}"/>
+              </a:ext>
+            </a:extLst>
+          </p:cNvPr>
+          <p:cNvSpPr txBox="1">
+            <a:spLocks/>
+          </p:cNvSpPr>
+          <p:nvPr/>
+        </p:nvSpPr>
+        <p:spPr>
+          <a:xfrm>
+            <a:off x="4781006" y="95795"/>
+            <a:ext cx="2629988" cy="674914"/>
+          </a:xfrm>
+          <a:prstGeom prst="rect">
+            <a:avLst/>
+          </a:prstGeom>
+        </p:spPr>
+        <p:txBody>
+          <a:bodyPr vert="horz" lIns="91440" tIns="45720" rIns="91440" bIns="45720" rtlCol="0" anchor="b">
+            <a:normAutofit/>
+          </a:bodyPr>
+          <a:lstStyle>
+            <a:lvl1pPr algn="ctr" defTabSz="914400" rtl="0" eaLnBrk="1" latinLnBrk="0" hangingPunct="1">
+              <a:lnSpc>
+                <a:spcPct val="90000"/>
+              </a:lnSpc>
+              <a:spcBef>
+                <a:spcPct val="0"/>
+              </a:spcBef>
+              <a:buNone/>
+              <a:defRPr sz="6000" kern="1200">
+                <a:solidFill>
+                  <a:schemeClr val="tx1"/>
+                </a:solidFill>
+                <a:latin typeface="+mj-lt"/>
+                <a:ea typeface="+mj-ea"/>
+                <a:cs typeface="+mj-cs"/>
+              </a:defRPr>
+            </a:lvl1pPr>
+          </a:lstStyle>
+          <a:p>
+            <a:r>
+              <a:rPr lang="es-ES" sz="3600" dirty="0"/>
+              <a:t>Correlación</a:t>
+            </a:r>
+          </a:p>
+        </p:txBody>
+      </p:sp>
     </p:spTree>
     <p:extLst>
       <p:ext uri="{BB962C8B-B14F-4D97-AF65-F5344CB8AC3E}">
@@ -18429,8 +18478,8 @@
         </p:nvSpPr>
         <p:spPr>
           <a:xfrm>
-            <a:off x="8868792" y="1859339"/>
-            <a:ext cx="3231471" cy="3139321"/>
+            <a:off x="8877501" y="2136338"/>
+            <a:ext cx="3231471" cy="2585323"/>
           </a:xfrm>
           <a:prstGeom prst="rect">
             <a:avLst/>
@@ -18679,44 +18728,6 @@
               <a:t> que el historial total.</a:t>
             </a:r>
           </a:p>
-          <a:p>
-            <a:pPr marL="285750" indent="-285750" eaLnBrk="0" fontAlgn="base" hangingPunct="0">
-              <a:spcBef>
-                <a:spcPct val="0"/>
-              </a:spcBef>
-              <a:spcAft>
-                <a:spcPct val="0"/>
-              </a:spcAft>
-              <a:buFont typeface="Courier New" panose="02070309020205020404" pitchFamily="49" charset="0"/>
-              <a:buChar char="o"/>
-            </a:pPr>
-            <a:r>
-              <a:rPr kumimoji="0" lang="es-ES" altLang="es-ES" b="1" i="0" u="none" strike="noStrike" cap="none" normalizeH="0" baseline="0" dirty="0">
-                <a:ln>
-                  <a:noFill/>
-                </a:ln>
-                <a:solidFill>
-                  <a:schemeClr val="tx1"/>
-                </a:solidFill>
-                <a:effectLst/>
-                <a:latin typeface="+mj-lt"/>
-              </a:rPr>
-              <a:t>Modo privado no influye</a:t>
-            </a:r>
-            <a:r>
-              <a:rPr kumimoji="0" lang="es-ES" altLang="es-ES" b="0" i="0" u="none" strike="noStrike" cap="none" normalizeH="0" baseline="0" dirty="0">
-                <a:ln>
-                  <a:noFill/>
-                </a:ln>
-                <a:solidFill>
-                  <a:schemeClr val="tx1"/>
-                </a:solidFill>
-                <a:effectLst/>
-                <a:latin typeface="+mj-lt"/>
-              </a:rPr>
-              <a:t> en la popularidad.</a:t>
-            </a:r>
-          </a:p>
         </p:txBody>
       </p:sp>
       <p:pic>
@@ -18748,7 +18759,7 @@
         </p:blipFill>
         <p:spPr bwMode="auto">
           <a:xfrm>
-            <a:off x="1506682" y="5843871"/>
+            <a:off x="1506682" y="5852836"/>
             <a:ext cx="1680759" cy="945428"/>
           </a:xfrm>
           <a:prstGeom prst="rect">
@@ -18783,7 +18794,7 @@
         </p:nvCxnSpPr>
         <p:spPr>
           <a:xfrm rot="10800000">
-            <a:off x="883230" y="5673439"/>
+            <a:off x="883230" y="5682404"/>
             <a:ext cx="623453" cy="643147"/>
           </a:xfrm>
           <a:prstGeom prst="curvedConnector2">
@@ -18811,6 +18822,60 @@
           </a:fontRef>
         </p:style>
       </p:cxnSp>
+      <p:sp>
+        <p:nvSpPr>
+          <p:cNvPr id="2" name="Rectángulo 1">
+            <a:extLst>
+              <a:ext uri="{FF2B5EF4-FFF2-40B4-BE49-F238E27FC236}">
+                <a16:creationId xmlns:a16="http://schemas.microsoft.com/office/drawing/2014/main" id="{A846F56F-4C74-420C-BAB5-DE5EDBD359A0}"/>
+              </a:ext>
+            </a:extLst>
+          </p:cNvPr>
+          <p:cNvSpPr/>
+          <p:nvPr/>
+        </p:nvSpPr>
+        <p:spPr>
+          <a:xfrm>
+            <a:off x="1658471" y="5390606"/>
+            <a:ext cx="6875929" cy="453265"/>
+          </a:xfrm>
+          <a:prstGeom prst="rect">
+            <a:avLst/>
+          </a:prstGeom>
+          <a:solidFill>
+            <a:schemeClr val="bg1"/>
+          </a:solidFill>
+          <a:ln>
+            <a:solidFill>
+              <a:schemeClr val="bg1"/>
+            </a:solidFill>
+          </a:ln>
+        </p:spPr>
+        <p:style>
+          <a:lnRef idx="2">
+            <a:schemeClr val="accent1">
+              <a:shade val="50000"/>
+            </a:schemeClr>
+          </a:lnRef>
+          <a:fillRef idx="1">
+            <a:schemeClr val="accent1"/>
+          </a:fillRef>
+          <a:effectRef idx="0">
+            <a:schemeClr val="accent1"/>
+          </a:effectRef>
+          <a:fontRef idx="minor">
+            <a:schemeClr val="lt1"/>
+          </a:fontRef>
+        </p:style>
+        <p:txBody>
+          <a:bodyPr rtlCol="0" anchor="ctr"/>
+          <a:lstStyle/>
+          <a:p>
+            <a:pPr algn="ctr"/>
+            <a:endParaRPr lang="es-ES"/>
+          </a:p>
+        </p:txBody>
+      </p:sp>
     </p:spTree>
     <p:extLst>
       <p:ext uri="{BB962C8B-B14F-4D97-AF65-F5344CB8AC3E}">
@@ -18876,33 +18941,50 @@
                                   </p:childTnLst>
                                 </p:cTn>
                               </p:par>
-                            </p:childTnLst>
-                          </p:cTn>
-                        </p:par>
-                      </p:childTnLst>
-                    </p:cTn>
-                  </p:par>
-                  <p:par>
-                    <p:cTn id="8" fill="hold">
-                      <p:stCondLst>
-                        <p:cond delay="indefinite"/>
-                      </p:stCondLst>
-                      <p:childTnLst>
-                        <p:par>
-                          <p:cTn id="9" fill="hold">
-                            <p:stCondLst>
-                              <p:cond delay="0"/>
-                            </p:stCondLst>
-                            <p:childTnLst>
                               <p:par>
-                                <p:cTn id="10" presetID="10" presetClass="entr" presetSubtype="0" fill="hold" nodeType="clickEffect">
+                                <p:cTn id="8" presetID="10" presetClass="exit" presetSubtype="0" fill="hold" grpId="0" nodeType="withEffect">
+                                  <p:stCondLst>
+                                    <p:cond delay="0"/>
+                                  </p:stCondLst>
+                                  <p:childTnLst>
+                                    <p:animEffect transition="out" filter="fade">
+                                      <p:cBhvr>
+                                        <p:cTn id="9" dur="500"/>
+                                        <p:tgtEl>
+                                          <p:spTgt spid="2"/>
+                                        </p:tgtEl>
+                                      </p:cBhvr>
+                                    </p:animEffect>
+                                    <p:set>
+                                      <p:cBhvr>
+                                        <p:cTn id="10" dur="1" fill="hold">
+                                          <p:stCondLst>
+                                            <p:cond delay="499"/>
+                                          </p:stCondLst>
+                                        </p:cTn>
+                                        <p:tgtEl>
+                                          <p:spTgt spid="2"/>
+                                        </p:tgtEl>
+                                        <p:attrNameLst>
+                                          <p:attrName>style.visibility</p:attrName>
+                                        </p:attrNameLst>
+                                      </p:cBhvr>
+                                      <p:to>
+                                        <p:strVal val="hidden"/>
+                                      </p:to>
+                                    </p:set>
+                                  </p:childTnLst>
+                                </p:cTn>
+                              </p:par>
+                              <p:par>
+                                <p:cTn id="11" presetID="10" presetClass="entr" presetSubtype="0" fill="hold" nodeType="withEffect">
                                   <p:stCondLst>
                                     <p:cond delay="0"/>
                                   </p:stCondLst>
                                   <p:childTnLst>
                                     <p:set>
                                       <p:cBhvr>
-                                        <p:cTn id="11" dur="1" fill="hold">
+                                        <p:cTn id="12" dur="1" fill="hold">
                                           <p:stCondLst>
                                             <p:cond delay="0"/>
                                           </p:stCondLst>
@@ -18920,7 +19002,7 @@
                                     </p:set>
                                     <p:animEffect transition="in" filter="fade">
                                       <p:cBhvr>
-                                        <p:cTn id="12" dur="500"/>
+                                        <p:cTn id="13" dur="500"/>
                                         <p:tgtEl>
                                           <p:spTgt spid="4"/>
                                         </p:tgtEl>
@@ -18930,14 +19012,14 @@
                                 </p:cTn>
                               </p:par>
                               <p:par>
-                                <p:cTn id="13" presetID="10" presetClass="entr" presetSubtype="0" fill="hold" nodeType="withEffect">
+                                <p:cTn id="14" presetID="10" presetClass="entr" presetSubtype="0" fill="hold" nodeType="withEffect">
                                   <p:stCondLst>
                                     <p:cond delay="0"/>
                                   </p:stCondLst>
                                   <p:childTnLst>
                                     <p:set>
                                       <p:cBhvr>
-                                        <p:cTn id="14" dur="1" fill="hold">
+                                        <p:cTn id="15" dur="1" fill="hold">
                                           <p:stCondLst>
                                             <p:cond delay="0"/>
                                           </p:stCondLst>
@@ -18955,7 +19037,7 @@
                                     </p:set>
                                     <p:animEffect transition="in" filter="fade">
                                       <p:cBhvr>
-                                        <p:cTn id="15" dur="500"/>
+                                        <p:cTn id="16" dur="500"/>
                                         <p:tgtEl>
                                           <p:spTgt spid="3074"/>
                                         </p:tgtEl>
@@ -18993,6 +19075,7 @@
     </p:tnLst>
     <p:bldLst>
       <p:bldP spid="7" grpId="0"/>
+      <p:bldP spid="2" grpId="0" animBg="1"/>
     </p:bldLst>
   </p:timing>
 </p:sld>

--- a/presentacion/Cómo triunfar en Spotify_ANDERPENAVILLALOBOS.pptx
+++ b/presentacion/Cómo triunfar en Spotify_ANDERPENAVILLALOBOS.pptx
@@ -135,813 +135,6 @@
 </file>
 
 <file path=ppt/diagrams/colors1.xml><?xml version="1.0" encoding="utf-8"?>
-<dgm:colorsDef xmlns:dgm="http://schemas.openxmlformats.org/drawingml/2006/diagram" xmlns:a="http://schemas.openxmlformats.org/drawingml/2006/main" uniqueId="urn:microsoft.com/office/officeart/2005/8/colors/accent6_1">
-  <dgm:title val=""/>
-  <dgm:desc val=""/>
-  <dgm:catLst>
-    <dgm:cat type="accent6" pri="11100"/>
-  </dgm:catLst>
-  <dgm:styleLbl name="node0">
-    <dgm:fillClrLst meth="repeat">
-      <a:schemeClr val="lt1"/>
-    </dgm:fillClrLst>
-    <dgm:linClrLst meth="repeat">
-      <a:schemeClr val="accent6">
-        <a:shade val="80000"/>
-      </a:schemeClr>
-    </dgm:linClrLst>
-    <dgm:effectClrLst/>
-    <dgm:txLinClrLst/>
-    <dgm:txFillClrLst meth="repeat">
-      <a:schemeClr val="dk1"/>
-    </dgm:txFillClrLst>
-    <dgm:txEffectClrLst/>
-  </dgm:styleLbl>
-  <dgm:styleLbl name="node1">
-    <dgm:fillClrLst meth="repeat">
-      <a:schemeClr val="lt1"/>
-    </dgm:fillClrLst>
-    <dgm:linClrLst meth="repeat">
-      <a:schemeClr val="accent6">
-        <a:shade val="80000"/>
-      </a:schemeClr>
-    </dgm:linClrLst>
-    <dgm:effectClrLst/>
-    <dgm:txLinClrLst/>
-    <dgm:txFillClrLst meth="repeat">
-      <a:schemeClr val="dk1"/>
-    </dgm:txFillClrLst>
-    <dgm:txEffectClrLst/>
-  </dgm:styleLbl>
-  <dgm:styleLbl name="alignNode1">
-    <dgm:fillClrLst meth="repeat">
-      <a:schemeClr val="lt1"/>
-    </dgm:fillClrLst>
-    <dgm:linClrLst meth="repeat">
-      <a:schemeClr val="accent6">
-        <a:shade val="80000"/>
-      </a:schemeClr>
-    </dgm:linClrLst>
-    <dgm:effectClrLst/>
-    <dgm:txLinClrLst/>
-    <dgm:txFillClrLst meth="repeat">
-      <a:schemeClr val="dk1"/>
-    </dgm:txFillClrLst>
-    <dgm:txEffectClrLst/>
-  </dgm:styleLbl>
-  <dgm:styleLbl name="lnNode1">
-    <dgm:fillClrLst meth="repeat">
-      <a:schemeClr val="lt1"/>
-    </dgm:fillClrLst>
-    <dgm:linClrLst meth="repeat">
-      <a:schemeClr val="accent6">
-        <a:shade val="80000"/>
-      </a:schemeClr>
-    </dgm:linClrLst>
-    <dgm:effectClrLst/>
-    <dgm:txLinClrLst/>
-    <dgm:txFillClrLst meth="repeat">
-      <a:schemeClr val="dk1"/>
-    </dgm:txFillClrLst>
-    <dgm:txEffectClrLst/>
-  </dgm:styleLbl>
-  <dgm:styleLbl name="vennNode1">
-    <dgm:fillClrLst meth="repeat">
-      <a:schemeClr val="lt1">
-        <a:alpha val="50000"/>
-      </a:schemeClr>
-    </dgm:fillClrLst>
-    <dgm:linClrLst meth="repeat">
-      <a:schemeClr val="accent6">
-        <a:shade val="80000"/>
-      </a:schemeClr>
-    </dgm:linClrLst>
-    <dgm:effectClrLst/>
-    <dgm:txLinClrLst/>
-    <dgm:txFillClrLst/>
-    <dgm:txEffectClrLst/>
-  </dgm:styleLbl>
-  <dgm:styleLbl name="node2">
-    <dgm:fillClrLst meth="repeat">
-      <a:schemeClr val="lt1"/>
-    </dgm:fillClrLst>
-    <dgm:linClrLst meth="repeat">
-      <a:schemeClr val="accent6">
-        <a:shade val="80000"/>
-      </a:schemeClr>
-    </dgm:linClrLst>
-    <dgm:effectClrLst/>
-    <dgm:txLinClrLst/>
-    <dgm:txFillClrLst meth="repeat">
-      <a:schemeClr val="dk1"/>
-    </dgm:txFillClrLst>
-    <dgm:txEffectClrLst/>
-  </dgm:styleLbl>
-  <dgm:styleLbl name="node3">
-    <dgm:fillClrLst meth="repeat">
-      <a:schemeClr val="lt1"/>
-    </dgm:fillClrLst>
-    <dgm:linClrLst meth="repeat">
-      <a:schemeClr val="accent6">
-        <a:shade val="80000"/>
-      </a:schemeClr>
-    </dgm:linClrLst>
-    <dgm:effectClrLst/>
-    <dgm:txLinClrLst/>
-    <dgm:txFillClrLst meth="repeat">
-      <a:schemeClr val="dk1"/>
-    </dgm:txFillClrLst>
-    <dgm:txEffectClrLst/>
-  </dgm:styleLbl>
-  <dgm:styleLbl name="node4">
-    <dgm:fillClrLst meth="repeat">
-      <a:schemeClr val="lt1"/>
-    </dgm:fillClrLst>
-    <dgm:linClrLst meth="repeat">
-      <a:schemeClr val="accent6">
-        <a:shade val="80000"/>
-      </a:schemeClr>
-    </dgm:linClrLst>
-    <dgm:effectClrLst/>
-    <dgm:txLinClrLst/>
-    <dgm:txFillClrLst meth="repeat">
-      <a:schemeClr val="dk1"/>
-    </dgm:txFillClrLst>
-    <dgm:txEffectClrLst/>
-  </dgm:styleLbl>
-  <dgm:styleLbl name="fgImgPlace1">
-    <dgm:fillClrLst meth="repeat">
-      <a:schemeClr val="accent6">
-        <a:tint val="40000"/>
-      </a:schemeClr>
-    </dgm:fillClrLst>
-    <dgm:linClrLst meth="repeat">
-      <a:schemeClr val="accent6">
-        <a:shade val="80000"/>
-      </a:schemeClr>
-    </dgm:linClrLst>
-    <dgm:effectClrLst/>
-    <dgm:txLinClrLst/>
-    <dgm:txFillClrLst meth="repeat">
-      <a:schemeClr val="lt1"/>
-    </dgm:txFillClrLst>
-    <dgm:txEffectClrLst/>
-  </dgm:styleLbl>
-  <dgm:styleLbl name="alignImgPlace1">
-    <dgm:fillClrLst meth="repeat">
-      <a:schemeClr val="accent6">
-        <a:tint val="40000"/>
-      </a:schemeClr>
-    </dgm:fillClrLst>
-    <dgm:linClrLst meth="repeat">
-      <a:schemeClr val="accent6">
-        <a:shade val="80000"/>
-      </a:schemeClr>
-    </dgm:linClrLst>
-    <dgm:effectClrLst/>
-    <dgm:txLinClrLst/>
-    <dgm:txFillClrLst meth="repeat">
-      <a:schemeClr val="lt1"/>
-    </dgm:txFillClrLst>
-    <dgm:txEffectClrLst/>
-  </dgm:styleLbl>
-  <dgm:styleLbl name="bgImgPlace1">
-    <dgm:fillClrLst meth="repeat">
-      <a:schemeClr val="accent6">
-        <a:tint val="40000"/>
-      </a:schemeClr>
-    </dgm:fillClrLst>
-    <dgm:linClrLst meth="repeat">
-      <a:schemeClr val="accent6">
-        <a:shade val="80000"/>
-      </a:schemeClr>
-    </dgm:linClrLst>
-    <dgm:effectClrLst/>
-    <dgm:txLinClrLst/>
-    <dgm:txFillClrLst meth="repeat">
-      <a:schemeClr val="lt1"/>
-    </dgm:txFillClrLst>
-    <dgm:txEffectClrLst/>
-  </dgm:styleLbl>
-  <dgm:styleLbl name="sibTrans2D1">
-    <dgm:fillClrLst meth="repeat">
-      <a:schemeClr val="accent6">
-        <a:tint val="60000"/>
-      </a:schemeClr>
-    </dgm:fillClrLst>
-    <dgm:linClrLst meth="repeat">
-      <a:schemeClr val="accent6">
-        <a:tint val="60000"/>
-      </a:schemeClr>
-    </dgm:linClrLst>
-    <dgm:effectClrLst/>
-    <dgm:txLinClrLst/>
-    <dgm:txFillClrLst meth="repeat">
-      <a:schemeClr val="dk1"/>
-    </dgm:txFillClrLst>
-    <dgm:txEffectClrLst/>
-  </dgm:styleLbl>
-  <dgm:styleLbl name="fgSibTrans2D1">
-    <dgm:fillClrLst meth="repeat">
-      <a:schemeClr val="accent6">
-        <a:tint val="60000"/>
-      </a:schemeClr>
-    </dgm:fillClrLst>
-    <dgm:linClrLst meth="repeat">
-      <a:schemeClr val="accent6">
-        <a:tint val="60000"/>
-      </a:schemeClr>
-    </dgm:linClrLst>
-    <dgm:effectClrLst/>
-    <dgm:txLinClrLst/>
-    <dgm:txFillClrLst meth="repeat">
-      <a:schemeClr val="dk1"/>
-    </dgm:txFillClrLst>
-    <dgm:txEffectClrLst/>
-  </dgm:styleLbl>
-  <dgm:styleLbl name="bgSibTrans2D1">
-    <dgm:fillClrLst meth="repeat">
-      <a:schemeClr val="accent6">
-        <a:tint val="60000"/>
-      </a:schemeClr>
-    </dgm:fillClrLst>
-    <dgm:linClrLst meth="repeat">
-      <a:schemeClr val="accent6">
-        <a:tint val="60000"/>
-      </a:schemeClr>
-    </dgm:linClrLst>
-    <dgm:effectClrLst/>
-    <dgm:txLinClrLst/>
-    <dgm:txFillClrLst meth="repeat">
-      <a:schemeClr val="dk1"/>
-    </dgm:txFillClrLst>
-    <dgm:txEffectClrLst/>
-  </dgm:styleLbl>
-  <dgm:styleLbl name="sibTrans1D1">
-    <dgm:fillClrLst meth="repeat">
-      <a:schemeClr val="accent6"/>
-    </dgm:fillClrLst>
-    <dgm:linClrLst meth="repeat">
-      <a:schemeClr val="accent6"/>
-    </dgm:linClrLst>
-    <dgm:effectClrLst/>
-    <dgm:txLinClrLst/>
-    <dgm:txFillClrLst meth="repeat">
-      <a:schemeClr val="tx1"/>
-    </dgm:txFillClrLst>
-    <dgm:txEffectClrLst/>
-  </dgm:styleLbl>
-  <dgm:styleLbl name="callout">
-    <dgm:fillClrLst meth="repeat">
-      <a:schemeClr val="accent6"/>
-    </dgm:fillClrLst>
-    <dgm:linClrLst meth="repeat">
-      <a:schemeClr val="accent6"/>
-    </dgm:linClrLst>
-    <dgm:effectClrLst/>
-    <dgm:txLinClrLst/>
-    <dgm:txFillClrLst meth="repeat">
-      <a:schemeClr val="tx1"/>
-    </dgm:txFillClrLst>
-    <dgm:txEffectClrLst/>
-  </dgm:styleLbl>
-  <dgm:styleLbl name="asst0">
-    <dgm:fillClrLst meth="repeat">
-      <a:schemeClr val="lt1"/>
-    </dgm:fillClrLst>
-    <dgm:linClrLst meth="repeat">
-      <a:schemeClr val="accent6">
-        <a:shade val="80000"/>
-      </a:schemeClr>
-    </dgm:linClrLst>
-    <dgm:effectClrLst/>
-    <dgm:txLinClrLst/>
-    <dgm:txFillClrLst meth="repeat">
-      <a:schemeClr val="dk1"/>
-    </dgm:txFillClrLst>
-    <dgm:txEffectClrLst/>
-  </dgm:styleLbl>
-  <dgm:styleLbl name="asst1">
-    <dgm:fillClrLst meth="repeat">
-      <a:schemeClr val="lt1"/>
-    </dgm:fillClrLst>
-    <dgm:linClrLst meth="repeat">
-      <a:schemeClr val="accent6">
-        <a:shade val="80000"/>
-      </a:schemeClr>
-    </dgm:linClrLst>
-    <dgm:effectClrLst/>
-    <dgm:txLinClrLst/>
-    <dgm:txFillClrLst meth="repeat">
-      <a:schemeClr val="dk1"/>
-    </dgm:txFillClrLst>
-    <dgm:txEffectClrLst/>
-  </dgm:styleLbl>
-  <dgm:styleLbl name="asst2">
-    <dgm:fillClrLst meth="repeat">
-      <a:schemeClr val="lt1"/>
-    </dgm:fillClrLst>
-    <dgm:linClrLst meth="repeat">
-      <a:schemeClr val="accent6">
-        <a:shade val="80000"/>
-      </a:schemeClr>
-    </dgm:linClrLst>
-    <dgm:effectClrLst/>
-    <dgm:txLinClrLst/>
-    <dgm:txFillClrLst meth="repeat">
-      <a:schemeClr val="dk1"/>
-    </dgm:txFillClrLst>
-    <dgm:txEffectClrLst/>
-  </dgm:styleLbl>
-  <dgm:styleLbl name="asst3">
-    <dgm:fillClrLst meth="repeat">
-      <a:schemeClr val="lt1"/>
-    </dgm:fillClrLst>
-    <dgm:linClrLst meth="repeat">
-      <a:schemeClr val="accent6">
-        <a:shade val="80000"/>
-      </a:schemeClr>
-    </dgm:linClrLst>
-    <dgm:effectClrLst/>
-    <dgm:txLinClrLst/>
-    <dgm:txFillClrLst meth="repeat">
-      <a:schemeClr val="dk1"/>
-    </dgm:txFillClrLst>
-    <dgm:txEffectClrLst/>
-  </dgm:styleLbl>
-  <dgm:styleLbl name="asst4">
-    <dgm:fillClrLst meth="repeat">
-      <a:schemeClr val="lt1"/>
-    </dgm:fillClrLst>
-    <dgm:linClrLst meth="repeat">
-      <a:schemeClr val="accent6">
-        <a:shade val="80000"/>
-      </a:schemeClr>
-    </dgm:linClrLst>
-    <dgm:effectClrLst/>
-    <dgm:txLinClrLst/>
-    <dgm:txFillClrLst meth="repeat">
-      <a:schemeClr val="dk1"/>
-    </dgm:txFillClrLst>
-    <dgm:txEffectClrLst/>
-  </dgm:styleLbl>
-  <dgm:styleLbl name="parChTrans2D1">
-    <dgm:fillClrLst meth="repeat">
-      <a:schemeClr val="accent6">
-        <a:tint val="60000"/>
-      </a:schemeClr>
-    </dgm:fillClrLst>
-    <dgm:linClrLst meth="repeat">
-      <a:schemeClr val="accent6">
-        <a:tint val="60000"/>
-      </a:schemeClr>
-    </dgm:linClrLst>
-    <dgm:effectClrLst/>
-    <dgm:txLinClrLst/>
-    <dgm:txFillClrLst/>
-    <dgm:txEffectClrLst/>
-  </dgm:styleLbl>
-  <dgm:styleLbl name="parChTrans2D2">
-    <dgm:fillClrLst meth="repeat">
-      <a:schemeClr val="accent6"/>
-    </dgm:fillClrLst>
-    <dgm:linClrLst meth="repeat">
-      <a:schemeClr val="accent6"/>
-    </dgm:linClrLst>
-    <dgm:effectClrLst/>
-    <dgm:txLinClrLst/>
-    <dgm:txFillClrLst/>
-    <dgm:txEffectClrLst/>
-  </dgm:styleLbl>
-  <dgm:styleLbl name="parChTrans2D3">
-    <dgm:fillClrLst meth="repeat">
-      <a:schemeClr val="accent6"/>
-    </dgm:fillClrLst>
-    <dgm:linClrLst meth="repeat">
-      <a:schemeClr val="accent6"/>
-    </dgm:linClrLst>
-    <dgm:effectClrLst/>
-    <dgm:txLinClrLst/>
-    <dgm:txFillClrLst/>
-    <dgm:txEffectClrLst/>
-  </dgm:styleLbl>
-  <dgm:styleLbl name="parChTrans2D4">
-    <dgm:fillClrLst meth="repeat">
-      <a:schemeClr val="accent6"/>
-    </dgm:fillClrLst>
-    <dgm:linClrLst meth="repeat">
-      <a:schemeClr val="accent6"/>
-    </dgm:linClrLst>
-    <dgm:effectClrLst/>
-    <dgm:txLinClrLst/>
-    <dgm:txFillClrLst meth="repeat">
-      <a:schemeClr val="lt1"/>
-    </dgm:txFillClrLst>
-    <dgm:txEffectClrLst/>
-  </dgm:styleLbl>
-  <dgm:styleLbl name="parChTrans1D1">
-    <dgm:fillClrLst meth="repeat">
-      <a:schemeClr val="accent6"/>
-    </dgm:fillClrLst>
-    <dgm:linClrLst meth="repeat">
-      <a:schemeClr val="accent6">
-        <a:shade val="60000"/>
-      </a:schemeClr>
-    </dgm:linClrLst>
-    <dgm:effectClrLst/>
-    <dgm:txLinClrLst/>
-    <dgm:txFillClrLst meth="repeat">
-      <a:schemeClr val="tx1"/>
-    </dgm:txFillClrLst>
-    <dgm:txEffectClrLst/>
-  </dgm:styleLbl>
-  <dgm:styleLbl name="parChTrans1D2">
-    <dgm:fillClrLst meth="repeat">
-      <a:schemeClr val="accent6"/>
-    </dgm:fillClrLst>
-    <dgm:linClrLst meth="repeat">
-      <a:schemeClr val="accent6">
-        <a:shade val="60000"/>
-      </a:schemeClr>
-    </dgm:linClrLst>
-    <dgm:effectClrLst/>
-    <dgm:txLinClrLst/>
-    <dgm:txFillClrLst meth="repeat">
-      <a:schemeClr val="tx1"/>
-    </dgm:txFillClrLst>
-    <dgm:txEffectClrLst/>
-  </dgm:styleLbl>
-  <dgm:styleLbl name="parChTrans1D3">
-    <dgm:fillClrLst meth="repeat">
-      <a:schemeClr val="accent6"/>
-    </dgm:fillClrLst>
-    <dgm:linClrLst meth="repeat">
-      <a:schemeClr val="accent6">
-        <a:shade val="80000"/>
-      </a:schemeClr>
-    </dgm:linClrLst>
-    <dgm:effectClrLst/>
-    <dgm:txLinClrLst/>
-    <dgm:txFillClrLst meth="repeat">
-      <a:schemeClr val="tx1"/>
-    </dgm:txFillClrLst>
-    <dgm:txEffectClrLst/>
-  </dgm:styleLbl>
-  <dgm:styleLbl name="parChTrans1D4">
-    <dgm:fillClrLst meth="repeat">
-      <a:schemeClr val="accent6"/>
-    </dgm:fillClrLst>
-    <dgm:linClrLst meth="repeat">
-      <a:schemeClr val="accent6">
-        <a:shade val="80000"/>
-      </a:schemeClr>
-    </dgm:linClrLst>
-    <dgm:effectClrLst/>
-    <dgm:txLinClrLst/>
-    <dgm:txFillClrLst meth="repeat">
-      <a:schemeClr val="tx1"/>
-    </dgm:txFillClrLst>
-    <dgm:txEffectClrLst/>
-  </dgm:styleLbl>
-  <dgm:styleLbl name="fgAcc1">
-    <dgm:fillClrLst meth="repeat">
-      <a:schemeClr val="accent6">
-        <a:alpha val="90000"/>
-        <a:tint val="40000"/>
-      </a:schemeClr>
-    </dgm:fillClrLst>
-    <dgm:linClrLst meth="repeat">
-      <a:schemeClr val="accent6"/>
-    </dgm:linClrLst>
-    <dgm:effectClrLst/>
-    <dgm:txLinClrLst/>
-    <dgm:txFillClrLst meth="repeat">
-      <a:schemeClr val="dk1"/>
-    </dgm:txFillClrLst>
-    <dgm:txEffectClrLst/>
-  </dgm:styleLbl>
-  <dgm:styleLbl name="conFgAcc1">
-    <dgm:fillClrLst meth="repeat">
-      <a:schemeClr val="accent6">
-        <a:alpha val="90000"/>
-        <a:tint val="40000"/>
-      </a:schemeClr>
-    </dgm:fillClrLst>
-    <dgm:linClrLst meth="repeat">
-      <a:schemeClr val="accent6"/>
-    </dgm:linClrLst>
-    <dgm:effectClrLst/>
-    <dgm:txLinClrLst/>
-    <dgm:txFillClrLst meth="repeat">
-      <a:schemeClr val="dk1"/>
-    </dgm:txFillClrLst>
-    <dgm:txEffectClrLst/>
-  </dgm:styleLbl>
-  <dgm:styleLbl name="alignAcc1">
-    <dgm:fillClrLst meth="repeat">
-      <a:schemeClr val="accent6">
-        <a:alpha val="90000"/>
-        <a:tint val="40000"/>
-      </a:schemeClr>
-    </dgm:fillClrLst>
-    <dgm:linClrLst meth="repeat">
-      <a:schemeClr val="accent6"/>
-    </dgm:linClrLst>
-    <dgm:effectClrLst/>
-    <dgm:txLinClrLst/>
-    <dgm:txFillClrLst meth="repeat">
-      <a:schemeClr val="dk1"/>
-    </dgm:txFillClrLst>
-    <dgm:txEffectClrLst/>
-  </dgm:styleLbl>
-  <dgm:styleLbl name="trAlignAcc1">
-    <dgm:fillClrLst meth="repeat">
-      <a:schemeClr val="accent6">
-        <a:alpha val="40000"/>
-        <a:tint val="40000"/>
-      </a:schemeClr>
-    </dgm:fillClrLst>
-    <dgm:linClrLst meth="repeat">
-      <a:schemeClr val="accent6"/>
-    </dgm:linClrLst>
-    <dgm:effectClrLst/>
-    <dgm:txLinClrLst/>
-    <dgm:txFillClrLst meth="repeat">
-      <a:schemeClr val="dk1"/>
-    </dgm:txFillClrLst>
-    <dgm:txEffectClrLst/>
-  </dgm:styleLbl>
-  <dgm:styleLbl name="bgAcc1">
-    <dgm:fillClrLst meth="repeat">
-      <a:schemeClr val="accent6">
-        <a:alpha val="90000"/>
-        <a:tint val="40000"/>
-      </a:schemeClr>
-    </dgm:fillClrLst>
-    <dgm:linClrLst meth="repeat">
-      <a:schemeClr val="accent6"/>
-    </dgm:linClrLst>
-    <dgm:effectClrLst/>
-    <dgm:txLinClrLst/>
-    <dgm:txFillClrLst meth="repeat">
-      <a:schemeClr val="dk1"/>
-    </dgm:txFillClrLst>
-    <dgm:txEffectClrLst/>
-  </dgm:styleLbl>
-  <dgm:styleLbl name="solidFgAcc1">
-    <dgm:fillClrLst meth="repeat">
-      <a:schemeClr val="lt1"/>
-    </dgm:fillClrLst>
-    <dgm:linClrLst meth="repeat">
-      <a:schemeClr val="accent6"/>
-    </dgm:linClrLst>
-    <dgm:effectClrLst/>
-    <dgm:txLinClrLst/>
-    <dgm:txFillClrLst meth="repeat">
-      <a:schemeClr val="dk1"/>
-    </dgm:txFillClrLst>
-    <dgm:txEffectClrLst/>
-  </dgm:styleLbl>
-  <dgm:styleLbl name="solidAlignAcc1">
-    <dgm:fillClrLst meth="repeat">
-      <a:schemeClr val="lt1"/>
-    </dgm:fillClrLst>
-    <dgm:linClrLst meth="repeat">
-      <a:schemeClr val="accent6"/>
-    </dgm:linClrLst>
-    <dgm:effectClrLst/>
-    <dgm:txLinClrLst/>
-    <dgm:txFillClrLst meth="repeat">
-      <a:schemeClr val="dk1"/>
-    </dgm:txFillClrLst>
-    <dgm:txEffectClrLst/>
-  </dgm:styleLbl>
-  <dgm:styleLbl name="solidBgAcc1">
-    <dgm:fillClrLst meth="repeat">
-      <a:schemeClr val="lt1"/>
-    </dgm:fillClrLst>
-    <dgm:linClrLst meth="repeat">
-      <a:schemeClr val="accent6"/>
-    </dgm:linClrLst>
-    <dgm:effectClrLst/>
-    <dgm:txLinClrLst/>
-    <dgm:txFillClrLst meth="repeat">
-      <a:schemeClr val="dk1"/>
-    </dgm:txFillClrLst>
-    <dgm:txEffectClrLst/>
-  </dgm:styleLbl>
-  <dgm:styleLbl name="fgAccFollowNode1">
-    <dgm:fillClrLst meth="repeat">
-      <a:schemeClr val="lt1">
-        <a:alpha val="90000"/>
-        <a:tint val="40000"/>
-      </a:schemeClr>
-    </dgm:fillClrLst>
-    <dgm:linClrLst meth="repeat">
-      <a:schemeClr val="accent6">
-        <a:alpha val="90000"/>
-      </a:schemeClr>
-    </dgm:linClrLst>
-    <dgm:effectClrLst/>
-    <dgm:txLinClrLst/>
-    <dgm:txFillClrLst meth="repeat">
-      <a:schemeClr val="dk1"/>
-    </dgm:txFillClrLst>
-    <dgm:txEffectClrLst/>
-  </dgm:styleLbl>
-  <dgm:styleLbl name="alignAccFollowNode1">
-    <dgm:fillClrLst meth="repeat">
-      <a:schemeClr val="lt1">
-        <a:alpha val="90000"/>
-        <a:tint val="40000"/>
-      </a:schemeClr>
-    </dgm:fillClrLst>
-    <dgm:linClrLst meth="repeat">
-      <a:schemeClr val="accent6">
-        <a:alpha val="90000"/>
-      </a:schemeClr>
-    </dgm:linClrLst>
-    <dgm:effectClrLst/>
-    <dgm:txLinClrLst/>
-    <dgm:txFillClrLst meth="repeat">
-      <a:schemeClr val="dk1"/>
-    </dgm:txFillClrLst>
-    <dgm:txEffectClrLst/>
-  </dgm:styleLbl>
-  <dgm:styleLbl name="bgAccFollowNode1">
-    <dgm:fillClrLst meth="repeat">
-      <a:schemeClr val="lt1">
-        <a:alpha val="90000"/>
-        <a:tint val="40000"/>
-      </a:schemeClr>
-    </dgm:fillClrLst>
-    <dgm:linClrLst meth="repeat">
-      <a:schemeClr val="accent6">
-        <a:alpha val="90000"/>
-      </a:schemeClr>
-    </dgm:linClrLst>
-    <dgm:effectClrLst/>
-    <dgm:txLinClrLst/>
-    <dgm:txFillClrLst meth="repeat">
-      <a:schemeClr val="dk1"/>
-    </dgm:txFillClrLst>
-    <dgm:txEffectClrLst/>
-  </dgm:styleLbl>
-  <dgm:styleLbl name="fgAcc0">
-    <dgm:fillClrLst meth="repeat">
-      <a:schemeClr val="accent6">
-        <a:alpha val="90000"/>
-        <a:tint val="40000"/>
-      </a:schemeClr>
-    </dgm:fillClrLst>
-    <dgm:linClrLst meth="repeat">
-      <a:schemeClr val="accent6"/>
-    </dgm:linClrLst>
-    <dgm:effectClrLst/>
-    <dgm:txLinClrLst/>
-    <dgm:txFillClrLst meth="repeat">
-      <a:schemeClr val="dk1"/>
-    </dgm:txFillClrLst>
-    <dgm:txEffectClrLst/>
-  </dgm:styleLbl>
-  <dgm:styleLbl name="fgAcc2">
-    <dgm:fillClrLst meth="repeat">
-      <a:schemeClr val="accent6">
-        <a:alpha val="90000"/>
-        <a:tint val="40000"/>
-      </a:schemeClr>
-    </dgm:fillClrLst>
-    <dgm:linClrLst meth="repeat">
-      <a:schemeClr val="accent6"/>
-    </dgm:linClrLst>
-    <dgm:effectClrLst/>
-    <dgm:txLinClrLst/>
-    <dgm:txFillClrLst meth="repeat">
-      <a:schemeClr val="dk1"/>
-    </dgm:txFillClrLst>
-    <dgm:txEffectClrLst/>
-  </dgm:styleLbl>
-  <dgm:styleLbl name="fgAcc3">
-    <dgm:fillClrLst meth="repeat">
-      <a:schemeClr val="accent6">
-        <a:alpha val="90000"/>
-        <a:tint val="40000"/>
-      </a:schemeClr>
-    </dgm:fillClrLst>
-    <dgm:linClrLst meth="repeat">
-      <a:schemeClr val="accent6"/>
-    </dgm:linClrLst>
-    <dgm:effectClrLst/>
-    <dgm:txLinClrLst/>
-    <dgm:txFillClrLst meth="repeat">
-      <a:schemeClr val="dk1"/>
-    </dgm:txFillClrLst>
-    <dgm:txEffectClrLst/>
-  </dgm:styleLbl>
-  <dgm:styleLbl name="fgAcc4">
-    <dgm:fillClrLst meth="repeat">
-      <a:schemeClr val="accent6">
-        <a:alpha val="90000"/>
-        <a:tint val="40000"/>
-      </a:schemeClr>
-    </dgm:fillClrLst>
-    <dgm:linClrLst meth="repeat">
-      <a:schemeClr val="accent6"/>
-    </dgm:linClrLst>
-    <dgm:effectClrLst/>
-    <dgm:txLinClrLst/>
-    <dgm:txFillClrLst meth="repeat">
-      <a:schemeClr val="dk1"/>
-    </dgm:txFillClrLst>
-    <dgm:txEffectClrLst/>
-  </dgm:styleLbl>
-  <dgm:styleLbl name="bgShp">
-    <dgm:fillClrLst meth="repeat">
-      <a:schemeClr val="accent6">
-        <a:tint val="40000"/>
-      </a:schemeClr>
-    </dgm:fillClrLst>
-    <dgm:linClrLst meth="repeat">
-      <a:schemeClr val="accent6"/>
-    </dgm:linClrLst>
-    <dgm:effectClrLst/>
-    <dgm:txLinClrLst/>
-    <dgm:txFillClrLst meth="repeat">
-      <a:schemeClr val="dk1"/>
-    </dgm:txFillClrLst>
-    <dgm:txEffectClrLst/>
-  </dgm:styleLbl>
-  <dgm:styleLbl name="dkBgShp">
-    <dgm:fillClrLst meth="repeat">
-      <a:schemeClr val="accent6">
-        <a:shade val="80000"/>
-      </a:schemeClr>
-    </dgm:fillClrLst>
-    <dgm:linClrLst meth="repeat">
-      <a:schemeClr val="accent6"/>
-    </dgm:linClrLst>
-    <dgm:effectClrLst/>
-    <dgm:txLinClrLst/>
-    <dgm:txFillClrLst meth="repeat">
-      <a:schemeClr val="lt1"/>
-    </dgm:txFillClrLst>
-    <dgm:txEffectClrLst/>
-  </dgm:styleLbl>
-  <dgm:styleLbl name="trBgShp">
-    <dgm:fillClrLst meth="repeat">
-      <a:schemeClr val="accent6">
-        <a:tint val="50000"/>
-        <a:alpha val="40000"/>
-      </a:schemeClr>
-    </dgm:fillClrLst>
-    <dgm:linClrLst meth="repeat">
-      <a:schemeClr val="accent6"/>
-    </dgm:linClrLst>
-    <dgm:effectClrLst/>
-    <dgm:txLinClrLst/>
-    <dgm:txFillClrLst meth="repeat">
-      <a:schemeClr val="lt1"/>
-    </dgm:txFillClrLst>
-    <dgm:txEffectClrLst/>
-  </dgm:styleLbl>
-  <dgm:styleLbl name="fgShp">
-    <dgm:fillClrLst meth="repeat">
-      <a:schemeClr val="accent6">
-        <a:tint val="60000"/>
-      </a:schemeClr>
-    </dgm:fillClrLst>
-    <dgm:linClrLst meth="repeat">
-      <a:schemeClr val="lt1"/>
-    </dgm:linClrLst>
-    <dgm:effectClrLst/>
-    <dgm:txLinClrLst/>
-    <dgm:txFillClrLst meth="repeat">
-      <a:schemeClr val="dk1"/>
-    </dgm:txFillClrLst>
-    <dgm:txEffectClrLst/>
-  </dgm:styleLbl>
-  <dgm:styleLbl name="revTx">
-    <dgm:fillClrLst meth="repeat">
-      <a:schemeClr val="lt1">
-        <a:alpha val="0"/>
-      </a:schemeClr>
-    </dgm:fillClrLst>
-    <dgm:linClrLst meth="repeat">
-      <a:schemeClr val="dk1">
-        <a:alpha val="0"/>
-      </a:schemeClr>
-    </dgm:linClrLst>
-    <dgm:effectClrLst/>
-    <dgm:txLinClrLst/>
-    <dgm:txFillClrLst meth="repeat">
-      <a:schemeClr val="tx1"/>
-    </dgm:txFillClrLst>
-    <dgm:txEffectClrLst/>
-  </dgm:styleLbl>
-</dgm:colorsDef>
-</file>
-
-<file path=ppt/diagrams/colors2.xml><?xml version="1.0" encoding="utf-8"?>
 <dgm:colorsDef xmlns:dgm="http://schemas.openxmlformats.org/drawingml/2006/diagram" xmlns:a="http://schemas.openxmlformats.org/drawingml/2006/main" uniqueId="urn:microsoft.com/office/officeart/2005/8/colors/accent6_1">
   <dgm:title val=""/>
   <dgm:desc val=""/>
@@ -2175,600 +1368,6 @@
 </dgm:dataModel>
 </file>
 
-<file path=ppt/diagrams/data2.xml><?xml version="1.0" encoding="utf-8"?>
-<dgm:dataModel xmlns:dgm="http://schemas.openxmlformats.org/drawingml/2006/diagram" xmlns:a="http://schemas.openxmlformats.org/drawingml/2006/main">
-  <dgm:ptLst>
-    <dgm:pt modelId="{BE63C68E-20F5-4D37-B5FE-26DE8985D49E}" type="doc">
-      <dgm:prSet loTypeId="urn:microsoft.com/office/officeart/2008/layout/VerticalCurvedList" loCatId="list" qsTypeId="urn:microsoft.com/office/officeart/2005/8/quickstyle/simple1" qsCatId="simple" csTypeId="urn:microsoft.com/office/officeart/2005/8/colors/accent6_1" csCatId="accent6" phldr="1"/>
-      <dgm:spPr/>
-      <dgm:t>
-        <a:bodyPr/>
-        <a:lstStyle/>
-        <a:p>
-          <a:endParaRPr lang="es-ES"/>
-        </a:p>
-      </dgm:t>
-    </dgm:pt>
-    <dgm:pt modelId="{4FB880F6-F4EA-4497-AA44-2D61FEA2596D}">
-      <dgm:prSet phldrT="[Texto]"/>
-      <dgm:spPr>
-        <a:solidFill>
-          <a:srgbClr val="FF0000"/>
-        </a:solidFill>
-      </dgm:spPr>
-      <dgm:t>
-        <a:bodyPr/>
-        <a:lstStyle/>
-        <a:p>
-          <a:pPr>
-            <a:buClrTx/>
-            <a:buSzTx/>
-            <a:buFontTx/>
-            <a:buChar char="•"/>
-          </a:pPr>
-          <a:r>
-            <a:rPr kumimoji="0" lang="es-ES" altLang="es-ES" b="1" i="0" u="none" strike="noStrike" cap="none" normalizeH="0" baseline="0">
-              <a:ln/>
-              <a:effectLst/>
-              <a:latin typeface="Arial" panose="020B0604020202020204" pitchFamily="34" charset="0"/>
-            </a:rPr>
-            <a:t>Spotify no favorece canciones por sus características</a:t>
-          </a:r>
-          <a:r>
-            <a:rPr kumimoji="0" lang="es-ES" altLang="es-ES" b="0" i="0" u="none" strike="noStrike" cap="none" normalizeH="0" baseline="0">
-              <a:ln/>
-              <a:effectLst/>
-              <a:latin typeface="Arial" panose="020B0604020202020204" pitchFamily="34" charset="0"/>
-            </a:rPr>
-            <a:t> (energía, felicidad, danzabilidad).</a:t>
-          </a:r>
-          <a:endParaRPr lang="es-ES" dirty="0"/>
-        </a:p>
-      </dgm:t>
-    </dgm:pt>
-    <dgm:pt modelId="{4775797E-CD45-46F8-9F83-DCAD5B04C64C}" type="parTrans" cxnId="{5AE5E1D0-CB62-4D43-9EB1-CA4B645E3EC4}">
-      <dgm:prSet/>
-      <dgm:spPr/>
-      <dgm:t>
-        <a:bodyPr/>
-        <a:lstStyle/>
-        <a:p>
-          <a:endParaRPr lang="es-ES"/>
-        </a:p>
-      </dgm:t>
-    </dgm:pt>
-    <dgm:pt modelId="{ABC5F04F-E51B-4B13-A470-60C9D9E7A975}" type="sibTrans" cxnId="{5AE5E1D0-CB62-4D43-9EB1-CA4B645E3EC4}">
-      <dgm:prSet/>
-      <dgm:spPr/>
-      <dgm:t>
-        <a:bodyPr/>
-        <a:lstStyle/>
-        <a:p>
-          <a:endParaRPr lang="es-ES"/>
-        </a:p>
-      </dgm:t>
-    </dgm:pt>
-    <dgm:pt modelId="{94854CFF-66B0-4C77-8607-37E89885711C}">
-      <dgm:prSet/>
-      <dgm:spPr>
-        <a:solidFill>
-          <a:srgbClr val="FFC000"/>
-        </a:solidFill>
-      </dgm:spPr>
-      <dgm:t>
-        <a:bodyPr/>
-        <a:lstStyle/>
-        <a:p>
-          <a:r>
-            <a:rPr lang="es-ES" b="1" dirty="0">
-              <a:latin typeface="Arial" panose="020B0604020202020204" pitchFamily="34" charset="0"/>
-              <a:cs typeface="Arial" panose="020B0604020202020204" pitchFamily="34" charset="0"/>
-            </a:rPr>
-            <a:t>Spotify favorece ciertos géneros frente a otros.</a:t>
-          </a:r>
-          <a:endParaRPr kumimoji="0" lang="es-ES" altLang="es-ES" b="0" i="0" u="none" strike="noStrike" cap="none" normalizeH="0" baseline="0" dirty="0">
-            <a:ln/>
-            <a:effectLst/>
-            <a:latin typeface="Arial" panose="020B0604020202020204" pitchFamily="34" charset="0"/>
-          </a:endParaRPr>
-        </a:p>
-      </dgm:t>
-    </dgm:pt>
-    <dgm:pt modelId="{42220AD3-6EE8-4381-B31E-2DE0449DBE40}" type="parTrans" cxnId="{80AC5394-C0F5-4DF9-95C1-603545653659}">
-      <dgm:prSet/>
-      <dgm:spPr/>
-      <dgm:t>
-        <a:bodyPr/>
-        <a:lstStyle/>
-        <a:p>
-          <a:endParaRPr lang="es-ES"/>
-        </a:p>
-      </dgm:t>
-    </dgm:pt>
-    <dgm:pt modelId="{63A294BC-48DB-4B98-8E8F-C9C236486E65}" type="sibTrans" cxnId="{80AC5394-C0F5-4DF9-95C1-603545653659}">
-      <dgm:prSet/>
-      <dgm:spPr/>
-      <dgm:t>
-        <a:bodyPr/>
-        <a:lstStyle/>
-        <a:p>
-          <a:endParaRPr lang="es-ES"/>
-        </a:p>
-      </dgm:t>
-    </dgm:pt>
-    <dgm:pt modelId="{A429BF68-12DF-4A32-A0EC-0760F967F595}">
-      <dgm:prSet/>
-      <dgm:spPr>
-        <a:solidFill>
-          <a:srgbClr val="00B050"/>
-        </a:solidFill>
-      </dgm:spPr>
-      <dgm:t>
-        <a:bodyPr/>
-        <a:lstStyle/>
-        <a:p>
-          <a:r>
-            <a:rPr kumimoji="0" lang="es-ES" altLang="es-ES" b="1" i="0" u="none" strike="noStrike" cap="none" normalizeH="0" baseline="0">
-              <a:ln/>
-              <a:effectLst/>
-              <a:latin typeface="Arial" panose="020B0604020202020204" pitchFamily="34" charset="0"/>
-            </a:rPr>
-            <a:t>El día y mes de lanzamiento influyen</a:t>
-          </a:r>
-          <a:r>
-            <a:rPr kumimoji="0" lang="es-ES" altLang="es-ES" b="0" i="0" u="none" strike="noStrike" cap="none" normalizeH="0" baseline="0">
-              <a:ln/>
-              <a:effectLst/>
-              <a:latin typeface="Arial" panose="020B0604020202020204" pitchFamily="34" charset="0"/>
-            </a:rPr>
-            <a:t>: los viernes y octubre-noviembre son estratégicos.</a:t>
-          </a:r>
-          <a:endParaRPr kumimoji="0" lang="es-ES" altLang="es-ES" b="0" i="0" u="none" strike="noStrike" cap="none" normalizeH="0" baseline="0" dirty="0">
-            <a:ln/>
-            <a:effectLst/>
-            <a:latin typeface="Arial" panose="020B0604020202020204" pitchFamily="34" charset="0"/>
-          </a:endParaRPr>
-        </a:p>
-      </dgm:t>
-    </dgm:pt>
-    <dgm:pt modelId="{502BB672-C846-4E5C-AEEA-BE9FCA6F24A1}" type="parTrans" cxnId="{26943B8A-30B5-46F3-A193-62EECC447040}">
-      <dgm:prSet/>
-      <dgm:spPr/>
-      <dgm:t>
-        <a:bodyPr/>
-        <a:lstStyle/>
-        <a:p>
-          <a:endParaRPr lang="es-ES"/>
-        </a:p>
-      </dgm:t>
-    </dgm:pt>
-    <dgm:pt modelId="{7D84CC68-97B9-426F-B2DF-83808E6021C8}" type="sibTrans" cxnId="{26943B8A-30B5-46F3-A193-62EECC447040}">
-      <dgm:prSet/>
-      <dgm:spPr/>
-      <dgm:t>
-        <a:bodyPr/>
-        <a:lstStyle/>
-        <a:p>
-          <a:endParaRPr lang="es-ES"/>
-        </a:p>
-      </dgm:t>
-    </dgm:pt>
-    <dgm:pt modelId="{3A4ACC02-679C-4703-BB90-8753DEE0717E}">
-      <dgm:prSet/>
-      <dgm:spPr>
-        <a:solidFill>
-          <a:srgbClr val="FFC000"/>
-        </a:solidFill>
-      </dgm:spPr>
-      <dgm:t>
-        <a:bodyPr/>
-        <a:lstStyle/>
-        <a:p>
-          <a:r>
-            <a:rPr kumimoji="0" lang="es-ES" altLang="es-ES" b="1" i="0" u="none" strike="noStrike" cap="none" normalizeH="0" baseline="0" dirty="0">
-              <a:ln/>
-              <a:effectLst/>
-              <a:latin typeface="Arial" panose="020B0604020202020204" pitchFamily="34" charset="0"/>
-            </a:rPr>
-            <a:t>Las letras explícitas pueden ser populares</a:t>
-          </a:r>
-          <a:r>
-            <a:rPr kumimoji="0" lang="es-ES" altLang="es-ES" b="0" i="0" u="none" strike="noStrike" cap="none" normalizeH="0" baseline="0" dirty="0">
-              <a:ln/>
-              <a:effectLst/>
-              <a:latin typeface="Arial" panose="020B0604020202020204" pitchFamily="34" charset="0"/>
-            </a:rPr>
-            <a:t>, pero enfrentan restricciones en otras plataformas.</a:t>
-          </a:r>
-        </a:p>
-      </dgm:t>
-    </dgm:pt>
-    <dgm:pt modelId="{C0F17646-6426-4F30-92C9-A81EA804DAB3}" type="sibTrans" cxnId="{14F731F9-405C-4532-950C-20CF27C295F7}">
-      <dgm:prSet/>
-      <dgm:spPr/>
-      <dgm:t>
-        <a:bodyPr/>
-        <a:lstStyle/>
-        <a:p>
-          <a:endParaRPr lang="es-ES"/>
-        </a:p>
-      </dgm:t>
-    </dgm:pt>
-    <dgm:pt modelId="{C6B3E134-76BA-48D2-94A0-9FF00D8E8DB1}" type="parTrans" cxnId="{14F731F9-405C-4532-950C-20CF27C295F7}">
-      <dgm:prSet/>
-      <dgm:spPr/>
-      <dgm:t>
-        <a:bodyPr/>
-        <a:lstStyle/>
-        <a:p>
-          <a:endParaRPr lang="es-ES"/>
-        </a:p>
-      </dgm:t>
-    </dgm:pt>
-    <dgm:pt modelId="{0E0ADF52-3E57-410F-8832-048E1CB82C65}">
-      <dgm:prSet/>
-      <dgm:spPr>
-        <a:solidFill>
-          <a:srgbClr val="00B050"/>
-        </a:solidFill>
-      </dgm:spPr>
-      <dgm:t>
-        <a:bodyPr/>
-        <a:lstStyle/>
-        <a:p>
-          <a:r>
-            <a:rPr kumimoji="0" lang="es-ES" altLang="es-ES" b="1" i="0" u="none" strike="noStrike" cap="none" normalizeH="0" baseline="0" dirty="0">
-              <a:ln/>
-              <a:effectLst/>
-              <a:latin typeface="Arial" panose="020B0604020202020204" pitchFamily="34" charset="0"/>
-            </a:rPr>
-            <a:t>Lanzar un álbum con estrategia de singles es efectivo</a:t>
-          </a:r>
-          <a:r>
-            <a:rPr kumimoji="0" lang="es-ES" altLang="es-ES" b="0" i="0" u="none" strike="noStrike" cap="none" normalizeH="0" baseline="0" dirty="0">
-              <a:ln/>
-              <a:effectLst/>
-              <a:latin typeface="Arial" panose="020B0604020202020204" pitchFamily="34" charset="0"/>
-            </a:rPr>
-            <a:t>, aumenta la popularidad.</a:t>
-          </a:r>
-        </a:p>
-      </dgm:t>
-    </dgm:pt>
-    <dgm:pt modelId="{0726772F-B681-42C9-AD99-A8D8A773D595}" type="sibTrans" cxnId="{90526A6D-E20D-46D1-B0EF-44391FAB034E}">
-      <dgm:prSet/>
-      <dgm:spPr/>
-      <dgm:t>
-        <a:bodyPr/>
-        <a:lstStyle/>
-        <a:p>
-          <a:endParaRPr lang="es-ES"/>
-        </a:p>
-      </dgm:t>
-    </dgm:pt>
-    <dgm:pt modelId="{C967924A-C8F2-47A9-BFCF-D363AF74AA41}" type="parTrans" cxnId="{90526A6D-E20D-46D1-B0EF-44391FAB034E}">
-      <dgm:prSet/>
-      <dgm:spPr/>
-      <dgm:t>
-        <a:bodyPr/>
-        <a:lstStyle/>
-        <a:p>
-          <a:endParaRPr lang="es-ES"/>
-        </a:p>
-      </dgm:t>
-    </dgm:pt>
-    <dgm:pt modelId="{6D9622A9-449E-4937-BD2B-6C94CCABEA4A}">
-      <dgm:prSet/>
-      <dgm:spPr>
-        <a:solidFill>
-          <a:srgbClr val="FFC000"/>
-        </a:solidFill>
-      </dgm:spPr>
-      <dgm:t>
-        <a:bodyPr/>
-        <a:lstStyle/>
-        <a:p>
-          <a:r>
-            <a:rPr kumimoji="0" lang="es-ES" altLang="es-ES" b="1" i="0" u="none" strike="noStrike" cap="none" normalizeH="0" baseline="0" dirty="0">
-              <a:ln/>
-              <a:effectLst/>
-              <a:latin typeface="Arial" panose="020B0604020202020204" pitchFamily="34" charset="0"/>
-            </a:rPr>
-            <a:t>ADICIONAL: Las canciones más cortas suelen ser más populares</a:t>
-          </a:r>
-          <a:r>
-            <a:rPr kumimoji="0" lang="es-ES" altLang="es-ES" b="0" i="0" u="none" strike="noStrike" cap="none" normalizeH="0" baseline="0" dirty="0">
-              <a:ln/>
-              <a:effectLst/>
-              <a:latin typeface="Arial" panose="020B0604020202020204" pitchFamily="34" charset="0"/>
-            </a:rPr>
-            <a:t>, aunque la relación es débil.</a:t>
-          </a:r>
-        </a:p>
-      </dgm:t>
-    </dgm:pt>
-    <dgm:pt modelId="{7F164686-DABB-4E73-89D9-AFCFABE57FA1}" type="parTrans" cxnId="{BD0D0711-3AED-45A0-800A-1712DFD27260}">
-      <dgm:prSet/>
-      <dgm:spPr/>
-      <dgm:t>
-        <a:bodyPr/>
-        <a:lstStyle/>
-        <a:p>
-          <a:endParaRPr lang="es-ES"/>
-        </a:p>
-      </dgm:t>
-    </dgm:pt>
-    <dgm:pt modelId="{3565A1F3-3880-445D-A53C-B6814E42B762}" type="sibTrans" cxnId="{BD0D0711-3AED-45A0-800A-1712DFD27260}">
-      <dgm:prSet/>
-      <dgm:spPr/>
-      <dgm:t>
-        <a:bodyPr/>
-        <a:lstStyle/>
-        <a:p>
-          <a:endParaRPr lang="es-ES"/>
-        </a:p>
-      </dgm:t>
-    </dgm:pt>
-    <dgm:pt modelId="{39E733DA-C0EE-44A5-80FB-F504D1CC5DC0}">
-      <dgm:prSet custT="1"/>
-      <dgm:spPr>
-        <a:solidFill>
-          <a:srgbClr val="FFC000"/>
-        </a:solidFill>
-      </dgm:spPr>
-      <dgm:t>
-        <a:bodyPr/>
-        <a:lstStyle/>
-        <a:p>
-          <a:r>
-            <a:rPr kumimoji="0" lang="es-ES" altLang="es-ES" sz="1500" b="1" i="0" u="none" strike="noStrike" cap="none" normalizeH="0" baseline="0" dirty="0">
-              <a:ln/>
-              <a:effectLst/>
-              <a:latin typeface="Arial" panose="020B0604020202020204" pitchFamily="34" charset="0"/>
-              <a:cs typeface="Arial" panose="020B0604020202020204" pitchFamily="34" charset="0"/>
-            </a:rPr>
-            <a:t>ADICIONAL: No se puede asegurar que l</a:t>
-          </a:r>
-          <a:r>
-            <a:rPr lang="es-ES" sz="1500" b="1" dirty="0">
-              <a:latin typeface="Arial" panose="020B0604020202020204" pitchFamily="34" charset="0"/>
-              <a:cs typeface="Arial" panose="020B0604020202020204" pitchFamily="34" charset="0"/>
-            </a:rPr>
-            <a:t>as colaboraciones impulsen la popularidad.</a:t>
-          </a:r>
-          <a:endParaRPr kumimoji="0" lang="es-ES" altLang="es-ES" sz="1500" b="1" i="0" u="none" strike="noStrike" cap="none" normalizeH="0" baseline="0" dirty="0">
-            <a:ln/>
-            <a:effectLst/>
-            <a:latin typeface="Arial" panose="020B0604020202020204" pitchFamily="34" charset="0"/>
-            <a:cs typeface="Arial" panose="020B0604020202020204" pitchFamily="34" charset="0"/>
-          </a:endParaRPr>
-        </a:p>
-      </dgm:t>
-    </dgm:pt>
-    <dgm:pt modelId="{5E444FA5-3329-4E9D-BF1F-CA91CAF9D561}" type="parTrans" cxnId="{716E5198-799F-41AA-9F52-9160C90F596F}">
-      <dgm:prSet/>
-      <dgm:spPr/>
-      <dgm:t>
-        <a:bodyPr/>
-        <a:lstStyle/>
-        <a:p>
-          <a:endParaRPr lang="es-ES"/>
-        </a:p>
-      </dgm:t>
-    </dgm:pt>
-    <dgm:pt modelId="{242D68E8-A846-4D0B-A3CD-49EEEEE2CB8E}" type="sibTrans" cxnId="{716E5198-799F-41AA-9F52-9160C90F596F}">
-      <dgm:prSet/>
-      <dgm:spPr/>
-      <dgm:t>
-        <a:bodyPr/>
-        <a:lstStyle/>
-        <a:p>
-          <a:endParaRPr lang="es-ES"/>
-        </a:p>
-      </dgm:t>
-    </dgm:pt>
-    <dgm:pt modelId="{D79D9C5C-588B-42F2-8178-B258F71EC5B1}" type="pres">
-      <dgm:prSet presAssocID="{BE63C68E-20F5-4D37-B5FE-26DE8985D49E}" presName="Name0" presStyleCnt="0">
-        <dgm:presLayoutVars>
-          <dgm:chMax val="7"/>
-          <dgm:chPref val="7"/>
-          <dgm:dir/>
-        </dgm:presLayoutVars>
-      </dgm:prSet>
-      <dgm:spPr/>
-    </dgm:pt>
-    <dgm:pt modelId="{CBF8D870-1D72-4740-B65A-1138F85616D1}" type="pres">
-      <dgm:prSet presAssocID="{BE63C68E-20F5-4D37-B5FE-26DE8985D49E}" presName="Name1" presStyleCnt="0"/>
-      <dgm:spPr/>
-    </dgm:pt>
-    <dgm:pt modelId="{671DED32-9DDA-4F0D-822B-F7A6C0115A2A}" type="pres">
-      <dgm:prSet presAssocID="{BE63C68E-20F5-4D37-B5FE-26DE8985D49E}" presName="cycle" presStyleCnt="0"/>
-      <dgm:spPr/>
-    </dgm:pt>
-    <dgm:pt modelId="{3BC58DCE-9A49-49AA-8F34-B006DA24D14B}" type="pres">
-      <dgm:prSet presAssocID="{BE63C68E-20F5-4D37-B5FE-26DE8985D49E}" presName="srcNode" presStyleLbl="node1" presStyleIdx="0" presStyleCnt="7"/>
-      <dgm:spPr/>
-    </dgm:pt>
-    <dgm:pt modelId="{77B48406-3A64-4B37-A831-F2D8C19D8F89}" type="pres">
-      <dgm:prSet presAssocID="{BE63C68E-20F5-4D37-B5FE-26DE8985D49E}" presName="conn" presStyleLbl="parChTrans1D2" presStyleIdx="0" presStyleCnt="1"/>
-      <dgm:spPr/>
-    </dgm:pt>
-    <dgm:pt modelId="{61B26A17-4482-49A9-95BF-F93FE670D70D}" type="pres">
-      <dgm:prSet presAssocID="{BE63C68E-20F5-4D37-B5FE-26DE8985D49E}" presName="extraNode" presStyleLbl="node1" presStyleIdx="0" presStyleCnt="7"/>
-      <dgm:spPr/>
-    </dgm:pt>
-    <dgm:pt modelId="{A8F7D9C2-7AF5-4F74-BBF4-FD2609A1A212}" type="pres">
-      <dgm:prSet presAssocID="{BE63C68E-20F5-4D37-B5FE-26DE8985D49E}" presName="dstNode" presStyleLbl="node1" presStyleIdx="0" presStyleCnt="7"/>
-      <dgm:spPr/>
-    </dgm:pt>
-    <dgm:pt modelId="{D57FE9FF-9389-4601-9A4E-6CBD8F3B7A60}" type="pres">
-      <dgm:prSet presAssocID="{4FB880F6-F4EA-4497-AA44-2D61FEA2596D}" presName="text_1" presStyleLbl="node1" presStyleIdx="0" presStyleCnt="7">
-        <dgm:presLayoutVars>
-          <dgm:bulletEnabled val="1"/>
-        </dgm:presLayoutVars>
-      </dgm:prSet>
-      <dgm:spPr/>
-    </dgm:pt>
-    <dgm:pt modelId="{A3A9AEA7-175F-420F-845B-E93FDF109724}" type="pres">
-      <dgm:prSet presAssocID="{4FB880F6-F4EA-4497-AA44-2D61FEA2596D}" presName="accent_1" presStyleCnt="0"/>
-      <dgm:spPr/>
-    </dgm:pt>
-    <dgm:pt modelId="{87C25D6F-E287-43E8-B517-FAEAA1151E3E}" type="pres">
-      <dgm:prSet presAssocID="{4FB880F6-F4EA-4497-AA44-2D61FEA2596D}" presName="accentRepeatNode" presStyleLbl="solidFgAcc1" presStyleIdx="0" presStyleCnt="7"/>
-      <dgm:spPr/>
-    </dgm:pt>
-    <dgm:pt modelId="{B43EEE51-7FA3-43D4-A603-53D2130794C6}" type="pres">
-      <dgm:prSet presAssocID="{94854CFF-66B0-4C77-8607-37E89885711C}" presName="text_2" presStyleLbl="node1" presStyleIdx="1" presStyleCnt="7">
-        <dgm:presLayoutVars>
-          <dgm:bulletEnabled val="1"/>
-        </dgm:presLayoutVars>
-      </dgm:prSet>
-      <dgm:spPr/>
-    </dgm:pt>
-    <dgm:pt modelId="{42293C4E-3422-4B83-BA6E-F500B1AD7697}" type="pres">
-      <dgm:prSet presAssocID="{94854CFF-66B0-4C77-8607-37E89885711C}" presName="accent_2" presStyleCnt="0"/>
-      <dgm:spPr/>
-    </dgm:pt>
-    <dgm:pt modelId="{5B0E6E65-C541-4C28-A2D5-9CFE13756F5B}" type="pres">
-      <dgm:prSet presAssocID="{94854CFF-66B0-4C77-8607-37E89885711C}" presName="accentRepeatNode" presStyleLbl="solidFgAcc1" presStyleIdx="1" presStyleCnt="7"/>
-      <dgm:spPr/>
-    </dgm:pt>
-    <dgm:pt modelId="{E9FE3DBE-6A90-4E53-B6B3-AB85D93D20E3}" type="pres">
-      <dgm:prSet presAssocID="{A429BF68-12DF-4A32-A0EC-0760F967F595}" presName="text_3" presStyleLbl="node1" presStyleIdx="2" presStyleCnt="7">
-        <dgm:presLayoutVars>
-          <dgm:bulletEnabled val="1"/>
-        </dgm:presLayoutVars>
-      </dgm:prSet>
-      <dgm:spPr/>
-    </dgm:pt>
-    <dgm:pt modelId="{4748ECF2-6E4B-4E56-A9C2-17C9A6EC7494}" type="pres">
-      <dgm:prSet presAssocID="{A429BF68-12DF-4A32-A0EC-0760F967F595}" presName="accent_3" presStyleCnt="0"/>
-      <dgm:spPr/>
-    </dgm:pt>
-    <dgm:pt modelId="{EEDAD627-E8EB-4006-9B2B-6C6F75BD0106}" type="pres">
-      <dgm:prSet presAssocID="{A429BF68-12DF-4A32-A0EC-0760F967F595}" presName="accentRepeatNode" presStyleLbl="solidFgAcc1" presStyleIdx="2" presStyleCnt="7"/>
-      <dgm:spPr/>
-    </dgm:pt>
-    <dgm:pt modelId="{43F809F3-CFF6-4A58-A6C2-FB0EBEBB4AA9}" type="pres">
-      <dgm:prSet presAssocID="{3A4ACC02-679C-4703-BB90-8753DEE0717E}" presName="text_4" presStyleLbl="node1" presStyleIdx="3" presStyleCnt="7">
-        <dgm:presLayoutVars>
-          <dgm:bulletEnabled val="1"/>
-        </dgm:presLayoutVars>
-      </dgm:prSet>
-      <dgm:spPr/>
-    </dgm:pt>
-    <dgm:pt modelId="{4CAB179F-97E5-45D0-B740-7C18D366836F}" type="pres">
-      <dgm:prSet presAssocID="{3A4ACC02-679C-4703-BB90-8753DEE0717E}" presName="accent_4" presStyleCnt="0"/>
-      <dgm:spPr/>
-    </dgm:pt>
-    <dgm:pt modelId="{A5EC3969-192B-40AC-9728-041CD250B718}" type="pres">
-      <dgm:prSet presAssocID="{3A4ACC02-679C-4703-BB90-8753DEE0717E}" presName="accentRepeatNode" presStyleLbl="solidFgAcc1" presStyleIdx="3" presStyleCnt="7"/>
-      <dgm:spPr/>
-    </dgm:pt>
-    <dgm:pt modelId="{AADEEF9E-6514-4209-B0AB-70303127C9BC}" type="pres">
-      <dgm:prSet presAssocID="{0E0ADF52-3E57-410F-8832-048E1CB82C65}" presName="text_5" presStyleLbl="node1" presStyleIdx="4" presStyleCnt="7">
-        <dgm:presLayoutVars>
-          <dgm:bulletEnabled val="1"/>
-        </dgm:presLayoutVars>
-      </dgm:prSet>
-      <dgm:spPr/>
-    </dgm:pt>
-    <dgm:pt modelId="{645EE064-12F4-4D0B-B9E8-95A82194C374}" type="pres">
-      <dgm:prSet presAssocID="{0E0ADF52-3E57-410F-8832-048E1CB82C65}" presName="accent_5" presStyleCnt="0"/>
-      <dgm:spPr/>
-    </dgm:pt>
-    <dgm:pt modelId="{01B5D62D-6146-4151-BF6D-FE5BD437478A}" type="pres">
-      <dgm:prSet presAssocID="{0E0ADF52-3E57-410F-8832-048E1CB82C65}" presName="accentRepeatNode" presStyleLbl="solidFgAcc1" presStyleIdx="4" presStyleCnt="7"/>
-      <dgm:spPr/>
-    </dgm:pt>
-    <dgm:pt modelId="{AFA8D7F2-52D8-471B-A5AB-CAB9564599F4}" type="pres">
-      <dgm:prSet presAssocID="{6D9622A9-449E-4937-BD2B-6C94CCABEA4A}" presName="text_6" presStyleLbl="node1" presStyleIdx="5" presStyleCnt="7">
-        <dgm:presLayoutVars>
-          <dgm:bulletEnabled val="1"/>
-        </dgm:presLayoutVars>
-      </dgm:prSet>
-      <dgm:spPr/>
-    </dgm:pt>
-    <dgm:pt modelId="{FACE83F2-1A70-4877-B15D-AB1BC6AB30F7}" type="pres">
-      <dgm:prSet presAssocID="{6D9622A9-449E-4937-BD2B-6C94CCABEA4A}" presName="accent_6" presStyleCnt="0"/>
-      <dgm:spPr/>
-    </dgm:pt>
-    <dgm:pt modelId="{358213D4-7A82-4B21-A8DB-86270F72903F}" type="pres">
-      <dgm:prSet presAssocID="{6D9622A9-449E-4937-BD2B-6C94CCABEA4A}" presName="accentRepeatNode" presStyleLbl="solidFgAcc1" presStyleIdx="5" presStyleCnt="7"/>
-      <dgm:spPr/>
-    </dgm:pt>
-    <dgm:pt modelId="{8424699D-2C67-4034-BCB3-27C28B025C10}" type="pres">
-      <dgm:prSet presAssocID="{39E733DA-C0EE-44A5-80FB-F504D1CC5DC0}" presName="text_7" presStyleLbl="node1" presStyleIdx="6" presStyleCnt="7">
-        <dgm:presLayoutVars>
-          <dgm:bulletEnabled val="1"/>
-        </dgm:presLayoutVars>
-      </dgm:prSet>
-      <dgm:spPr/>
-    </dgm:pt>
-    <dgm:pt modelId="{9BCF4BBD-F554-49D0-8A10-C1328123EEA7}" type="pres">
-      <dgm:prSet presAssocID="{39E733DA-C0EE-44A5-80FB-F504D1CC5DC0}" presName="accent_7" presStyleCnt="0"/>
-      <dgm:spPr/>
-    </dgm:pt>
-    <dgm:pt modelId="{F9FD0456-1E55-4FA7-AD71-116F83C8E65D}" type="pres">
-      <dgm:prSet presAssocID="{39E733DA-C0EE-44A5-80FB-F504D1CC5DC0}" presName="accentRepeatNode" presStyleLbl="solidFgAcc1" presStyleIdx="6" presStyleCnt="7"/>
-      <dgm:spPr/>
-    </dgm:pt>
-  </dgm:ptLst>
-  <dgm:cxnLst>
-    <dgm:cxn modelId="{A331C805-3E5F-4731-8A99-1791DC452B42}" type="presOf" srcId="{BE63C68E-20F5-4D37-B5FE-26DE8985D49E}" destId="{D79D9C5C-588B-42F2-8178-B258F71EC5B1}" srcOrd="0" destOrd="0" presId="urn:microsoft.com/office/officeart/2008/layout/VerticalCurvedList"/>
-    <dgm:cxn modelId="{BD0D0711-3AED-45A0-800A-1712DFD27260}" srcId="{BE63C68E-20F5-4D37-B5FE-26DE8985D49E}" destId="{6D9622A9-449E-4937-BD2B-6C94CCABEA4A}" srcOrd="5" destOrd="0" parTransId="{7F164686-DABB-4E73-89D9-AFCFABE57FA1}" sibTransId="{3565A1F3-3880-445D-A53C-B6814E42B762}"/>
-    <dgm:cxn modelId="{599C7B22-DA6C-41D2-9793-8F97103A3217}" type="presOf" srcId="{6D9622A9-449E-4937-BD2B-6C94CCABEA4A}" destId="{AFA8D7F2-52D8-471B-A5AB-CAB9564599F4}" srcOrd="0" destOrd="0" presId="urn:microsoft.com/office/officeart/2008/layout/VerticalCurvedList"/>
-    <dgm:cxn modelId="{71F2E034-725B-4B18-99A7-9C221D2DE679}" type="presOf" srcId="{3A4ACC02-679C-4703-BB90-8753DEE0717E}" destId="{43F809F3-CFF6-4A58-A6C2-FB0EBEBB4AA9}" srcOrd="0" destOrd="0" presId="urn:microsoft.com/office/officeart/2008/layout/VerticalCurvedList"/>
-    <dgm:cxn modelId="{2CA28868-572B-420B-B7EE-A675A366C6CD}" type="presOf" srcId="{A429BF68-12DF-4A32-A0EC-0760F967F595}" destId="{E9FE3DBE-6A90-4E53-B6B3-AB85D93D20E3}" srcOrd="0" destOrd="0" presId="urn:microsoft.com/office/officeart/2008/layout/VerticalCurvedList"/>
-    <dgm:cxn modelId="{90526A6D-E20D-46D1-B0EF-44391FAB034E}" srcId="{BE63C68E-20F5-4D37-B5FE-26DE8985D49E}" destId="{0E0ADF52-3E57-410F-8832-048E1CB82C65}" srcOrd="4" destOrd="0" parTransId="{C967924A-C8F2-47A9-BFCF-D363AF74AA41}" sibTransId="{0726772F-B681-42C9-AD99-A8D8A773D595}"/>
-    <dgm:cxn modelId="{04924772-D873-4A82-8094-C4253F590D4B}" type="presOf" srcId="{ABC5F04F-E51B-4B13-A470-60C9D9E7A975}" destId="{77B48406-3A64-4B37-A831-F2D8C19D8F89}" srcOrd="0" destOrd="0" presId="urn:microsoft.com/office/officeart/2008/layout/VerticalCurvedList"/>
-    <dgm:cxn modelId="{26943B8A-30B5-46F3-A193-62EECC447040}" srcId="{BE63C68E-20F5-4D37-B5FE-26DE8985D49E}" destId="{A429BF68-12DF-4A32-A0EC-0760F967F595}" srcOrd="2" destOrd="0" parTransId="{502BB672-C846-4E5C-AEEA-BE9FCA6F24A1}" sibTransId="{7D84CC68-97B9-426F-B2DF-83808E6021C8}"/>
-    <dgm:cxn modelId="{80AC5394-C0F5-4DF9-95C1-603545653659}" srcId="{BE63C68E-20F5-4D37-B5FE-26DE8985D49E}" destId="{94854CFF-66B0-4C77-8607-37E89885711C}" srcOrd="1" destOrd="0" parTransId="{42220AD3-6EE8-4381-B31E-2DE0449DBE40}" sibTransId="{63A294BC-48DB-4B98-8E8F-C9C236486E65}"/>
-    <dgm:cxn modelId="{716E5198-799F-41AA-9F52-9160C90F596F}" srcId="{BE63C68E-20F5-4D37-B5FE-26DE8985D49E}" destId="{39E733DA-C0EE-44A5-80FB-F504D1CC5DC0}" srcOrd="6" destOrd="0" parTransId="{5E444FA5-3329-4E9D-BF1F-CA91CAF9D561}" sibTransId="{242D68E8-A846-4D0B-A3CD-49EEEEE2CB8E}"/>
-    <dgm:cxn modelId="{A624889F-5B5C-4B91-807F-AF0876E906C5}" type="presOf" srcId="{0E0ADF52-3E57-410F-8832-048E1CB82C65}" destId="{AADEEF9E-6514-4209-B0AB-70303127C9BC}" srcOrd="0" destOrd="0" presId="urn:microsoft.com/office/officeart/2008/layout/VerticalCurvedList"/>
-    <dgm:cxn modelId="{5AE5E1D0-CB62-4D43-9EB1-CA4B645E3EC4}" srcId="{BE63C68E-20F5-4D37-B5FE-26DE8985D49E}" destId="{4FB880F6-F4EA-4497-AA44-2D61FEA2596D}" srcOrd="0" destOrd="0" parTransId="{4775797E-CD45-46F8-9F83-DCAD5B04C64C}" sibTransId="{ABC5F04F-E51B-4B13-A470-60C9D9E7A975}"/>
-    <dgm:cxn modelId="{B49134D3-AB7F-4B2F-8B74-EEC556680D28}" type="presOf" srcId="{4FB880F6-F4EA-4497-AA44-2D61FEA2596D}" destId="{D57FE9FF-9389-4601-9A4E-6CBD8F3B7A60}" srcOrd="0" destOrd="0" presId="urn:microsoft.com/office/officeart/2008/layout/VerticalCurvedList"/>
-    <dgm:cxn modelId="{5C6600EC-A911-48BD-AE6E-871186F09FE1}" type="presOf" srcId="{94854CFF-66B0-4C77-8607-37E89885711C}" destId="{B43EEE51-7FA3-43D4-A603-53D2130794C6}" srcOrd="0" destOrd="0" presId="urn:microsoft.com/office/officeart/2008/layout/VerticalCurvedList"/>
-    <dgm:cxn modelId="{FE8CB2F5-BB15-40B2-A481-6605855CA7E1}" type="presOf" srcId="{39E733DA-C0EE-44A5-80FB-F504D1CC5DC0}" destId="{8424699D-2C67-4034-BCB3-27C28B025C10}" srcOrd="0" destOrd="0" presId="urn:microsoft.com/office/officeart/2008/layout/VerticalCurvedList"/>
-    <dgm:cxn modelId="{14F731F9-405C-4532-950C-20CF27C295F7}" srcId="{BE63C68E-20F5-4D37-B5FE-26DE8985D49E}" destId="{3A4ACC02-679C-4703-BB90-8753DEE0717E}" srcOrd="3" destOrd="0" parTransId="{C6B3E134-76BA-48D2-94A0-9FF00D8E8DB1}" sibTransId="{C0F17646-6426-4F30-92C9-A81EA804DAB3}"/>
-    <dgm:cxn modelId="{8B55C46F-9398-450D-9136-B91A380E073C}" type="presParOf" srcId="{D79D9C5C-588B-42F2-8178-B258F71EC5B1}" destId="{CBF8D870-1D72-4740-B65A-1138F85616D1}" srcOrd="0" destOrd="0" presId="urn:microsoft.com/office/officeart/2008/layout/VerticalCurvedList"/>
-    <dgm:cxn modelId="{77332858-F957-4AFE-B5A7-193741B0C508}" type="presParOf" srcId="{CBF8D870-1D72-4740-B65A-1138F85616D1}" destId="{671DED32-9DDA-4F0D-822B-F7A6C0115A2A}" srcOrd="0" destOrd="0" presId="urn:microsoft.com/office/officeart/2008/layout/VerticalCurvedList"/>
-    <dgm:cxn modelId="{EDEEB349-F57E-435E-BCEF-3E3BFE9642AF}" type="presParOf" srcId="{671DED32-9DDA-4F0D-822B-F7A6C0115A2A}" destId="{3BC58DCE-9A49-49AA-8F34-B006DA24D14B}" srcOrd="0" destOrd="0" presId="urn:microsoft.com/office/officeart/2008/layout/VerticalCurvedList"/>
-    <dgm:cxn modelId="{B4AD26ED-FBC3-40DB-AA03-12E761770F22}" type="presParOf" srcId="{671DED32-9DDA-4F0D-822B-F7A6C0115A2A}" destId="{77B48406-3A64-4B37-A831-F2D8C19D8F89}" srcOrd="1" destOrd="0" presId="urn:microsoft.com/office/officeart/2008/layout/VerticalCurvedList"/>
-    <dgm:cxn modelId="{A9A2EC39-D6CA-4A83-85D5-A2B308CB8A72}" type="presParOf" srcId="{671DED32-9DDA-4F0D-822B-F7A6C0115A2A}" destId="{61B26A17-4482-49A9-95BF-F93FE670D70D}" srcOrd="2" destOrd="0" presId="urn:microsoft.com/office/officeart/2008/layout/VerticalCurvedList"/>
-    <dgm:cxn modelId="{2961A2CD-EAFB-4021-A4C0-79EB9BE26E3F}" type="presParOf" srcId="{671DED32-9DDA-4F0D-822B-F7A6C0115A2A}" destId="{A8F7D9C2-7AF5-4F74-BBF4-FD2609A1A212}" srcOrd="3" destOrd="0" presId="urn:microsoft.com/office/officeart/2008/layout/VerticalCurvedList"/>
-    <dgm:cxn modelId="{93A60192-24C5-4020-A957-4077B59CA2DB}" type="presParOf" srcId="{CBF8D870-1D72-4740-B65A-1138F85616D1}" destId="{D57FE9FF-9389-4601-9A4E-6CBD8F3B7A60}" srcOrd="1" destOrd="0" presId="urn:microsoft.com/office/officeart/2008/layout/VerticalCurvedList"/>
-    <dgm:cxn modelId="{B1869EE1-D5F2-4B55-A5CE-2E6C54DF6DA5}" type="presParOf" srcId="{CBF8D870-1D72-4740-B65A-1138F85616D1}" destId="{A3A9AEA7-175F-420F-845B-E93FDF109724}" srcOrd="2" destOrd="0" presId="urn:microsoft.com/office/officeart/2008/layout/VerticalCurvedList"/>
-    <dgm:cxn modelId="{CDAA0E40-8CB8-48D3-B29F-4F5F8CFB33C1}" type="presParOf" srcId="{A3A9AEA7-175F-420F-845B-E93FDF109724}" destId="{87C25D6F-E287-43E8-B517-FAEAA1151E3E}" srcOrd="0" destOrd="0" presId="urn:microsoft.com/office/officeart/2008/layout/VerticalCurvedList"/>
-    <dgm:cxn modelId="{70FFAC38-0369-489D-9E45-B962123AC36A}" type="presParOf" srcId="{CBF8D870-1D72-4740-B65A-1138F85616D1}" destId="{B43EEE51-7FA3-43D4-A603-53D2130794C6}" srcOrd="3" destOrd="0" presId="urn:microsoft.com/office/officeart/2008/layout/VerticalCurvedList"/>
-    <dgm:cxn modelId="{3726BC52-AA8D-430D-B445-E1BAD0A0473B}" type="presParOf" srcId="{CBF8D870-1D72-4740-B65A-1138F85616D1}" destId="{42293C4E-3422-4B83-BA6E-F500B1AD7697}" srcOrd="4" destOrd="0" presId="urn:microsoft.com/office/officeart/2008/layout/VerticalCurvedList"/>
-    <dgm:cxn modelId="{714CFF22-C5C6-41C1-AF52-5D865A5C2417}" type="presParOf" srcId="{42293C4E-3422-4B83-BA6E-F500B1AD7697}" destId="{5B0E6E65-C541-4C28-A2D5-9CFE13756F5B}" srcOrd="0" destOrd="0" presId="urn:microsoft.com/office/officeart/2008/layout/VerticalCurvedList"/>
-    <dgm:cxn modelId="{6FC07FF1-D7B3-402A-A5E0-3BB32AEB7906}" type="presParOf" srcId="{CBF8D870-1D72-4740-B65A-1138F85616D1}" destId="{E9FE3DBE-6A90-4E53-B6B3-AB85D93D20E3}" srcOrd="5" destOrd="0" presId="urn:microsoft.com/office/officeart/2008/layout/VerticalCurvedList"/>
-    <dgm:cxn modelId="{D67C41D8-B162-42C0-877C-BD30E684A3C4}" type="presParOf" srcId="{CBF8D870-1D72-4740-B65A-1138F85616D1}" destId="{4748ECF2-6E4B-4E56-A9C2-17C9A6EC7494}" srcOrd="6" destOrd="0" presId="urn:microsoft.com/office/officeart/2008/layout/VerticalCurvedList"/>
-    <dgm:cxn modelId="{29238E9F-54CF-4B33-969F-AA66F230E8B3}" type="presParOf" srcId="{4748ECF2-6E4B-4E56-A9C2-17C9A6EC7494}" destId="{EEDAD627-E8EB-4006-9B2B-6C6F75BD0106}" srcOrd="0" destOrd="0" presId="urn:microsoft.com/office/officeart/2008/layout/VerticalCurvedList"/>
-    <dgm:cxn modelId="{F481B687-5439-44DA-B925-AFA81A7276CD}" type="presParOf" srcId="{CBF8D870-1D72-4740-B65A-1138F85616D1}" destId="{43F809F3-CFF6-4A58-A6C2-FB0EBEBB4AA9}" srcOrd="7" destOrd="0" presId="urn:microsoft.com/office/officeart/2008/layout/VerticalCurvedList"/>
-    <dgm:cxn modelId="{AD2B46A7-213E-477B-B4E5-A095358B78F9}" type="presParOf" srcId="{CBF8D870-1D72-4740-B65A-1138F85616D1}" destId="{4CAB179F-97E5-45D0-B740-7C18D366836F}" srcOrd="8" destOrd="0" presId="urn:microsoft.com/office/officeart/2008/layout/VerticalCurvedList"/>
-    <dgm:cxn modelId="{1680F119-97D5-49D7-BFBE-41F1880234B8}" type="presParOf" srcId="{4CAB179F-97E5-45D0-B740-7C18D366836F}" destId="{A5EC3969-192B-40AC-9728-041CD250B718}" srcOrd="0" destOrd="0" presId="urn:microsoft.com/office/officeart/2008/layout/VerticalCurvedList"/>
-    <dgm:cxn modelId="{7FD7E67E-AF83-4613-A60F-DA5BDD0AFABE}" type="presParOf" srcId="{CBF8D870-1D72-4740-B65A-1138F85616D1}" destId="{AADEEF9E-6514-4209-B0AB-70303127C9BC}" srcOrd="9" destOrd="0" presId="urn:microsoft.com/office/officeart/2008/layout/VerticalCurvedList"/>
-    <dgm:cxn modelId="{7A7A3ED5-127C-47A1-9727-E42290986216}" type="presParOf" srcId="{CBF8D870-1D72-4740-B65A-1138F85616D1}" destId="{645EE064-12F4-4D0B-B9E8-95A82194C374}" srcOrd="10" destOrd="0" presId="urn:microsoft.com/office/officeart/2008/layout/VerticalCurvedList"/>
-    <dgm:cxn modelId="{D56A878A-DED0-4AF1-8AD4-5D03C6EB06BA}" type="presParOf" srcId="{645EE064-12F4-4D0B-B9E8-95A82194C374}" destId="{01B5D62D-6146-4151-BF6D-FE5BD437478A}" srcOrd="0" destOrd="0" presId="urn:microsoft.com/office/officeart/2008/layout/VerticalCurvedList"/>
-    <dgm:cxn modelId="{13CB0FF0-04DF-4907-8B2D-706D25511BCB}" type="presParOf" srcId="{CBF8D870-1D72-4740-B65A-1138F85616D1}" destId="{AFA8D7F2-52D8-471B-A5AB-CAB9564599F4}" srcOrd="11" destOrd="0" presId="urn:microsoft.com/office/officeart/2008/layout/VerticalCurvedList"/>
-    <dgm:cxn modelId="{DD596B9A-84E9-4DCA-B409-5D64145E0D4B}" type="presParOf" srcId="{CBF8D870-1D72-4740-B65A-1138F85616D1}" destId="{FACE83F2-1A70-4877-B15D-AB1BC6AB30F7}" srcOrd="12" destOrd="0" presId="urn:microsoft.com/office/officeart/2008/layout/VerticalCurvedList"/>
-    <dgm:cxn modelId="{7327C8D1-80EC-44E3-9331-8EA2ED203E9A}" type="presParOf" srcId="{FACE83F2-1A70-4877-B15D-AB1BC6AB30F7}" destId="{358213D4-7A82-4B21-A8DB-86270F72903F}" srcOrd="0" destOrd="0" presId="urn:microsoft.com/office/officeart/2008/layout/VerticalCurvedList"/>
-    <dgm:cxn modelId="{35332AB7-98FE-47C2-A894-B039BB8B2EDE}" type="presParOf" srcId="{CBF8D870-1D72-4740-B65A-1138F85616D1}" destId="{8424699D-2C67-4034-BCB3-27C28B025C10}" srcOrd="13" destOrd="0" presId="urn:microsoft.com/office/officeart/2008/layout/VerticalCurvedList"/>
-    <dgm:cxn modelId="{5C231500-F86E-4225-937B-B67FA366BAA7}" type="presParOf" srcId="{CBF8D870-1D72-4740-B65A-1138F85616D1}" destId="{9BCF4BBD-F554-49D0-8A10-C1328123EEA7}" srcOrd="14" destOrd="0" presId="urn:microsoft.com/office/officeart/2008/layout/VerticalCurvedList"/>
-    <dgm:cxn modelId="{38CE20A9-48ED-4459-AFE1-F4E32D12F7E5}" type="presParOf" srcId="{9BCF4BBD-F554-49D0-8A10-C1328123EEA7}" destId="{F9FD0456-1E55-4FA7-AD71-116F83C8E65D}" srcOrd="0" destOrd="0" presId="urn:microsoft.com/office/officeart/2008/layout/VerticalCurvedList"/>
-  </dgm:cxnLst>
-  <dgm:bg/>
-  <dgm:whole/>
-  <dgm:extLst>
-    <a:ext uri="http://schemas.microsoft.com/office/drawing/2008/diagram">
-      <dsp:dataModelExt xmlns:dsp="http://schemas.microsoft.com/office/drawing/2008/diagram" relId="rId7" minVer="http://schemas.openxmlformats.org/drawingml/2006/diagram"/>
-    </a:ext>
-  </dgm:extLst>
-</dgm:dataModel>
-</file>
-
 <file path=ppt/diagrams/drawing1.xml><?xml version="1.0" encoding="utf-8"?>
 <dsp:drawing xmlns:dgm="http://schemas.openxmlformats.org/drawingml/2006/diagram" xmlns:dsp="http://schemas.microsoft.com/office/drawing/2008/diagram" xmlns:a="http://schemas.openxmlformats.org/drawingml/2006/main">
   <dsp:spTree>
@@ -3530,2292 +2129,7 @@
 </dsp:drawing>
 </file>
 
-<file path=ppt/diagrams/drawing2.xml><?xml version="1.0" encoding="utf-8"?>
-<dsp:drawing xmlns:dgm="http://schemas.openxmlformats.org/drawingml/2006/diagram" xmlns:dsp="http://schemas.microsoft.com/office/drawing/2008/diagram" xmlns:a="http://schemas.openxmlformats.org/drawingml/2006/main">
-  <dsp:spTree>
-    <dsp:nvGrpSpPr>
-      <dsp:cNvPr id="0" name=""/>
-      <dsp:cNvGrpSpPr/>
-    </dsp:nvGrpSpPr>
-    <dsp:grpSpPr/>
-    <dsp:sp modelId="{77B48406-3A64-4B37-A831-F2D8C19D8F89}">
-      <dsp:nvSpPr>
-        <dsp:cNvPr id="0" name=""/>
-        <dsp:cNvSpPr/>
-      </dsp:nvSpPr>
-      <dsp:spPr>
-        <a:xfrm>
-          <a:off x="-5316362" y="-814554"/>
-          <a:ext cx="6333498" cy="6333498"/>
-        </a:xfrm>
-        <a:prstGeom prst="blockArc">
-          <a:avLst>
-            <a:gd name="adj1" fmla="val 18900000"/>
-            <a:gd name="adj2" fmla="val 2700000"/>
-            <a:gd name="adj3" fmla="val 341"/>
-          </a:avLst>
-        </a:prstGeom>
-        <a:noFill/>
-        <a:ln w="12700" cap="flat" cmpd="sng" algn="ctr">
-          <a:solidFill>
-            <a:schemeClr val="accent6">
-              <a:shade val="60000"/>
-              <a:hueOff val="0"/>
-              <a:satOff val="0"/>
-              <a:lumOff val="0"/>
-              <a:alphaOff val="0"/>
-            </a:schemeClr>
-          </a:solidFill>
-          <a:prstDash val="solid"/>
-          <a:miter lim="800000"/>
-        </a:ln>
-        <a:effectLst/>
-      </dsp:spPr>
-      <dsp:style>
-        <a:lnRef idx="2">
-          <a:scrgbClr r="0" g="0" b="0"/>
-        </a:lnRef>
-        <a:fillRef idx="0">
-          <a:scrgbClr r="0" g="0" b="0"/>
-        </a:fillRef>
-        <a:effectRef idx="0">
-          <a:scrgbClr r="0" g="0" b="0"/>
-        </a:effectRef>
-        <a:fontRef idx="minor"/>
-      </dsp:style>
-    </dsp:sp>
-    <dsp:sp modelId="{D57FE9FF-9389-4601-9A4E-6CBD8F3B7A60}">
-      <dsp:nvSpPr>
-        <dsp:cNvPr id="0" name=""/>
-        <dsp:cNvSpPr/>
-      </dsp:nvSpPr>
-      <dsp:spPr>
-        <a:xfrm>
-          <a:off x="330012" y="213861"/>
-          <a:ext cx="9208384" cy="427534"/>
-        </a:xfrm>
-        <a:prstGeom prst="rect">
-          <a:avLst/>
-        </a:prstGeom>
-        <a:solidFill>
-          <a:srgbClr val="FF0000"/>
-        </a:solidFill>
-        <a:ln w="12700" cap="flat" cmpd="sng" algn="ctr">
-          <a:solidFill>
-            <a:schemeClr val="accent6">
-              <a:shade val="80000"/>
-              <a:hueOff val="0"/>
-              <a:satOff val="0"/>
-              <a:lumOff val="0"/>
-              <a:alphaOff val="0"/>
-            </a:schemeClr>
-          </a:solidFill>
-          <a:prstDash val="solid"/>
-          <a:miter lim="800000"/>
-        </a:ln>
-        <a:effectLst/>
-      </dsp:spPr>
-      <dsp:style>
-        <a:lnRef idx="2">
-          <a:scrgbClr r="0" g="0" b="0"/>
-        </a:lnRef>
-        <a:fillRef idx="1">
-          <a:scrgbClr r="0" g="0" b="0"/>
-        </a:fillRef>
-        <a:effectRef idx="0">
-          <a:scrgbClr r="0" g="0" b="0"/>
-        </a:effectRef>
-        <a:fontRef idx="minor">
-          <a:schemeClr val="lt1"/>
-        </a:fontRef>
-      </dsp:style>
-      <dsp:txBody>
-        <a:bodyPr spcFirstLastPara="0" vert="horz" wrap="square" lIns="339356" tIns="38100" rIns="38100" bIns="38100" numCol="1" spcCol="1270" anchor="ctr" anchorCtr="0">
-          <a:noAutofit/>
-        </a:bodyPr>
-        <a:lstStyle/>
-        <a:p>
-          <a:pPr marL="0" lvl="0" indent="0" algn="l" defTabSz="666750">
-            <a:lnSpc>
-              <a:spcPct val="90000"/>
-            </a:lnSpc>
-            <a:spcBef>
-              <a:spcPct val="0"/>
-            </a:spcBef>
-            <a:spcAft>
-              <a:spcPct val="35000"/>
-            </a:spcAft>
-            <a:buClrTx/>
-            <a:buSzTx/>
-            <a:buFontTx/>
-            <a:buNone/>
-          </a:pPr>
-          <a:r>
-            <a:rPr kumimoji="0" lang="es-ES" altLang="es-ES" sz="1500" b="1" i="0" u="none" strike="noStrike" kern="1200" cap="none" normalizeH="0" baseline="0">
-              <a:ln/>
-              <a:effectLst/>
-              <a:latin typeface="Arial" panose="020B0604020202020204" pitchFamily="34" charset="0"/>
-            </a:rPr>
-            <a:t>Spotify no favorece canciones por sus características</a:t>
-          </a:r>
-          <a:r>
-            <a:rPr kumimoji="0" lang="es-ES" altLang="es-ES" sz="1500" b="0" i="0" u="none" strike="noStrike" kern="1200" cap="none" normalizeH="0" baseline="0">
-              <a:ln/>
-              <a:effectLst/>
-              <a:latin typeface="Arial" panose="020B0604020202020204" pitchFamily="34" charset="0"/>
-            </a:rPr>
-            <a:t> (energía, felicidad, danzabilidad).</a:t>
-          </a:r>
-          <a:endParaRPr lang="es-ES" sz="1500" kern="1200" dirty="0"/>
-        </a:p>
-      </dsp:txBody>
-      <dsp:txXfrm>
-        <a:off x="330012" y="213861"/>
-        <a:ext cx="9208384" cy="427534"/>
-      </dsp:txXfrm>
-    </dsp:sp>
-    <dsp:sp modelId="{87C25D6F-E287-43E8-B517-FAEAA1151E3E}">
-      <dsp:nvSpPr>
-        <dsp:cNvPr id="0" name=""/>
-        <dsp:cNvSpPr/>
-      </dsp:nvSpPr>
-      <dsp:spPr>
-        <a:xfrm>
-          <a:off x="62803" y="160419"/>
-          <a:ext cx="534418" cy="534418"/>
-        </a:xfrm>
-        <a:prstGeom prst="ellipse">
-          <a:avLst/>
-        </a:prstGeom>
-        <a:solidFill>
-          <a:schemeClr val="lt1">
-            <a:hueOff val="0"/>
-            <a:satOff val="0"/>
-            <a:lumOff val="0"/>
-            <a:alphaOff val="0"/>
-          </a:schemeClr>
-        </a:solidFill>
-        <a:ln w="12700" cap="flat" cmpd="sng" algn="ctr">
-          <a:solidFill>
-            <a:schemeClr val="accent6">
-              <a:hueOff val="0"/>
-              <a:satOff val="0"/>
-              <a:lumOff val="0"/>
-              <a:alphaOff val="0"/>
-            </a:schemeClr>
-          </a:solidFill>
-          <a:prstDash val="solid"/>
-          <a:miter lim="800000"/>
-        </a:ln>
-        <a:effectLst/>
-      </dsp:spPr>
-      <dsp:style>
-        <a:lnRef idx="2">
-          <a:scrgbClr r="0" g="0" b="0"/>
-        </a:lnRef>
-        <a:fillRef idx="1">
-          <a:scrgbClr r="0" g="0" b="0"/>
-        </a:fillRef>
-        <a:effectRef idx="0">
-          <a:scrgbClr r="0" g="0" b="0"/>
-        </a:effectRef>
-        <a:fontRef idx="minor"/>
-      </dsp:style>
-    </dsp:sp>
-    <dsp:sp modelId="{B43EEE51-7FA3-43D4-A603-53D2130794C6}">
-      <dsp:nvSpPr>
-        <dsp:cNvPr id="0" name=""/>
-        <dsp:cNvSpPr/>
-      </dsp:nvSpPr>
-      <dsp:spPr>
-        <a:xfrm>
-          <a:off x="717184" y="855540"/>
-          <a:ext cx="8821213" cy="427534"/>
-        </a:xfrm>
-        <a:prstGeom prst="rect">
-          <a:avLst/>
-        </a:prstGeom>
-        <a:solidFill>
-          <a:srgbClr val="FFC000"/>
-        </a:solidFill>
-        <a:ln w="12700" cap="flat" cmpd="sng" algn="ctr">
-          <a:solidFill>
-            <a:schemeClr val="accent6">
-              <a:shade val="80000"/>
-              <a:hueOff val="0"/>
-              <a:satOff val="0"/>
-              <a:lumOff val="0"/>
-              <a:alphaOff val="0"/>
-            </a:schemeClr>
-          </a:solidFill>
-          <a:prstDash val="solid"/>
-          <a:miter lim="800000"/>
-        </a:ln>
-        <a:effectLst/>
-      </dsp:spPr>
-      <dsp:style>
-        <a:lnRef idx="2">
-          <a:scrgbClr r="0" g="0" b="0"/>
-        </a:lnRef>
-        <a:fillRef idx="1">
-          <a:scrgbClr r="0" g="0" b="0"/>
-        </a:fillRef>
-        <a:effectRef idx="0">
-          <a:scrgbClr r="0" g="0" b="0"/>
-        </a:effectRef>
-        <a:fontRef idx="minor">
-          <a:schemeClr val="lt1"/>
-        </a:fontRef>
-      </dsp:style>
-      <dsp:txBody>
-        <a:bodyPr spcFirstLastPara="0" vert="horz" wrap="square" lIns="339356" tIns="38100" rIns="38100" bIns="38100" numCol="1" spcCol="1270" anchor="ctr" anchorCtr="0">
-          <a:noAutofit/>
-        </a:bodyPr>
-        <a:lstStyle/>
-        <a:p>
-          <a:pPr marL="0" lvl="0" indent="0" algn="l" defTabSz="666750">
-            <a:lnSpc>
-              <a:spcPct val="90000"/>
-            </a:lnSpc>
-            <a:spcBef>
-              <a:spcPct val="0"/>
-            </a:spcBef>
-            <a:spcAft>
-              <a:spcPct val="35000"/>
-            </a:spcAft>
-            <a:buNone/>
-          </a:pPr>
-          <a:r>
-            <a:rPr lang="es-ES" sz="1500" b="1" kern="1200" dirty="0">
-              <a:latin typeface="Arial" panose="020B0604020202020204" pitchFamily="34" charset="0"/>
-              <a:cs typeface="Arial" panose="020B0604020202020204" pitchFamily="34" charset="0"/>
-            </a:rPr>
-            <a:t>Spotify favorece ciertos géneros frente a otros.</a:t>
-          </a:r>
-          <a:endParaRPr kumimoji="0" lang="es-ES" altLang="es-ES" sz="1500" b="0" i="0" u="none" strike="noStrike" kern="1200" cap="none" normalizeH="0" baseline="0" dirty="0">
-            <a:ln/>
-            <a:effectLst/>
-            <a:latin typeface="Arial" panose="020B0604020202020204" pitchFamily="34" charset="0"/>
-          </a:endParaRPr>
-        </a:p>
-      </dsp:txBody>
-      <dsp:txXfrm>
-        <a:off x="717184" y="855540"/>
-        <a:ext cx="8821213" cy="427534"/>
-      </dsp:txXfrm>
-    </dsp:sp>
-    <dsp:sp modelId="{5B0E6E65-C541-4C28-A2D5-9CFE13756F5B}">
-      <dsp:nvSpPr>
-        <dsp:cNvPr id="0" name=""/>
-        <dsp:cNvSpPr/>
-      </dsp:nvSpPr>
-      <dsp:spPr>
-        <a:xfrm>
-          <a:off x="449974" y="802098"/>
-          <a:ext cx="534418" cy="534418"/>
-        </a:xfrm>
-        <a:prstGeom prst="ellipse">
-          <a:avLst/>
-        </a:prstGeom>
-        <a:solidFill>
-          <a:schemeClr val="lt1">
-            <a:hueOff val="0"/>
-            <a:satOff val="0"/>
-            <a:lumOff val="0"/>
-            <a:alphaOff val="0"/>
-          </a:schemeClr>
-        </a:solidFill>
-        <a:ln w="12700" cap="flat" cmpd="sng" algn="ctr">
-          <a:solidFill>
-            <a:schemeClr val="accent6">
-              <a:hueOff val="0"/>
-              <a:satOff val="0"/>
-              <a:lumOff val="0"/>
-              <a:alphaOff val="0"/>
-            </a:schemeClr>
-          </a:solidFill>
-          <a:prstDash val="solid"/>
-          <a:miter lim="800000"/>
-        </a:ln>
-        <a:effectLst/>
-      </dsp:spPr>
-      <dsp:style>
-        <a:lnRef idx="2">
-          <a:scrgbClr r="0" g="0" b="0"/>
-        </a:lnRef>
-        <a:fillRef idx="1">
-          <a:scrgbClr r="0" g="0" b="0"/>
-        </a:fillRef>
-        <a:effectRef idx="0">
-          <a:scrgbClr r="0" g="0" b="0"/>
-        </a:effectRef>
-        <a:fontRef idx="minor"/>
-      </dsp:style>
-    </dsp:sp>
-    <dsp:sp modelId="{E9FE3DBE-6A90-4E53-B6B3-AB85D93D20E3}">
-      <dsp:nvSpPr>
-        <dsp:cNvPr id="0" name=""/>
-        <dsp:cNvSpPr/>
-      </dsp:nvSpPr>
-      <dsp:spPr>
-        <a:xfrm>
-          <a:off x="929352" y="1496748"/>
-          <a:ext cx="8609045" cy="427534"/>
-        </a:xfrm>
-        <a:prstGeom prst="rect">
-          <a:avLst/>
-        </a:prstGeom>
-        <a:solidFill>
-          <a:srgbClr val="00B050"/>
-        </a:solidFill>
-        <a:ln w="12700" cap="flat" cmpd="sng" algn="ctr">
-          <a:solidFill>
-            <a:schemeClr val="accent6">
-              <a:shade val="80000"/>
-              <a:hueOff val="0"/>
-              <a:satOff val="0"/>
-              <a:lumOff val="0"/>
-              <a:alphaOff val="0"/>
-            </a:schemeClr>
-          </a:solidFill>
-          <a:prstDash val="solid"/>
-          <a:miter lim="800000"/>
-        </a:ln>
-        <a:effectLst/>
-      </dsp:spPr>
-      <dsp:style>
-        <a:lnRef idx="2">
-          <a:scrgbClr r="0" g="0" b="0"/>
-        </a:lnRef>
-        <a:fillRef idx="1">
-          <a:scrgbClr r="0" g="0" b="0"/>
-        </a:fillRef>
-        <a:effectRef idx="0">
-          <a:scrgbClr r="0" g="0" b="0"/>
-        </a:effectRef>
-        <a:fontRef idx="minor">
-          <a:schemeClr val="lt1"/>
-        </a:fontRef>
-      </dsp:style>
-      <dsp:txBody>
-        <a:bodyPr spcFirstLastPara="0" vert="horz" wrap="square" lIns="339356" tIns="38100" rIns="38100" bIns="38100" numCol="1" spcCol="1270" anchor="ctr" anchorCtr="0">
-          <a:noAutofit/>
-        </a:bodyPr>
-        <a:lstStyle/>
-        <a:p>
-          <a:pPr marL="0" lvl="0" indent="0" algn="l" defTabSz="666750">
-            <a:lnSpc>
-              <a:spcPct val="90000"/>
-            </a:lnSpc>
-            <a:spcBef>
-              <a:spcPct val="0"/>
-            </a:spcBef>
-            <a:spcAft>
-              <a:spcPct val="35000"/>
-            </a:spcAft>
-            <a:buNone/>
-          </a:pPr>
-          <a:r>
-            <a:rPr kumimoji="0" lang="es-ES" altLang="es-ES" sz="1500" b="1" i="0" u="none" strike="noStrike" kern="1200" cap="none" normalizeH="0" baseline="0">
-              <a:ln/>
-              <a:effectLst/>
-              <a:latin typeface="Arial" panose="020B0604020202020204" pitchFamily="34" charset="0"/>
-            </a:rPr>
-            <a:t>El día y mes de lanzamiento influyen</a:t>
-          </a:r>
-          <a:r>
-            <a:rPr kumimoji="0" lang="es-ES" altLang="es-ES" sz="1500" b="0" i="0" u="none" strike="noStrike" kern="1200" cap="none" normalizeH="0" baseline="0">
-              <a:ln/>
-              <a:effectLst/>
-              <a:latin typeface="Arial" panose="020B0604020202020204" pitchFamily="34" charset="0"/>
-            </a:rPr>
-            <a:t>: los viernes y octubre-noviembre son estratégicos.</a:t>
-          </a:r>
-          <a:endParaRPr kumimoji="0" lang="es-ES" altLang="es-ES" sz="1500" b="0" i="0" u="none" strike="noStrike" kern="1200" cap="none" normalizeH="0" baseline="0" dirty="0">
-            <a:ln/>
-            <a:effectLst/>
-            <a:latin typeface="Arial" panose="020B0604020202020204" pitchFamily="34" charset="0"/>
-          </a:endParaRPr>
-        </a:p>
-      </dsp:txBody>
-      <dsp:txXfrm>
-        <a:off x="929352" y="1496748"/>
-        <a:ext cx="8609045" cy="427534"/>
-      </dsp:txXfrm>
-    </dsp:sp>
-    <dsp:sp modelId="{EEDAD627-E8EB-4006-9B2B-6C6F75BD0106}">
-      <dsp:nvSpPr>
-        <dsp:cNvPr id="0" name=""/>
-        <dsp:cNvSpPr/>
-      </dsp:nvSpPr>
-      <dsp:spPr>
-        <a:xfrm>
-          <a:off x="662142" y="1443306"/>
-          <a:ext cx="534418" cy="534418"/>
-        </a:xfrm>
-        <a:prstGeom prst="ellipse">
-          <a:avLst/>
-        </a:prstGeom>
-        <a:solidFill>
-          <a:schemeClr val="lt1">
-            <a:hueOff val="0"/>
-            <a:satOff val="0"/>
-            <a:lumOff val="0"/>
-            <a:alphaOff val="0"/>
-          </a:schemeClr>
-        </a:solidFill>
-        <a:ln w="12700" cap="flat" cmpd="sng" algn="ctr">
-          <a:solidFill>
-            <a:schemeClr val="accent6">
-              <a:hueOff val="0"/>
-              <a:satOff val="0"/>
-              <a:lumOff val="0"/>
-              <a:alphaOff val="0"/>
-            </a:schemeClr>
-          </a:solidFill>
-          <a:prstDash val="solid"/>
-          <a:miter lim="800000"/>
-        </a:ln>
-        <a:effectLst/>
-      </dsp:spPr>
-      <dsp:style>
-        <a:lnRef idx="2">
-          <a:scrgbClr r="0" g="0" b="0"/>
-        </a:lnRef>
-        <a:fillRef idx="1">
-          <a:scrgbClr r="0" g="0" b="0"/>
-        </a:fillRef>
-        <a:effectRef idx="0">
-          <a:scrgbClr r="0" g="0" b="0"/>
-        </a:effectRef>
-        <a:fontRef idx="minor"/>
-      </dsp:style>
-    </dsp:sp>
-    <dsp:sp modelId="{43F809F3-CFF6-4A58-A6C2-FB0EBEBB4AA9}">
-      <dsp:nvSpPr>
-        <dsp:cNvPr id="0" name=""/>
-        <dsp:cNvSpPr/>
-      </dsp:nvSpPr>
-      <dsp:spPr>
-        <a:xfrm>
-          <a:off x="997095" y="2138427"/>
-          <a:ext cx="8541302" cy="427534"/>
-        </a:xfrm>
-        <a:prstGeom prst="rect">
-          <a:avLst/>
-        </a:prstGeom>
-        <a:solidFill>
-          <a:srgbClr val="FFC000"/>
-        </a:solidFill>
-        <a:ln w="12700" cap="flat" cmpd="sng" algn="ctr">
-          <a:solidFill>
-            <a:schemeClr val="accent6">
-              <a:shade val="80000"/>
-              <a:hueOff val="0"/>
-              <a:satOff val="0"/>
-              <a:lumOff val="0"/>
-              <a:alphaOff val="0"/>
-            </a:schemeClr>
-          </a:solidFill>
-          <a:prstDash val="solid"/>
-          <a:miter lim="800000"/>
-        </a:ln>
-        <a:effectLst/>
-      </dsp:spPr>
-      <dsp:style>
-        <a:lnRef idx="2">
-          <a:scrgbClr r="0" g="0" b="0"/>
-        </a:lnRef>
-        <a:fillRef idx="1">
-          <a:scrgbClr r="0" g="0" b="0"/>
-        </a:fillRef>
-        <a:effectRef idx="0">
-          <a:scrgbClr r="0" g="0" b="0"/>
-        </a:effectRef>
-        <a:fontRef idx="minor">
-          <a:schemeClr val="lt1"/>
-        </a:fontRef>
-      </dsp:style>
-      <dsp:txBody>
-        <a:bodyPr spcFirstLastPara="0" vert="horz" wrap="square" lIns="339356" tIns="38100" rIns="38100" bIns="38100" numCol="1" spcCol="1270" anchor="ctr" anchorCtr="0">
-          <a:noAutofit/>
-        </a:bodyPr>
-        <a:lstStyle/>
-        <a:p>
-          <a:pPr marL="0" lvl="0" indent="0" algn="l" defTabSz="666750">
-            <a:lnSpc>
-              <a:spcPct val="90000"/>
-            </a:lnSpc>
-            <a:spcBef>
-              <a:spcPct val="0"/>
-            </a:spcBef>
-            <a:spcAft>
-              <a:spcPct val="35000"/>
-            </a:spcAft>
-            <a:buNone/>
-          </a:pPr>
-          <a:r>
-            <a:rPr kumimoji="0" lang="es-ES" altLang="es-ES" sz="1500" b="1" i="0" u="none" strike="noStrike" kern="1200" cap="none" normalizeH="0" baseline="0" dirty="0">
-              <a:ln/>
-              <a:effectLst/>
-              <a:latin typeface="Arial" panose="020B0604020202020204" pitchFamily="34" charset="0"/>
-            </a:rPr>
-            <a:t>Las letras explícitas pueden ser populares</a:t>
-          </a:r>
-          <a:r>
-            <a:rPr kumimoji="0" lang="es-ES" altLang="es-ES" sz="1500" b="0" i="0" u="none" strike="noStrike" kern="1200" cap="none" normalizeH="0" baseline="0" dirty="0">
-              <a:ln/>
-              <a:effectLst/>
-              <a:latin typeface="Arial" panose="020B0604020202020204" pitchFamily="34" charset="0"/>
-            </a:rPr>
-            <a:t>, pero enfrentan restricciones en otras plataformas.</a:t>
-          </a:r>
-        </a:p>
-      </dsp:txBody>
-      <dsp:txXfrm>
-        <a:off x="997095" y="2138427"/>
-        <a:ext cx="8541302" cy="427534"/>
-      </dsp:txXfrm>
-    </dsp:sp>
-    <dsp:sp modelId="{A5EC3969-192B-40AC-9728-041CD250B718}">
-      <dsp:nvSpPr>
-        <dsp:cNvPr id="0" name=""/>
-        <dsp:cNvSpPr/>
-      </dsp:nvSpPr>
-      <dsp:spPr>
-        <a:xfrm>
-          <a:off x="729885" y="2084985"/>
-          <a:ext cx="534418" cy="534418"/>
-        </a:xfrm>
-        <a:prstGeom prst="ellipse">
-          <a:avLst/>
-        </a:prstGeom>
-        <a:solidFill>
-          <a:schemeClr val="lt1">
-            <a:hueOff val="0"/>
-            <a:satOff val="0"/>
-            <a:lumOff val="0"/>
-            <a:alphaOff val="0"/>
-          </a:schemeClr>
-        </a:solidFill>
-        <a:ln w="12700" cap="flat" cmpd="sng" algn="ctr">
-          <a:solidFill>
-            <a:schemeClr val="accent6">
-              <a:hueOff val="0"/>
-              <a:satOff val="0"/>
-              <a:lumOff val="0"/>
-              <a:alphaOff val="0"/>
-            </a:schemeClr>
-          </a:solidFill>
-          <a:prstDash val="solid"/>
-          <a:miter lim="800000"/>
-        </a:ln>
-        <a:effectLst/>
-      </dsp:spPr>
-      <dsp:style>
-        <a:lnRef idx="2">
-          <a:scrgbClr r="0" g="0" b="0"/>
-        </a:lnRef>
-        <a:fillRef idx="1">
-          <a:scrgbClr r="0" g="0" b="0"/>
-        </a:fillRef>
-        <a:effectRef idx="0">
-          <a:scrgbClr r="0" g="0" b="0"/>
-        </a:effectRef>
-        <a:fontRef idx="minor"/>
-      </dsp:style>
-    </dsp:sp>
-    <dsp:sp modelId="{AADEEF9E-6514-4209-B0AB-70303127C9BC}">
-      <dsp:nvSpPr>
-        <dsp:cNvPr id="0" name=""/>
-        <dsp:cNvSpPr/>
-      </dsp:nvSpPr>
-      <dsp:spPr>
-        <a:xfrm>
-          <a:off x="929352" y="2780105"/>
-          <a:ext cx="8609045" cy="427534"/>
-        </a:xfrm>
-        <a:prstGeom prst="rect">
-          <a:avLst/>
-        </a:prstGeom>
-        <a:solidFill>
-          <a:srgbClr val="00B050"/>
-        </a:solidFill>
-        <a:ln w="12700" cap="flat" cmpd="sng" algn="ctr">
-          <a:solidFill>
-            <a:schemeClr val="accent6">
-              <a:shade val="80000"/>
-              <a:hueOff val="0"/>
-              <a:satOff val="0"/>
-              <a:lumOff val="0"/>
-              <a:alphaOff val="0"/>
-            </a:schemeClr>
-          </a:solidFill>
-          <a:prstDash val="solid"/>
-          <a:miter lim="800000"/>
-        </a:ln>
-        <a:effectLst/>
-      </dsp:spPr>
-      <dsp:style>
-        <a:lnRef idx="2">
-          <a:scrgbClr r="0" g="0" b="0"/>
-        </a:lnRef>
-        <a:fillRef idx="1">
-          <a:scrgbClr r="0" g="0" b="0"/>
-        </a:fillRef>
-        <a:effectRef idx="0">
-          <a:scrgbClr r="0" g="0" b="0"/>
-        </a:effectRef>
-        <a:fontRef idx="minor">
-          <a:schemeClr val="lt1"/>
-        </a:fontRef>
-      </dsp:style>
-      <dsp:txBody>
-        <a:bodyPr spcFirstLastPara="0" vert="horz" wrap="square" lIns="339356" tIns="38100" rIns="38100" bIns="38100" numCol="1" spcCol="1270" anchor="ctr" anchorCtr="0">
-          <a:noAutofit/>
-        </a:bodyPr>
-        <a:lstStyle/>
-        <a:p>
-          <a:pPr marL="0" lvl="0" indent="0" algn="l" defTabSz="666750">
-            <a:lnSpc>
-              <a:spcPct val="90000"/>
-            </a:lnSpc>
-            <a:spcBef>
-              <a:spcPct val="0"/>
-            </a:spcBef>
-            <a:spcAft>
-              <a:spcPct val="35000"/>
-            </a:spcAft>
-            <a:buNone/>
-          </a:pPr>
-          <a:r>
-            <a:rPr kumimoji="0" lang="es-ES" altLang="es-ES" sz="1500" b="1" i="0" u="none" strike="noStrike" kern="1200" cap="none" normalizeH="0" baseline="0" dirty="0">
-              <a:ln/>
-              <a:effectLst/>
-              <a:latin typeface="Arial" panose="020B0604020202020204" pitchFamily="34" charset="0"/>
-            </a:rPr>
-            <a:t>Lanzar un álbum con estrategia de singles es efectivo</a:t>
-          </a:r>
-          <a:r>
-            <a:rPr kumimoji="0" lang="es-ES" altLang="es-ES" sz="1500" b="0" i="0" u="none" strike="noStrike" kern="1200" cap="none" normalizeH="0" baseline="0" dirty="0">
-              <a:ln/>
-              <a:effectLst/>
-              <a:latin typeface="Arial" panose="020B0604020202020204" pitchFamily="34" charset="0"/>
-            </a:rPr>
-            <a:t>, aumenta la popularidad.</a:t>
-          </a:r>
-        </a:p>
-      </dsp:txBody>
-      <dsp:txXfrm>
-        <a:off x="929352" y="2780105"/>
-        <a:ext cx="8609045" cy="427534"/>
-      </dsp:txXfrm>
-    </dsp:sp>
-    <dsp:sp modelId="{01B5D62D-6146-4151-BF6D-FE5BD437478A}">
-      <dsp:nvSpPr>
-        <dsp:cNvPr id="0" name=""/>
-        <dsp:cNvSpPr/>
-      </dsp:nvSpPr>
-      <dsp:spPr>
-        <a:xfrm>
-          <a:off x="662142" y="2726663"/>
-          <a:ext cx="534418" cy="534418"/>
-        </a:xfrm>
-        <a:prstGeom prst="ellipse">
-          <a:avLst/>
-        </a:prstGeom>
-        <a:solidFill>
-          <a:schemeClr val="lt1">
-            <a:hueOff val="0"/>
-            <a:satOff val="0"/>
-            <a:lumOff val="0"/>
-            <a:alphaOff val="0"/>
-          </a:schemeClr>
-        </a:solidFill>
-        <a:ln w="12700" cap="flat" cmpd="sng" algn="ctr">
-          <a:solidFill>
-            <a:schemeClr val="accent6">
-              <a:hueOff val="0"/>
-              <a:satOff val="0"/>
-              <a:lumOff val="0"/>
-              <a:alphaOff val="0"/>
-            </a:schemeClr>
-          </a:solidFill>
-          <a:prstDash val="solid"/>
-          <a:miter lim="800000"/>
-        </a:ln>
-        <a:effectLst/>
-      </dsp:spPr>
-      <dsp:style>
-        <a:lnRef idx="2">
-          <a:scrgbClr r="0" g="0" b="0"/>
-        </a:lnRef>
-        <a:fillRef idx="1">
-          <a:scrgbClr r="0" g="0" b="0"/>
-        </a:fillRef>
-        <a:effectRef idx="0">
-          <a:scrgbClr r="0" g="0" b="0"/>
-        </a:effectRef>
-        <a:fontRef idx="minor"/>
-      </dsp:style>
-    </dsp:sp>
-    <dsp:sp modelId="{AFA8D7F2-52D8-471B-A5AB-CAB9564599F4}">
-      <dsp:nvSpPr>
-        <dsp:cNvPr id="0" name=""/>
-        <dsp:cNvSpPr/>
-      </dsp:nvSpPr>
-      <dsp:spPr>
-        <a:xfrm>
-          <a:off x="717184" y="3421313"/>
-          <a:ext cx="8821213" cy="427534"/>
-        </a:xfrm>
-        <a:prstGeom prst="rect">
-          <a:avLst/>
-        </a:prstGeom>
-        <a:solidFill>
-          <a:srgbClr val="FFC000"/>
-        </a:solidFill>
-        <a:ln w="12700" cap="flat" cmpd="sng" algn="ctr">
-          <a:solidFill>
-            <a:schemeClr val="accent6">
-              <a:shade val="80000"/>
-              <a:hueOff val="0"/>
-              <a:satOff val="0"/>
-              <a:lumOff val="0"/>
-              <a:alphaOff val="0"/>
-            </a:schemeClr>
-          </a:solidFill>
-          <a:prstDash val="solid"/>
-          <a:miter lim="800000"/>
-        </a:ln>
-        <a:effectLst/>
-      </dsp:spPr>
-      <dsp:style>
-        <a:lnRef idx="2">
-          <a:scrgbClr r="0" g="0" b="0"/>
-        </a:lnRef>
-        <a:fillRef idx="1">
-          <a:scrgbClr r="0" g="0" b="0"/>
-        </a:fillRef>
-        <a:effectRef idx="0">
-          <a:scrgbClr r="0" g="0" b="0"/>
-        </a:effectRef>
-        <a:fontRef idx="minor">
-          <a:schemeClr val="lt1"/>
-        </a:fontRef>
-      </dsp:style>
-      <dsp:txBody>
-        <a:bodyPr spcFirstLastPara="0" vert="horz" wrap="square" lIns="339356" tIns="38100" rIns="38100" bIns="38100" numCol="1" spcCol="1270" anchor="ctr" anchorCtr="0">
-          <a:noAutofit/>
-        </a:bodyPr>
-        <a:lstStyle/>
-        <a:p>
-          <a:pPr marL="0" lvl="0" indent="0" algn="l" defTabSz="666750">
-            <a:lnSpc>
-              <a:spcPct val="90000"/>
-            </a:lnSpc>
-            <a:spcBef>
-              <a:spcPct val="0"/>
-            </a:spcBef>
-            <a:spcAft>
-              <a:spcPct val="35000"/>
-            </a:spcAft>
-            <a:buNone/>
-          </a:pPr>
-          <a:r>
-            <a:rPr kumimoji="0" lang="es-ES" altLang="es-ES" sz="1500" b="1" i="0" u="none" strike="noStrike" kern="1200" cap="none" normalizeH="0" baseline="0" dirty="0">
-              <a:ln/>
-              <a:effectLst/>
-              <a:latin typeface="Arial" panose="020B0604020202020204" pitchFamily="34" charset="0"/>
-            </a:rPr>
-            <a:t>ADICIONAL: Las canciones más cortas suelen ser más populares</a:t>
-          </a:r>
-          <a:r>
-            <a:rPr kumimoji="0" lang="es-ES" altLang="es-ES" sz="1500" b="0" i="0" u="none" strike="noStrike" kern="1200" cap="none" normalizeH="0" baseline="0" dirty="0">
-              <a:ln/>
-              <a:effectLst/>
-              <a:latin typeface="Arial" panose="020B0604020202020204" pitchFamily="34" charset="0"/>
-            </a:rPr>
-            <a:t>, aunque la relación es débil.</a:t>
-          </a:r>
-        </a:p>
-      </dsp:txBody>
-      <dsp:txXfrm>
-        <a:off x="717184" y="3421313"/>
-        <a:ext cx="8821213" cy="427534"/>
-      </dsp:txXfrm>
-    </dsp:sp>
-    <dsp:sp modelId="{358213D4-7A82-4B21-A8DB-86270F72903F}">
-      <dsp:nvSpPr>
-        <dsp:cNvPr id="0" name=""/>
-        <dsp:cNvSpPr/>
-      </dsp:nvSpPr>
-      <dsp:spPr>
-        <a:xfrm>
-          <a:off x="449974" y="3367872"/>
-          <a:ext cx="534418" cy="534418"/>
-        </a:xfrm>
-        <a:prstGeom prst="ellipse">
-          <a:avLst/>
-        </a:prstGeom>
-        <a:solidFill>
-          <a:schemeClr val="lt1">
-            <a:hueOff val="0"/>
-            <a:satOff val="0"/>
-            <a:lumOff val="0"/>
-            <a:alphaOff val="0"/>
-          </a:schemeClr>
-        </a:solidFill>
-        <a:ln w="12700" cap="flat" cmpd="sng" algn="ctr">
-          <a:solidFill>
-            <a:schemeClr val="accent6">
-              <a:hueOff val="0"/>
-              <a:satOff val="0"/>
-              <a:lumOff val="0"/>
-              <a:alphaOff val="0"/>
-            </a:schemeClr>
-          </a:solidFill>
-          <a:prstDash val="solid"/>
-          <a:miter lim="800000"/>
-        </a:ln>
-        <a:effectLst/>
-      </dsp:spPr>
-      <dsp:style>
-        <a:lnRef idx="2">
-          <a:scrgbClr r="0" g="0" b="0"/>
-        </a:lnRef>
-        <a:fillRef idx="1">
-          <a:scrgbClr r="0" g="0" b="0"/>
-        </a:fillRef>
-        <a:effectRef idx="0">
-          <a:scrgbClr r="0" g="0" b="0"/>
-        </a:effectRef>
-        <a:fontRef idx="minor"/>
-      </dsp:style>
-    </dsp:sp>
-    <dsp:sp modelId="{8424699D-2C67-4034-BCB3-27C28B025C10}">
-      <dsp:nvSpPr>
-        <dsp:cNvPr id="0" name=""/>
-        <dsp:cNvSpPr/>
-      </dsp:nvSpPr>
-      <dsp:spPr>
-        <a:xfrm>
-          <a:off x="330012" y="4062992"/>
-          <a:ext cx="9208384" cy="427534"/>
-        </a:xfrm>
-        <a:prstGeom prst="rect">
-          <a:avLst/>
-        </a:prstGeom>
-        <a:solidFill>
-          <a:srgbClr val="FFC000"/>
-        </a:solidFill>
-        <a:ln w="12700" cap="flat" cmpd="sng" algn="ctr">
-          <a:solidFill>
-            <a:schemeClr val="accent6">
-              <a:shade val="80000"/>
-              <a:hueOff val="0"/>
-              <a:satOff val="0"/>
-              <a:lumOff val="0"/>
-              <a:alphaOff val="0"/>
-            </a:schemeClr>
-          </a:solidFill>
-          <a:prstDash val="solid"/>
-          <a:miter lim="800000"/>
-        </a:ln>
-        <a:effectLst/>
-      </dsp:spPr>
-      <dsp:style>
-        <a:lnRef idx="2">
-          <a:scrgbClr r="0" g="0" b="0"/>
-        </a:lnRef>
-        <a:fillRef idx="1">
-          <a:scrgbClr r="0" g="0" b="0"/>
-        </a:fillRef>
-        <a:effectRef idx="0">
-          <a:scrgbClr r="0" g="0" b="0"/>
-        </a:effectRef>
-        <a:fontRef idx="minor">
-          <a:schemeClr val="lt1"/>
-        </a:fontRef>
-      </dsp:style>
-      <dsp:txBody>
-        <a:bodyPr spcFirstLastPara="0" vert="horz" wrap="square" lIns="339356" tIns="38100" rIns="38100" bIns="38100" numCol="1" spcCol="1270" anchor="ctr" anchorCtr="0">
-          <a:noAutofit/>
-        </a:bodyPr>
-        <a:lstStyle/>
-        <a:p>
-          <a:pPr marL="0" lvl="0" indent="0" algn="l" defTabSz="666750">
-            <a:lnSpc>
-              <a:spcPct val="90000"/>
-            </a:lnSpc>
-            <a:spcBef>
-              <a:spcPct val="0"/>
-            </a:spcBef>
-            <a:spcAft>
-              <a:spcPct val="35000"/>
-            </a:spcAft>
-            <a:buNone/>
-          </a:pPr>
-          <a:r>
-            <a:rPr kumimoji="0" lang="es-ES" altLang="es-ES" sz="1500" b="1" i="0" u="none" strike="noStrike" kern="1200" cap="none" normalizeH="0" baseline="0" dirty="0">
-              <a:ln/>
-              <a:effectLst/>
-              <a:latin typeface="Arial" panose="020B0604020202020204" pitchFamily="34" charset="0"/>
-              <a:cs typeface="Arial" panose="020B0604020202020204" pitchFamily="34" charset="0"/>
-            </a:rPr>
-            <a:t>ADICIONAL: No se puede asegurar que l</a:t>
-          </a:r>
-          <a:r>
-            <a:rPr lang="es-ES" sz="1500" b="1" kern="1200" dirty="0">
-              <a:latin typeface="Arial" panose="020B0604020202020204" pitchFamily="34" charset="0"/>
-              <a:cs typeface="Arial" panose="020B0604020202020204" pitchFamily="34" charset="0"/>
-            </a:rPr>
-            <a:t>as colaboraciones impulsen la popularidad.</a:t>
-          </a:r>
-          <a:endParaRPr kumimoji="0" lang="es-ES" altLang="es-ES" sz="1500" b="1" i="0" u="none" strike="noStrike" kern="1200" cap="none" normalizeH="0" baseline="0" dirty="0">
-            <a:ln/>
-            <a:effectLst/>
-            <a:latin typeface="Arial" panose="020B0604020202020204" pitchFamily="34" charset="0"/>
-            <a:cs typeface="Arial" panose="020B0604020202020204" pitchFamily="34" charset="0"/>
-          </a:endParaRPr>
-        </a:p>
-      </dsp:txBody>
-      <dsp:txXfrm>
-        <a:off x="330012" y="4062992"/>
-        <a:ext cx="9208384" cy="427534"/>
-      </dsp:txXfrm>
-    </dsp:sp>
-    <dsp:sp modelId="{F9FD0456-1E55-4FA7-AD71-116F83C8E65D}">
-      <dsp:nvSpPr>
-        <dsp:cNvPr id="0" name=""/>
-        <dsp:cNvSpPr/>
-      </dsp:nvSpPr>
-      <dsp:spPr>
-        <a:xfrm>
-          <a:off x="62803" y="4009550"/>
-          <a:ext cx="534418" cy="534418"/>
-        </a:xfrm>
-        <a:prstGeom prst="ellipse">
-          <a:avLst/>
-        </a:prstGeom>
-        <a:solidFill>
-          <a:schemeClr val="lt1">
-            <a:hueOff val="0"/>
-            <a:satOff val="0"/>
-            <a:lumOff val="0"/>
-            <a:alphaOff val="0"/>
-          </a:schemeClr>
-        </a:solidFill>
-        <a:ln w="12700" cap="flat" cmpd="sng" algn="ctr">
-          <a:solidFill>
-            <a:schemeClr val="accent6">
-              <a:hueOff val="0"/>
-              <a:satOff val="0"/>
-              <a:lumOff val="0"/>
-              <a:alphaOff val="0"/>
-            </a:schemeClr>
-          </a:solidFill>
-          <a:prstDash val="solid"/>
-          <a:miter lim="800000"/>
-        </a:ln>
-        <a:effectLst/>
-      </dsp:spPr>
-      <dsp:style>
-        <a:lnRef idx="2">
-          <a:scrgbClr r="0" g="0" b="0"/>
-        </a:lnRef>
-        <a:fillRef idx="1">
-          <a:scrgbClr r="0" g="0" b="0"/>
-        </a:fillRef>
-        <a:effectRef idx="0">
-          <a:scrgbClr r="0" g="0" b="0"/>
-        </a:effectRef>
-        <a:fontRef idx="minor"/>
-      </dsp:style>
-    </dsp:sp>
-  </dsp:spTree>
-</dsp:drawing>
-</file>
-
 <file path=ppt/diagrams/layout1.xml><?xml version="1.0" encoding="utf-8"?>
-<dgm:layoutDef xmlns:dgm="http://schemas.openxmlformats.org/drawingml/2006/diagram" xmlns:a="http://schemas.openxmlformats.org/drawingml/2006/main" uniqueId="urn:microsoft.com/office/officeart/2008/layout/VerticalCurvedList">
-  <dgm:title val=""/>
-  <dgm:desc val=""/>
-  <dgm:catLst>
-    <dgm:cat type="list" pri="20000"/>
-  </dgm:catLst>
-  <dgm:sampData>
-    <dgm:dataModel>
-      <dgm:ptLst>
-        <dgm:pt modelId="0" type="doc"/>
-        <dgm:pt modelId="1">
-          <dgm:prSet phldr="1"/>
-        </dgm:pt>
-        <dgm:pt modelId="2">
-          <dgm:prSet phldr="1"/>
-        </dgm:pt>
-        <dgm:pt modelId="3">
-          <dgm:prSet phldr="1"/>
-        </dgm:pt>
-      </dgm:ptLst>
-      <dgm:cxnLst>
-        <dgm:cxn modelId="4" srcId="0" destId="1" srcOrd="0" destOrd="0"/>
-        <dgm:cxn modelId="5" srcId="0" destId="2" srcOrd="1" destOrd="0"/>
-        <dgm:cxn modelId="6" srcId="0" destId="3" srcOrd="2" destOrd="0"/>
-      </dgm:cxnLst>
-      <dgm:bg/>
-      <dgm:whole/>
-    </dgm:dataModel>
-  </dgm:sampData>
-  <dgm:styleData>
-    <dgm:dataModel>
-      <dgm:ptLst>
-        <dgm:pt modelId="0" type="doc"/>
-        <dgm:pt modelId="1">
-          <dgm:prSet phldr="1"/>
-        </dgm:pt>
-        <dgm:pt modelId="2">
-          <dgm:prSet phldr="1"/>
-        </dgm:pt>
-      </dgm:ptLst>
-      <dgm:cxnLst>
-        <dgm:cxn modelId="3" srcId="0" destId="1" srcOrd="0" destOrd="0"/>
-        <dgm:cxn modelId="4" srcId="0" destId="2" srcOrd="1" destOrd="0"/>
-      </dgm:cxnLst>
-      <dgm:bg/>
-      <dgm:whole/>
-    </dgm:dataModel>
-  </dgm:styleData>
-  <dgm:clrData>
-    <dgm:dataModel>
-      <dgm:ptLst>
-        <dgm:pt modelId="0" type="doc"/>
-        <dgm:pt modelId="1">
-          <dgm:prSet phldr="1"/>
-        </dgm:pt>
-        <dgm:pt modelId="2">
-          <dgm:prSet phldr="1"/>
-        </dgm:pt>
-        <dgm:pt modelId="3">
-          <dgm:prSet phldr="1"/>
-        </dgm:pt>
-        <dgm:pt modelId="4">
-          <dgm:prSet phldr="1"/>
-        </dgm:pt>
-      </dgm:ptLst>
-      <dgm:cxnLst>
-        <dgm:cxn modelId="5" srcId="0" destId="1" srcOrd="0" destOrd="0"/>
-        <dgm:cxn modelId="6" srcId="0" destId="2" srcOrd="1" destOrd="0"/>
-        <dgm:cxn modelId="7" srcId="0" destId="3" srcOrd="2" destOrd="0"/>
-        <dgm:cxn modelId="8" srcId="0" destId="4" srcOrd="3" destOrd="0"/>
-      </dgm:cxnLst>
-      <dgm:bg/>
-      <dgm:whole/>
-    </dgm:dataModel>
-  </dgm:clrData>
-  <dgm:layoutNode name="Name0">
-    <dgm:varLst>
-      <dgm:chMax val="7"/>
-      <dgm:chPref val="7"/>
-      <dgm:dir/>
-    </dgm:varLst>
-    <dgm:alg type="composite"/>
-    <dgm:shape xmlns:r="http://schemas.openxmlformats.org/officeDocument/2006/relationships" r:blip="">
-      <dgm:adjLst/>
-    </dgm:shape>
-    <dgm:constrLst>
-      <dgm:constr type="w" for="ch" refType="h" refFor="ch" op="gte" fact="0.8"/>
-    </dgm:constrLst>
-    <dgm:layoutNode name="Name1">
-      <dgm:alg type="composite"/>
-      <dgm:shape xmlns:r="http://schemas.openxmlformats.org/officeDocument/2006/relationships" r:blip="">
-        <dgm:adjLst/>
-      </dgm:shape>
-      <dgm:choose name="Name2">
-        <dgm:if name="Name3" func="var" arg="dir" op="equ" val="norm">
-          <dgm:choose name="Name4">
-            <dgm:if name="Name5" axis="ch" ptType="node" func="cnt" op="equ" val="1">
-              <dgm:constrLst>
-                <dgm:constr type="h" for="ch" forName="cycle" refType="h"/>
-                <dgm:constr type="w" for="ch" forName="cycle" refType="h" refFor="ch" refForName="cycle" fact="0.26"/>
-                <dgm:constr type="l" for="ch" forName="cycle"/>
-                <dgm:constr type="ctrY" for="ch" forName="cycle" refType="h" fact="0.5"/>
-                <dgm:constr type="diam" for="ch" forName="cycle" refType="h" fact="1.344"/>
-                <dgm:constr type="h" for="ch" forName="accent_1" refType="h" fact="0.625"/>
-                <dgm:constr type="w" for="ch" forName="accent_1" refType="h" refFor="ch" refForName="accent_1" op="equ"/>
-                <dgm:constr type="ctrY" for="ch" forName="accent_1" refType="h" fact="0.5"/>
-                <dgm:constr type="ctrX" for="ch" forName="accent_1" refType="h" fact="0.2253"/>
-                <dgm:constr type="l" for="ch" forName="text_1" refType="ctrX" refFor="ch" refForName="accent_1"/>
-                <dgm:constr type="r" for="ch" forName="text_1" refType="w"/>
-                <dgm:constr type="w" for="ch" forName="text_1" refType="h" refFor="ch" refForName="text_1" op="gte"/>
-                <dgm:constr type="h" for="ch" forName="text_1" refType="h" refFor="ch" refForName="accent_1" fact="0.8"/>
-                <dgm:constr type="ctrY" for="ch" forName="text_1" refType="ctrY" refFor="ch" refForName="accent_1"/>
-                <dgm:constr type="lMarg" for="ch" forName="text_1" refType="w" refFor="ch" refForName="accent_1" fact="1.8"/>
-                <dgm:constr type="primFontSz" for="ch" ptType="node" op="equ" val="65"/>
-              </dgm:constrLst>
-            </dgm:if>
-            <dgm:if name="Name6" axis="ch" ptType="node" func="cnt" op="equ" val="2">
-              <dgm:constrLst>
-                <dgm:constr type="h" for="ch" forName="cycle" refType="h"/>
-                <dgm:constr type="w" for="ch" forName="cycle" refType="h" refFor="ch" refForName="cycle" fact="0.26"/>
-                <dgm:constr type="l" for="ch" forName="cycle"/>
-                <dgm:constr type="ctrY" for="ch" forName="cycle" refType="h" fact="0.5"/>
-                <dgm:constr type="diam" for="ch" forName="cycle" refType="h" fact="1.344"/>
-                <dgm:constr type="h" for="ch" forName="accent_1" refType="h" fact="0.3571"/>
-                <dgm:constr type="w" for="ch" forName="accent_1" refType="h" refFor="ch" refForName="accent_1" op="equ"/>
-                <dgm:constr type="ctrY" for="ch" forName="accent_1" refType="h" fact="0.2857"/>
-                <dgm:constr type="ctrX" for="ch" forName="accent_1" refType="h" fact="0.1891"/>
-                <dgm:constr type="l" for="ch" forName="text_1" refType="ctrX" refFor="ch" refForName="accent_1"/>
-                <dgm:constr type="r" for="ch" forName="text_1" refType="w"/>
-                <dgm:constr type="w" for="ch" forName="text_1" refType="h" refFor="ch" refForName="text_1" op="gte"/>
-                <dgm:constr type="h" for="ch" forName="text_1" refType="h" refFor="ch" refForName="accent_1" fact="0.8"/>
-                <dgm:constr type="ctrY" for="ch" forName="text_1" refType="ctrY" refFor="ch" refForName="accent_1"/>
-                <dgm:constr type="lMarg" for="ch" forName="text_1" refType="w" refFor="ch" refForName="accent_1" fact="1.8"/>
-                <dgm:constr type="h" for="ch" forName="accent_2" refType="h" fact="0.3571"/>
-                <dgm:constr type="w" for="ch" forName="accent_2" refType="h" refFor="ch" refForName="accent_2" op="equ"/>
-                <dgm:constr type="ctrY" for="ch" forName="accent_2" refType="h" fact="0.7143"/>
-                <dgm:constr type="ctrX" for="ch" forName="accent_2" refType="h" fact="0.1891"/>
-                <dgm:constr type="l" for="ch" forName="text_2" refType="ctrX" refFor="ch" refForName="accent_2"/>
-                <dgm:constr type="r" for="ch" forName="text_2" refType="w"/>
-                <dgm:constr type="w" for="ch" forName="text_2" refType="h" refFor="ch" refForName="text_2" op="gte"/>
-                <dgm:constr type="h" for="ch" forName="text_2" refType="h" refFor="ch" refForName="accent_2" fact="0.8"/>
-                <dgm:constr type="ctrY" for="ch" forName="text_2" refType="ctrY" refFor="ch" refForName="accent_2"/>
-                <dgm:constr type="lMarg" for="ch" forName="text_2" refType="w" refFor="ch" refForName="accent_2" fact="1.8"/>
-                <dgm:constr type="primFontSz" for="ch" ptType="node" op="equ" val="65"/>
-              </dgm:constrLst>
-            </dgm:if>
-            <dgm:if name="Name7" axis="ch" ptType="node" func="cnt" op="equ" val="3">
-              <dgm:constrLst>
-                <dgm:constr type="h" for="ch" forName="cycle" refType="h"/>
-                <dgm:constr type="w" for="ch" forName="cycle" refType="h" refFor="ch" refForName="cycle" fact="0.26"/>
-                <dgm:constr type="l" for="ch" forName="cycle"/>
-                <dgm:constr type="ctrY" for="ch" forName="cycle" refType="h" fact="0.5"/>
-                <dgm:constr type="diam" for="ch" forName="cycle" refType="h" fact="1.344"/>
-                <dgm:constr type="h" for="ch" forName="accent_1" refType="h" fact="0.25"/>
-                <dgm:constr type="w" for="ch" forName="accent_1" refType="h" refFor="ch" refForName="accent_1" op="equ"/>
-                <dgm:constr type="ctrY" for="ch" forName="accent_1" refType="h" fact="0.2"/>
-                <dgm:constr type="ctrX" for="ch" forName="accent_1" refType="h" fact="0.1526"/>
-                <dgm:constr type="l" for="ch" forName="text_1" refType="ctrX" refFor="ch" refForName="accent_1"/>
-                <dgm:constr type="r" for="ch" forName="text_1" refType="w"/>
-                <dgm:constr type="w" for="ch" forName="text_1" refType="h" refFor="ch" refForName="text_1" op="gte"/>
-                <dgm:constr type="h" for="ch" forName="text_1" refType="h" refFor="ch" refForName="accent_1" fact="0.8"/>
-                <dgm:constr type="ctrY" for="ch" forName="text_1" refType="ctrY" refFor="ch" refForName="accent_1"/>
-                <dgm:constr type="lMarg" for="ch" forName="text_1" refType="w" refFor="ch" refForName="accent_1" fact="1.8"/>
-                <dgm:constr type="h" for="ch" forName="accent_2" refType="h" fact="0.25"/>
-                <dgm:constr type="w" for="ch" forName="accent_2" refType="h" refFor="ch" refForName="accent_2" op="equ"/>
-                <dgm:constr type="ctrY" for="ch" forName="accent_2" refType="h" fact="0.5"/>
-                <dgm:constr type="ctrX" for="ch" forName="accent_2" refType="h" fact="0.2253"/>
-                <dgm:constr type="l" for="ch" forName="text_2" refType="ctrX" refFor="ch" refForName="accent_2"/>
-                <dgm:constr type="r" for="ch" forName="text_2" refType="w"/>
-                <dgm:constr type="w" for="ch" forName="text_2" refType="h" refFor="ch" refForName="text_2" op="gte"/>
-                <dgm:constr type="h" for="ch" forName="text_2" refType="h" refFor="ch" refForName="accent_2" fact="0.8"/>
-                <dgm:constr type="ctrY" for="ch" forName="text_2" refType="ctrY" refFor="ch" refForName="accent_2"/>
-                <dgm:constr type="lMarg" for="ch" forName="text_2" refType="w" refFor="ch" refForName="accent_2" fact="1.8"/>
-                <dgm:constr type="h" for="ch" forName="accent_3" refType="h" fact="0.25"/>
-                <dgm:constr type="w" for="ch" forName="accent_3" refType="h" refFor="ch" refForName="accent_3" op="equ"/>
-                <dgm:constr type="ctrY" for="ch" forName="accent_3" refType="h" fact="0.8"/>
-                <dgm:constr type="ctrX" for="ch" forName="accent_3" refType="h" fact="0.1526"/>
-                <dgm:constr type="l" for="ch" forName="text_3" refType="ctrX" refFor="ch" refForName="accent_3"/>
-                <dgm:constr type="r" for="ch" forName="text_3" refType="w"/>
-                <dgm:constr type="w" for="ch" forName="text_3" refType="h" refFor="ch" refForName="text_3" op="gte"/>
-                <dgm:constr type="h" for="ch" forName="text_3" refType="h" refFor="ch" refForName="accent_3" fact="0.8"/>
-                <dgm:constr type="ctrY" for="ch" forName="text_3" refType="ctrY" refFor="ch" refForName="accent_3"/>
-                <dgm:constr type="lMarg" for="ch" forName="text_3" refType="w" refFor="ch" refForName="accent_3" fact="1.8"/>
-                <dgm:constr type="primFontSz" for="ch" ptType="node" op="equ" val="65"/>
-              </dgm:constrLst>
-            </dgm:if>
-            <dgm:if name="Name8" axis="ch" ptType="node" func="cnt" op="equ" val="4">
-              <dgm:constrLst>
-                <dgm:constr type="h" for="ch" forName="cycle" refType="h"/>
-                <dgm:constr type="w" for="ch" forName="cycle" refType="h" refFor="ch" refForName="cycle" fact="0.26"/>
-                <dgm:constr type="l" for="ch" forName="cycle"/>
-                <dgm:constr type="ctrY" for="ch" forName="cycle" refType="h" fact="0.5"/>
-                <dgm:constr type="diam" for="ch" forName="cycle" refType="h" fact="1.344"/>
-                <dgm:constr type="h" for="ch" forName="accent_1" refType="h" fact="0.1923"/>
-                <dgm:constr type="w" for="ch" forName="accent_1" refType="h" refFor="ch" refForName="accent_1" op="equ"/>
-                <dgm:constr type="ctrY" for="ch" forName="accent_1" refType="h" fact="0.1538"/>
-                <dgm:constr type="ctrX" for="ch" forName="accent_1" refType="h" fact="0.1268"/>
-                <dgm:constr type="l" for="ch" forName="text_1" refType="ctrX" refFor="ch" refForName="accent_1"/>
-                <dgm:constr type="r" for="ch" forName="text_1" refType="w"/>
-                <dgm:constr type="w" for="ch" forName="text_1" refType="h" refFor="ch" refForName="text_1" op="gte"/>
-                <dgm:constr type="h" for="ch" forName="text_1" refType="h" refFor="ch" refForName="accent_1" fact="0.8"/>
-                <dgm:constr type="ctrY" for="ch" forName="text_1" refType="ctrY" refFor="ch" refForName="accent_1"/>
-                <dgm:constr type="lMarg" for="ch" forName="text_1" refType="w" refFor="ch" refForName="accent_1" fact="1.8"/>
-                <dgm:constr type="h" for="ch" forName="accent_2" refType="h" fact="0.1923"/>
-                <dgm:constr type="w" for="ch" forName="accent_2" refType="h" refFor="ch" refForName="accent_2" op="equ"/>
-                <dgm:constr type="ctrY" for="ch" forName="accent_2" refType="h" fact="0.3846"/>
-                <dgm:constr type="ctrX" for="ch" forName="accent_2" refType="h" fact="0.215"/>
-                <dgm:constr type="l" for="ch" forName="text_2" refType="ctrX" refFor="ch" refForName="accent_2"/>
-                <dgm:constr type="r" for="ch" forName="text_2" refType="w"/>
-                <dgm:constr type="w" for="ch" forName="text_2" refType="h" refFor="ch" refForName="text_2" op="gte"/>
-                <dgm:constr type="h" for="ch" forName="text_2" refType="h" refFor="ch" refForName="accent_2" fact="0.8"/>
-                <dgm:constr type="ctrY" for="ch" forName="text_2" refType="ctrY" refFor="ch" refForName="accent_2"/>
-                <dgm:constr type="lMarg" for="ch" forName="text_2" refType="w" refFor="ch" refForName="accent_2" fact="1.8"/>
-                <dgm:constr type="h" for="ch" forName="accent_3" refType="h" fact="0.1923"/>
-                <dgm:constr type="w" for="ch" forName="accent_3" refType="h" refFor="ch" refForName="accent_3" op="equ"/>
-                <dgm:constr type="ctrY" for="ch" forName="accent_3" refType="h" fact="0.6154"/>
-                <dgm:constr type="ctrX" for="ch" forName="accent_3" refType="h" fact="0.215"/>
-                <dgm:constr type="l" for="ch" forName="text_3" refType="ctrX" refFor="ch" refForName="accent_3"/>
-                <dgm:constr type="r" for="ch" forName="text_3" refType="w"/>
-                <dgm:constr type="w" for="ch" forName="text_3" refType="h" refFor="ch" refForName="text_3" op="gte"/>
-                <dgm:constr type="h" for="ch" forName="text_3" refType="h" refFor="ch" refForName="accent_3" fact="0.8"/>
-                <dgm:constr type="ctrY" for="ch" forName="text_3" refType="ctrY" refFor="ch" refForName="accent_3"/>
-                <dgm:constr type="lMarg" for="ch" forName="text_3" refType="w" refFor="ch" refForName="accent_3" fact="1.8"/>
-                <dgm:constr type="h" for="ch" forName="accent_4" refType="h" fact="0.1923"/>
-                <dgm:constr type="w" for="ch" forName="accent_4" refType="h" refFor="ch" refForName="accent_4" op="equ"/>
-                <dgm:constr type="ctrY" for="ch" forName="accent_4" refType="h" fact="0.8462"/>
-                <dgm:constr type="ctrX" for="ch" forName="accent_4" refType="h" fact="0.1268"/>
-                <dgm:constr type="l" for="ch" forName="text_4" refType="ctrX" refFor="ch" refForName="accent_4"/>
-                <dgm:constr type="r" for="ch" forName="text_4" refType="w"/>
-                <dgm:constr type="w" for="ch" forName="text_4" refType="h" refFor="ch" refForName="text_4" op="gte"/>
-                <dgm:constr type="h" for="ch" forName="text_4" refType="h" refFor="ch" refForName="accent_4" fact="0.8"/>
-                <dgm:constr type="ctrY" for="ch" forName="text_4" refType="ctrY" refFor="ch" refForName="accent_4"/>
-                <dgm:constr type="lMarg" for="ch" forName="text_4" refType="w" refFor="ch" refForName="accent_4" fact="1.8"/>
-                <dgm:constr type="primFontSz" for="ch" ptType="node" op="equ" val="65"/>
-              </dgm:constrLst>
-            </dgm:if>
-            <dgm:if name="Name9" axis="ch" ptType="node" func="cnt" op="equ" val="5">
-              <dgm:constrLst>
-                <dgm:constr type="h" for="ch" forName="cycle" refType="h"/>
-                <dgm:constr type="w" for="ch" forName="cycle" refType="h" refFor="ch" refForName="cycle" fact="0.26"/>
-                <dgm:constr type="l" for="ch" forName="cycle"/>
-                <dgm:constr type="ctrY" for="ch" forName="cycle" refType="h" fact="0.5"/>
-                <dgm:constr type="diam" for="ch" forName="cycle" refType="h" fact="1.344"/>
-                <dgm:constr type="h" for="ch" forName="accent_1" refType="h" fact="0.1563"/>
-                <dgm:constr type="w" for="ch" forName="accent_1" refType="h" refFor="ch" refForName="accent_1" op="equ"/>
-                <dgm:constr type="ctrY" for="ch" forName="accent_1" refType="h" fact="0.125"/>
-                <dgm:constr type="ctrX" for="ch" forName="accent_1" refType="h" fact="0.1082"/>
-                <dgm:constr type="l" for="ch" forName="text_1" refType="ctrX" refFor="ch" refForName="accent_1"/>
-                <dgm:constr type="r" for="ch" forName="text_1" refType="w"/>
-                <dgm:constr type="w" for="ch" forName="text_1" refType="h" refFor="ch" refForName="text_1" op="gte"/>
-                <dgm:constr type="h" for="ch" forName="text_1" refType="h" refFor="ch" refForName="accent_1" fact="0.8"/>
-                <dgm:constr type="ctrY" for="ch" forName="text_1" refType="ctrY" refFor="ch" refForName="accent_1"/>
-                <dgm:constr type="lMarg" for="ch" forName="text_1" refType="w" refFor="ch" refForName="accent_1" fact="1.8"/>
-                <dgm:constr type="h" for="ch" forName="accent_2" refType="h" fact="0.1563"/>
-                <dgm:constr type="w" for="ch" forName="accent_2" refType="h" refFor="ch" refForName="accent_2" op="equ"/>
-                <dgm:constr type="ctrY" for="ch" forName="accent_2" refType="h" fact="0.3125"/>
-                <dgm:constr type="ctrX" for="ch" forName="accent_2" refType="h" fact="0.1978"/>
-                <dgm:constr type="l" for="ch" forName="text_2" refType="ctrX" refFor="ch" refForName="accent_2"/>
-                <dgm:constr type="r" for="ch" forName="text_2" refType="w"/>
-                <dgm:constr type="w" for="ch" forName="text_2" refType="h" refFor="ch" refForName="text_2" op="gte"/>
-                <dgm:constr type="h" for="ch" forName="text_2" refType="h" refFor="ch" refForName="accent_2" fact="0.8"/>
-                <dgm:constr type="ctrY" for="ch" forName="text_2" refType="ctrY" refFor="ch" refForName="accent_2"/>
-                <dgm:constr type="lMarg" for="ch" forName="text_2" refType="w" refFor="ch" refForName="accent_2" fact="1.8"/>
-                <dgm:constr type="h" for="ch" forName="accent_3" refType="h" fact="0.1563"/>
-                <dgm:constr type="w" for="ch" forName="accent_3" refType="h" refFor="ch" refForName="accent_3" op="equ"/>
-                <dgm:constr type="ctrY" for="ch" forName="accent_3" refType="h" fact="0.5"/>
-                <dgm:constr type="ctrX" for="ch" forName="accent_3" refType="h" fact="0.2253"/>
-                <dgm:constr type="l" for="ch" forName="text_3" refType="ctrX" refFor="ch" refForName="accent_3"/>
-                <dgm:constr type="r" for="ch" forName="text_3" refType="w"/>
-                <dgm:constr type="w" for="ch" forName="text_3" refType="h" refFor="ch" refForName="text_3" op="gte"/>
-                <dgm:constr type="h" for="ch" forName="text_3" refType="h" refFor="ch" refForName="accent_3" fact="0.8"/>
-                <dgm:constr type="ctrY" for="ch" forName="text_3" refType="ctrY" refFor="ch" refForName="accent_3"/>
-                <dgm:constr type="lMarg" for="ch" forName="text_3" refType="w" refFor="ch" refForName="accent_3" fact="1.8"/>
-                <dgm:constr type="h" for="ch" forName="accent_4" refType="h" fact="0.1563"/>
-                <dgm:constr type="w" for="ch" forName="accent_4" refType="h" refFor="ch" refForName="accent_4" op="equ"/>
-                <dgm:constr type="ctrY" for="ch" forName="accent_4" refType="h" fact="0.6875"/>
-                <dgm:constr type="ctrX" for="ch" forName="accent_4" refType="h" fact="0.1978"/>
-                <dgm:constr type="l" for="ch" forName="text_4" refType="ctrX" refFor="ch" refForName="accent_4"/>
-                <dgm:constr type="r" for="ch" forName="text_4" refType="w"/>
-                <dgm:constr type="w" for="ch" forName="text_4" refType="h" refFor="ch" refForName="text_4" op="gte"/>
-                <dgm:constr type="h" for="ch" forName="text_4" refType="h" refFor="ch" refForName="accent_4" fact="0.8"/>
-                <dgm:constr type="ctrY" for="ch" forName="text_4" refType="ctrY" refFor="ch" refForName="accent_4"/>
-                <dgm:constr type="lMarg" for="ch" forName="text_4" refType="w" refFor="ch" refForName="accent_4" fact="1.8"/>
-                <dgm:constr type="h" for="ch" forName="accent_5" refType="h" fact="0.1563"/>
-                <dgm:constr type="w" for="ch" forName="accent_5" refType="h" refFor="ch" refForName="accent_5" op="equ"/>
-                <dgm:constr type="ctrY" for="ch" forName="accent_5" refType="h" fact="0.875"/>
-                <dgm:constr type="ctrX" for="ch" forName="accent_5" refType="h" fact="0.1082"/>
-                <dgm:constr type="l" for="ch" forName="text_5" refType="ctrX" refFor="ch" refForName="accent_5"/>
-                <dgm:constr type="r" for="ch" forName="text_5" refType="w"/>
-                <dgm:constr type="w" for="ch" forName="text_5" refType="h" refFor="ch" refForName="text_5" op="gte"/>
-                <dgm:constr type="h" for="ch" forName="text_5" refType="h" refFor="ch" refForName="accent_5" fact="0.8"/>
-                <dgm:constr type="ctrY" for="ch" forName="text_5" refType="ctrY" refFor="ch" refForName="accent_5"/>
-                <dgm:constr type="lMarg" for="ch" forName="text_5" refType="w" refFor="ch" refForName="accent_5" fact="1.8"/>
-                <dgm:constr type="primFontSz" for="ch" ptType="node" op="equ" val="65"/>
-              </dgm:constrLst>
-            </dgm:if>
-            <dgm:if name="Name10" axis="ch" ptType="node" func="cnt" op="equ" val="6">
-              <dgm:constrLst>
-                <dgm:constr type="h" for="ch" forName="cycle" refType="h"/>
-                <dgm:constr type="w" for="ch" forName="cycle" refType="h" refFor="ch" refForName="cycle" fact="0.26"/>
-                <dgm:constr type="l" for="ch" forName="cycle"/>
-                <dgm:constr type="ctrY" for="ch" forName="cycle" refType="h" fact="0.5"/>
-                <dgm:constr type="diam" for="ch" forName="cycle" refType="h" fact="1.344"/>
-                <dgm:constr type="h" for="ch" forName="accent_1" refType="h" fact="0.1316"/>
-                <dgm:constr type="w" for="ch" forName="accent_1" refType="h" refFor="ch" refForName="accent_1" op="equ"/>
-                <dgm:constr type="ctrY" for="ch" forName="accent_1" refType="h" fact="0.1053"/>
-                <dgm:constr type="ctrX" for="ch" forName="accent_1" refType="h" fact="0.0943"/>
-                <dgm:constr type="l" for="ch" forName="text_1" refType="ctrX" refFor="ch" refForName="accent_1"/>
-                <dgm:constr type="r" for="ch" forName="text_1" refType="w"/>
-                <dgm:constr type="w" for="ch" forName="text_1" refType="h" refFor="ch" refForName="text_1" op="gte"/>
-                <dgm:constr type="h" for="ch" forName="text_1" refType="h" refFor="ch" refForName="accent_1" fact="0.8"/>
-                <dgm:constr type="ctrY" for="ch" forName="text_1" refType="ctrY" refFor="ch" refForName="accent_1"/>
-                <dgm:constr type="lMarg" for="ch" forName="text_1" refType="w" refFor="ch" refForName="accent_1" fact="1.8"/>
-                <dgm:constr type="h" for="ch" forName="accent_2" refType="h" fact="0.1316"/>
-                <dgm:constr type="w" for="ch" forName="accent_2" refType="h" refFor="ch" refForName="accent_2" op="equ"/>
-                <dgm:constr type="ctrY" for="ch" forName="accent_2" refType="h" fact="0.2632"/>
-                <dgm:constr type="ctrX" for="ch" forName="accent_2" refType="h" fact="0.1809"/>
-                <dgm:constr type="l" for="ch" forName="text_2" refType="ctrX" refFor="ch" refForName="accent_2"/>
-                <dgm:constr type="r" for="ch" forName="text_2" refType="w"/>
-                <dgm:constr type="w" for="ch" forName="text_2" refType="h" refFor="ch" refForName="text_2" op="gte"/>
-                <dgm:constr type="h" for="ch" forName="text_2" refType="h" refFor="ch" refForName="accent_2" fact="0.8"/>
-                <dgm:constr type="ctrY" for="ch" forName="text_2" refType="ctrY" refFor="ch" refForName="accent_2"/>
-                <dgm:constr type="lMarg" for="ch" forName="text_2" refType="w" refFor="ch" refForName="accent_2" fact="1.8"/>
-                <dgm:constr type="h" for="ch" forName="accent_3" refType="h" fact="0.1316"/>
-                <dgm:constr type="w" for="ch" forName="accent_3" refType="h" refFor="ch" refForName="accent_3" op="equ"/>
-                <dgm:constr type="ctrY" for="ch" forName="accent_3" refType="h" fact="0.4211"/>
-                <dgm:constr type="ctrX" for="ch" forName="accent_3" refType="h" fact="0.2205"/>
-                <dgm:constr type="l" for="ch" forName="text_3" refType="ctrX" refFor="ch" refForName="accent_3"/>
-                <dgm:constr type="r" for="ch" forName="text_3" refType="w"/>
-                <dgm:constr type="w" for="ch" forName="text_3" refType="h" refFor="ch" refForName="text_3" op="gte"/>
-                <dgm:constr type="h" for="ch" forName="text_3" refType="h" refFor="ch" refForName="accent_3" fact="0.8"/>
-                <dgm:constr type="ctrY" for="ch" forName="text_3" refType="ctrY" refFor="ch" refForName="accent_3"/>
-                <dgm:constr type="lMarg" for="ch" forName="text_3" refType="w" refFor="ch" refForName="accent_3" fact="1.8"/>
-                <dgm:constr type="h" for="ch" forName="accent_4" refType="h" fact="0.1316"/>
-                <dgm:constr type="w" for="ch" forName="accent_4" refType="h" refFor="ch" refForName="accent_4" op="equ"/>
-                <dgm:constr type="ctrY" for="ch" forName="accent_4" refType="h" fact="0.5789"/>
-                <dgm:constr type="ctrX" for="ch" forName="accent_4" refType="h" fact="0.2205"/>
-                <dgm:constr type="l" for="ch" forName="text_4" refType="ctrX" refFor="ch" refForName="accent_4"/>
-                <dgm:constr type="r" for="ch" forName="text_4" refType="w"/>
-                <dgm:constr type="w" for="ch" forName="text_4" refType="h" refFor="ch" refForName="text_4" op="gte"/>
-                <dgm:constr type="h" for="ch" forName="text_4" refType="h" refFor="ch" refForName="accent_4" fact="0.8"/>
-                <dgm:constr type="ctrY" for="ch" forName="text_4" refType="ctrY" refFor="ch" refForName="accent_4"/>
-                <dgm:constr type="lMarg" for="ch" forName="text_4" refType="w" refFor="ch" refForName="accent_4" fact="1.8"/>
-                <dgm:constr type="h" for="ch" forName="accent_5" refType="h" fact="0.1316"/>
-                <dgm:constr type="w" for="ch" forName="accent_5" refType="h" refFor="ch" refForName="accent_5" op="equ"/>
-                <dgm:constr type="ctrY" for="ch" forName="accent_5" refType="h" fact="0.7368"/>
-                <dgm:constr type="ctrX" for="ch" forName="accent_5" refType="h" fact="0.1809"/>
-                <dgm:constr type="l" for="ch" forName="text_5" refType="ctrX" refFor="ch" refForName="accent_5"/>
-                <dgm:constr type="r" for="ch" forName="text_5" refType="w"/>
-                <dgm:constr type="w" for="ch" forName="text_5" refType="h" refFor="ch" refForName="text_5" op="gte"/>
-                <dgm:constr type="h" for="ch" forName="text_5" refType="h" refFor="ch" refForName="accent_5" fact="0.8"/>
-                <dgm:constr type="ctrY" for="ch" forName="text_5" refType="ctrY" refFor="ch" refForName="accent_5"/>
-                <dgm:constr type="lMarg" for="ch" forName="text_5" refType="w" refFor="ch" refForName="accent_5" fact="1.8"/>
-                <dgm:constr type="h" for="ch" forName="accent_6" refType="h" fact="0.1316"/>
-                <dgm:constr type="w" for="ch" forName="accent_6" refType="h" refFor="ch" refForName="accent_6" op="equ"/>
-                <dgm:constr type="ctrY" for="ch" forName="accent_6" refType="h" fact="0.8947"/>
-                <dgm:constr type="ctrX" for="ch" forName="accent_6" refType="h" fact="0.0943"/>
-                <dgm:constr type="l" for="ch" forName="text_6" refType="ctrX" refFor="ch" refForName="accent_6"/>
-                <dgm:constr type="r" for="ch" forName="text_6" refType="w"/>
-                <dgm:constr type="w" for="ch" forName="text_6" refType="h" refFor="ch" refForName="text_6" op="gte"/>
-                <dgm:constr type="h" for="ch" forName="text_6" refType="h" refFor="ch" refForName="accent_6" fact="0.8"/>
-                <dgm:constr type="ctrY" for="ch" forName="text_6" refType="ctrY" refFor="ch" refForName="accent_6"/>
-                <dgm:constr type="lMarg" for="ch" forName="text_6" refType="w" refFor="ch" refForName="accent_6" fact="1.8"/>
-                <dgm:constr type="primFontSz" for="ch" ptType="node" op="equ" val="65"/>
-              </dgm:constrLst>
-            </dgm:if>
-            <dgm:else name="Name11">
-              <dgm:constrLst>
-                <dgm:constr type="h" for="ch" forName="cycle" refType="h"/>
-                <dgm:constr type="w" for="ch" forName="cycle" refType="h" refFor="ch" refForName="cycle" fact="0.26"/>
-                <dgm:constr type="l" for="ch" forName="cycle"/>
-                <dgm:constr type="ctrY" for="ch" forName="cycle" refType="h" fact="0.5"/>
-                <dgm:constr type="diam" for="ch" forName="cycle" refType="h" fact="1.344"/>
-                <dgm:constr type="h" for="ch" forName="accent_1" refType="h" fact="0.1136"/>
-                <dgm:constr type="w" for="ch" forName="accent_1" refType="h" refFor="ch" refForName="accent_1" op="equ"/>
-                <dgm:constr type="ctrY" for="ch" forName="accent_1" refType="h" fact="0.0909"/>
-                <dgm:constr type="ctrX" for="ch" forName="accent_1" refType="h" fact="0.0835"/>
-                <dgm:constr type="l" for="ch" forName="text_1" refType="ctrX" refFor="ch" refForName="accent_1"/>
-                <dgm:constr type="r" for="ch" forName="text_1" refType="w"/>
-                <dgm:constr type="w" for="ch" forName="text_1" refType="h" refFor="ch" refForName="text_1" op="gte"/>
-                <dgm:constr type="h" for="ch" forName="text_1" refType="h" refFor="ch" refForName="accent_1" fact="0.8"/>
-                <dgm:constr type="ctrY" for="ch" forName="text_1" refType="ctrY" refFor="ch" refForName="accent_1"/>
-                <dgm:constr type="lMarg" for="ch" forName="text_1" refType="w" refFor="ch" refForName="accent_1" fact="1.8"/>
-                <dgm:constr type="h" for="ch" forName="accent_2" refType="h" fact="0.1136"/>
-                <dgm:constr type="w" for="ch" forName="accent_2" refType="h" refFor="ch" refForName="accent_2" op="equ"/>
-                <dgm:constr type="ctrY" for="ch" forName="accent_2" refType="h" fact="0.2273"/>
-                <dgm:constr type="ctrX" for="ch" forName="accent_2" refType="h" fact="0.1658"/>
-                <dgm:constr type="l" for="ch" forName="text_2" refType="ctrX" refFor="ch" refForName="accent_2"/>
-                <dgm:constr type="r" for="ch" forName="text_2" refType="w"/>
-                <dgm:constr type="w" for="ch" forName="text_2" refType="h" refFor="ch" refForName="text_2" op="gte"/>
-                <dgm:constr type="h" for="ch" forName="text_2" refType="h" refFor="ch" refForName="accent_2" fact="0.8"/>
-                <dgm:constr type="ctrY" for="ch" forName="text_2" refType="ctrY" refFor="ch" refForName="accent_2"/>
-                <dgm:constr type="lMarg" for="ch" forName="text_2" refType="w" refFor="ch" refForName="accent_2" fact="1.8"/>
-                <dgm:constr type="h" for="ch" forName="accent_3" refType="h" fact="0.1136"/>
-                <dgm:constr type="w" for="ch" forName="accent_3" refType="h" refFor="ch" refForName="accent_3" op="equ"/>
-                <dgm:constr type="ctrY" for="ch" forName="accent_3" refType="h" fact="0.3636"/>
-                <dgm:constr type="ctrX" for="ch" forName="accent_3" refType="h" fact="0.2109"/>
-                <dgm:constr type="l" for="ch" forName="text_3" refType="ctrX" refFor="ch" refForName="accent_3"/>
-                <dgm:constr type="r" for="ch" forName="text_3" refType="w"/>
-                <dgm:constr type="w" for="ch" forName="text_3" refType="h" refFor="ch" refForName="text_3" op="gte"/>
-                <dgm:constr type="h" for="ch" forName="text_3" refType="h" refFor="ch" refForName="accent_3" fact="0.8"/>
-                <dgm:constr type="ctrY" for="ch" forName="text_3" refType="ctrY" refFor="ch" refForName="accent_3"/>
-                <dgm:constr type="lMarg" for="ch" forName="text_3" refType="w" refFor="ch" refForName="accent_3" fact="1.8"/>
-                <dgm:constr type="h" for="ch" forName="accent_4" refType="h" fact="0.1136"/>
-                <dgm:constr type="w" for="ch" forName="accent_4" refType="h" refFor="ch" refForName="accent_4" op="equ"/>
-                <dgm:constr type="ctrY" for="ch" forName="accent_4" refType="h" fact="0.5"/>
-                <dgm:constr type="ctrX" for="ch" forName="accent_4" refType="h" fact="0.2253"/>
-                <dgm:constr type="l" for="ch" forName="text_4" refType="ctrX" refFor="ch" refForName="accent_4"/>
-                <dgm:constr type="r" for="ch" forName="text_4" refType="w"/>
-                <dgm:constr type="w" for="ch" forName="text_4" refType="h" refFor="ch" refForName="text_4" op="gte"/>
-                <dgm:constr type="h" for="ch" forName="text_4" refType="h" refFor="ch" refForName="accent_4" fact="0.8"/>
-                <dgm:constr type="ctrY" for="ch" forName="text_4" refType="ctrY" refFor="ch" refForName="accent_4"/>
-                <dgm:constr type="lMarg" for="ch" forName="text_4" refType="w" refFor="ch" refForName="accent_4" fact="1.8"/>
-                <dgm:constr type="h" for="ch" forName="accent_5" refType="h" fact="0.1136"/>
-                <dgm:constr type="w" for="ch" forName="accent_5" refType="h" refFor="ch" refForName="accent_5" op="equ"/>
-                <dgm:constr type="ctrY" for="ch" forName="accent_5" refType="h" fact="0.6364"/>
-                <dgm:constr type="ctrX" for="ch" forName="accent_5" refType="h" fact="0.2109"/>
-                <dgm:constr type="l" for="ch" forName="text_5" refType="ctrX" refFor="ch" refForName="accent_5"/>
-                <dgm:constr type="r" for="ch" forName="text_5" refType="w"/>
-                <dgm:constr type="w" for="ch" forName="text_5" refType="h" refFor="ch" refForName="text_5" op="gte"/>
-                <dgm:constr type="h" for="ch" forName="text_5" refType="h" refFor="ch" refForName="accent_5" fact="0.8"/>
-                <dgm:constr type="ctrY" for="ch" forName="text_5" refType="ctrY" refFor="ch" refForName="accent_5"/>
-                <dgm:constr type="lMarg" for="ch" forName="text_5" refType="w" refFor="ch" refForName="accent_5" fact="1.8"/>
-                <dgm:constr type="h" for="ch" forName="accent_6" refType="h" fact="0.1136"/>
-                <dgm:constr type="w" for="ch" forName="accent_6" refType="h" refFor="ch" refForName="accent_6" op="equ"/>
-                <dgm:constr type="ctrY" for="ch" forName="accent_6" refType="h" fact="0.7727"/>
-                <dgm:constr type="ctrX" for="ch" forName="accent_6" refType="h" fact="0.1658"/>
-                <dgm:constr type="l" for="ch" forName="text_6" refType="ctrX" refFor="ch" refForName="accent_6"/>
-                <dgm:constr type="r" for="ch" forName="text_6" refType="w"/>
-                <dgm:constr type="w" for="ch" forName="text_6" refType="h" refFor="ch" refForName="text_6" op="gte"/>
-                <dgm:constr type="h" for="ch" forName="text_6" refType="h" refFor="ch" refForName="accent_6" fact="0.8"/>
-                <dgm:constr type="ctrY" for="ch" forName="text_6" refType="ctrY" refFor="ch" refForName="accent_6"/>
-                <dgm:constr type="lMarg" for="ch" forName="text_6" refType="w" refFor="ch" refForName="accent_6" fact="1.8"/>
-                <dgm:constr type="h" for="ch" forName="accent_7" refType="h" fact="0.1136"/>
-                <dgm:constr type="w" for="ch" forName="accent_7" refType="h" refFor="ch" refForName="accent_7" op="equ"/>
-                <dgm:constr type="ctrY" for="ch" forName="accent_7" refType="h" fact="0.9091"/>
-                <dgm:constr type="ctrX" for="ch" forName="accent_7" refType="h" fact="0.0835"/>
-                <dgm:constr type="l" for="ch" forName="text_7" refType="ctrX" refFor="ch" refForName="accent_7"/>
-                <dgm:constr type="r" for="ch" forName="text_7" refType="w"/>
-                <dgm:constr type="w" for="ch" forName="text_7" refType="h" refFor="ch" refForName="text_7" op="gte"/>
-                <dgm:constr type="h" for="ch" forName="text_7" refType="h" refFor="ch" refForName="accent_7" fact="0.8"/>
-                <dgm:constr type="ctrY" for="ch" forName="text_7" refType="ctrY" refFor="ch" refForName="accent_7"/>
-                <dgm:constr type="lMarg" for="ch" forName="text_7" refType="w" refFor="ch" refForName="accent_7" fact="1.8"/>
-                <dgm:constr type="primFontSz" for="ch" ptType="node" op="equ" val="65"/>
-              </dgm:constrLst>
-            </dgm:else>
-          </dgm:choose>
-        </dgm:if>
-        <dgm:else name="Name12">
-          <dgm:choose name="Name13">
-            <dgm:if name="Name14" axis="ch" ptType="node" func="cnt" op="equ" val="1">
-              <dgm:constrLst>
-                <dgm:constr type="h" for="ch" forName="cycle" refType="h"/>
-                <dgm:constr type="w" for="ch" forName="cycle" refType="h" refFor="ch" refForName="cycle" fact="0.26"/>
-                <dgm:constr type="r" for="ch" forName="cycle" refType="w"/>
-                <dgm:constr type="ctrY" for="ch" forName="cycle" refType="h" fact="0.5"/>
-                <dgm:constr type="diam" for="ch" forName="cycle" refType="h" fact="1.344"/>
-                <dgm:constr type="h" for="ch" forName="accent_1" refType="h" fact="0.625"/>
-                <dgm:constr type="w" for="ch" forName="accent_1" refType="h" refFor="ch" refForName="accent_1" op="equ"/>
-                <dgm:constr type="ctrY" for="ch" forName="accent_1" refType="h" fact="0.5"/>
-                <dgm:constr type="ctrX" for="ch" forName="accent_1" refType="w"/>
-                <dgm:constr type="ctrXOff" for="ch" forName="accent_1" refType="h" fact="-0.2253"/>
-                <dgm:constr type="r" for="ch" forName="text_1" refType="ctrX" refFor="ch" refForName="accent_1"/>
-                <dgm:constr type="rOff" for="ch" forName="text_1" refType="ctrXOff" refFor="ch" refForName="accent_1"/>
-                <dgm:constr type="l" for="ch" forName="text_1"/>
-                <dgm:constr type="w" for="ch" forName="text_1" refType="h" refFor="ch" refForName="text_1" op="gte"/>
-                <dgm:constr type="h" for="ch" forName="text_1" refType="h" refFor="ch" refForName="accent_1" fact="0.8"/>
-                <dgm:constr type="ctrY" for="ch" forName="text_1" refType="ctrY" refFor="ch" refForName="accent_1"/>
-                <dgm:constr type="rMarg" for="ch" forName="text_1" refType="w" refFor="ch" refForName="accent_1" fact="1.8"/>
-                <dgm:constr type="primFontSz" for="ch" ptType="node" op="equ" val="65"/>
-              </dgm:constrLst>
-            </dgm:if>
-            <dgm:if name="Name15" axis="ch" ptType="node" func="cnt" op="equ" val="2">
-              <dgm:constrLst>
-                <dgm:constr type="h" for="ch" forName="cycle" refType="h"/>
-                <dgm:constr type="w" for="ch" forName="cycle" refType="h" refFor="ch" refForName="cycle" fact="0.26"/>
-                <dgm:constr type="r" for="ch" forName="cycle" refType="w"/>
-                <dgm:constr type="ctrY" for="ch" forName="cycle" refType="h" fact="0.5"/>
-                <dgm:constr type="diam" for="ch" forName="cycle" refType="h" fact="1.344"/>
-                <dgm:constr type="h" for="ch" forName="accent_1" refType="h" fact="0.3571"/>
-                <dgm:constr type="w" for="ch" forName="accent_1" refType="h" refFor="ch" refForName="accent_1" op="equ"/>
-                <dgm:constr type="ctrY" for="ch" forName="accent_1" refType="h" fact="0.2857"/>
-                <dgm:constr type="ctrX" for="ch" forName="accent_1" refType="w"/>
-                <dgm:constr type="ctrXOff" for="ch" forName="accent_1" refType="h" fact="-0.1891"/>
-                <dgm:constr type="r" for="ch" forName="text_1" refType="ctrX" refFor="ch" refForName="accent_1"/>
-                <dgm:constr type="rOff" for="ch" forName="text_1" refType="ctrXOff" refFor="ch" refForName="accent_1"/>
-                <dgm:constr type="l" for="ch" forName="text_1"/>
-                <dgm:constr type="w" for="ch" forName="text_1" refType="h" refFor="ch" refForName="text_1" op="gte"/>
-                <dgm:constr type="h" for="ch" forName="text_1" refType="h" refFor="ch" refForName="accent_1" fact="0.8"/>
-                <dgm:constr type="ctrY" for="ch" forName="text_1" refType="ctrY" refFor="ch" refForName="accent_1"/>
-                <dgm:constr type="rMarg" for="ch" forName="text_1" refType="w" refFor="ch" refForName="accent_1" fact="1.8"/>
-                <dgm:constr type="h" for="ch" forName="accent_2" refType="h" fact="0.3571"/>
-                <dgm:constr type="w" for="ch" forName="accent_2" refType="h" refFor="ch" refForName="accent_2" op="equ"/>
-                <dgm:constr type="ctrY" for="ch" forName="accent_2" refType="h" fact="0.7143"/>
-                <dgm:constr type="ctrX" for="ch" forName="accent_2" refType="w"/>
-                <dgm:constr type="ctrXOff" for="ch" forName="accent_2" refType="h" fact="-0.1891"/>
-                <dgm:constr type="r" for="ch" forName="text_2" refType="ctrX" refFor="ch" refForName="accent_2"/>
-                <dgm:constr type="rOff" for="ch" forName="text_2" refType="ctrXOff" refFor="ch" refForName="accent_2"/>
-                <dgm:constr type="l" for="ch" forName="text_2"/>
-                <dgm:constr type="w" for="ch" forName="text_2" refType="h" refFor="ch" refForName="text_2" op="gte"/>
-                <dgm:constr type="h" for="ch" forName="text_2" refType="h" refFor="ch" refForName="accent_2" fact="0.8"/>
-                <dgm:constr type="ctrY" for="ch" forName="text_2" refType="ctrY" refFor="ch" refForName="accent_2"/>
-                <dgm:constr type="rMarg" for="ch" forName="text_2" refType="w" refFor="ch" refForName="accent_2" fact="1.8"/>
-                <dgm:constr type="primFontSz" for="ch" ptType="node" op="equ" val="65"/>
-              </dgm:constrLst>
-            </dgm:if>
-            <dgm:if name="Name16" axis="ch" ptType="node" func="cnt" op="equ" val="3">
-              <dgm:constrLst>
-                <dgm:constr type="h" for="ch" forName="cycle" refType="h"/>
-                <dgm:constr type="w" for="ch" forName="cycle" refType="h" refFor="ch" refForName="cycle" fact="0.26"/>
-                <dgm:constr type="r" for="ch" forName="cycle" refType="w"/>
-                <dgm:constr type="ctrY" for="ch" forName="cycle" refType="h" fact="0.5"/>
-                <dgm:constr type="diam" for="ch" forName="cycle" refType="h" fact="1.344"/>
-                <dgm:constr type="h" for="ch" forName="accent_1" refType="h" fact="0.25"/>
-                <dgm:constr type="w" for="ch" forName="accent_1" refType="h" refFor="ch" refForName="accent_1" op="equ"/>
-                <dgm:constr type="ctrY" for="ch" forName="accent_1" refType="h" fact="0.2"/>
-                <dgm:constr type="ctrX" for="ch" forName="accent_1" refType="w"/>
-                <dgm:constr type="ctrXOff" for="ch" forName="accent_1" refType="h" fact="-0.1526"/>
-                <dgm:constr type="r" for="ch" forName="text_1" refType="ctrX" refFor="ch" refForName="accent_1"/>
-                <dgm:constr type="rOff" for="ch" forName="text_1" refType="ctrXOff" refFor="ch" refForName="accent_1"/>
-                <dgm:constr type="l" for="ch" forName="text_1"/>
-                <dgm:constr type="w" for="ch" forName="text_1" refType="h" refFor="ch" refForName="text_1" op="gte"/>
-                <dgm:constr type="h" for="ch" forName="text_1" refType="h" refFor="ch" refForName="accent_1" fact="0.8"/>
-                <dgm:constr type="ctrY" for="ch" forName="text_1" refType="ctrY" refFor="ch" refForName="accent_1"/>
-                <dgm:constr type="rMarg" for="ch" forName="text_1" refType="w" refFor="ch" refForName="accent_1" fact="1.8"/>
-                <dgm:constr type="h" for="ch" forName="accent_2" refType="h" fact="0.25"/>
-                <dgm:constr type="w" for="ch" forName="accent_2" refType="h" refFor="ch" refForName="accent_2" op="equ"/>
-                <dgm:constr type="ctrY" for="ch" forName="accent_2" refType="h" fact="0.5"/>
-                <dgm:constr type="ctrX" for="ch" forName="accent_2" refType="w"/>
-                <dgm:constr type="ctrXOff" for="ch" forName="accent_2" refType="h" fact="-0.2253"/>
-                <dgm:constr type="r" for="ch" forName="text_2" refType="ctrX" refFor="ch" refForName="accent_2"/>
-                <dgm:constr type="rOff" for="ch" forName="text_2" refType="ctrXOff" refFor="ch" refForName="accent_2"/>
-                <dgm:constr type="l" for="ch" forName="text_2"/>
-                <dgm:constr type="w" for="ch" forName="text_2" refType="h" refFor="ch" refForName="text_2" op="gte"/>
-                <dgm:constr type="h" for="ch" forName="text_2" refType="h" refFor="ch" refForName="accent_2" fact="0.8"/>
-                <dgm:constr type="ctrY" for="ch" forName="text_2" refType="ctrY" refFor="ch" refForName="accent_2"/>
-                <dgm:constr type="rMarg" for="ch" forName="text_2" refType="w" refFor="ch" refForName="accent_2" fact="1.8"/>
-                <dgm:constr type="h" for="ch" forName="accent_3" refType="h" fact="0.25"/>
-                <dgm:constr type="w" for="ch" forName="accent_3" refType="h" refFor="ch" refForName="accent_3" op="equ"/>
-                <dgm:constr type="ctrY" for="ch" forName="accent_3" refType="h" fact="0.8"/>
-                <dgm:constr type="ctrX" for="ch" forName="accent_3" refType="w"/>
-                <dgm:constr type="ctrXOff" for="ch" forName="accent_3" refType="h" fact="-0.1526"/>
-                <dgm:constr type="r" for="ch" forName="text_3" refType="ctrX" refFor="ch" refForName="accent_3"/>
-                <dgm:constr type="rOff" for="ch" forName="text_3" refType="ctrXOff" refFor="ch" refForName="accent_3"/>
-                <dgm:constr type="l" for="ch" forName="text_3"/>
-                <dgm:constr type="w" for="ch" forName="text_3" refType="h" refFor="ch" refForName="text_3" op="gte"/>
-                <dgm:constr type="h" for="ch" forName="text_3" refType="h" refFor="ch" refForName="accent_3" fact="0.8"/>
-                <dgm:constr type="ctrY" for="ch" forName="text_3" refType="ctrY" refFor="ch" refForName="accent_3"/>
-                <dgm:constr type="rMarg" for="ch" forName="text_3" refType="w" refFor="ch" refForName="accent_3" fact="1.8"/>
-                <dgm:constr type="primFontSz" for="ch" ptType="node" op="equ" val="65"/>
-              </dgm:constrLst>
-            </dgm:if>
-            <dgm:if name="Name17" axis="ch" ptType="node" func="cnt" op="equ" val="4">
-              <dgm:constrLst>
-                <dgm:constr type="h" for="ch" forName="cycle" refType="h"/>
-                <dgm:constr type="w" for="ch" forName="cycle" refType="h" refFor="ch" refForName="cycle" fact="0.26"/>
-                <dgm:constr type="r" for="ch" forName="cycle" refType="w"/>
-                <dgm:constr type="ctrY" for="ch" forName="cycle" refType="h" fact="0.5"/>
-                <dgm:constr type="diam" for="ch" forName="cycle" refType="h" fact="1.344"/>
-                <dgm:constr type="h" for="ch" forName="accent_1" refType="h" fact="0.1923"/>
-                <dgm:constr type="w" for="ch" forName="accent_1" refType="h" refFor="ch" refForName="accent_1" op="equ"/>
-                <dgm:constr type="ctrY" for="ch" forName="accent_1" refType="h" fact="0.1538"/>
-                <dgm:constr type="ctrX" for="ch" forName="accent_1" refType="w"/>
-                <dgm:constr type="ctrXOff" for="ch" forName="accent_1" refType="h" fact="-0.1268"/>
-                <dgm:constr type="r" for="ch" forName="text_1" refType="ctrX" refFor="ch" refForName="accent_1"/>
-                <dgm:constr type="rOff" for="ch" forName="text_1" refType="ctrXOff" refFor="ch" refForName="accent_1"/>
-                <dgm:constr type="l" for="ch" forName="text_1"/>
-                <dgm:constr type="w" for="ch" forName="text_1" refType="h" refFor="ch" refForName="text_1" op="gte"/>
-                <dgm:constr type="h" for="ch" forName="text_1" refType="h" refFor="ch" refForName="accent_1" fact="0.8"/>
-                <dgm:constr type="ctrY" for="ch" forName="text_1" refType="ctrY" refFor="ch" refForName="accent_1"/>
-                <dgm:constr type="rMarg" for="ch" forName="text_1" refType="w" refFor="ch" refForName="accent_1" fact="1.8"/>
-                <dgm:constr type="h" for="ch" forName="accent_2" refType="h" fact="0.1923"/>
-                <dgm:constr type="w" for="ch" forName="accent_2" refType="h" refFor="ch" refForName="accent_2" op="equ"/>
-                <dgm:constr type="ctrY" for="ch" forName="accent_2" refType="h" fact="0.3846"/>
-                <dgm:constr type="ctrX" for="ch" forName="accent_2" refType="w"/>
-                <dgm:constr type="ctrXOff" for="ch" forName="accent_2" refType="h" fact="-0.215"/>
-                <dgm:constr type="r" for="ch" forName="text_2" refType="ctrX" refFor="ch" refForName="accent_2"/>
-                <dgm:constr type="rOff" for="ch" forName="text_2" refType="ctrXOff" refFor="ch" refForName="accent_2"/>
-                <dgm:constr type="l" for="ch" forName="text_2"/>
-                <dgm:constr type="w" for="ch" forName="text_2" refType="h" refFor="ch" refForName="text_2" op="gte"/>
-                <dgm:constr type="h" for="ch" forName="text_2" refType="h" refFor="ch" refForName="accent_2" fact="0.8"/>
-                <dgm:constr type="ctrY" for="ch" forName="text_2" refType="ctrY" refFor="ch" refForName="accent_2"/>
-                <dgm:constr type="rMarg" for="ch" forName="text_2" refType="w" refFor="ch" refForName="accent_2" fact="1.8"/>
-                <dgm:constr type="h" for="ch" forName="accent_3" refType="h" fact="0.1923"/>
-                <dgm:constr type="w" for="ch" forName="accent_3" refType="h" refFor="ch" refForName="accent_3" op="equ"/>
-                <dgm:constr type="ctrY" for="ch" forName="accent_3" refType="h" fact="0.6154"/>
-                <dgm:constr type="ctrX" for="ch" forName="accent_3" refType="w"/>
-                <dgm:constr type="ctrXOff" for="ch" forName="accent_3" refType="h" fact="-0.215"/>
-                <dgm:constr type="r" for="ch" forName="text_3" refType="ctrX" refFor="ch" refForName="accent_3"/>
-                <dgm:constr type="rOff" for="ch" forName="text_3" refType="ctrXOff" refFor="ch" refForName="accent_3"/>
-                <dgm:constr type="l" for="ch" forName="text_3"/>
-                <dgm:constr type="w" for="ch" forName="text_3" refType="h" refFor="ch" refForName="text_3" op="gte"/>
-                <dgm:constr type="h" for="ch" forName="text_3" refType="h" refFor="ch" refForName="accent_3" fact="0.8"/>
-                <dgm:constr type="ctrY" for="ch" forName="text_3" refType="ctrY" refFor="ch" refForName="accent_3"/>
-                <dgm:constr type="rMarg" for="ch" forName="text_3" refType="w" refFor="ch" refForName="accent_3" fact="1.8"/>
-                <dgm:constr type="h" for="ch" forName="accent_4" refType="h" fact="0.1923"/>
-                <dgm:constr type="w" for="ch" forName="accent_4" refType="h" refFor="ch" refForName="accent_4" op="equ"/>
-                <dgm:constr type="ctrY" for="ch" forName="accent_4" refType="h" fact="0.8462"/>
-                <dgm:constr type="ctrX" for="ch" forName="accent_4" refType="w"/>
-                <dgm:constr type="ctrXOff" for="ch" forName="accent_4" refType="h" fact="-0.1268"/>
-                <dgm:constr type="r" for="ch" forName="text_4" refType="ctrX" refFor="ch" refForName="accent_4"/>
-                <dgm:constr type="rOff" for="ch" forName="text_4" refType="ctrXOff" refFor="ch" refForName="accent_4"/>
-                <dgm:constr type="l" for="ch" forName="text_4"/>
-                <dgm:constr type="w" for="ch" forName="text_4" refType="h" refFor="ch" refForName="text_4" op="gte"/>
-                <dgm:constr type="h" for="ch" forName="text_4" refType="h" refFor="ch" refForName="accent_4" fact="0.8"/>
-                <dgm:constr type="ctrY" for="ch" forName="text_4" refType="ctrY" refFor="ch" refForName="accent_4"/>
-                <dgm:constr type="rMarg" for="ch" forName="text_4" refType="w" refFor="ch" refForName="accent_4" fact="1.8"/>
-                <dgm:constr type="primFontSz" for="ch" ptType="node" op="equ" val="65"/>
-              </dgm:constrLst>
-            </dgm:if>
-            <dgm:if name="Name18" axis="ch" ptType="node" func="cnt" op="equ" val="5">
-              <dgm:constrLst>
-                <dgm:constr type="h" for="ch" forName="cycle" refType="h"/>
-                <dgm:constr type="w" for="ch" forName="cycle" refType="h" refFor="ch" refForName="cycle" fact="0.26"/>
-                <dgm:constr type="r" for="ch" forName="cycle" refType="w"/>
-                <dgm:constr type="ctrY" for="ch" forName="cycle" refType="h" fact="0.5"/>
-                <dgm:constr type="diam" for="ch" forName="cycle" refType="h" fact="1.344"/>
-                <dgm:constr type="h" for="ch" forName="accent_1" refType="h" fact="0.1563"/>
-                <dgm:constr type="w" for="ch" forName="accent_1" refType="h" refFor="ch" refForName="accent_1" op="equ"/>
-                <dgm:constr type="ctrY" for="ch" forName="accent_1" refType="h" fact="0.125"/>
-                <dgm:constr type="ctrX" for="ch" forName="accent_1" refType="w"/>
-                <dgm:constr type="ctrXOff" for="ch" forName="accent_1" refType="h" fact="-0.1082"/>
-                <dgm:constr type="r" for="ch" forName="text_1" refType="ctrX" refFor="ch" refForName="accent_1"/>
-                <dgm:constr type="rOff" for="ch" forName="text_1" refType="ctrXOff" refFor="ch" refForName="accent_1"/>
-                <dgm:constr type="l" for="ch" forName="text_1"/>
-                <dgm:constr type="w" for="ch" forName="text_1" refType="h" refFor="ch" refForName="text_1" op="gte"/>
-                <dgm:constr type="h" for="ch" forName="text_1" refType="h" refFor="ch" refForName="accent_1" fact="0.8"/>
-                <dgm:constr type="ctrY" for="ch" forName="text_1" refType="ctrY" refFor="ch" refForName="accent_1"/>
-                <dgm:constr type="rMarg" for="ch" forName="text_1" refType="w" refFor="ch" refForName="accent_1" fact="1.8"/>
-                <dgm:constr type="h" for="ch" forName="accent_2" refType="h" fact="0.1563"/>
-                <dgm:constr type="w" for="ch" forName="accent_2" refType="h" refFor="ch" refForName="accent_2" op="equ"/>
-                <dgm:constr type="ctrY" for="ch" forName="accent_2" refType="h" fact="0.3125"/>
-                <dgm:constr type="ctrX" for="ch" forName="accent_2" refType="w"/>
-                <dgm:constr type="ctrXOff" for="ch" forName="accent_2" refType="h" fact="-0.1978"/>
-                <dgm:constr type="r" for="ch" forName="text_2" refType="ctrX" refFor="ch" refForName="accent_2"/>
-                <dgm:constr type="rOff" for="ch" forName="text_2" refType="ctrXOff" refFor="ch" refForName="accent_2"/>
-                <dgm:constr type="l" for="ch" forName="text_2"/>
-                <dgm:constr type="w" for="ch" forName="text_2" refType="h" refFor="ch" refForName="text_2" op="gte"/>
-                <dgm:constr type="h" for="ch" forName="text_2" refType="h" refFor="ch" refForName="accent_2" fact="0.8"/>
-                <dgm:constr type="ctrY" for="ch" forName="text_2" refType="ctrY" refFor="ch" refForName="accent_2"/>
-                <dgm:constr type="rMarg" for="ch" forName="text_2" refType="w" refFor="ch" refForName="accent_2" fact="1.8"/>
-                <dgm:constr type="h" for="ch" forName="accent_3" refType="h" fact="0.1563"/>
-                <dgm:constr type="w" for="ch" forName="accent_3" refType="h" refFor="ch" refForName="accent_3" op="equ"/>
-                <dgm:constr type="ctrY" for="ch" forName="accent_3" refType="h" fact="0.5"/>
-                <dgm:constr type="ctrX" for="ch" forName="accent_3" refType="w"/>
-                <dgm:constr type="ctrXOff" for="ch" forName="accent_3" refType="h" fact="-0.2253"/>
-                <dgm:constr type="r" for="ch" forName="text_3" refType="ctrX" refFor="ch" refForName="accent_3"/>
-                <dgm:constr type="rOff" for="ch" forName="text_3" refType="ctrXOff" refFor="ch" refForName="accent_3"/>
-                <dgm:constr type="l" for="ch" forName="text_3"/>
-                <dgm:constr type="w" for="ch" forName="text_3" refType="h" refFor="ch" refForName="text_3" op="gte"/>
-                <dgm:constr type="h" for="ch" forName="text_3" refType="h" refFor="ch" refForName="accent_3" fact="0.8"/>
-                <dgm:constr type="ctrY" for="ch" forName="text_3" refType="ctrY" refFor="ch" refForName="accent_3"/>
-                <dgm:constr type="rMarg" for="ch" forName="text_3" refType="w" refFor="ch" refForName="accent_3" fact="1.8"/>
-                <dgm:constr type="h" for="ch" forName="accent_4" refType="h" fact="0.1563"/>
-                <dgm:constr type="w" for="ch" forName="accent_4" refType="h" refFor="ch" refForName="accent_4" op="equ"/>
-                <dgm:constr type="ctrY" for="ch" forName="accent_4" refType="h" fact="0.6875"/>
-                <dgm:constr type="ctrX" for="ch" forName="accent_4" refType="w"/>
-                <dgm:constr type="ctrXOff" for="ch" forName="accent_4" refType="h" fact="-0.1978"/>
-                <dgm:constr type="r" for="ch" forName="text_4" refType="ctrX" refFor="ch" refForName="accent_4"/>
-                <dgm:constr type="rOff" for="ch" forName="text_4" refType="ctrXOff" refFor="ch" refForName="accent_4"/>
-                <dgm:constr type="l" for="ch" forName="text_4"/>
-                <dgm:constr type="w" for="ch" forName="text_4" refType="h" refFor="ch" refForName="text_4" op="gte"/>
-                <dgm:constr type="h" for="ch" forName="text_4" refType="h" refFor="ch" refForName="accent_4" fact="0.8"/>
-                <dgm:constr type="ctrY" for="ch" forName="text_4" refType="ctrY" refFor="ch" refForName="accent_4"/>
-                <dgm:constr type="rMarg" for="ch" forName="text_4" refType="w" refFor="ch" refForName="accent_4" fact="1.8"/>
-                <dgm:constr type="h" for="ch" forName="accent_5" refType="h" fact="0.1563"/>
-                <dgm:constr type="w" for="ch" forName="accent_5" refType="h" refFor="ch" refForName="accent_5" op="equ"/>
-                <dgm:constr type="ctrY" for="ch" forName="accent_5" refType="h" fact="0.875"/>
-                <dgm:constr type="ctrX" for="ch" forName="accent_5" refType="w"/>
-                <dgm:constr type="ctrXOff" for="ch" forName="accent_5" refType="h" fact="-0.1082"/>
-                <dgm:constr type="r" for="ch" forName="text_5" refType="ctrX" refFor="ch" refForName="accent_5"/>
-                <dgm:constr type="rOff" for="ch" forName="text_5" refType="ctrXOff" refFor="ch" refForName="accent_5"/>
-                <dgm:constr type="l" for="ch" forName="text_5"/>
-                <dgm:constr type="w" for="ch" forName="text_5" refType="h" refFor="ch" refForName="text_5" op="gte"/>
-                <dgm:constr type="h" for="ch" forName="text_5" refType="h" refFor="ch" refForName="accent_5" fact="0.8"/>
-                <dgm:constr type="ctrY" for="ch" forName="text_5" refType="ctrY" refFor="ch" refForName="accent_5"/>
-                <dgm:constr type="rMarg" for="ch" forName="text_5" refType="w" refFor="ch" refForName="accent_5" fact="1.8"/>
-                <dgm:constr type="primFontSz" for="ch" ptType="node" op="equ" val="65"/>
-              </dgm:constrLst>
-            </dgm:if>
-            <dgm:if name="Name19" axis="ch" ptType="node" func="cnt" op="equ" val="6">
-              <dgm:constrLst>
-                <dgm:constr type="h" for="ch" forName="cycle" refType="h"/>
-                <dgm:constr type="w" for="ch" forName="cycle" refType="h" refFor="ch" refForName="cycle" fact="0.26"/>
-                <dgm:constr type="r" for="ch" forName="cycle" refType="w"/>
-                <dgm:constr type="ctrY" for="ch" forName="cycle" refType="h" fact="0.5"/>
-                <dgm:constr type="diam" for="ch" forName="cycle" refType="h" fact="1.344"/>
-                <dgm:constr type="h" for="ch" forName="accent_1" refType="h" fact="0.1316"/>
-                <dgm:constr type="w" for="ch" forName="accent_1" refType="h" refFor="ch" refForName="accent_1" op="equ"/>
-                <dgm:constr type="ctrY" for="ch" forName="accent_1" refType="h" fact="0.1053"/>
-                <dgm:constr type="ctrX" for="ch" forName="accent_1" refType="w"/>
-                <dgm:constr type="ctrXOff" for="ch" forName="accent_1" refType="h" fact="-0.0943"/>
-                <dgm:constr type="r" for="ch" forName="text_1" refType="ctrX" refFor="ch" refForName="accent_1"/>
-                <dgm:constr type="rOff" for="ch" forName="text_1" refType="ctrXOff" refFor="ch" refForName="accent_1"/>
-                <dgm:constr type="l" for="ch" forName="text_1"/>
-                <dgm:constr type="w" for="ch" forName="text_1" refType="h" refFor="ch" refForName="text_1" op="gte"/>
-                <dgm:constr type="h" for="ch" forName="text_1" refType="h" refFor="ch" refForName="accent_1" fact="0.8"/>
-                <dgm:constr type="ctrY" for="ch" forName="text_1" refType="ctrY" refFor="ch" refForName="accent_1"/>
-                <dgm:constr type="rMarg" for="ch" forName="text_1" refType="w" refFor="ch" refForName="accent_1" fact="1.8"/>
-                <dgm:constr type="h" for="ch" forName="accent_2" refType="h" fact="0.1316"/>
-                <dgm:constr type="w" for="ch" forName="accent_2" refType="h" refFor="ch" refForName="accent_2" op="equ"/>
-                <dgm:constr type="ctrY" for="ch" forName="accent_2" refType="h" fact="0.2632"/>
-                <dgm:constr type="ctrX" for="ch" forName="accent_2" refType="w"/>
-                <dgm:constr type="ctrXOff" for="ch" forName="accent_2" refType="h" fact="-0.1809"/>
-                <dgm:constr type="r" for="ch" forName="text_2" refType="ctrX" refFor="ch" refForName="accent_2"/>
-                <dgm:constr type="rOff" for="ch" forName="text_2" refType="ctrXOff" refFor="ch" refForName="accent_2"/>
-                <dgm:constr type="l" for="ch" forName="text_2"/>
-                <dgm:constr type="w" for="ch" forName="text_2" refType="h" refFor="ch" refForName="text_2" op="gte"/>
-                <dgm:constr type="h" for="ch" forName="text_2" refType="h" refFor="ch" refForName="accent_2" fact="0.8"/>
-                <dgm:constr type="ctrY" for="ch" forName="text_2" refType="ctrY" refFor="ch" refForName="accent_2"/>
-                <dgm:constr type="rMarg" for="ch" forName="text_2" refType="w" refFor="ch" refForName="accent_2" fact="1.8"/>
-                <dgm:constr type="h" for="ch" forName="accent_3" refType="h" fact="0.1316"/>
-                <dgm:constr type="w" for="ch" forName="accent_3" refType="h" refFor="ch" refForName="accent_3" op="equ"/>
-                <dgm:constr type="ctrY" for="ch" forName="accent_3" refType="h" fact="0.4211"/>
-                <dgm:constr type="ctrX" for="ch" forName="accent_3" refType="w"/>
-                <dgm:constr type="ctrXOff" for="ch" forName="accent_3" refType="h" fact="-0.2205"/>
-                <dgm:constr type="r" for="ch" forName="text_3" refType="ctrX" refFor="ch" refForName="accent_3"/>
-                <dgm:constr type="rOff" for="ch" forName="text_3" refType="ctrXOff" refFor="ch" refForName="accent_3"/>
-                <dgm:constr type="l" for="ch" forName="text_3"/>
-                <dgm:constr type="w" for="ch" forName="text_3" refType="h" refFor="ch" refForName="text_3" op="gte"/>
-                <dgm:constr type="h" for="ch" forName="text_3" refType="h" refFor="ch" refForName="accent_3" fact="0.8"/>
-                <dgm:constr type="ctrY" for="ch" forName="text_3" refType="ctrY" refFor="ch" refForName="accent_3"/>
-                <dgm:constr type="rMarg" for="ch" forName="text_3" refType="w" refFor="ch" refForName="accent_3" fact="1.8"/>
-                <dgm:constr type="h" for="ch" forName="accent_4" refType="h" fact="0.1316"/>
-                <dgm:constr type="w" for="ch" forName="accent_4" refType="h" refFor="ch" refForName="accent_4" op="equ"/>
-                <dgm:constr type="ctrY" for="ch" forName="accent_4" refType="h" fact="0.5789"/>
-                <dgm:constr type="ctrX" for="ch" forName="accent_4" refType="w"/>
-                <dgm:constr type="ctrXOff" for="ch" forName="accent_4" refType="h" fact="-0.2205"/>
-                <dgm:constr type="r" for="ch" forName="text_4" refType="ctrX" refFor="ch" refForName="accent_4"/>
-                <dgm:constr type="rOff" for="ch" forName="text_4" refType="ctrXOff" refFor="ch" refForName="accent_4"/>
-                <dgm:constr type="l" for="ch" forName="text_4"/>
-                <dgm:constr type="w" for="ch" forName="text_4" refType="h" refFor="ch" refForName="text_4" op="gte"/>
-                <dgm:constr type="h" for="ch" forName="text_4" refType="h" refFor="ch" refForName="accent_4" fact="0.8"/>
-                <dgm:constr type="ctrY" for="ch" forName="text_4" refType="ctrY" refFor="ch" refForName="accent_4"/>
-                <dgm:constr type="rMarg" for="ch" forName="text_4" refType="w" refFor="ch" refForName="accent_4" fact="1.8"/>
-                <dgm:constr type="h" for="ch" forName="accent_5" refType="h" fact="0.1316"/>
-                <dgm:constr type="w" for="ch" forName="accent_5" refType="h" refFor="ch" refForName="accent_5" op="equ"/>
-                <dgm:constr type="ctrY" for="ch" forName="accent_5" refType="h" fact="0.7368"/>
-                <dgm:constr type="ctrX" for="ch" forName="accent_5" refType="w"/>
-                <dgm:constr type="ctrXOff" for="ch" forName="accent_5" refType="h" fact="-0.1809"/>
-                <dgm:constr type="r" for="ch" forName="text_5" refType="ctrX" refFor="ch" refForName="accent_5"/>
-                <dgm:constr type="rOff" for="ch" forName="text_5" refType="ctrXOff" refFor="ch" refForName="accent_5"/>
-                <dgm:constr type="l" for="ch" forName="text_5"/>
-                <dgm:constr type="w" for="ch" forName="text_5" refType="h" refFor="ch" refForName="text_5" op="gte"/>
-                <dgm:constr type="h" for="ch" forName="text_5" refType="h" refFor="ch" refForName="accent_5" fact="0.8"/>
-                <dgm:constr type="ctrY" for="ch" forName="text_5" refType="ctrY" refFor="ch" refForName="accent_5"/>
-                <dgm:constr type="rMarg" for="ch" forName="text_5" refType="w" refFor="ch" refForName="accent_5" fact="1.8"/>
-                <dgm:constr type="h" for="ch" forName="accent_6" refType="h" fact="0.1316"/>
-                <dgm:constr type="w" for="ch" forName="accent_6" refType="h" refFor="ch" refForName="accent_6" op="equ"/>
-                <dgm:constr type="ctrY" for="ch" forName="accent_6" refType="h" fact="0.8947"/>
-                <dgm:constr type="ctrX" for="ch" forName="accent_6" refType="w"/>
-                <dgm:constr type="ctrXOff" for="ch" forName="accent_6" refType="h" fact="-0.0943"/>
-                <dgm:constr type="r" for="ch" forName="text_6" refType="ctrX" refFor="ch" refForName="accent_6"/>
-                <dgm:constr type="rOff" for="ch" forName="text_6" refType="ctrXOff" refFor="ch" refForName="accent_6"/>
-                <dgm:constr type="l" for="ch" forName="text_6"/>
-                <dgm:constr type="w" for="ch" forName="text_6" refType="h" refFor="ch" refForName="text_6" op="gte"/>
-                <dgm:constr type="h" for="ch" forName="text_6" refType="h" refFor="ch" refForName="accent_6" fact="0.8"/>
-                <dgm:constr type="ctrY" for="ch" forName="text_6" refType="ctrY" refFor="ch" refForName="accent_6"/>
-                <dgm:constr type="rMarg" for="ch" forName="text_6" refType="w" refFor="ch" refForName="accent_6" fact="1.8"/>
-                <dgm:constr type="primFontSz" for="ch" ptType="node" op="equ" val="65"/>
-              </dgm:constrLst>
-            </dgm:if>
-            <dgm:else name="Name20">
-              <dgm:constrLst>
-                <dgm:constr type="h" for="ch" forName="cycle" refType="h"/>
-                <dgm:constr type="w" for="ch" forName="cycle" refType="h" refFor="ch" refForName="cycle" fact="0.26"/>
-                <dgm:constr type="r" for="ch" forName="cycle" refType="w"/>
-                <dgm:constr type="ctrY" for="ch" forName="cycle" refType="h" fact="0.5"/>
-                <dgm:constr type="diam" for="ch" forName="cycle" refType="h" fact="1.344"/>
-                <dgm:constr type="h" for="ch" forName="accent_1" refType="h" fact="0.1136"/>
-                <dgm:constr type="w" for="ch" forName="accent_1" refType="h" refFor="ch" refForName="accent_1" op="equ"/>
-                <dgm:constr type="ctrY" for="ch" forName="accent_1" refType="h" fact="0.0909"/>
-                <dgm:constr type="ctrX" for="ch" forName="accent_1" refType="w"/>
-                <dgm:constr type="ctrXOff" for="ch" forName="accent_1" refType="h" fact="-0.0835"/>
-                <dgm:constr type="r" for="ch" forName="text_1" refType="ctrX" refFor="ch" refForName="accent_1"/>
-                <dgm:constr type="rOff" for="ch" forName="text_1" refType="ctrXOff" refFor="ch" refForName="accent_1"/>
-                <dgm:constr type="l" for="ch" forName="text_1"/>
-                <dgm:constr type="w" for="ch" forName="text_1" refType="h" refFor="ch" refForName="text_1" op="gte"/>
-                <dgm:constr type="h" for="ch" forName="text_1" refType="h" refFor="ch" refForName="accent_1" fact="0.8"/>
-                <dgm:constr type="ctrY" for="ch" forName="text_1" refType="ctrY" refFor="ch" refForName="accent_1"/>
-                <dgm:constr type="rMarg" for="ch" forName="text_1" refType="w" refFor="ch" refForName="accent_1" fact="1.8"/>
-                <dgm:constr type="h" for="ch" forName="accent_2" refType="h" fact="0.1136"/>
-                <dgm:constr type="w" for="ch" forName="accent_2" refType="h" refFor="ch" refForName="accent_2" op="equ"/>
-                <dgm:constr type="ctrY" for="ch" forName="accent_2" refType="h" fact="0.2273"/>
-                <dgm:constr type="ctrX" for="ch" forName="accent_2" refType="w"/>
-                <dgm:constr type="ctrXOff" for="ch" forName="accent_2" refType="h" fact="-0.1658"/>
-                <dgm:constr type="r" for="ch" forName="text_2" refType="ctrX" refFor="ch" refForName="accent_2"/>
-                <dgm:constr type="rOff" for="ch" forName="text_2" refType="ctrXOff" refFor="ch" refForName="accent_2"/>
-                <dgm:constr type="l" for="ch" forName="text_2"/>
-                <dgm:constr type="w" for="ch" forName="text_2" refType="h" refFor="ch" refForName="text_2" op="gte"/>
-                <dgm:constr type="h" for="ch" forName="text_2" refType="h" refFor="ch" refForName="accent_2" fact="0.8"/>
-                <dgm:constr type="ctrY" for="ch" forName="text_2" refType="ctrY" refFor="ch" refForName="accent_2"/>
-                <dgm:constr type="rMarg" for="ch" forName="text_2" refType="w" refFor="ch" refForName="accent_2" fact="1.8"/>
-                <dgm:constr type="h" for="ch" forName="accent_3" refType="h" fact="0.1136"/>
-                <dgm:constr type="w" for="ch" forName="accent_3" refType="h" refFor="ch" refForName="accent_3" op="equ"/>
-                <dgm:constr type="ctrY" for="ch" forName="accent_3" refType="h" fact="0.3636"/>
-                <dgm:constr type="ctrX" for="ch" forName="accent_3" refType="w"/>
-                <dgm:constr type="ctrXOff" for="ch" forName="accent_3" refType="h" fact="-0.2109"/>
-                <dgm:constr type="r" for="ch" forName="text_3" refType="ctrX" refFor="ch" refForName="accent_3"/>
-                <dgm:constr type="rOff" for="ch" forName="text_3" refType="ctrXOff" refFor="ch" refForName="accent_3"/>
-                <dgm:constr type="l" for="ch" forName="text_3"/>
-                <dgm:constr type="w" for="ch" forName="text_3" refType="h" refFor="ch" refForName="text_3" op="gte"/>
-                <dgm:constr type="h" for="ch" forName="text_3" refType="h" refFor="ch" refForName="accent_3" fact="0.8"/>
-                <dgm:constr type="ctrY" for="ch" forName="text_3" refType="ctrY" refFor="ch" refForName="accent_3"/>
-                <dgm:constr type="rMarg" for="ch" forName="text_3" refType="w" refFor="ch" refForName="accent_3" fact="1.8"/>
-                <dgm:constr type="h" for="ch" forName="accent_4" refType="h" fact="0.1136"/>
-                <dgm:constr type="w" for="ch" forName="accent_4" refType="h" refFor="ch" refForName="accent_4" op="equ"/>
-                <dgm:constr type="ctrY" for="ch" forName="accent_4" refType="h" fact="0.5"/>
-                <dgm:constr type="ctrX" for="ch" forName="accent_4" refType="w"/>
-                <dgm:constr type="ctrXOff" for="ch" forName="accent_4" refType="h" fact="-0.2253"/>
-                <dgm:constr type="r" for="ch" forName="text_4" refType="ctrX" refFor="ch" refForName="accent_4"/>
-                <dgm:constr type="rOff" for="ch" forName="text_4" refType="ctrXOff" refFor="ch" refForName="accent_4"/>
-                <dgm:constr type="l" for="ch" forName="text_4"/>
-                <dgm:constr type="w" for="ch" forName="text_4" refType="h" refFor="ch" refForName="text_4" op="gte"/>
-                <dgm:constr type="h" for="ch" forName="text_4" refType="h" refFor="ch" refForName="accent_4" fact="0.8"/>
-                <dgm:constr type="ctrY" for="ch" forName="text_4" refType="ctrY" refFor="ch" refForName="accent_4"/>
-                <dgm:constr type="rMarg" for="ch" forName="text_4" refType="w" refFor="ch" refForName="accent_4" fact="1.8"/>
-                <dgm:constr type="h" for="ch" forName="accent_5" refType="h" fact="0.1136"/>
-                <dgm:constr type="w" for="ch" forName="accent_5" refType="h" refFor="ch" refForName="accent_5" op="equ"/>
-                <dgm:constr type="ctrY" for="ch" forName="accent_5" refType="h" fact="0.6364"/>
-                <dgm:constr type="ctrX" for="ch" forName="accent_5" refType="w"/>
-                <dgm:constr type="ctrXOff" for="ch" forName="accent_5" refType="h" fact="-0.2109"/>
-                <dgm:constr type="r" for="ch" forName="text_5" refType="ctrX" refFor="ch" refForName="accent_5"/>
-                <dgm:constr type="rOff" for="ch" forName="text_5" refType="ctrXOff" refFor="ch" refForName="accent_5"/>
-                <dgm:constr type="l" for="ch" forName="text_5"/>
-                <dgm:constr type="w" for="ch" forName="text_5" refType="h" refFor="ch" refForName="text_5" op="gte"/>
-                <dgm:constr type="h" for="ch" forName="text_5" refType="h" refFor="ch" refForName="accent_5" fact="0.8"/>
-                <dgm:constr type="ctrY" for="ch" forName="text_5" refType="ctrY" refFor="ch" refForName="accent_5"/>
-                <dgm:constr type="rMarg" for="ch" forName="text_5" refType="w" refFor="ch" refForName="accent_5" fact="1.8"/>
-                <dgm:constr type="h" for="ch" forName="accent_6" refType="h" fact="0.1136"/>
-                <dgm:constr type="w" for="ch" forName="accent_6" refType="h" refFor="ch" refForName="accent_6" op="equ"/>
-                <dgm:constr type="ctrY" for="ch" forName="accent_6" refType="h" fact="0.7727"/>
-                <dgm:constr type="ctrX" for="ch" forName="accent_6" refType="w"/>
-                <dgm:constr type="ctrXOff" for="ch" forName="accent_6" refType="h" fact="-0.1658"/>
-                <dgm:constr type="r" for="ch" forName="text_6" refType="ctrX" refFor="ch" refForName="accent_6"/>
-                <dgm:constr type="rOff" for="ch" forName="text_6" refType="ctrXOff" refFor="ch" refForName="accent_6"/>
-                <dgm:constr type="l" for="ch" forName="text_6"/>
-                <dgm:constr type="w" for="ch" forName="text_6" refType="h" refFor="ch" refForName="text_6" op="gte"/>
-                <dgm:constr type="h" for="ch" forName="text_6" refType="h" refFor="ch" refForName="accent_6" fact="0.8"/>
-                <dgm:constr type="ctrY" for="ch" forName="text_6" refType="ctrY" refFor="ch" refForName="accent_6"/>
-                <dgm:constr type="rMarg" for="ch" forName="text_6" refType="w" refFor="ch" refForName="accent_6" fact="1.8"/>
-                <dgm:constr type="h" for="ch" forName="accent_7" refType="h" fact="0.1136"/>
-                <dgm:constr type="w" for="ch" forName="accent_7" refType="h" refFor="ch" refForName="accent_7" op="equ"/>
-                <dgm:constr type="ctrY" for="ch" forName="accent_7" refType="h" fact="0.9091"/>
-                <dgm:constr type="ctrX" for="ch" forName="accent_7" refType="w"/>
-                <dgm:constr type="ctrXOff" for="ch" forName="accent_7" refType="h" fact="-0.0835"/>
-                <dgm:constr type="r" for="ch" forName="text_7" refType="ctrX" refFor="ch" refForName="accent_7"/>
-                <dgm:constr type="rOff" for="ch" forName="text_7" refType="ctrXOff" refFor="ch" refForName="accent_7"/>
-                <dgm:constr type="l" for="ch" forName="text_7"/>
-                <dgm:constr type="w" for="ch" forName="text_7" refType="h" refFor="ch" refForName="text_7" op="gte"/>
-                <dgm:constr type="h" for="ch" forName="text_7" refType="h" refFor="ch" refForName="accent_7" fact="0.8"/>
-                <dgm:constr type="ctrY" for="ch" forName="text_7" refType="ctrY" refFor="ch" refForName="accent_7"/>
-                <dgm:constr type="rMarg" for="ch" forName="text_7" refType="w" refFor="ch" refForName="accent_7" fact="1.8"/>
-                <dgm:constr type="primFontSz" for="ch" ptType="node" op="equ" val="65"/>
-              </dgm:constrLst>
-            </dgm:else>
-          </dgm:choose>
-        </dgm:else>
-      </dgm:choose>
-      <dgm:layoutNode name="cycle">
-        <dgm:choose name="Name21">
-          <dgm:if name="Name22" func="var" arg="dir" op="equ" val="norm">
-            <dgm:alg type="cycle">
-              <dgm:param type="stAng" val="45"/>
-              <dgm:param type="spanAng" val="90"/>
-            </dgm:alg>
-          </dgm:if>
-          <dgm:else name="Name23">
-            <dgm:alg type="cycle">
-              <dgm:param type="stAng" val="225"/>
-              <dgm:param type="spanAng" val="90"/>
-            </dgm:alg>
-          </dgm:else>
-        </dgm:choose>
-        <dgm:shape xmlns:r="http://schemas.openxmlformats.org/officeDocument/2006/relationships" r:blip="">
-          <dgm:adjLst/>
-        </dgm:shape>
-        <dgm:presOf/>
-        <dgm:constrLst>
-          <dgm:constr type="w" for="ch" val="1"/>
-          <dgm:constr type="h" for="ch" val="1"/>
-          <dgm:constr type="diam" for="ch" forName="conn" refType="diam"/>
-        </dgm:constrLst>
-        <dgm:layoutNode name="srcNode">
-          <dgm:alg type="sp"/>
-          <dgm:shape xmlns:r="http://schemas.openxmlformats.org/officeDocument/2006/relationships" type="rect" r:blip="" hideGeom="1">
-            <dgm:adjLst/>
-          </dgm:shape>
-          <dgm:presOf/>
-        </dgm:layoutNode>
-        <dgm:layoutNode name="conn" styleLbl="parChTrans1D2">
-          <dgm:alg type="conn">
-            <dgm:param type="connRout" val="curve"/>
-            <dgm:param type="srcNode" val="srcNode"/>
-            <dgm:param type="dstNode" val="dstNode"/>
-            <dgm:param type="begPts" val="ctr"/>
-            <dgm:param type="endPts" val="ctr"/>
-            <dgm:param type="endSty" val="noArr"/>
-          </dgm:alg>
-          <dgm:shape xmlns:r="http://schemas.openxmlformats.org/officeDocument/2006/relationships" type="conn" r:blip="">
-            <dgm:adjLst/>
-          </dgm:shape>
-          <dgm:presOf axis="desOrSelf" ptType="sibTrans" hideLastTrans="0" st="0" cnt="1"/>
-          <dgm:constrLst>
-            <dgm:constr type="begPad"/>
-            <dgm:constr type="endPad"/>
-          </dgm:constrLst>
-        </dgm:layoutNode>
-        <dgm:layoutNode name="extraNode">
-          <dgm:alg type="sp"/>
-          <dgm:shape xmlns:r="http://schemas.openxmlformats.org/officeDocument/2006/relationships" type="rect" r:blip="" hideGeom="1">
-            <dgm:adjLst/>
-          </dgm:shape>
-          <dgm:presOf/>
-        </dgm:layoutNode>
-        <dgm:layoutNode name="dstNode">
-          <dgm:alg type="sp"/>
-          <dgm:shape xmlns:r="http://schemas.openxmlformats.org/officeDocument/2006/relationships" type="rect" r:blip="" hideGeom="1">
-            <dgm:adjLst/>
-          </dgm:shape>
-          <dgm:presOf/>
-        </dgm:layoutNode>
-      </dgm:layoutNode>
-      <dgm:forEach name="wrapper" axis="self" ptType="parTrans">
-        <dgm:forEach name="wrapper2" axis="self" ptType="sibTrans" st="2">
-          <dgm:forEach name="accentRepeat" axis="self">
-            <dgm:layoutNode name="accentRepeatNode" styleLbl="solidFgAcc1">
-              <dgm:alg type="sp"/>
-              <dgm:shape xmlns:r="http://schemas.openxmlformats.org/officeDocument/2006/relationships" type="ellipse" r:blip="">
-                <dgm:adjLst/>
-              </dgm:shape>
-              <dgm:presOf/>
-            </dgm:layoutNode>
-          </dgm:forEach>
-        </dgm:forEach>
-      </dgm:forEach>
-      <dgm:forEach name="Name24" axis="ch" ptType="node" cnt="1">
-        <dgm:layoutNode name="text_1" styleLbl="node1">
-          <dgm:varLst>
-            <dgm:bulletEnabled val="1"/>
-          </dgm:varLst>
-          <dgm:choose name="Name25">
-            <dgm:if name="Name26" func="var" arg="dir" op="equ" val="norm">
-              <dgm:alg type="tx">
-                <dgm:param type="parTxLTRAlign" val="l"/>
-                <dgm:param type="shpTxLTRAlignCh" val="l"/>
-                <dgm:param type="parTxRTLAlign" val="l"/>
-                <dgm:param type="shpTxRTLAlignCh" val="l"/>
-              </dgm:alg>
-            </dgm:if>
-            <dgm:else name="Name27">
-              <dgm:alg type="tx">
-                <dgm:param type="parTxLTRAlign" val="r"/>
-                <dgm:param type="shpTxLTRAlignCh" val="r"/>
-                <dgm:param type="parTxRTLAlign" val="r"/>
-                <dgm:param type="shpTxRTLAlignCh" val="r"/>
-              </dgm:alg>
-            </dgm:else>
-          </dgm:choose>
-          <dgm:shape xmlns:r="http://schemas.openxmlformats.org/officeDocument/2006/relationships" type="rect" r:blip="">
-            <dgm:adjLst/>
-          </dgm:shape>
-          <dgm:presOf axis="desOrSelf" ptType="node"/>
-          <dgm:constrLst>
-            <dgm:constr type="primFontSz" val="65"/>
-            <dgm:constr type="lMarg" refType="primFontSz" fact="0.2"/>
-            <dgm:constr type="rMarg" refType="primFontSz" fact="0.2"/>
-            <dgm:constr type="tMarg" refType="primFontSz" fact="0.2"/>
-            <dgm:constr type="bMarg" refType="primFontSz" fact="0.2"/>
-          </dgm:constrLst>
-          <dgm:ruleLst>
-            <dgm:rule type="primFontSz" val="5" fact="NaN" max="NaN"/>
-          </dgm:ruleLst>
-        </dgm:layoutNode>
-        <dgm:layoutNode name="accent_1">
-          <dgm:alg type="sp"/>
-          <dgm:shape xmlns:r="http://schemas.openxmlformats.org/officeDocument/2006/relationships" r:blip="">
-            <dgm:adjLst/>
-          </dgm:shape>
-          <dgm:presOf/>
-          <dgm:constrLst/>
-          <dgm:forEach name="Name28" ref="accentRepeat"/>
-        </dgm:layoutNode>
-      </dgm:forEach>
-      <dgm:forEach name="Name29" axis="ch" ptType="node" st="2" cnt="1">
-        <dgm:layoutNode name="text_2" styleLbl="node1">
-          <dgm:varLst>
-            <dgm:bulletEnabled val="1"/>
-          </dgm:varLst>
-          <dgm:choose name="Name30">
-            <dgm:if name="Name31" func="var" arg="dir" op="equ" val="norm">
-              <dgm:alg type="tx">
-                <dgm:param type="parTxLTRAlign" val="l"/>
-                <dgm:param type="shpTxLTRAlignCh" val="l"/>
-                <dgm:param type="parTxRTLAlign" val="l"/>
-                <dgm:param type="shpTxRTLAlignCh" val="l"/>
-              </dgm:alg>
-            </dgm:if>
-            <dgm:else name="Name32">
-              <dgm:alg type="tx">
-                <dgm:param type="parTxLTRAlign" val="r"/>
-                <dgm:param type="shpTxLTRAlignCh" val="r"/>
-                <dgm:param type="parTxRTLAlign" val="r"/>
-                <dgm:param type="shpTxRTLAlignCh" val="r"/>
-              </dgm:alg>
-            </dgm:else>
-          </dgm:choose>
-          <dgm:shape xmlns:r="http://schemas.openxmlformats.org/officeDocument/2006/relationships" type="rect" r:blip="">
-            <dgm:adjLst/>
-          </dgm:shape>
-          <dgm:presOf axis="desOrSelf" ptType="node"/>
-          <dgm:constrLst>
-            <dgm:constr type="primFontSz" val="65"/>
-            <dgm:constr type="lMarg" refType="primFontSz" fact="0.2"/>
-            <dgm:constr type="rMarg" refType="primFontSz" fact="0.2"/>
-            <dgm:constr type="tMarg" refType="primFontSz" fact="0.2"/>
-            <dgm:constr type="bMarg" refType="primFontSz" fact="0.2"/>
-          </dgm:constrLst>
-          <dgm:ruleLst>
-            <dgm:rule type="primFontSz" val="5" fact="NaN" max="NaN"/>
-          </dgm:ruleLst>
-        </dgm:layoutNode>
-        <dgm:layoutNode name="accent_2">
-          <dgm:alg type="sp"/>
-          <dgm:shape xmlns:r="http://schemas.openxmlformats.org/officeDocument/2006/relationships" r:blip="">
-            <dgm:adjLst/>
-          </dgm:shape>
-          <dgm:presOf/>
-          <dgm:constrLst/>
-          <dgm:forEach name="Name33" ref="accentRepeat"/>
-        </dgm:layoutNode>
-      </dgm:forEach>
-      <dgm:forEach name="Name34" axis="ch" ptType="node" st="3" cnt="1">
-        <dgm:layoutNode name="text_3" styleLbl="node1">
-          <dgm:varLst>
-            <dgm:bulletEnabled val="1"/>
-          </dgm:varLst>
-          <dgm:choose name="Name35">
-            <dgm:if name="Name36" func="var" arg="dir" op="equ" val="norm">
-              <dgm:alg type="tx">
-                <dgm:param type="parTxLTRAlign" val="l"/>
-                <dgm:param type="shpTxLTRAlignCh" val="l"/>
-                <dgm:param type="parTxRTLAlign" val="l"/>
-                <dgm:param type="shpTxRTLAlignCh" val="l"/>
-              </dgm:alg>
-            </dgm:if>
-            <dgm:else name="Name37">
-              <dgm:alg type="tx">
-                <dgm:param type="parTxLTRAlign" val="r"/>
-                <dgm:param type="shpTxLTRAlignCh" val="r"/>
-                <dgm:param type="parTxRTLAlign" val="r"/>
-                <dgm:param type="shpTxRTLAlignCh" val="r"/>
-              </dgm:alg>
-            </dgm:else>
-          </dgm:choose>
-          <dgm:shape xmlns:r="http://schemas.openxmlformats.org/officeDocument/2006/relationships" type="rect" r:blip="">
-            <dgm:adjLst/>
-          </dgm:shape>
-          <dgm:presOf axis="desOrSelf" ptType="node"/>
-          <dgm:constrLst>
-            <dgm:constr type="primFontSz" val="65"/>
-            <dgm:constr type="lMarg" refType="primFontSz" fact="0.2"/>
-            <dgm:constr type="rMarg" refType="primFontSz" fact="0.2"/>
-            <dgm:constr type="tMarg" refType="primFontSz" fact="0.2"/>
-            <dgm:constr type="bMarg" refType="primFontSz" fact="0.2"/>
-          </dgm:constrLst>
-          <dgm:ruleLst>
-            <dgm:rule type="primFontSz" val="5" fact="NaN" max="NaN"/>
-          </dgm:ruleLst>
-        </dgm:layoutNode>
-        <dgm:layoutNode name="accent_3">
-          <dgm:alg type="sp"/>
-          <dgm:shape xmlns:r="http://schemas.openxmlformats.org/officeDocument/2006/relationships" r:blip="">
-            <dgm:adjLst/>
-          </dgm:shape>
-          <dgm:presOf/>
-          <dgm:constrLst/>
-          <dgm:forEach name="Name38" ref="accentRepeat"/>
-        </dgm:layoutNode>
-      </dgm:forEach>
-      <dgm:forEach name="Name39" axis="ch" ptType="node" st="4" cnt="1">
-        <dgm:layoutNode name="text_4" styleLbl="node1">
-          <dgm:varLst>
-            <dgm:bulletEnabled val="1"/>
-          </dgm:varLst>
-          <dgm:choose name="Name40">
-            <dgm:if name="Name41" func="var" arg="dir" op="equ" val="norm">
-              <dgm:alg type="tx">
-                <dgm:param type="parTxLTRAlign" val="l"/>
-                <dgm:param type="shpTxLTRAlignCh" val="l"/>
-                <dgm:param type="parTxRTLAlign" val="l"/>
-                <dgm:param type="shpTxRTLAlignCh" val="l"/>
-              </dgm:alg>
-            </dgm:if>
-            <dgm:else name="Name42">
-              <dgm:alg type="tx">
-                <dgm:param type="parTxLTRAlign" val="r"/>
-                <dgm:param type="shpTxLTRAlignCh" val="r"/>
-                <dgm:param type="parTxRTLAlign" val="r"/>
-                <dgm:param type="shpTxRTLAlignCh" val="r"/>
-              </dgm:alg>
-            </dgm:else>
-          </dgm:choose>
-          <dgm:shape xmlns:r="http://schemas.openxmlformats.org/officeDocument/2006/relationships" type="rect" r:blip="">
-            <dgm:adjLst/>
-          </dgm:shape>
-          <dgm:presOf axis="desOrSelf" ptType="node"/>
-          <dgm:constrLst>
-            <dgm:constr type="primFontSz" val="65"/>
-            <dgm:constr type="lMarg" refType="primFontSz" fact="0.2"/>
-            <dgm:constr type="rMarg" refType="primFontSz" fact="0.2"/>
-            <dgm:constr type="tMarg" refType="primFontSz" fact="0.2"/>
-            <dgm:constr type="bMarg" refType="primFontSz" fact="0.2"/>
-          </dgm:constrLst>
-          <dgm:ruleLst>
-            <dgm:rule type="primFontSz" val="5" fact="NaN" max="NaN"/>
-          </dgm:ruleLst>
-        </dgm:layoutNode>
-        <dgm:layoutNode name="accent_4">
-          <dgm:alg type="sp"/>
-          <dgm:shape xmlns:r="http://schemas.openxmlformats.org/officeDocument/2006/relationships" r:blip="">
-            <dgm:adjLst/>
-          </dgm:shape>
-          <dgm:presOf/>
-          <dgm:constrLst/>
-          <dgm:forEach name="Name43" ref="accentRepeat"/>
-        </dgm:layoutNode>
-      </dgm:forEach>
-      <dgm:forEach name="Name44" axis="ch" ptType="node" st="5" cnt="1">
-        <dgm:layoutNode name="text_5" styleLbl="node1">
-          <dgm:varLst>
-            <dgm:bulletEnabled val="1"/>
-          </dgm:varLst>
-          <dgm:choose name="Name45">
-            <dgm:if name="Name46" func="var" arg="dir" op="equ" val="norm">
-              <dgm:alg type="tx">
-                <dgm:param type="parTxLTRAlign" val="l"/>
-                <dgm:param type="shpTxLTRAlignCh" val="l"/>
-                <dgm:param type="parTxRTLAlign" val="l"/>
-                <dgm:param type="shpTxRTLAlignCh" val="l"/>
-              </dgm:alg>
-            </dgm:if>
-            <dgm:else name="Name47">
-              <dgm:alg type="tx">
-                <dgm:param type="parTxLTRAlign" val="r"/>
-                <dgm:param type="shpTxLTRAlignCh" val="r"/>
-                <dgm:param type="parTxRTLAlign" val="r"/>
-                <dgm:param type="shpTxRTLAlignCh" val="r"/>
-              </dgm:alg>
-            </dgm:else>
-          </dgm:choose>
-          <dgm:shape xmlns:r="http://schemas.openxmlformats.org/officeDocument/2006/relationships" type="rect" r:blip="">
-            <dgm:adjLst/>
-          </dgm:shape>
-          <dgm:presOf axis="desOrSelf" ptType="node"/>
-          <dgm:constrLst>
-            <dgm:constr type="primFontSz" val="65"/>
-            <dgm:constr type="lMarg" refType="primFontSz" fact="0.2"/>
-            <dgm:constr type="rMarg" refType="primFontSz" fact="0.2"/>
-            <dgm:constr type="tMarg" refType="primFontSz" fact="0.2"/>
-            <dgm:constr type="bMarg" refType="primFontSz" fact="0.2"/>
-          </dgm:constrLst>
-          <dgm:ruleLst>
-            <dgm:rule type="primFontSz" val="5" fact="NaN" max="NaN"/>
-          </dgm:ruleLst>
-        </dgm:layoutNode>
-        <dgm:layoutNode name="accent_5">
-          <dgm:alg type="sp"/>
-          <dgm:shape xmlns:r="http://schemas.openxmlformats.org/officeDocument/2006/relationships" r:blip="">
-            <dgm:adjLst/>
-          </dgm:shape>
-          <dgm:presOf/>
-          <dgm:constrLst/>
-          <dgm:forEach name="Name48" ref="accentRepeat"/>
-        </dgm:layoutNode>
-      </dgm:forEach>
-      <dgm:forEach name="Name49" axis="ch" ptType="node" st="6" cnt="1">
-        <dgm:layoutNode name="text_6" styleLbl="node1">
-          <dgm:varLst>
-            <dgm:bulletEnabled val="1"/>
-          </dgm:varLst>
-          <dgm:choose name="Name50">
-            <dgm:if name="Name51" func="var" arg="dir" op="equ" val="norm">
-              <dgm:alg type="tx">
-                <dgm:param type="parTxLTRAlign" val="l"/>
-                <dgm:param type="shpTxLTRAlignCh" val="l"/>
-                <dgm:param type="parTxRTLAlign" val="l"/>
-                <dgm:param type="shpTxRTLAlignCh" val="l"/>
-              </dgm:alg>
-            </dgm:if>
-            <dgm:else name="Name52">
-              <dgm:alg type="tx">
-                <dgm:param type="parTxLTRAlign" val="r"/>
-                <dgm:param type="shpTxLTRAlignCh" val="r"/>
-                <dgm:param type="parTxRTLAlign" val="r"/>
-                <dgm:param type="shpTxRTLAlignCh" val="r"/>
-              </dgm:alg>
-            </dgm:else>
-          </dgm:choose>
-          <dgm:shape xmlns:r="http://schemas.openxmlformats.org/officeDocument/2006/relationships" type="rect" r:blip="">
-            <dgm:adjLst/>
-          </dgm:shape>
-          <dgm:presOf axis="desOrSelf" ptType="node"/>
-          <dgm:constrLst>
-            <dgm:constr type="primFontSz" val="65"/>
-            <dgm:constr type="lMarg" refType="primFontSz" fact="0.2"/>
-            <dgm:constr type="rMarg" refType="primFontSz" fact="0.2"/>
-            <dgm:constr type="tMarg" refType="primFontSz" fact="0.2"/>
-            <dgm:constr type="bMarg" refType="primFontSz" fact="0.2"/>
-          </dgm:constrLst>
-          <dgm:ruleLst>
-            <dgm:rule type="primFontSz" val="5" fact="NaN" max="NaN"/>
-          </dgm:ruleLst>
-        </dgm:layoutNode>
-        <dgm:layoutNode name="accent_6">
-          <dgm:alg type="sp"/>
-          <dgm:shape xmlns:r="http://schemas.openxmlformats.org/officeDocument/2006/relationships" r:blip="">
-            <dgm:adjLst/>
-          </dgm:shape>
-          <dgm:presOf/>
-          <dgm:constrLst/>
-          <dgm:forEach name="Name53" ref="accentRepeat"/>
-        </dgm:layoutNode>
-      </dgm:forEach>
-      <dgm:forEach name="Name54" axis="ch" ptType="node" st="7" cnt="1">
-        <dgm:layoutNode name="text_7" styleLbl="node1">
-          <dgm:varLst>
-            <dgm:bulletEnabled val="1"/>
-          </dgm:varLst>
-          <dgm:choose name="Name55">
-            <dgm:if name="Name56" func="var" arg="dir" op="equ" val="norm">
-              <dgm:alg type="tx">
-                <dgm:param type="parTxLTRAlign" val="l"/>
-                <dgm:param type="shpTxLTRAlignCh" val="l"/>
-                <dgm:param type="parTxRTLAlign" val="l"/>
-                <dgm:param type="shpTxRTLAlignCh" val="l"/>
-              </dgm:alg>
-            </dgm:if>
-            <dgm:else name="Name57">
-              <dgm:alg type="tx">
-                <dgm:param type="parTxLTRAlign" val="r"/>
-                <dgm:param type="shpTxLTRAlignCh" val="r"/>
-                <dgm:param type="parTxRTLAlign" val="r"/>
-                <dgm:param type="shpTxRTLAlignCh" val="r"/>
-              </dgm:alg>
-            </dgm:else>
-          </dgm:choose>
-          <dgm:shape xmlns:r="http://schemas.openxmlformats.org/officeDocument/2006/relationships" type="rect" r:blip="">
-            <dgm:adjLst/>
-          </dgm:shape>
-          <dgm:presOf axis="desOrSelf" ptType="node"/>
-          <dgm:constrLst>
-            <dgm:constr type="primFontSz" val="65"/>
-            <dgm:constr type="lMarg" refType="primFontSz" fact="0.2"/>
-            <dgm:constr type="rMarg" refType="primFontSz" fact="0.2"/>
-            <dgm:constr type="tMarg" refType="primFontSz" fact="0.2"/>
-            <dgm:constr type="bMarg" refType="primFontSz" fact="0.2"/>
-          </dgm:constrLst>
-          <dgm:ruleLst>
-            <dgm:rule type="primFontSz" val="5" fact="NaN" max="NaN"/>
-          </dgm:ruleLst>
-        </dgm:layoutNode>
-        <dgm:layoutNode name="accent_7">
-          <dgm:alg type="sp"/>
-          <dgm:shape xmlns:r="http://schemas.openxmlformats.org/officeDocument/2006/relationships" r:blip="">
-            <dgm:adjLst/>
-          </dgm:shape>
-          <dgm:presOf/>
-          <dgm:constrLst/>
-          <dgm:forEach name="Name58" ref="accentRepeat"/>
-        </dgm:layoutNode>
-      </dgm:forEach>
-    </dgm:layoutNode>
-  </dgm:layoutNode>
-</dgm:layoutDef>
-</file>
-
-<file path=ppt/diagrams/layout2.xml><?xml version="1.0" encoding="utf-8"?>
 <dgm:layoutDef xmlns:dgm="http://schemas.openxmlformats.org/drawingml/2006/diagram" xmlns:a="http://schemas.openxmlformats.org/drawingml/2006/main" uniqueId="urn:microsoft.com/office/officeart/2008/layout/VerticalCurvedList">
   <dgm:title val=""/>
   <dgm:desc val=""/>
@@ -8127,1040 +4441,6 @@
 </dgm:styleDef>
 </file>
 
-<file path=ppt/diagrams/quickStyle2.xml><?xml version="1.0" encoding="utf-8"?>
-<dgm:styleDef xmlns:dgm="http://schemas.openxmlformats.org/drawingml/2006/diagram" xmlns:a="http://schemas.openxmlformats.org/drawingml/2006/main" uniqueId="urn:microsoft.com/office/officeart/2005/8/quickstyle/simple1">
-  <dgm:title val=""/>
-  <dgm:desc val=""/>
-  <dgm:catLst>
-    <dgm:cat type="simple" pri="10100"/>
-  </dgm:catLst>
-  <dgm:scene3d>
-    <a:camera prst="orthographicFront"/>
-    <a:lightRig rig="threePt" dir="t"/>
-  </dgm:scene3d>
-  <dgm:styleLbl name="node0">
-    <dgm:scene3d>
-      <a:camera prst="orthographicFront"/>
-      <a:lightRig rig="threePt" dir="t"/>
-    </dgm:scene3d>
-    <dgm:sp3d/>
-    <dgm:txPr/>
-    <dgm:style>
-      <a:lnRef idx="2">
-        <a:scrgbClr r="0" g="0" b="0"/>
-      </a:lnRef>
-      <a:fillRef idx="1">
-        <a:scrgbClr r="0" g="0" b="0"/>
-      </a:fillRef>
-      <a:effectRef idx="0">
-        <a:scrgbClr r="0" g="0" b="0"/>
-      </a:effectRef>
-      <a:fontRef idx="minor">
-        <a:schemeClr val="lt1"/>
-      </a:fontRef>
-    </dgm:style>
-  </dgm:styleLbl>
-  <dgm:styleLbl name="lnNode1">
-    <dgm:scene3d>
-      <a:camera prst="orthographicFront"/>
-      <a:lightRig rig="threePt" dir="t"/>
-    </dgm:scene3d>
-    <dgm:sp3d/>
-    <dgm:txPr/>
-    <dgm:style>
-      <a:lnRef idx="2">
-        <a:scrgbClr r="0" g="0" b="0"/>
-      </a:lnRef>
-      <a:fillRef idx="1">
-        <a:scrgbClr r="0" g="0" b="0"/>
-      </a:fillRef>
-      <a:effectRef idx="0">
-        <a:scrgbClr r="0" g="0" b="0"/>
-      </a:effectRef>
-      <a:fontRef idx="minor">
-        <a:schemeClr val="lt1"/>
-      </a:fontRef>
-    </dgm:style>
-  </dgm:styleLbl>
-  <dgm:styleLbl name="vennNode1">
-    <dgm:scene3d>
-      <a:camera prst="orthographicFront"/>
-      <a:lightRig rig="threePt" dir="t"/>
-    </dgm:scene3d>
-    <dgm:sp3d/>
-    <dgm:txPr/>
-    <dgm:style>
-      <a:lnRef idx="2">
-        <a:scrgbClr r="0" g="0" b="0"/>
-      </a:lnRef>
-      <a:fillRef idx="1">
-        <a:scrgbClr r="0" g="0" b="0"/>
-      </a:fillRef>
-      <a:effectRef idx="0">
-        <a:scrgbClr r="0" g="0" b="0"/>
-      </a:effectRef>
-      <a:fontRef idx="minor">
-        <a:schemeClr val="tx1"/>
-      </a:fontRef>
-    </dgm:style>
-  </dgm:styleLbl>
-  <dgm:styleLbl name="alignNode1">
-    <dgm:scene3d>
-      <a:camera prst="orthographicFront"/>
-      <a:lightRig rig="threePt" dir="t"/>
-    </dgm:scene3d>
-    <dgm:sp3d/>
-    <dgm:txPr/>
-    <dgm:style>
-      <a:lnRef idx="2">
-        <a:scrgbClr r="0" g="0" b="0"/>
-      </a:lnRef>
-      <a:fillRef idx="1">
-        <a:scrgbClr r="0" g="0" b="0"/>
-      </a:fillRef>
-      <a:effectRef idx="0">
-        <a:scrgbClr r="0" g="0" b="0"/>
-      </a:effectRef>
-      <a:fontRef idx="minor">
-        <a:schemeClr val="lt1"/>
-      </a:fontRef>
-    </dgm:style>
-  </dgm:styleLbl>
-  <dgm:styleLbl name="node1">
-    <dgm:scene3d>
-      <a:camera prst="orthographicFront"/>
-      <a:lightRig rig="threePt" dir="t"/>
-    </dgm:scene3d>
-    <dgm:sp3d/>
-    <dgm:txPr/>
-    <dgm:style>
-      <a:lnRef idx="2">
-        <a:scrgbClr r="0" g="0" b="0"/>
-      </a:lnRef>
-      <a:fillRef idx="1">
-        <a:scrgbClr r="0" g="0" b="0"/>
-      </a:fillRef>
-      <a:effectRef idx="0">
-        <a:scrgbClr r="0" g="0" b="0"/>
-      </a:effectRef>
-      <a:fontRef idx="minor">
-        <a:schemeClr val="lt1"/>
-      </a:fontRef>
-    </dgm:style>
-  </dgm:styleLbl>
-  <dgm:styleLbl name="node2">
-    <dgm:scene3d>
-      <a:camera prst="orthographicFront"/>
-      <a:lightRig rig="threePt" dir="t"/>
-    </dgm:scene3d>
-    <dgm:sp3d/>
-    <dgm:txPr/>
-    <dgm:style>
-      <a:lnRef idx="2">
-        <a:scrgbClr r="0" g="0" b="0"/>
-      </a:lnRef>
-      <a:fillRef idx="1">
-        <a:scrgbClr r="0" g="0" b="0"/>
-      </a:fillRef>
-      <a:effectRef idx="0">
-        <a:scrgbClr r="0" g="0" b="0"/>
-      </a:effectRef>
-      <a:fontRef idx="minor">
-        <a:schemeClr val="lt1"/>
-      </a:fontRef>
-    </dgm:style>
-  </dgm:styleLbl>
-  <dgm:styleLbl name="node3">
-    <dgm:scene3d>
-      <a:camera prst="orthographicFront"/>
-      <a:lightRig rig="threePt" dir="t"/>
-    </dgm:scene3d>
-    <dgm:sp3d/>
-    <dgm:txPr/>
-    <dgm:style>
-      <a:lnRef idx="2">
-        <a:scrgbClr r="0" g="0" b="0"/>
-      </a:lnRef>
-      <a:fillRef idx="1">
-        <a:scrgbClr r="0" g="0" b="0"/>
-      </a:fillRef>
-      <a:effectRef idx="0">
-        <a:scrgbClr r="0" g="0" b="0"/>
-      </a:effectRef>
-      <a:fontRef idx="minor">
-        <a:schemeClr val="lt1"/>
-      </a:fontRef>
-    </dgm:style>
-  </dgm:styleLbl>
-  <dgm:styleLbl name="node4">
-    <dgm:scene3d>
-      <a:camera prst="orthographicFront"/>
-      <a:lightRig rig="threePt" dir="t"/>
-    </dgm:scene3d>
-    <dgm:sp3d/>
-    <dgm:txPr/>
-    <dgm:style>
-      <a:lnRef idx="2">
-        <a:scrgbClr r="0" g="0" b="0"/>
-      </a:lnRef>
-      <a:fillRef idx="1">
-        <a:scrgbClr r="0" g="0" b="0"/>
-      </a:fillRef>
-      <a:effectRef idx="0">
-        <a:scrgbClr r="0" g="0" b="0"/>
-      </a:effectRef>
-      <a:fontRef idx="minor">
-        <a:schemeClr val="lt1"/>
-      </a:fontRef>
-    </dgm:style>
-  </dgm:styleLbl>
-  <dgm:styleLbl name="fgImgPlace1">
-    <dgm:scene3d>
-      <a:camera prst="orthographicFront"/>
-      <a:lightRig rig="threePt" dir="t"/>
-    </dgm:scene3d>
-    <dgm:sp3d/>
-    <dgm:txPr/>
-    <dgm:style>
-      <a:lnRef idx="2">
-        <a:scrgbClr r="0" g="0" b="0"/>
-      </a:lnRef>
-      <a:fillRef idx="1">
-        <a:scrgbClr r="0" g="0" b="0"/>
-      </a:fillRef>
-      <a:effectRef idx="0">
-        <a:scrgbClr r="0" g="0" b="0"/>
-      </a:effectRef>
-      <a:fontRef idx="minor"/>
-    </dgm:style>
-  </dgm:styleLbl>
-  <dgm:styleLbl name="alignImgPlace1">
-    <dgm:scene3d>
-      <a:camera prst="orthographicFront"/>
-      <a:lightRig rig="threePt" dir="t"/>
-    </dgm:scene3d>
-    <dgm:sp3d/>
-    <dgm:txPr/>
-    <dgm:style>
-      <a:lnRef idx="2">
-        <a:scrgbClr r="0" g="0" b="0"/>
-      </a:lnRef>
-      <a:fillRef idx="1">
-        <a:scrgbClr r="0" g="0" b="0"/>
-      </a:fillRef>
-      <a:effectRef idx="0">
-        <a:scrgbClr r="0" g="0" b="0"/>
-      </a:effectRef>
-      <a:fontRef idx="minor"/>
-    </dgm:style>
-  </dgm:styleLbl>
-  <dgm:styleLbl name="bgImgPlace1">
-    <dgm:scene3d>
-      <a:camera prst="orthographicFront"/>
-      <a:lightRig rig="threePt" dir="t"/>
-    </dgm:scene3d>
-    <dgm:sp3d/>
-    <dgm:txPr/>
-    <dgm:style>
-      <a:lnRef idx="2">
-        <a:scrgbClr r="0" g="0" b="0"/>
-      </a:lnRef>
-      <a:fillRef idx="1">
-        <a:scrgbClr r="0" g="0" b="0"/>
-      </a:fillRef>
-      <a:effectRef idx="0">
-        <a:scrgbClr r="0" g="0" b="0"/>
-      </a:effectRef>
-      <a:fontRef idx="minor"/>
-    </dgm:style>
-  </dgm:styleLbl>
-  <dgm:styleLbl name="sibTrans2D1">
-    <dgm:scene3d>
-      <a:camera prst="orthographicFront"/>
-      <a:lightRig rig="threePt" dir="t"/>
-    </dgm:scene3d>
-    <dgm:sp3d/>
-    <dgm:txPr/>
-    <dgm:style>
-      <a:lnRef idx="0">
-        <a:scrgbClr r="0" g="0" b="0"/>
-      </a:lnRef>
-      <a:fillRef idx="1">
-        <a:scrgbClr r="0" g="0" b="0"/>
-      </a:fillRef>
-      <a:effectRef idx="0">
-        <a:scrgbClr r="0" g="0" b="0"/>
-      </a:effectRef>
-      <a:fontRef idx="minor">
-        <a:schemeClr val="lt1"/>
-      </a:fontRef>
-    </dgm:style>
-  </dgm:styleLbl>
-  <dgm:styleLbl name="fgSibTrans2D1">
-    <dgm:scene3d>
-      <a:camera prst="orthographicFront"/>
-      <a:lightRig rig="threePt" dir="t"/>
-    </dgm:scene3d>
-    <dgm:sp3d/>
-    <dgm:txPr/>
-    <dgm:style>
-      <a:lnRef idx="0">
-        <a:scrgbClr r="0" g="0" b="0"/>
-      </a:lnRef>
-      <a:fillRef idx="1">
-        <a:scrgbClr r="0" g="0" b="0"/>
-      </a:fillRef>
-      <a:effectRef idx="0">
-        <a:scrgbClr r="0" g="0" b="0"/>
-      </a:effectRef>
-      <a:fontRef idx="minor">
-        <a:schemeClr val="lt1"/>
-      </a:fontRef>
-    </dgm:style>
-  </dgm:styleLbl>
-  <dgm:styleLbl name="bgSibTrans2D1">
-    <dgm:scene3d>
-      <a:camera prst="orthographicFront"/>
-      <a:lightRig rig="threePt" dir="t"/>
-    </dgm:scene3d>
-    <dgm:sp3d/>
-    <dgm:txPr/>
-    <dgm:style>
-      <a:lnRef idx="0">
-        <a:scrgbClr r="0" g="0" b="0"/>
-      </a:lnRef>
-      <a:fillRef idx="1">
-        <a:scrgbClr r="0" g="0" b="0"/>
-      </a:fillRef>
-      <a:effectRef idx="0">
-        <a:scrgbClr r="0" g="0" b="0"/>
-      </a:effectRef>
-      <a:fontRef idx="minor">
-        <a:schemeClr val="lt1"/>
-      </a:fontRef>
-    </dgm:style>
-  </dgm:styleLbl>
-  <dgm:styleLbl name="sibTrans1D1">
-    <dgm:scene3d>
-      <a:camera prst="orthographicFront"/>
-      <a:lightRig rig="threePt" dir="t"/>
-    </dgm:scene3d>
-    <dgm:sp3d/>
-    <dgm:txPr/>
-    <dgm:style>
-      <a:lnRef idx="1">
-        <a:scrgbClr r="0" g="0" b="0"/>
-      </a:lnRef>
-      <a:fillRef idx="0">
-        <a:scrgbClr r="0" g="0" b="0"/>
-      </a:fillRef>
-      <a:effectRef idx="0">
-        <a:scrgbClr r="0" g="0" b="0"/>
-      </a:effectRef>
-      <a:fontRef idx="minor"/>
-    </dgm:style>
-  </dgm:styleLbl>
-  <dgm:styleLbl name="callout">
-    <dgm:scene3d>
-      <a:camera prst="orthographicFront"/>
-      <a:lightRig rig="threePt" dir="t"/>
-    </dgm:scene3d>
-    <dgm:sp3d/>
-    <dgm:txPr/>
-    <dgm:style>
-      <a:lnRef idx="2">
-        <a:scrgbClr r="0" g="0" b="0"/>
-      </a:lnRef>
-      <a:fillRef idx="1">
-        <a:scrgbClr r="0" g="0" b="0"/>
-      </a:fillRef>
-      <a:effectRef idx="0">
-        <a:scrgbClr r="0" g="0" b="0"/>
-      </a:effectRef>
-      <a:fontRef idx="minor"/>
-    </dgm:style>
-  </dgm:styleLbl>
-  <dgm:styleLbl name="asst0">
-    <dgm:scene3d>
-      <a:camera prst="orthographicFront"/>
-      <a:lightRig rig="threePt" dir="t"/>
-    </dgm:scene3d>
-    <dgm:sp3d/>
-    <dgm:txPr/>
-    <dgm:style>
-      <a:lnRef idx="2">
-        <a:scrgbClr r="0" g="0" b="0"/>
-      </a:lnRef>
-      <a:fillRef idx="1">
-        <a:scrgbClr r="0" g="0" b="0"/>
-      </a:fillRef>
-      <a:effectRef idx="0">
-        <a:scrgbClr r="0" g="0" b="0"/>
-      </a:effectRef>
-      <a:fontRef idx="minor">
-        <a:schemeClr val="lt1"/>
-      </a:fontRef>
-    </dgm:style>
-  </dgm:styleLbl>
-  <dgm:styleLbl name="asst1">
-    <dgm:scene3d>
-      <a:camera prst="orthographicFront"/>
-      <a:lightRig rig="threePt" dir="t"/>
-    </dgm:scene3d>
-    <dgm:sp3d/>
-    <dgm:txPr/>
-    <dgm:style>
-      <a:lnRef idx="2">
-        <a:scrgbClr r="0" g="0" b="0"/>
-      </a:lnRef>
-      <a:fillRef idx="1">
-        <a:scrgbClr r="0" g="0" b="0"/>
-      </a:fillRef>
-      <a:effectRef idx="0">
-        <a:scrgbClr r="0" g="0" b="0"/>
-      </a:effectRef>
-      <a:fontRef idx="minor">
-        <a:schemeClr val="lt1"/>
-      </a:fontRef>
-    </dgm:style>
-  </dgm:styleLbl>
-  <dgm:styleLbl name="asst2">
-    <dgm:scene3d>
-      <a:camera prst="orthographicFront"/>
-      <a:lightRig rig="threePt" dir="t"/>
-    </dgm:scene3d>
-    <dgm:sp3d/>
-    <dgm:txPr/>
-    <dgm:style>
-      <a:lnRef idx="2">
-        <a:scrgbClr r="0" g="0" b="0"/>
-      </a:lnRef>
-      <a:fillRef idx="1">
-        <a:scrgbClr r="0" g="0" b="0"/>
-      </a:fillRef>
-      <a:effectRef idx="0">
-        <a:scrgbClr r="0" g="0" b="0"/>
-      </a:effectRef>
-      <a:fontRef idx="minor">
-        <a:schemeClr val="lt1"/>
-      </a:fontRef>
-    </dgm:style>
-  </dgm:styleLbl>
-  <dgm:styleLbl name="asst3">
-    <dgm:scene3d>
-      <a:camera prst="orthographicFront"/>
-      <a:lightRig rig="threePt" dir="t"/>
-    </dgm:scene3d>
-    <dgm:sp3d/>
-    <dgm:txPr/>
-    <dgm:style>
-      <a:lnRef idx="2">
-        <a:scrgbClr r="0" g="0" b="0"/>
-      </a:lnRef>
-      <a:fillRef idx="1">
-        <a:scrgbClr r="0" g="0" b="0"/>
-      </a:fillRef>
-      <a:effectRef idx="0">
-        <a:scrgbClr r="0" g="0" b="0"/>
-      </a:effectRef>
-      <a:fontRef idx="minor">
-        <a:schemeClr val="lt1"/>
-      </a:fontRef>
-    </dgm:style>
-  </dgm:styleLbl>
-  <dgm:styleLbl name="asst4">
-    <dgm:scene3d>
-      <a:camera prst="orthographicFront"/>
-      <a:lightRig rig="threePt" dir="t"/>
-    </dgm:scene3d>
-    <dgm:sp3d/>
-    <dgm:txPr/>
-    <dgm:style>
-      <a:lnRef idx="2">
-        <a:scrgbClr r="0" g="0" b="0"/>
-      </a:lnRef>
-      <a:fillRef idx="1">
-        <a:scrgbClr r="0" g="0" b="0"/>
-      </a:fillRef>
-      <a:effectRef idx="0">
-        <a:scrgbClr r="0" g="0" b="0"/>
-      </a:effectRef>
-      <a:fontRef idx="minor">
-        <a:schemeClr val="lt1"/>
-      </a:fontRef>
-    </dgm:style>
-  </dgm:styleLbl>
-  <dgm:styleLbl name="parChTrans2D1">
-    <dgm:scene3d>
-      <a:camera prst="orthographicFront"/>
-      <a:lightRig rig="threePt" dir="t"/>
-    </dgm:scene3d>
-    <dgm:sp3d/>
-    <dgm:txPr/>
-    <dgm:style>
-      <a:lnRef idx="2">
-        <a:scrgbClr r="0" g="0" b="0"/>
-      </a:lnRef>
-      <a:fillRef idx="1">
-        <a:scrgbClr r="0" g="0" b="0"/>
-      </a:fillRef>
-      <a:effectRef idx="0">
-        <a:scrgbClr r="0" g="0" b="0"/>
-      </a:effectRef>
-      <a:fontRef idx="minor">
-        <a:schemeClr val="lt1"/>
-      </a:fontRef>
-    </dgm:style>
-  </dgm:styleLbl>
-  <dgm:styleLbl name="parChTrans2D2">
-    <dgm:scene3d>
-      <a:camera prst="orthographicFront"/>
-      <a:lightRig rig="threePt" dir="t"/>
-    </dgm:scene3d>
-    <dgm:sp3d/>
-    <dgm:txPr/>
-    <dgm:style>
-      <a:lnRef idx="2">
-        <a:scrgbClr r="0" g="0" b="0"/>
-      </a:lnRef>
-      <a:fillRef idx="1">
-        <a:scrgbClr r="0" g="0" b="0"/>
-      </a:fillRef>
-      <a:effectRef idx="0">
-        <a:scrgbClr r="0" g="0" b="0"/>
-      </a:effectRef>
-      <a:fontRef idx="minor">
-        <a:schemeClr val="lt1"/>
-      </a:fontRef>
-    </dgm:style>
-  </dgm:styleLbl>
-  <dgm:styleLbl name="parChTrans2D3">
-    <dgm:scene3d>
-      <a:camera prst="orthographicFront"/>
-      <a:lightRig rig="threePt" dir="t"/>
-    </dgm:scene3d>
-    <dgm:sp3d/>
-    <dgm:txPr/>
-    <dgm:style>
-      <a:lnRef idx="2">
-        <a:scrgbClr r="0" g="0" b="0"/>
-      </a:lnRef>
-      <a:fillRef idx="1">
-        <a:scrgbClr r="0" g="0" b="0"/>
-      </a:fillRef>
-      <a:effectRef idx="0">
-        <a:scrgbClr r="0" g="0" b="0"/>
-      </a:effectRef>
-      <a:fontRef idx="minor">
-        <a:schemeClr val="lt1"/>
-      </a:fontRef>
-    </dgm:style>
-  </dgm:styleLbl>
-  <dgm:styleLbl name="parChTrans2D4">
-    <dgm:scene3d>
-      <a:camera prst="orthographicFront"/>
-      <a:lightRig rig="threePt" dir="t"/>
-    </dgm:scene3d>
-    <dgm:sp3d/>
-    <dgm:txPr/>
-    <dgm:style>
-      <a:lnRef idx="2">
-        <a:scrgbClr r="0" g="0" b="0"/>
-      </a:lnRef>
-      <a:fillRef idx="1">
-        <a:scrgbClr r="0" g="0" b="0"/>
-      </a:fillRef>
-      <a:effectRef idx="0">
-        <a:scrgbClr r="0" g="0" b="0"/>
-      </a:effectRef>
-      <a:fontRef idx="minor">
-        <a:schemeClr val="lt1"/>
-      </a:fontRef>
-    </dgm:style>
-  </dgm:styleLbl>
-  <dgm:styleLbl name="parChTrans1D1">
-    <dgm:scene3d>
-      <a:camera prst="orthographicFront"/>
-      <a:lightRig rig="threePt" dir="t"/>
-    </dgm:scene3d>
-    <dgm:sp3d/>
-    <dgm:txPr/>
-    <dgm:style>
-      <a:lnRef idx="2">
-        <a:scrgbClr r="0" g="0" b="0"/>
-      </a:lnRef>
-      <a:fillRef idx="0">
-        <a:scrgbClr r="0" g="0" b="0"/>
-      </a:fillRef>
-      <a:effectRef idx="0">
-        <a:scrgbClr r="0" g="0" b="0"/>
-      </a:effectRef>
-      <a:fontRef idx="minor"/>
-    </dgm:style>
-  </dgm:styleLbl>
-  <dgm:styleLbl name="parChTrans1D2">
-    <dgm:scene3d>
-      <a:camera prst="orthographicFront"/>
-      <a:lightRig rig="threePt" dir="t"/>
-    </dgm:scene3d>
-    <dgm:sp3d/>
-    <dgm:txPr/>
-    <dgm:style>
-      <a:lnRef idx="2">
-        <a:scrgbClr r="0" g="0" b="0"/>
-      </a:lnRef>
-      <a:fillRef idx="0">
-        <a:scrgbClr r="0" g="0" b="0"/>
-      </a:fillRef>
-      <a:effectRef idx="0">
-        <a:scrgbClr r="0" g="0" b="0"/>
-      </a:effectRef>
-      <a:fontRef idx="minor"/>
-    </dgm:style>
-  </dgm:styleLbl>
-  <dgm:styleLbl name="parChTrans1D3">
-    <dgm:scene3d>
-      <a:camera prst="orthographicFront"/>
-      <a:lightRig rig="threePt" dir="t"/>
-    </dgm:scene3d>
-    <dgm:sp3d/>
-    <dgm:txPr/>
-    <dgm:style>
-      <a:lnRef idx="2">
-        <a:scrgbClr r="0" g="0" b="0"/>
-      </a:lnRef>
-      <a:fillRef idx="0">
-        <a:scrgbClr r="0" g="0" b="0"/>
-      </a:fillRef>
-      <a:effectRef idx="0">
-        <a:scrgbClr r="0" g="0" b="0"/>
-      </a:effectRef>
-      <a:fontRef idx="minor"/>
-    </dgm:style>
-  </dgm:styleLbl>
-  <dgm:styleLbl name="parChTrans1D4">
-    <dgm:scene3d>
-      <a:camera prst="orthographicFront"/>
-      <a:lightRig rig="threePt" dir="t"/>
-    </dgm:scene3d>
-    <dgm:sp3d/>
-    <dgm:txPr/>
-    <dgm:style>
-      <a:lnRef idx="2">
-        <a:scrgbClr r="0" g="0" b="0"/>
-      </a:lnRef>
-      <a:fillRef idx="0">
-        <a:scrgbClr r="0" g="0" b="0"/>
-      </a:fillRef>
-      <a:effectRef idx="0">
-        <a:scrgbClr r="0" g="0" b="0"/>
-      </a:effectRef>
-      <a:fontRef idx="minor"/>
-    </dgm:style>
-  </dgm:styleLbl>
-  <dgm:styleLbl name="fgAcc1">
-    <dgm:scene3d>
-      <a:camera prst="orthographicFront"/>
-      <a:lightRig rig="threePt" dir="t"/>
-    </dgm:scene3d>
-    <dgm:sp3d/>
-    <dgm:txPr/>
-    <dgm:style>
-      <a:lnRef idx="2">
-        <a:scrgbClr r="0" g="0" b="0"/>
-      </a:lnRef>
-      <a:fillRef idx="1">
-        <a:scrgbClr r="0" g="0" b="0"/>
-      </a:fillRef>
-      <a:effectRef idx="0">
-        <a:scrgbClr r="0" g="0" b="0"/>
-      </a:effectRef>
-      <a:fontRef idx="minor"/>
-    </dgm:style>
-  </dgm:styleLbl>
-  <dgm:styleLbl name="conFgAcc1">
-    <dgm:scene3d>
-      <a:camera prst="orthographicFront"/>
-      <a:lightRig rig="threePt" dir="t"/>
-    </dgm:scene3d>
-    <dgm:sp3d/>
-    <dgm:txPr/>
-    <dgm:style>
-      <a:lnRef idx="2">
-        <a:scrgbClr r="0" g="0" b="0"/>
-      </a:lnRef>
-      <a:fillRef idx="1">
-        <a:scrgbClr r="0" g="0" b="0"/>
-      </a:fillRef>
-      <a:effectRef idx="0">
-        <a:scrgbClr r="0" g="0" b="0"/>
-      </a:effectRef>
-      <a:fontRef idx="minor"/>
-    </dgm:style>
-  </dgm:styleLbl>
-  <dgm:styleLbl name="alignAcc1">
-    <dgm:scene3d>
-      <a:camera prst="orthographicFront"/>
-      <a:lightRig rig="threePt" dir="t"/>
-    </dgm:scene3d>
-    <dgm:sp3d/>
-    <dgm:txPr/>
-    <dgm:style>
-      <a:lnRef idx="2">
-        <a:scrgbClr r="0" g="0" b="0"/>
-      </a:lnRef>
-      <a:fillRef idx="1">
-        <a:scrgbClr r="0" g="0" b="0"/>
-      </a:fillRef>
-      <a:effectRef idx="0">
-        <a:scrgbClr r="0" g="0" b="0"/>
-      </a:effectRef>
-      <a:fontRef idx="minor"/>
-    </dgm:style>
-  </dgm:styleLbl>
-  <dgm:styleLbl name="trAlignAcc1">
-    <dgm:scene3d>
-      <a:camera prst="orthographicFront"/>
-      <a:lightRig rig="threePt" dir="t"/>
-    </dgm:scene3d>
-    <dgm:sp3d/>
-    <dgm:txPr/>
-    <dgm:style>
-      <a:lnRef idx="1">
-        <a:scrgbClr r="0" g="0" b="0"/>
-      </a:lnRef>
-      <a:fillRef idx="1">
-        <a:scrgbClr r="0" g="0" b="0"/>
-      </a:fillRef>
-      <a:effectRef idx="0">
-        <a:scrgbClr r="0" g="0" b="0"/>
-      </a:effectRef>
-      <a:fontRef idx="minor"/>
-    </dgm:style>
-  </dgm:styleLbl>
-  <dgm:styleLbl name="bgAcc1">
-    <dgm:scene3d>
-      <a:camera prst="orthographicFront"/>
-      <a:lightRig rig="threePt" dir="t"/>
-    </dgm:scene3d>
-    <dgm:sp3d/>
-    <dgm:txPr/>
-    <dgm:style>
-      <a:lnRef idx="2">
-        <a:scrgbClr r="0" g="0" b="0"/>
-      </a:lnRef>
-      <a:fillRef idx="1">
-        <a:scrgbClr r="0" g="0" b="0"/>
-      </a:fillRef>
-      <a:effectRef idx="0">
-        <a:scrgbClr r="0" g="0" b="0"/>
-      </a:effectRef>
-      <a:fontRef idx="minor"/>
-    </dgm:style>
-  </dgm:styleLbl>
-  <dgm:styleLbl name="solidFgAcc1">
-    <dgm:scene3d>
-      <a:camera prst="orthographicFront"/>
-      <a:lightRig rig="threePt" dir="t"/>
-    </dgm:scene3d>
-    <dgm:sp3d/>
-    <dgm:txPr/>
-    <dgm:style>
-      <a:lnRef idx="2">
-        <a:scrgbClr r="0" g="0" b="0"/>
-      </a:lnRef>
-      <a:fillRef idx="1">
-        <a:scrgbClr r="0" g="0" b="0"/>
-      </a:fillRef>
-      <a:effectRef idx="0">
-        <a:scrgbClr r="0" g="0" b="0"/>
-      </a:effectRef>
-      <a:fontRef idx="minor"/>
-    </dgm:style>
-  </dgm:styleLbl>
-  <dgm:styleLbl name="solidAlignAcc1">
-    <dgm:scene3d>
-      <a:camera prst="orthographicFront"/>
-      <a:lightRig rig="threePt" dir="t"/>
-    </dgm:scene3d>
-    <dgm:sp3d/>
-    <dgm:txPr/>
-    <dgm:style>
-      <a:lnRef idx="2">
-        <a:scrgbClr r="0" g="0" b="0"/>
-      </a:lnRef>
-      <a:fillRef idx="1">
-        <a:scrgbClr r="0" g="0" b="0"/>
-      </a:fillRef>
-      <a:effectRef idx="0">
-        <a:scrgbClr r="0" g="0" b="0"/>
-      </a:effectRef>
-      <a:fontRef idx="minor"/>
-    </dgm:style>
-  </dgm:styleLbl>
-  <dgm:styleLbl name="solidBgAcc1">
-    <dgm:scene3d>
-      <a:camera prst="orthographicFront"/>
-      <a:lightRig rig="threePt" dir="t"/>
-    </dgm:scene3d>
-    <dgm:sp3d/>
-    <dgm:txPr/>
-    <dgm:style>
-      <a:lnRef idx="2">
-        <a:scrgbClr r="0" g="0" b="0"/>
-      </a:lnRef>
-      <a:fillRef idx="1">
-        <a:scrgbClr r="0" g="0" b="0"/>
-      </a:fillRef>
-      <a:effectRef idx="0">
-        <a:scrgbClr r="0" g="0" b="0"/>
-      </a:effectRef>
-      <a:fontRef idx="minor"/>
-    </dgm:style>
-  </dgm:styleLbl>
-  <dgm:styleLbl name="fgAccFollowNode1">
-    <dgm:scene3d>
-      <a:camera prst="orthographicFront"/>
-      <a:lightRig rig="threePt" dir="t"/>
-    </dgm:scene3d>
-    <dgm:sp3d/>
-    <dgm:txPr/>
-    <dgm:style>
-      <a:lnRef idx="2">
-        <a:scrgbClr r="0" g="0" b="0"/>
-      </a:lnRef>
-      <a:fillRef idx="1">
-        <a:scrgbClr r="0" g="0" b="0"/>
-      </a:fillRef>
-      <a:effectRef idx="0">
-        <a:scrgbClr r="0" g="0" b="0"/>
-      </a:effectRef>
-      <a:fontRef idx="minor"/>
-    </dgm:style>
-  </dgm:styleLbl>
-  <dgm:styleLbl name="alignAccFollowNode1">
-    <dgm:scene3d>
-      <a:camera prst="orthographicFront"/>
-      <a:lightRig rig="threePt" dir="t"/>
-    </dgm:scene3d>
-    <dgm:sp3d/>
-    <dgm:txPr/>
-    <dgm:style>
-      <a:lnRef idx="2">
-        <a:scrgbClr r="0" g="0" b="0"/>
-      </a:lnRef>
-      <a:fillRef idx="1">
-        <a:scrgbClr r="0" g="0" b="0"/>
-      </a:fillRef>
-      <a:effectRef idx="0">
-        <a:scrgbClr r="0" g="0" b="0"/>
-      </a:effectRef>
-      <a:fontRef idx="minor"/>
-    </dgm:style>
-  </dgm:styleLbl>
-  <dgm:styleLbl name="bgAccFollowNode1">
-    <dgm:scene3d>
-      <a:camera prst="orthographicFront"/>
-      <a:lightRig rig="threePt" dir="t"/>
-    </dgm:scene3d>
-    <dgm:sp3d/>
-    <dgm:txPr/>
-    <dgm:style>
-      <a:lnRef idx="2">
-        <a:scrgbClr r="0" g="0" b="0"/>
-      </a:lnRef>
-      <a:fillRef idx="1">
-        <a:scrgbClr r="0" g="0" b="0"/>
-      </a:fillRef>
-      <a:effectRef idx="0">
-        <a:scrgbClr r="0" g="0" b="0"/>
-      </a:effectRef>
-      <a:fontRef idx="minor"/>
-    </dgm:style>
-  </dgm:styleLbl>
-  <dgm:styleLbl name="fgAcc0">
-    <dgm:scene3d>
-      <a:camera prst="orthographicFront"/>
-      <a:lightRig rig="threePt" dir="t"/>
-    </dgm:scene3d>
-    <dgm:sp3d/>
-    <dgm:txPr/>
-    <dgm:style>
-      <a:lnRef idx="2">
-        <a:scrgbClr r="0" g="0" b="0"/>
-      </a:lnRef>
-      <a:fillRef idx="1">
-        <a:scrgbClr r="0" g="0" b="0"/>
-      </a:fillRef>
-      <a:effectRef idx="0">
-        <a:scrgbClr r="0" g="0" b="0"/>
-      </a:effectRef>
-      <a:fontRef idx="minor"/>
-    </dgm:style>
-  </dgm:styleLbl>
-  <dgm:styleLbl name="fgAcc2">
-    <dgm:scene3d>
-      <a:camera prst="orthographicFront"/>
-      <a:lightRig rig="threePt" dir="t"/>
-    </dgm:scene3d>
-    <dgm:sp3d/>
-    <dgm:txPr/>
-    <dgm:style>
-      <a:lnRef idx="2">
-        <a:scrgbClr r="0" g="0" b="0"/>
-      </a:lnRef>
-      <a:fillRef idx="1">
-        <a:scrgbClr r="0" g="0" b="0"/>
-      </a:fillRef>
-      <a:effectRef idx="0">
-        <a:scrgbClr r="0" g="0" b="0"/>
-      </a:effectRef>
-      <a:fontRef idx="minor"/>
-    </dgm:style>
-  </dgm:styleLbl>
-  <dgm:styleLbl name="fgAcc3">
-    <dgm:scene3d>
-      <a:camera prst="orthographicFront"/>
-      <a:lightRig rig="threePt" dir="t"/>
-    </dgm:scene3d>
-    <dgm:sp3d/>
-    <dgm:txPr/>
-    <dgm:style>
-      <a:lnRef idx="2">
-        <a:scrgbClr r="0" g="0" b="0"/>
-      </a:lnRef>
-      <a:fillRef idx="1">
-        <a:scrgbClr r="0" g="0" b="0"/>
-      </a:fillRef>
-      <a:effectRef idx="0">
-        <a:scrgbClr r="0" g="0" b="0"/>
-      </a:effectRef>
-      <a:fontRef idx="minor"/>
-    </dgm:style>
-  </dgm:styleLbl>
-  <dgm:styleLbl name="fgAcc4">
-    <dgm:scene3d>
-      <a:camera prst="orthographicFront"/>
-      <a:lightRig rig="threePt" dir="t"/>
-    </dgm:scene3d>
-    <dgm:sp3d/>
-    <dgm:txPr/>
-    <dgm:style>
-      <a:lnRef idx="2">
-        <a:scrgbClr r="0" g="0" b="0"/>
-      </a:lnRef>
-      <a:fillRef idx="1">
-        <a:scrgbClr r="0" g="0" b="0"/>
-      </a:fillRef>
-      <a:effectRef idx="0">
-        <a:scrgbClr r="0" g="0" b="0"/>
-      </a:effectRef>
-      <a:fontRef idx="minor"/>
-    </dgm:style>
-  </dgm:styleLbl>
-  <dgm:styleLbl name="bgShp">
-    <dgm:scene3d>
-      <a:camera prst="orthographicFront"/>
-      <a:lightRig rig="threePt" dir="t"/>
-    </dgm:scene3d>
-    <dgm:sp3d/>
-    <dgm:txPr/>
-    <dgm:style>
-      <a:lnRef idx="0">
-        <a:scrgbClr r="0" g="0" b="0"/>
-      </a:lnRef>
-      <a:fillRef idx="1">
-        <a:scrgbClr r="0" g="0" b="0"/>
-      </a:fillRef>
-      <a:effectRef idx="0">
-        <a:scrgbClr r="0" g="0" b="0"/>
-      </a:effectRef>
-      <a:fontRef idx="minor"/>
-    </dgm:style>
-  </dgm:styleLbl>
-  <dgm:styleLbl name="dkBgShp">
-    <dgm:scene3d>
-      <a:camera prst="orthographicFront"/>
-      <a:lightRig rig="threePt" dir="t"/>
-    </dgm:scene3d>
-    <dgm:sp3d/>
-    <dgm:txPr/>
-    <dgm:style>
-      <a:lnRef idx="0">
-        <a:scrgbClr r="0" g="0" b="0"/>
-      </a:lnRef>
-      <a:fillRef idx="1">
-        <a:scrgbClr r="0" g="0" b="0"/>
-      </a:fillRef>
-      <a:effectRef idx="0">
-        <a:scrgbClr r="0" g="0" b="0"/>
-      </a:effectRef>
-      <a:fontRef idx="minor"/>
-    </dgm:style>
-  </dgm:styleLbl>
-  <dgm:styleLbl name="trBgShp">
-    <dgm:scene3d>
-      <a:camera prst="orthographicFront"/>
-      <a:lightRig rig="threePt" dir="t"/>
-    </dgm:scene3d>
-    <dgm:sp3d/>
-    <dgm:txPr/>
-    <dgm:style>
-      <a:lnRef idx="0">
-        <a:scrgbClr r="0" g="0" b="0"/>
-      </a:lnRef>
-      <a:fillRef idx="1">
-        <a:scrgbClr r="0" g="0" b="0"/>
-      </a:fillRef>
-      <a:effectRef idx="0">
-        <a:scrgbClr r="0" g="0" b="0"/>
-      </a:effectRef>
-      <a:fontRef idx="minor"/>
-    </dgm:style>
-  </dgm:styleLbl>
-  <dgm:styleLbl name="fgShp">
-    <dgm:scene3d>
-      <a:camera prst="orthographicFront"/>
-      <a:lightRig rig="threePt" dir="t"/>
-    </dgm:scene3d>
-    <dgm:sp3d/>
-    <dgm:txPr/>
-    <dgm:style>
-      <a:lnRef idx="2">
-        <a:scrgbClr r="0" g="0" b="0"/>
-      </a:lnRef>
-      <a:fillRef idx="1">
-        <a:scrgbClr r="0" g="0" b="0"/>
-      </a:fillRef>
-      <a:effectRef idx="0">
-        <a:scrgbClr r="0" g="0" b="0"/>
-      </a:effectRef>
-      <a:fontRef idx="minor"/>
-    </dgm:style>
-  </dgm:styleLbl>
-  <dgm:styleLbl name="revTx">
-    <dgm:scene3d>
-      <a:camera prst="orthographicFront"/>
-      <a:lightRig rig="threePt" dir="t"/>
-    </dgm:scene3d>
-    <dgm:sp3d/>
-    <dgm:txPr/>
-    <dgm:style>
-      <a:lnRef idx="0">
-        <a:scrgbClr r="0" g="0" b="0"/>
-      </a:lnRef>
-      <a:fillRef idx="0">
-        <a:scrgbClr r="0" g="0" b="0"/>
-      </a:fillRef>
-      <a:effectRef idx="0">
-        <a:scrgbClr r="0" g="0" b="0"/>
-      </a:effectRef>
-      <a:fontRef idx="minor"/>
-    </dgm:style>
-  </dgm:styleLbl>
-</dgm:styleDef>
-</file>
-
 <file path=ppt/notesMasters/notesMaster1.xml><?xml version="1.0" encoding="utf-8"?>
 <p:notesMaster xmlns:a="http://schemas.openxmlformats.org/drawingml/2006/main" xmlns:r="http://schemas.openxmlformats.org/officeDocument/2006/relationships" xmlns:p="http://schemas.openxmlformats.org/presentationml/2006/main">
   <p:cSld>
@@ -16852,34 +12132,1480 @@
           </a:p>
         </p:txBody>
       </p:sp>
-      <p:graphicFrame>
-        <p:nvGraphicFramePr>
-          <p:cNvPr id="3" name="Diagrama 2">
+      <p:sp>
+        <p:nvSpPr>
+          <p:cNvPr id="5" name="Arco de bloque 4">
             <a:extLst>
               <a:ext uri="{FF2B5EF4-FFF2-40B4-BE49-F238E27FC236}">
-                <a16:creationId xmlns:a16="http://schemas.microsoft.com/office/drawing/2014/main" id="{EB5BEBE9-36B0-44A9-BAEF-D7E0BA78B4FF}"/>
+                <a16:creationId xmlns:a16="http://schemas.microsoft.com/office/drawing/2014/main" id="{EFC6F31C-8D24-4D3D-88A5-EF0BA37E4F6F}"/>
               </a:ext>
             </a:extLst>
           </p:cNvPr>
-          <p:cNvGraphicFramePr/>
-          <p:nvPr>
-            <p:extLst>
-              <p:ext uri="{D42A27DB-BD31-4B8C-83A1-F6EECF244321}">
-                <p14:modId xmlns:p14="http://schemas.microsoft.com/office/powerpoint/2010/main" val="185883702"/>
-              </p:ext>
-            </p:extLst>
-          </p:nvPr>
-        </p:nvGraphicFramePr>
-        <p:xfrm>
-          <a:off x="2074718" y="1602893"/>
-          <a:ext cx="9601201" cy="4704389"/>
-        </p:xfrm>
-        <a:graphic>
-          <a:graphicData uri="http://schemas.openxmlformats.org/drawingml/2006/diagram">
-            <dgm:relIds xmlns:dgm="http://schemas.openxmlformats.org/drawingml/2006/diagram" xmlns:r="http://schemas.openxmlformats.org/officeDocument/2006/relationships" r:dm="rId3" r:lo="rId4" r:qs="rId5" r:cs="rId6"/>
-          </a:graphicData>
-        </a:graphic>
-      </p:graphicFrame>
+          <p:cNvSpPr/>
+          <p:nvPr/>
+        </p:nvSpPr>
+        <p:spPr>
+          <a:xfrm>
+            <a:off x="-3241644" y="788339"/>
+            <a:ext cx="6333498" cy="6333498"/>
+          </a:xfrm>
+          <a:prstGeom prst="blockArc">
+            <a:avLst>
+              <a:gd name="adj1" fmla="val 18900000"/>
+              <a:gd name="adj2" fmla="val 2700000"/>
+              <a:gd name="adj3" fmla="val 341"/>
+            </a:avLst>
+          </a:prstGeom>
+        </p:spPr>
+        <p:style>
+          <a:lnRef idx="2">
+            <a:schemeClr val="accent6">
+              <a:shade val="60000"/>
+              <a:hueOff val="0"/>
+              <a:satOff val="0"/>
+              <a:lumOff val="0"/>
+              <a:alphaOff val="0"/>
+            </a:schemeClr>
+          </a:lnRef>
+          <a:fillRef idx="0">
+            <a:schemeClr val="accent6">
+              <a:hueOff val="0"/>
+              <a:satOff val="0"/>
+              <a:lumOff val="0"/>
+              <a:alphaOff val="0"/>
+            </a:schemeClr>
+          </a:fillRef>
+          <a:effectRef idx="0">
+            <a:schemeClr val="accent6">
+              <a:hueOff val="0"/>
+              <a:satOff val="0"/>
+              <a:lumOff val="0"/>
+              <a:alphaOff val="0"/>
+            </a:schemeClr>
+          </a:effectRef>
+          <a:fontRef idx="minor">
+            <a:schemeClr val="tx1">
+              <a:hueOff val="0"/>
+              <a:satOff val="0"/>
+              <a:lumOff val="0"/>
+              <a:alphaOff val="0"/>
+            </a:schemeClr>
+          </a:fontRef>
+        </p:style>
+      </p:sp>
+      <p:sp>
+        <p:nvSpPr>
+          <p:cNvPr id="6" name="Forma libre: forma 5">
+            <a:extLst>
+              <a:ext uri="{FF2B5EF4-FFF2-40B4-BE49-F238E27FC236}">
+                <a16:creationId xmlns:a16="http://schemas.microsoft.com/office/drawing/2014/main" id="{75110EDE-673E-45E1-B436-6F80D12DD2D2}"/>
+              </a:ext>
+            </a:extLst>
+          </p:cNvPr>
+          <p:cNvSpPr/>
+          <p:nvPr/>
+        </p:nvSpPr>
+        <p:spPr>
+          <a:xfrm>
+            <a:off x="2404730" y="1816754"/>
+            <a:ext cx="9208384" cy="427534"/>
+          </a:xfrm>
+          <a:custGeom>
+            <a:avLst/>
+            <a:gdLst>
+              <a:gd name="connsiteX0" fmla="*/ 0 w 9208384"/>
+              <a:gd name="connsiteY0" fmla="*/ 0 h 427534"/>
+              <a:gd name="connsiteX1" fmla="*/ 9208384 w 9208384"/>
+              <a:gd name="connsiteY1" fmla="*/ 0 h 427534"/>
+              <a:gd name="connsiteX2" fmla="*/ 9208384 w 9208384"/>
+              <a:gd name="connsiteY2" fmla="*/ 427534 h 427534"/>
+              <a:gd name="connsiteX3" fmla="*/ 0 w 9208384"/>
+              <a:gd name="connsiteY3" fmla="*/ 427534 h 427534"/>
+              <a:gd name="connsiteX4" fmla="*/ 0 w 9208384"/>
+              <a:gd name="connsiteY4" fmla="*/ 0 h 427534"/>
+            </a:gdLst>
+            <a:ahLst/>
+            <a:cxnLst>
+              <a:cxn ang="0">
+                <a:pos x="connsiteX0" y="connsiteY0"/>
+              </a:cxn>
+              <a:cxn ang="0">
+                <a:pos x="connsiteX1" y="connsiteY1"/>
+              </a:cxn>
+              <a:cxn ang="0">
+                <a:pos x="connsiteX2" y="connsiteY2"/>
+              </a:cxn>
+              <a:cxn ang="0">
+                <a:pos x="connsiteX3" y="connsiteY3"/>
+              </a:cxn>
+              <a:cxn ang="0">
+                <a:pos x="connsiteX4" y="connsiteY4"/>
+              </a:cxn>
+            </a:cxnLst>
+            <a:rect l="l" t="t" r="r" b="b"/>
+            <a:pathLst>
+              <a:path w="9208384" h="427534">
+                <a:moveTo>
+                  <a:pt x="0" y="0"/>
+                </a:moveTo>
+                <a:lnTo>
+                  <a:pt x="9208384" y="0"/>
+                </a:lnTo>
+                <a:lnTo>
+                  <a:pt x="9208384" y="427534"/>
+                </a:lnTo>
+                <a:lnTo>
+                  <a:pt x="0" y="427534"/>
+                </a:lnTo>
+                <a:lnTo>
+                  <a:pt x="0" y="0"/>
+                </a:lnTo>
+                <a:close/>
+              </a:path>
+            </a:pathLst>
+          </a:custGeom>
+          <a:solidFill>
+            <a:srgbClr val="FF0000"/>
+          </a:solidFill>
+        </p:spPr>
+        <p:style>
+          <a:lnRef idx="2">
+            <a:schemeClr val="accent6">
+              <a:shade val="80000"/>
+              <a:hueOff val="0"/>
+              <a:satOff val="0"/>
+              <a:lumOff val="0"/>
+              <a:alphaOff val="0"/>
+            </a:schemeClr>
+          </a:lnRef>
+          <a:fillRef idx="1">
+            <a:scrgbClr r="0" g="0" b="0"/>
+          </a:fillRef>
+          <a:effectRef idx="0">
+            <a:schemeClr val="lt1">
+              <a:hueOff val="0"/>
+              <a:satOff val="0"/>
+              <a:lumOff val="0"/>
+              <a:alphaOff val="0"/>
+            </a:schemeClr>
+          </a:effectRef>
+          <a:fontRef idx="minor">
+            <a:schemeClr val="dk1">
+              <a:hueOff val="0"/>
+              <a:satOff val="0"/>
+              <a:lumOff val="0"/>
+              <a:alphaOff val="0"/>
+            </a:schemeClr>
+          </a:fontRef>
+        </p:style>
+        <p:txBody>
+          <a:bodyPr spcFirstLastPara="0" vert="horz" wrap="square" lIns="339356" tIns="38100" rIns="38100" bIns="38100" numCol="1" spcCol="1270" anchor="ctr" anchorCtr="0">
+            <a:noAutofit/>
+          </a:bodyPr>
+          <a:lstStyle/>
+          <a:p>
+            <a:pPr marL="0" lvl="0" indent="0" algn="l" defTabSz="666750">
+              <a:lnSpc>
+                <a:spcPct val="90000"/>
+              </a:lnSpc>
+              <a:spcBef>
+                <a:spcPct val="0"/>
+              </a:spcBef>
+              <a:spcAft>
+                <a:spcPct val="35000"/>
+              </a:spcAft>
+              <a:buClrTx/>
+              <a:buSzTx/>
+              <a:buFontTx/>
+              <a:buNone/>
+            </a:pPr>
+            <a:r>
+              <a:rPr kumimoji="0" lang="es-ES" altLang="es-ES" sz="1500" b="1" i="0" u="none" strike="noStrike" kern="1200" cap="none" normalizeH="0" baseline="0" dirty="0">
+                <a:ln/>
+                <a:effectLst/>
+                <a:latin typeface="Arial" panose="020B0604020202020204" pitchFamily="34" charset="0"/>
+              </a:rPr>
+              <a:t>Spotify no favorece canciones por sus características</a:t>
+            </a:r>
+            <a:r>
+              <a:rPr kumimoji="0" lang="es-ES" altLang="es-ES" sz="1500" b="0" i="0" u="none" strike="noStrike" kern="1200" cap="none" normalizeH="0" baseline="0" dirty="0">
+                <a:ln/>
+                <a:effectLst/>
+                <a:latin typeface="Arial" panose="020B0604020202020204" pitchFamily="34" charset="0"/>
+              </a:rPr>
+              <a:t> (energía, felicidad, </a:t>
+            </a:r>
+            <a:r>
+              <a:rPr kumimoji="0" lang="es-ES" altLang="es-ES" sz="1500" b="0" i="0" u="none" strike="noStrike" kern="1200" cap="none" normalizeH="0" baseline="0" dirty="0" err="1">
+                <a:ln/>
+                <a:effectLst/>
+                <a:latin typeface="Arial" panose="020B0604020202020204" pitchFamily="34" charset="0"/>
+              </a:rPr>
+              <a:t>danzabilidad</a:t>
+            </a:r>
+            <a:r>
+              <a:rPr kumimoji="0" lang="es-ES" altLang="es-ES" sz="1500" b="0" i="0" u="none" strike="noStrike" kern="1200" cap="none" normalizeH="0" baseline="0" dirty="0">
+                <a:ln/>
+                <a:effectLst/>
+                <a:latin typeface="Arial" panose="020B0604020202020204" pitchFamily="34" charset="0"/>
+              </a:rPr>
+              <a:t>).</a:t>
+            </a:r>
+            <a:endParaRPr lang="es-ES" sz="1500" kern="1200" dirty="0"/>
+          </a:p>
+        </p:txBody>
+      </p:sp>
+      <p:sp>
+        <p:nvSpPr>
+          <p:cNvPr id="7" name="Elipse 6">
+            <a:extLst>
+              <a:ext uri="{FF2B5EF4-FFF2-40B4-BE49-F238E27FC236}">
+                <a16:creationId xmlns:a16="http://schemas.microsoft.com/office/drawing/2014/main" id="{15EC7CA7-2F63-4483-BF27-B17DCA6E5709}"/>
+              </a:ext>
+            </a:extLst>
+          </p:cNvPr>
+          <p:cNvSpPr/>
+          <p:nvPr/>
+        </p:nvSpPr>
+        <p:spPr>
+          <a:xfrm>
+            <a:off x="2137521" y="1763312"/>
+            <a:ext cx="534418" cy="534418"/>
+          </a:xfrm>
+          <a:prstGeom prst="ellipse">
+            <a:avLst/>
+          </a:prstGeom>
+        </p:spPr>
+        <p:style>
+          <a:lnRef idx="2">
+            <a:schemeClr val="accent6">
+              <a:hueOff val="0"/>
+              <a:satOff val="0"/>
+              <a:lumOff val="0"/>
+              <a:alphaOff val="0"/>
+            </a:schemeClr>
+          </a:lnRef>
+          <a:fillRef idx="1">
+            <a:schemeClr val="lt1">
+              <a:hueOff val="0"/>
+              <a:satOff val="0"/>
+              <a:lumOff val="0"/>
+              <a:alphaOff val="0"/>
+            </a:schemeClr>
+          </a:fillRef>
+          <a:effectRef idx="0">
+            <a:schemeClr val="lt1">
+              <a:hueOff val="0"/>
+              <a:satOff val="0"/>
+              <a:lumOff val="0"/>
+              <a:alphaOff val="0"/>
+            </a:schemeClr>
+          </a:effectRef>
+          <a:fontRef idx="minor">
+            <a:schemeClr val="dk1">
+              <a:hueOff val="0"/>
+              <a:satOff val="0"/>
+              <a:lumOff val="0"/>
+              <a:alphaOff val="0"/>
+            </a:schemeClr>
+          </a:fontRef>
+        </p:style>
+      </p:sp>
+      <p:sp>
+        <p:nvSpPr>
+          <p:cNvPr id="8" name="Forma libre: forma 7">
+            <a:extLst>
+              <a:ext uri="{FF2B5EF4-FFF2-40B4-BE49-F238E27FC236}">
+                <a16:creationId xmlns:a16="http://schemas.microsoft.com/office/drawing/2014/main" id="{F0C5E758-C40E-42F5-928A-95472DE8C510}"/>
+              </a:ext>
+            </a:extLst>
+          </p:cNvPr>
+          <p:cNvSpPr/>
+          <p:nvPr/>
+        </p:nvSpPr>
+        <p:spPr>
+          <a:xfrm>
+            <a:off x="2791902" y="2458433"/>
+            <a:ext cx="8821213" cy="427534"/>
+          </a:xfrm>
+          <a:custGeom>
+            <a:avLst/>
+            <a:gdLst>
+              <a:gd name="connsiteX0" fmla="*/ 0 w 8821213"/>
+              <a:gd name="connsiteY0" fmla="*/ 0 h 427534"/>
+              <a:gd name="connsiteX1" fmla="*/ 8821213 w 8821213"/>
+              <a:gd name="connsiteY1" fmla="*/ 0 h 427534"/>
+              <a:gd name="connsiteX2" fmla="*/ 8821213 w 8821213"/>
+              <a:gd name="connsiteY2" fmla="*/ 427534 h 427534"/>
+              <a:gd name="connsiteX3" fmla="*/ 0 w 8821213"/>
+              <a:gd name="connsiteY3" fmla="*/ 427534 h 427534"/>
+              <a:gd name="connsiteX4" fmla="*/ 0 w 8821213"/>
+              <a:gd name="connsiteY4" fmla="*/ 0 h 427534"/>
+            </a:gdLst>
+            <a:ahLst/>
+            <a:cxnLst>
+              <a:cxn ang="0">
+                <a:pos x="connsiteX0" y="connsiteY0"/>
+              </a:cxn>
+              <a:cxn ang="0">
+                <a:pos x="connsiteX1" y="connsiteY1"/>
+              </a:cxn>
+              <a:cxn ang="0">
+                <a:pos x="connsiteX2" y="connsiteY2"/>
+              </a:cxn>
+              <a:cxn ang="0">
+                <a:pos x="connsiteX3" y="connsiteY3"/>
+              </a:cxn>
+              <a:cxn ang="0">
+                <a:pos x="connsiteX4" y="connsiteY4"/>
+              </a:cxn>
+            </a:cxnLst>
+            <a:rect l="l" t="t" r="r" b="b"/>
+            <a:pathLst>
+              <a:path w="8821213" h="427534">
+                <a:moveTo>
+                  <a:pt x="0" y="0"/>
+                </a:moveTo>
+                <a:lnTo>
+                  <a:pt x="8821213" y="0"/>
+                </a:lnTo>
+                <a:lnTo>
+                  <a:pt x="8821213" y="427534"/>
+                </a:lnTo>
+                <a:lnTo>
+                  <a:pt x="0" y="427534"/>
+                </a:lnTo>
+                <a:lnTo>
+                  <a:pt x="0" y="0"/>
+                </a:lnTo>
+                <a:close/>
+              </a:path>
+            </a:pathLst>
+          </a:custGeom>
+          <a:solidFill>
+            <a:srgbClr val="FFC000"/>
+          </a:solidFill>
+        </p:spPr>
+        <p:style>
+          <a:lnRef idx="2">
+            <a:schemeClr val="accent6">
+              <a:shade val="80000"/>
+              <a:hueOff val="0"/>
+              <a:satOff val="0"/>
+              <a:lumOff val="0"/>
+              <a:alphaOff val="0"/>
+            </a:schemeClr>
+          </a:lnRef>
+          <a:fillRef idx="1">
+            <a:scrgbClr r="0" g="0" b="0"/>
+          </a:fillRef>
+          <a:effectRef idx="0">
+            <a:schemeClr val="lt1">
+              <a:hueOff val="0"/>
+              <a:satOff val="0"/>
+              <a:lumOff val="0"/>
+              <a:alphaOff val="0"/>
+            </a:schemeClr>
+          </a:effectRef>
+          <a:fontRef idx="minor">
+            <a:schemeClr val="dk1">
+              <a:hueOff val="0"/>
+              <a:satOff val="0"/>
+              <a:lumOff val="0"/>
+              <a:alphaOff val="0"/>
+            </a:schemeClr>
+          </a:fontRef>
+        </p:style>
+        <p:txBody>
+          <a:bodyPr spcFirstLastPara="0" vert="horz" wrap="square" lIns="339356" tIns="38100" rIns="38100" bIns="38100" numCol="1" spcCol="1270" anchor="ctr" anchorCtr="0">
+            <a:noAutofit/>
+          </a:bodyPr>
+          <a:lstStyle/>
+          <a:p>
+            <a:pPr marL="0" lvl="0" indent="0" algn="l" defTabSz="666750">
+              <a:lnSpc>
+                <a:spcPct val="90000"/>
+              </a:lnSpc>
+              <a:spcBef>
+                <a:spcPct val="0"/>
+              </a:spcBef>
+              <a:spcAft>
+                <a:spcPct val="35000"/>
+              </a:spcAft>
+              <a:buNone/>
+            </a:pPr>
+            <a:r>
+              <a:rPr lang="es-ES" sz="1500" b="1" kern="1200" dirty="0">
+                <a:latin typeface="Arial" panose="020B0604020202020204" pitchFamily="34" charset="0"/>
+                <a:cs typeface="Arial" panose="020B0604020202020204" pitchFamily="34" charset="0"/>
+              </a:rPr>
+              <a:t>Spotify favorece ciertos géneros frente a otros.</a:t>
+            </a:r>
+            <a:endParaRPr kumimoji="0" lang="es-ES" altLang="es-ES" sz="1500" b="0" i="0" u="none" strike="noStrike" kern="1200" cap="none" normalizeH="0" baseline="0" dirty="0">
+              <a:ln/>
+              <a:effectLst/>
+              <a:latin typeface="Arial" panose="020B0604020202020204" pitchFamily="34" charset="0"/>
+            </a:endParaRPr>
+          </a:p>
+        </p:txBody>
+      </p:sp>
+      <p:sp>
+        <p:nvSpPr>
+          <p:cNvPr id="9" name="Elipse 8">
+            <a:extLst>
+              <a:ext uri="{FF2B5EF4-FFF2-40B4-BE49-F238E27FC236}">
+                <a16:creationId xmlns:a16="http://schemas.microsoft.com/office/drawing/2014/main" id="{55E456D9-CC2C-463B-BAD4-E99B8E36F1BA}"/>
+              </a:ext>
+            </a:extLst>
+          </p:cNvPr>
+          <p:cNvSpPr/>
+          <p:nvPr/>
+        </p:nvSpPr>
+        <p:spPr>
+          <a:xfrm>
+            <a:off x="2524692" y="2404991"/>
+            <a:ext cx="534418" cy="534418"/>
+          </a:xfrm>
+          <a:prstGeom prst="ellipse">
+            <a:avLst/>
+          </a:prstGeom>
+        </p:spPr>
+        <p:style>
+          <a:lnRef idx="2">
+            <a:schemeClr val="accent6">
+              <a:hueOff val="0"/>
+              <a:satOff val="0"/>
+              <a:lumOff val="0"/>
+              <a:alphaOff val="0"/>
+            </a:schemeClr>
+          </a:lnRef>
+          <a:fillRef idx="1">
+            <a:schemeClr val="lt1">
+              <a:hueOff val="0"/>
+              <a:satOff val="0"/>
+              <a:lumOff val="0"/>
+              <a:alphaOff val="0"/>
+            </a:schemeClr>
+          </a:fillRef>
+          <a:effectRef idx="0">
+            <a:schemeClr val="lt1">
+              <a:hueOff val="0"/>
+              <a:satOff val="0"/>
+              <a:lumOff val="0"/>
+              <a:alphaOff val="0"/>
+            </a:schemeClr>
+          </a:effectRef>
+          <a:fontRef idx="minor">
+            <a:schemeClr val="dk1">
+              <a:hueOff val="0"/>
+              <a:satOff val="0"/>
+              <a:lumOff val="0"/>
+              <a:alphaOff val="0"/>
+            </a:schemeClr>
+          </a:fontRef>
+        </p:style>
+      </p:sp>
+      <p:sp>
+        <p:nvSpPr>
+          <p:cNvPr id="10" name="Forma libre: forma 9">
+            <a:extLst>
+              <a:ext uri="{FF2B5EF4-FFF2-40B4-BE49-F238E27FC236}">
+                <a16:creationId xmlns:a16="http://schemas.microsoft.com/office/drawing/2014/main" id="{7299CFA6-F752-4E83-8C66-DEF5D6906375}"/>
+              </a:ext>
+            </a:extLst>
+          </p:cNvPr>
+          <p:cNvSpPr/>
+          <p:nvPr/>
+        </p:nvSpPr>
+        <p:spPr>
+          <a:xfrm>
+            <a:off x="3004070" y="3099641"/>
+            <a:ext cx="8609045" cy="427534"/>
+          </a:xfrm>
+          <a:custGeom>
+            <a:avLst/>
+            <a:gdLst>
+              <a:gd name="connsiteX0" fmla="*/ 0 w 8609045"/>
+              <a:gd name="connsiteY0" fmla="*/ 0 h 427534"/>
+              <a:gd name="connsiteX1" fmla="*/ 8609045 w 8609045"/>
+              <a:gd name="connsiteY1" fmla="*/ 0 h 427534"/>
+              <a:gd name="connsiteX2" fmla="*/ 8609045 w 8609045"/>
+              <a:gd name="connsiteY2" fmla="*/ 427534 h 427534"/>
+              <a:gd name="connsiteX3" fmla="*/ 0 w 8609045"/>
+              <a:gd name="connsiteY3" fmla="*/ 427534 h 427534"/>
+              <a:gd name="connsiteX4" fmla="*/ 0 w 8609045"/>
+              <a:gd name="connsiteY4" fmla="*/ 0 h 427534"/>
+            </a:gdLst>
+            <a:ahLst/>
+            <a:cxnLst>
+              <a:cxn ang="0">
+                <a:pos x="connsiteX0" y="connsiteY0"/>
+              </a:cxn>
+              <a:cxn ang="0">
+                <a:pos x="connsiteX1" y="connsiteY1"/>
+              </a:cxn>
+              <a:cxn ang="0">
+                <a:pos x="connsiteX2" y="connsiteY2"/>
+              </a:cxn>
+              <a:cxn ang="0">
+                <a:pos x="connsiteX3" y="connsiteY3"/>
+              </a:cxn>
+              <a:cxn ang="0">
+                <a:pos x="connsiteX4" y="connsiteY4"/>
+              </a:cxn>
+            </a:cxnLst>
+            <a:rect l="l" t="t" r="r" b="b"/>
+            <a:pathLst>
+              <a:path w="8609045" h="427534">
+                <a:moveTo>
+                  <a:pt x="0" y="0"/>
+                </a:moveTo>
+                <a:lnTo>
+                  <a:pt x="8609045" y="0"/>
+                </a:lnTo>
+                <a:lnTo>
+                  <a:pt x="8609045" y="427534"/>
+                </a:lnTo>
+                <a:lnTo>
+                  <a:pt x="0" y="427534"/>
+                </a:lnTo>
+                <a:lnTo>
+                  <a:pt x="0" y="0"/>
+                </a:lnTo>
+                <a:close/>
+              </a:path>
+            </a:pathLst>
+          </a:custGeom>
+          <a:solidFill>
+            <a:srgbClr val="00B050"/>
+          </a:solidFill>
+        </p:spPr>
+        <p:style>
+          <a:lnRef idx="2">
+            <a:schemeClr val="accent6">
+              <a:shade val="80000"/>
+              <a:hueOff val="0"/>
+              <a:satOff val="0"/>
+              <a:lumOff val="0"/>
+              <a:alphaOff val="0"/>
+            </a:schemeClr>
+          </a:lnRef>
+          <a:fillRef idx="1">
+            <a:scrgbClr r="0" g="0" b="0"/>
+          </a:fillRef>
+          <a:effectRef idx="0">
+            <a:schemeClr val="lt1">
+              <a:hueOff val="0"/>
+              <a:satOff val="0"/>
+              <a:lumOff val="0"/>
+              <a:alphaOff val="0"/>
+            </a:schemeClr>
+          </a:effectRef>
+          <a:fontRef idx="minor">
+            <a:schemeClr val="dk1">
+              <a:hueOff val="0"/>
+              <a:satOff val="0"/>
+              <a:lumOff val="0"/>
+              <a:alphaOff val="0"/>
+            </a:schemeClr>
+          </a:fontRef>
+        </p:style>
+        <p:txBody>
+          <a:bodyPr spcFirstLastPara="0" vert="horz" wrap="square" lIns="339356" tIns="38100" rIns="38100" bIns="38100" numCol="1" spcCol="1270" anchor="ctr" anchorCtr="0">
+            <a:noAutofit/>
+          </a:bodyPr>
+          <a:lstStyle/>
+          <a:p>
+            <a:pPr marL="0" lvl="0" indent="0" algn="l" defTabSz="666750">
+              <a:lnSpc>
+                <a:spcPct val="90000"/>
+              </a:lnSpc>
+              <a:spcBef>
+                <a:spcPct val="0"/>
+              </a:spcBef>
+              <a:spcAft>
+                <a:spcPct val="35000"/>
+              </a:spcAft>
+              <a:buNone/>
+            </a:pPr>
+            <a:r>
+              <a:rPr kumimoji="0" lang="es-ES" altLang="es-ES" sz="1500" b="1" i="0" u="none" strike="noStrike" kern="1200" cap="none" normalizeH="0" baseline="0">
+                <a:ln/>
+                <a:effectLst/>
+                <a:latin typeface="Arial" panose="020B0604020202020204" pitchFamily="34" charset="0"/>
+              </a:rPr>
+              <a:t>El día y mes de lanzamiento influyen</a:t>
+            </a:r>
+            <a:r>
+              <a:rPr kumimoji="0" lang="es-ES" altLang="es-ES" sz="1500" b="0" i="0" u="none" strike="noStrike" kern="1200" cap="none" normalizeH="0" baseline="0">
+                <a:ln/>
+                <a:effectLst/>
+                <a:latin typeface="Arial" panose="020B0604020202020204" pitchFamily="34" charset="0"/>
+              </a:rPr>
+              <a:t>: los viernes y octubre-noviembre son estratégicos.</a:t>
+            </a:r>
+            <a:endParaRPr kumimoji="0" lang="es-ES" altLang="es-ES" sz="1500" b="0" i="0" u="none" strike="noStrike" kern="1200" cap="none" normalizeH="0" baseline="0" dirty="0">
+              <a:ln/>
+              <a:effectLst/>
+              <a:latin typeface="Arial" panose="020B0604020202020204" pitchFamily="34" charset="0"/>
+            </a:endParaRPr>
+          </a:p>
+        </p:txBody>
+      </p:sp>
+      <p:sp>
+        <p:nvSpPr>
+          <p:cNvPr id="11" name="Elipse 10">
+            <a:extLst>
+              <a:ext uri="{FF2B5EF4-FFF2-40B4-BE49-F238E27FC236}">
+                <a16:creationId xmlns:a16="http://schemas.microsoft.com/office/drawing/2014/main" id="{18A80222-CF0E-4AF4-9665-81A7244A4415}"/>
+              </a:ext>
+            </a:extLst>
+          </p:cNvPr>
+          <p:cNvSpPr/>
+          <p:nvPr/>
+        </p:nvSpPr>
+        <p:spPr>
+          <a:xfrm>
+            <a:off x="2736860" y="3046199"/>
+            <a:ext cx="534418" cy="534418"/>
+          </a:xfrm>
+          <a:prstGeom prst="ellipse">
+            <a:avLst/>
+          </a:prstGeom>
+        </p:spPr>
+        <p:style>
+          <a:lnRef idx="2">
+            <a:schemeClr val="accent6">
+              <a:hueOff val="0"/>
+              <a:satOff val="0"/>
+              <a:lumOff val="0"/>
+              <a:alphaOff val="0"/>
+            </a:schemeClr>
+          </a:lnRef>
+          <a:fillRef idx="1">
+            <a:schemeClr val="lt1">
+              <a:hueOff val="0"/>
+              <a:satOff val="0"/>
+              <a:lumOff val="0"/>
+              <a:alphaOff val="0"/>
+            </a:schemeClr>
+          </a:fillRef>
+          <a:effectRef idx="0">
+            <a:schemeClr val="lt1">
+              <a:hueOff val="0"/>
+              <a:satOff val="0"/>
+              <a:lumOff val="0"/>
+              <a:alphaOff val="0"/>
+            </a:schemeClr>
+          </a:effectRef>
+          <a:fontRef idx="minor">
+            <a:schemeClr val="dk1">
+              <a:hueOff val="0"/>
+              <a:satOff val="0"/>
+              <a:lumOff val="0"/>
+              <a:alphaOff val="0"/>
+            </a:schemeClr>
+          </a:fontRef>
+        </p:style>
+      </p:sp>
+      <p:sp>
+        <p:nvSpPr>
+          <p:cNvPr id="12" name="Forma libre: forma 11">
+            <a:extLst>
+              <a:ext uri="{FF2B5EF4-FFF2-40B4-BE49-F238E27FC236}">
+                <a16:creationId xmlns:a16="http://schemas.microsoft.com/office/drawing/2014/main" id="{4501FA42-58AD-4F0B-A307-BBF75C76AEB4}"/>
+              </a:ext>
+            </a:extLst>
+          </p:cNvPr>
+          <p:cNvSpPr/>
+          <p:nvPr/>
+        </p:nvSpPr>
+        <p:spPr>
+          <a:xfrm>
+            <a:off x="3071813" y="3741320"/>
+            <a:ext cx="8541302" cy="427534"/>
+          </a:xfrm>
+          <a:custGeom>
+            <a:avLst/>
+            <a:gdLst>
+              <a:gd name="connsiteX0" fmla="*/ 0 w 8541302"/>
+              <a:gd name="connsiteY0" fmla="*/ 0 h 427534"/>
+              <a:gd name="connsiteX1" fmla="*/ 8541302 w 8541302"/>
+              <a:gd name="connsiteY1" fmla="*/ 0 h 427534"/>
+              <a:gd name="connsiteX2" fmla="*/ 8541302 w 8541302"/>
+              <a:gd name="connsiteY2" fmla="*/ 427534 h 427534"/>
+              <a:gd name="connsiteX3" fmla="*/ 0 w 8541302"/>
+              <a:gd name="connsiteY3" fmla="*/ 427534 h 427534"/>
+              <a:gd name="connsiteX4" fmla="*/ 0 w 8541302"/>
+              <a:gd name="connsiteY4" fmla="*/ 0 h 427534"/>
+            </a:gdLst>
+            <a:ahLst/>
+            <a:cxnLst>
+              <a:cxn ang="0">
+                <a:pos x="connsiteX0" y="connsiteY0"/>
+              </a:cxn>
+              <a:cxn ang="0">
+                <a:pos x="connsiteX1" y="connsiteY1"/>
+              </a:cxn>
+              <a:cxn ang="0">
+                <a:pos x="connsiteX2" y="connsiteY2"/>
+              </a:cxn>
+              <a:cxn ang="0">
+                <a:pos x="connsiteX3" y="connsiteY3"/>
+              </a:cxn>
+              <a:cxn ang="0">
+                <a:pos x="connsiteX4" y="connsiteY4"/>
+              </a:cxn>
+            </a:cxnLst>
+            <a:rect l="l" t="t" r="r" b="b"/>
+            <a:pathLst>
+              <a:path w="8541302" h="427534">
+                <a:moveTo>
+                  <a:pt x="0" y="0"/>
+                </a:moveTo>
+                <a:lnTo>
+                  <a:pt x="8541302" y="0"/>
+                </a:lnTo>
+                <a:lnTo>
+                  <a:pt x="8541302" y="427534"/>
+                </a:lnTo>
+                <a:lnTo>
+                  <a:pt x="0" y="427534"/>
+                </a:lnTo>
+                <a:lnTo>
+                  <a:pt x="0" y="0"/>
+                </a:lnTo>
+                <a:close/>
+              </a:path>
+            </a:pathLst>
+          </a:custGeom>
+          <a:solidFill>
+            <a:srgbClr val="FFC000"/>
+          </a:solidFill>
+        </p:spPr>
+        <p:style>
+          <a:lnRef idx="2">
+            <a:schemeClr val="accent6">
+              <a:shade val="80000"/>
+              <a:hueOff val="0"/>
+              <a:satOff val="0"/>
+              <a:lumOff val="0"/>
+              <a:alphaOff val="0"/>
+            </a:schemeClr>
+          </a:lnRef>
+          <a:fillRef idx="1">
+            <a:scrgbClr r="0" g="0" b="0"/>
+          </a:fillRef>
+          <a:effectRef idx="0">
+            <a:schemeClr val="lt1">
+              <a:hueOff val="0"/>
+              <a:satOff val="0"/>
+              <a:lumOff val="0"/>
+              <a:alphaOff val="0"/>
+            </a:schemeClr>
+          </a:effectRef>
+          <a:fontRef idx="minor">
+            <a:schemeClr val="dk1">
+              <a:hueOff val="0"/>
+              <a:satOff val="0"/>
+              <a:lumOff val="0"/>
+              <a:alphaOff val="0"/>
+            </a:schemeClr>
+          </a:fontRef>
+        </p:style>
+        <p:txBody>
+          <a:bodyPr spcFirstLastPara="0" vert="horz" wrap="square" lIns="339356" tIns="38100" rIns="38100" bIns="38100" numCol="1" spcCol="1270" anchor="ctr" anchorCtr="0">
+            <a:noAutofit/>
+          </a:bodyPr>
+          <a:lstStyle/>
+          <a:p>
+            <a:pPr marL="0" lvl="0" indent="0" algn="l" defTabSz="666750">
+              <a:lnSpc>
+                <a:spcPct val="90000"/>
+              </a:lnSpc>
+              <a:spcBef>
+                <a:spcPct val="0"/>
+              </a:spcBef>
+              <a:spcAft>
+                <a:spcPct val="35000"/>
+              </a:spcAft>
+              <a:buNone/>
+            </a:pPr>
+            <a:r>
+              <a:rPr kumimoji="0" lang="es-ES" altLang="es-ES" sz="1500" b="1" i="0" u="none" strike="noStrike" kern="1200" cap="none" normalizeH="0" baseline="0" dirty="0">
+                <a:ln/>
+                <a:effectLst/>
+                <a:latin typeface="Arial" panose="020B0604020202020204" pitchFamily="34" charset="0"/>
+              </a:rPr>
+              <a:t>Las letras explícitas pueden ser populares</a:t>
+            </a:r>
+            <a:r>
+              <a:rPr kumimoji="0" lang="es-ES" altLang="es-ES" sz="1500" b="0" i="0" u="none" strike="noStrike" kern="1200" cap="none" normalizeH="0" baseline="0" dirty="0">
+                <a:ln/>
+                <a:effectLst/>
+                <a:latin typeface="Arial" panose="020B0604020202020204" pitchFamily="34" charset="0"/>
+              </a:rPr>
+              <a:t>, pero enfrentan restricciones en otras plataformas.</a:t>
+            </a:r>
+          </a:p>
+        </p:txBody>
+      </p:sp>
+      <p:sp>
+        <p:nvSpPr>
+          <p:cNvPr id="13" name="Elipse 12">
+            <a:extLst>
+              <a:ext uri="{FF2B5EF4-FFF2-40B4-BE49-F238E27FC236}">
+                <a16:creationId xmlns:a16="http://schemas.microsoft.com/office/drawing/2014/main" id="{B7F004F1-E7C2-4E34-BC69-2ED13B9DC5EC}"/>
+              </a:ext>
+            </a:extLst>
+          </p:cNvPr>
+          <p:cNvSpPr/>
+          <p:nvPr/>
+        </p:nvSpPr>
+        <p:spPr>
+          <a:xfrm>
+            <a:off x="2804603" y="3687878"/>
+            <a:ext cx="534418" cy="534418"/>
+          </a:xfrm>
+          <a:prstGeom prst="ellipse">
+            <a:avLst/>
+          </a:prstGeom>
+        </p:spPr>
+        <p:style>
+          <a:lnRef idx="2">
+            <a:schemeClr val="accent6">
+              <a:hueOff val="0"/>
+              <a:satOff val="0"/>
+              <a:lumOff val="0"/>
+              <a:alphaOff val="0"/>
+            </a:schemeClr>
+          </a:lnRef>
+          <a:fillRef idx="1">
+            <a:schemeClr val="lt1">
+              <a:hueOff val="0"/>
+              <a:satOff val="0"/>
+              <a:lumOff val="0"/>
+              <a:alphaOff val="0"/>
+            </a:schemeClr>
+          </a:fillRef>
+          <a:effectRef idx="0">
+            <a:schemeClr val="lt1">
+              <a:hueOff val="0"/>
+              <a:satOff val="0"/>
+              <a:lumOff val="0"/>
+              <a:alphaOff val="0"/>
+            </a:schemeClr>
+          </a:effectRef>
+          <a:fontRef idx="minor">
+            <a:schemeClr val="dk1">
+              <a:hueOff val="0"/>
+              <a:satOff val="0"/>
+              <a:lumOff val="0"/>
+              <a:alphaOff val="0"/>
+            </a:schemeClr>
+          </a:fontRef>
+        </p:style>
+      </p:sp>
+      <p:sp>
+        <p:nvSpPr>
+          <p:cNvPr id="14" name="Forma libre: forma 13">
+            <a:extLst>
+              <a:ext uri="{FF2B5EF4-FFF2-40B4-BE49-F238E27FC236}">
+                <a16:creationId xmlns:a16="http://schemas.microsoft.com/office/drawing/2014/main" id="{4F87BF17-DC7D-4C0F-9FF5-9562C08DB89D}"/>
+              </a:ext>
+            </a:extLst>
+          </p:cNvPr>
+          <p:cNvSpPr/>
+          <p:nvPr/>
+        </p:nvSpPr>
+        <p:spPr>
+          <a:xfrm>
+            <a:off x="3004070" y="4382998"/>
+            <a:ext cx="8609045" cy="427534"/>
+          </a:xfrm>
+          <a:custGeom>
+            <a:avLst/>
+            <a:gdLst>
+              <a:gd name="connsiteX0" fmla="*/ 0 w 8609045"/>
+              <a:gd name="connsiteY0" fmla="*/ 0 h 427534"/>
+              <a:gd name="connsiteX1" fmla="*/ 8609045 w 8609045"/>
+              <a:gd name="connsiteY1" fmla="*/ 0 h 427534"/>
+              <a:gd name="connsiteX2" fmla="*/ 8609045 w 8609045"/>
+              <a:gd name="connsiteY2" fmla="*/ 427534 h 427534"/>
+              <a:gd name="connsiteX3" fmla="*/ 0 w 8609045"/>
+              <a:gd name="connsiteY3" fmla="*/ 427534 h 427534"/>
+              <a:gd name="connsiteX4" fmla="*/ 0 w 8609045"/>
+              <a:gd name="connsiteY4" fmla="*/ 0 h 427534"/>
+            </a:gdLst>
+            <a:ahLst/>
+            <a:cxnLst>
+              <a:cxn ang="0">
+                <a:pos x="connsiteX0" y="connsiteY0"/>
+              </a:cxn>
+              <a:cxn ang="0">
+                <a:pos x="connsiteX1" y="connsiteY1"/>
+              </a:cxn>
+              <a:cxn ang="0">
+                <a:pos x="connsiteX2" y="connsiteY2"/>
+              </a:cxn>
+              <a:cxn ang="0">
+                <a:pos x="connsiteX3" y="connsiteY3"/>
+              </a:cxn>
+              <a:cxn ang="0">
+                <a:pos x="connsiteX4" y="connsiteY4"/>
+              </a:cxn>
+            </a:cxnLst>
+            <a:rect l="l" t="t" r="r" b="b"/>
+            <a:pathLst>
+              <a:path w="8609045" h="427534">
+                <a:moveTo>
+                  <a:pt x="0" y="0"/>
+                </a:moveTo>
+                <a:lnTo>
+                  <a:pt x="8609045" y="0"/>
+                </a:lnTo>
+                <a:lnTo>
+                  <a:pt x="8609045" y="427534"/>
+                </a:lnTo>
+                <a:lnTo>
+                  <a:pt x="0" y="427534"/>
+                </a:lnTo>
+                <a:lnTo>
+                  <a:pt x="0" y="0"/>
+                </a:lnTo>
+                <a:close/>
+              </a:path>
+            </a:pathLst>
+          </a:custGeom>
+          <a:solidFill>
+            <a:srgbClr val="00B050"/>
+          </a:solidFill>
+        </p:spPr>
+        <p:style>
+          <a:lnRef idx="2">
+            <a:schemeClr val="accent6">
+              <a:shade val="80000"/>
+              <a:hueOff val="0"/>
+              <a:satOff val="0"/>
+              <a:lumOff val="0"/>
+              <a:alphaOff val="0"/>
+            </a:schemeClr>
+          </a:lnRef>
+          <a:fillRef idx="1">
+            <a:scrgbClr r="0" g="0" b="0"/>
+          </a:fillRef>
+          <a:effectRef idx="0">
+            <a:schemeClr val="lt1">
+              <a:hueOff val="0"/>
+              <a:satOff val="0"/>
+              <a:lumOff val="0"/>
+              <a:alphaOff val="0"/>
+            </a:schemeClr>
+          </a:effectRef>
+          <a:fontRef idx="minor">
+            <a:schemeClr val="dk1">
+              <a:hueOff val="0"/>
+              <a:satOff val="0"/>
+              <a:lumOff val="0"/>
+              <a:alphaOff val="0"/>
+            </a:schemeClr>
+          </a:fontRef>
+        </p:style>
+        <p:txBody>
+          <a:bodyPr spcFirstLastPara="0" vert="horz" wrap="square" lIns="339356" tIns="38100" rIns="38100" bIns="38100" numCol="1" spcCol="1270" anchor="ctr" anchorCtr="0">
+            <a:noAutofit/>
+          </a:bodyPr>
+          <a:lstStyle/>
+          <a:p>
+            <a:pPr marL="0" lvl="0" indent="0" algn="l" defTabSz="666750">
+              <a:lnSpc>
+                <a:spcPct val="90000"/>
+              </a:lnSpc>
+              <a:spcBef>
+                <a:spcPct val="0"/>
+              </a:spcBef>
+              <a:spcAft>
+                <a:spcPct val="35000"/>
+              </a:spcAft>
+              <a:buNone/>
+            </a:pPr>
+            <a:r>
+              <a:rPr kumimoji="0" lang="es-ES" altLang="es-ES" sz="1500" b="1" i="0" u="none" strike="noStrike" kern="1200" cap="none" normalizeH="0" baseline="0" dirty="0">
+                <a:ln/>
+                <a:effectLst/>
+                <a:latin typeface="Arial" panose="020B0604020202020204" pitchFamily="34" charset="0"/>
+              </a:rPr>
+              <a:t>Lanzar un álbum con estrategia de singles es efectivo</a:t>
+            </a:r>
+            <a:r>
+              <a:rPr kumimoji="0" lang="es-ES" altLang="es-ES" sz="1500" b="0" i="0" u="none" strike="noStrike" kern="1200" cap="none" normalizeH="0" baseline="0" dirty="0">
+                <a:ln/>
+                <a:effectLst/>
+                <a:latin typeface="Arial" panose="020B0604020202020204" pitchFamily="34" charset="0"/>
+              </a:rPr>
+              <a:t>, aumenta la popularidad.</a:t>
+            </a:r>
+          </a:p>
+        </p:txBody>
+      </p:sp>
+      <p:sp>
+        <p:nvSpPr>
+          <p:cNvPr id="15" name="Elipse 14">
+            <a:extLst>
+              <a:ext uri="{FF2B5EF4-FFF2-40B4-BE49-F238E27FC236}">
+                <a16:creationId xmlns:a16="http://schemas.microsoft.com/office/drawing/2014/main" id="{69513E31-5A4A-41F7-B308-219C6373FDC0}"/>
+              </a:ext>
+            </a:extLst>
+          </p:cNvPr>
+          <p:cNvSpPr/>
+          <p:nvPr/>
+        </p:nvSpPr>
+        <p:spPr>
+          <a:xfrm>
+            <a:off x="2736860" y="4329556"/>
+            <a:ext cx="534418" cy="534418"/>
+          </a:xfrm>
+          <a:prstGeom prst="ellipse">
+            <a:avLst/>
+          </a:prstGeom>
+        </p:spPr>
+        <p:style>
+          <a:lnRef idx="2">
+            <a:schemeClr val="accent6">
+              <a:hueOff val="0"/>
+              <a:satOff val="0"/>
+              <a:lumOff val="0"/>
+              <a:alphaOff val="0"/>
+            </a:schemeClr>
+          </a:lnRef>
+          <a:fillRef idx="1">
+            <a:schemeClr val="lt1">
+              <a:hueOff val="0"/>
+              <a:satOff val="0"/>
+              <a:lumOff val="0"/>
+              <a:alphaOff val="0"/>
+            </a:schemeClr>
+          </a:fillRef>
+          <a:effectRef idx="0">
+            <a:schemeClr val="lt1">
+              <a:hueOff val="0"/>
+              <a:satOff val="0"/>
+              <a:lumOff val="0"/>
+              <a:alphaOff val="0"/>
+            </a:schemeClr>
+          </a:effectRef>
+          <a:fontRef idx="minor">
+            <a:schemeClr val="dk1">
+              <a:hueOff val="0"/>
+              <a:satOff val="0"/>
+              <a:lumOff val="0"/>
+              <a:alphaOff val="0"/>
+            </a:schemeClr>
+          </a:fontRef>
+        </p:style>
+      </p:sp>
+      <p:sp>
+        <p:nvSpPr>
+          <p:cNvPr id="16" name="Forma libre: forma 15">
+            <a:extLst>
+              <a:ext uri="{FF2B5EF4-FFF2-40B4-BE49-F238E27FC236}">
+                <a16:creationId xmlns:a16="http://schemas.microsoft.com/office/drawing/2014/main" id="{E03E3A39-B35B-4A38-B35F-F6B436B59284}"/>
+              </a:ext>
+            </a:extLst>
+          </p:cNvPr>
+          <p:cNvSpPr/>
+          <p:nvPr/>
+        </p:nvSpPr>
+        <p:spPr>
+          <a:xfrm>
+            <a:off x="2791902" y="5024206"/>
+            <a:ext cx="8821213" cy="427534"/>
+          </a:xfrm>
+          <a:custGeom>
+            <a:avLst/>
+            <a:gdLst>
+              <a:gd name="connsiteX0" fmla="*/ 0 w 8821213"/>
+              <a:gd name="connsiteY0" fmla="*/ 0 h 427534"/>
+              <a:gd name="connsiteX1" fmla="*/ 8821213 w 8821213"/>
+              <a:gd name="connsiteY1" fmla="*/ 0 h 427534"/>
+              <a:gd name="connsiteX2" fmla="*/ 8821213 w 8821213"/>
+              <a:gd name="connsiteY2" fmla="*/ 427534 h 427534"/>
+              <a:gd name="connsiteX3" fmla="*/ 0 w 8821213"/>
+              <a:gd name="connsiteY3" fmla="*/ 427534 h 427534"/>
+              <a:gd name="connsiteX4" fmla="*/ 0 w 8821213"/>
+              <a:gd name="connsiteY4" fmla="*/ 0 h 427534"/>
+            </a:gdLst>
+            <a:ahLst/>
+            <a:cxnLst>
+              <a:cxn ang="0">
+                <a:pos x="connsiteX0" y="connsiteY0"/>
+              </a:cxn>
+              <a:cxn ang="0">
+                <a:pos x="connsiteX1" y="connsiteY1"/>
+              </a:cxn>
+              <a:cxn ang="0">
+                <a:pos x="connsiteX2" y="connsiteY2"/>
+              </a:cxn>
+              <a:cxn ang="0">
+                <a:pos x="connsiteX3" y="connsiteY3"/>
+              </a:cxn>
+              <a:cxn ang="0">
+                <a:pos x="connsiteX4" y="connsiteY4"/>
+              </a:cxn>
+            </a:cxnLst>
+            <a:rect l="l" t="t" r="r" b="b"/>
+            <a:pathLst>
+              <a:path w="8821213" h="427534">
+                <a:moveTo>
+                  <a:pt x="0" y="0"/>
+                </a:moveTo>
+                <a:lnTo>
+                  <a:pt x="8821213" y="0"/>
+                </a:lnTo>
+                <a:lnTo>
+                  <a:pt x="8821213" y="427534"/>
+                </a:lnTo>
+                <a:lnTo>
+                  <a:pt x="0" y="427534"/>
+                </a:lnTo>
+                <a:lnTo>
+                  <a:pt x="0" y="0"/>
+                </a:lnTo>
+                <a:close/>
+              </a:path>
+            </a:pathLst>
+          </a:custGeom>
+          <a:solidFill>
+            <a:srgbClr val="FFC000"/>
+          </a:solidFill>
+        </p:spPr>
+        <p:style>
+          <a:lnRef idx="2">
+            <a:schemeClr val="accent6">
+              <a:shade val="80000"/>
+              <a:hueOff val="0"/>
+              <a:satOff val="0"/>
+              <a:lumOff val="0"/>
+              <a:alphaOff val="0"/>
+            </a:schemeClr>
+          </a:lnRef>
+          <a:fillRef idx="1">
+            <a:scrgbClr r="0" g="0" b="0"/>
+          </a:fillRef>
+          <a:effectRef idx="0">
+            <a:schemeClr val="lt1">
+              <a:hueOff val="0"/>
+              <a:satOff val="0"/>
+              <a:lumOff val="0"/>
+              <a:alphaOff val="0"/>
+            </a:schemeClr>
+          </a:effectRef>
+          <a:fontRef idx="minor">
+            <a:schemeClr val="dk1">
+              <a:hueOff val="0"/>
+              <a:satOff val="0"/>
+              <a:lumOff val="0"/>
+              <a:alphaOff val="0"/>
+            </a:schemeClr>
+          </a:fontRef>
+        </p:style>
+        <p:txBody>
+          <a:bodyPr spcFirstLastPara="0" vert="horz" wrap="square" lIns="339356" tIns="38100" rIns="38100" bIns="38100" numCol="1" spcCol="1270" anchor="ctr" anchorCtr="0">
+            <a:noAutofit/>
+          </a:bodyPr>
+          <a:lstStyle/>
+          <a:p>
+            <a:pPr marL="0" lvl="0" indent="0" algn="l" defTabSz="666750">
+              <a:lnSpc>
+                <a:spcPct val="90000"/>
+              </a:lnSpc>
+              <a:spcBef>
+                <a:spcPct val="0"/>
+              </a:spcBef>
+              <a:spcAft>
+                <a:spcPct val="35000"/>
+              </a:spcAft>
+              <a:buNone/>
+            </a:pPr>
+            <a:r>
+              <a:rPr kumimoji="0" lang="es-ES" altLang="es-ES" sz="1500" b="1" i="0" u="none" strike="noStrike" kern="1200" cap="none" normalizeH="0" baseline="0" dirty="0">
+                <a:ln/>
+                <a:effectLst/>
+                <a:latin typeface="Arial" panose="020B0604020202020204" pitchFamily="34" charset="0"/>
+              </a:rPr>
+              <a:t>ADICIONAL: Las canciones más cortas suelen ser más populares</a:t>
+            </a:r>
+            <a:r>
+              <a:rPr kumimoji="0" lang="es-ES" altLang="es-ES" sz="1500" b="0" i="0" u="none" strike="noStrike" kern="1200" cap="none" normalizeH="0" baseline="0" dirty="0">
+                <a:ln/>
+                <a:effectLst/>
+                <a:latin typeface="Arial" panose="020B0604020202020204" pitchFamily="34" charset="0"/>
+              </a:rPr>
+              <a:t>, aunque la relación es débil.</a:t>
+            </a:r>
+          </a:p>
+        </p:txBody>
+      </p:sp>
+      <p:sp>
+        <p:nvSpPr>
+          <p:cNvPr id="17" name="Elipse 16">
+            <a:extLst>
+              <a:ext uri="{FF2B5EF4-FFF2-40B4-BE49-F238E27FC236}">
+                <a16:creationId xmlns:a16="http://schemas.microsoft.com/office/drawing/2014/main" id="{84A681F6-8078-48CB-A88D-19172D3AD6CE}"/>
+              </a:ext>
+            </a:extLst>
+          </p:cNvPr>
+          <p:cNvSpPr/>
+          <p:nvPr/>
+        </p:nvSpPr>
+        <p:spPr>
+          <a:xfrm>
+            <a:off x="2524692" y="4970765"/>
+            <a:ext cx="534418" cy="534418"/>
+          </a:xfrm>
+          <a:prstGeom prst="ellipse">
+            <a:avLst/>
+          </a:prstGeom>
+        </p:spPr>
+        <p:style>
+          <a:lnRef idx="2">
+            <a:schemeClr val="accent6">
+              <a:hueOff val="0"/>
+              <a:satOff val="0"/>
+              <a:lumOff val="0"/>
+              <a:alphaOff val="0"/>
+            </a:schemeClr>
+          </a:lnRef>
+          <a:fillRef idx="1">
+            <a:schemeClr val="lt1">
+              <a:hueOff val="0"/>
+              <a:satOff val="0"/>
+              <a:lumOff val="0"/>
+              <a:alphaOff val="0"/>
+            </a:schemeClr>
+          </a:fillRef>
+          <a:effectRef idx="0">
+            <a:schemeClr val="lt1">
+              <a:hueOff val="0"/>
+              <a:satOff val="0"/>
+              <a:lumOff val="0"/>
+              <a:alphaOff val="0"/>
+            </a:schemeClr>
+          </a:effectRef>
+          <a:fontRef idx="minor">
+            <a:schemeClr val="dk1">
+              <a:hueOff val="0"/>
+              <a:satOff val="0"/>
+              <a:lumOff val="0"/>
+              <a:alphaOff val="0"/>
+            </a:schemeClr>
+          </a:fontRef>
+        </p:style>
+      </p:sp>
+      <p:sp>
+        <p:nvSpPr>
+          <p:cNvPr id="18" name="Forma libre: forma 17">
+            <a:extLst>
+              <a:ext uri="{FF2B5EF4-FFF2-40B4-BE49-F238E27FC236}">
+                <a16:creationId xmlns:a16="http://schemas.microsoft.com/office/drawing/2014/main" id="{7BE9C212-5104-4DF9-9FB0-50636CA099AA}"/>
+              </a:ext>
+            </a:extLst>
+          </p:cNvPr>
+          <p:cNvSpPr/>
+          <p:nvPr/>
+        </p:nvSpPr>
+        <p:spPr>
+          <a:xfrm>
+            <a:off x="2404730" y="5665885"/>
+            <a:ext cx="9208384" cy="427534"/>
+          </a:xfrm>
+          <a:custGeom>
+            <a:avLst/>
+            <a:gdLst>
+              <a:gd name="connsiteX0" fmla="*/ 0 w 9208384"/>
+              <a:gd name="connsiteY0" fmla="*/ 0 h 427534"/>
+              <a:gd name="connsiteX1" fmla="*/ 9208384 w 9208384"/>
+              <a:gd name="connsiteY1" fmla="*/ 0 h 427534"/>
+              <a:gd name="connsiteX2" fmla="*/ 9208384 w 9208384"/>
+              <a:gd name="connsiteY2" fmla="*/ 427534 h 427534"/>
+              <a:gd name="connsiteX3" fmla="*/ 0 w 9208384"/>
+              <a:gd name="connsiteY3" fmla="*/ 427534 h 427534"/>
+              <a:gd name="connsiteX4" fmla="*/ 0 w 9208384"/>
+              <a:gd name="connsiteY4" fmla="*/ 0 h 427534"/>
+            </a:gdLst>
+            <a:ahLst/>
+            <a:cxnLst>
+              <a:cxn ang="0">
+                <a:pos x="connsiteX0" y="connsiteY0"/>
+              </a:cxn>
+              <a:cxn ang="0">
+                <a:pos x="connsiteX1" y="connsiteY1"/>
+              </a:cxn>
+              <a:cxn ang="0">
+                <a:pos x="connsiteX2" y="connsiteY2"/>
+              </a:cxn>
+              <a:cxn ang="0">
+                <a:pos x="connsiteX3" y="connsiteY3"/>
+              </a:cxn>
+              <a:cxn ang="0">
+                <a:pos x="connsiteX4" y="connsiteY4"/>
+              </a:cxn>
+            </a:cxnLst>
+            <a:rect l="l" t="t" r="r" b="b"/>
+            <a:pathLst>
+              <a:path w="9208384" h="427534">
+                <a:moveTo>
+                  <a:pt x="0" y="0"/>
+                </a:moveTo>
+                <a:lnTo>
+                  <a:pt x="9208384" y="0"/>
+                </a:lnTo>
+                <a:lnTo>
+                  <a:pt x="9208384" y="427534"/>
+                </a:lnTo>
+                <a:lnTo>
+                  <a:pt x="0" y="427534"/>
+                </a:lnTo>
+                <a:lnTo>
+                  <a:pt x="0" y="0"/>
+                </a:lnTo>
+                <a:close/>
+              </a:path>
+            </a:pathLst>
+          </a:custGeom>
+          <a:solidFill>
+            <a:srgbClr val="FFC000"/>
+          </a:solidFill>
+        </p:spPr>
+        <p:style>
+          <a:lnRef idx="2">
+            <a:schemeClr val="accent6">
+              <a:shade val="80000"/>
+              <a:hueOff val="0"/>
+              <a:satOff val="0"/>
+              <a:lumOff val="0"/>
+              <a:alphaOff val="0"/>
+            </a:schemeClr>
+          </a:lnRef>
+          <a:fillRef idx="1">
+            <a:scrgbClr r="0" g="0" b="0"/>
+          </a:fillRef>
+          <a:effectRef idx="0">
+            <a:schemeClr val="lt1">
+              <a:hueOff val="0"/>
+              <a:satOff val="0"/>
+              <a:lumOff val="0"/>
+              <a:alphaOff val="0"/>
+            </a:schemeClr>
+          </a:effectRef>
+          <a:fontRef idx="minor">
+            <a:schemeClr val="dk1">
+              <a:hueOff val="0"/>
+              <a:satOff val="0"/>
+              <a:lumOff val="0"/>
+              <a:alphaOff val="0"/>
+            </a:schemeClr>
+          </a:fontRef>
+        </p:style>
+        <p:txBody>
+          <a:bodyPr spcFirstLastPara="0" vert="horz" wrap="square" lIns="339356" tIns="38100" rIns="38100" bIns="38100" numCol="1" spcCol="1270" anchor="ctr" anchorCtr="0">
+            <a:noAutofit/>
+          </a:bodyPr>
+          <a:lstStyle/>
+          <a:p>
+            <a:pPr marL="0" lvl="0" indent="0" algn="l" defTabSz="666750">
+              <a:lnSpc>
+                <a:spcPct val="90000"/>
+              </a:lnSpc>
+              <a:spcBef>
+                <a:spcPct val="0"/>
+              </a:spcBef>
+              <a:spcAft>
+                <a:spcPct val="35000"/>
+              </a:spcAft>
+              <a:buNone/>
+            </a:pPr>
+            <a:r>
+              <a:rPr kumimoji="0" lang="es-ES" altLang="es-ES" sz="1500" b="1" i="0" u="none" strike="noStrike" kern="1200" cap="none" normalizeH="0" baseline="0" dirty="0">
+                <a:ln/>
+                <a:effectLst/>
+                <a:latin typeface="Arial" panose="020B0604020202020204" pitchFamily="34" charset="0"/>
+                <a:cs typeface="Arial" panose="020B0604020202020204" pitchFamily="34" charset="0"/>
+              </a:rPr>
+              <a:t>ADICIONAL: No se puede asegurar que l</a:t>
+            </a:r>
+            <a:r>
+              <a:rPr lang="es-ES" sz="1500" b="1" kern="1200" dirty="0">
+                <a:latin typeface="Arial" panose="020B0604020202020204" pitchFamily="34" charset="0"/>
+                <a:cs typeface="Arial" panose="020B0604020202020204" pitchFamily="34" charset="0"/>
+              </a:rPr>
+              <a:t>as colaboraciones impulsen la popularidad.</a:t>
+            </a:r>
+            <a:endParaRPr kumimoji="0" lang="es-ES" altLang="es-ES" sz="1500" b="1" i="0" u="none" strike="noStrike" kern="1200" cap="none" normalizeH="0" baseline="0" dirty="0">
+              <a:ln/>
+              <a:effectLst/>
+              <a:latin typeface="Arial" panose="020B0604020202020204" pitchFamily="34" charset="0"/>
+              <a:cs typeface="Arial" panose="020B0604020202020204" pitchFamily="34" charset="0"/>
+            </a:endParaRPr>
+          </a:p>
+        </p:txBody>
+      </p:sp>
+      <p:sp>
+        <p:nvSpPr>
+          <p:cNvPr id="19" name="Elipse 18">
+            <a:extLst>
+              <a:ext uri="{FF2B5EF4-FFF2-40B4-BE49-F238E27FC236}">
+                <a16:creationId xmlns:a16="http://schemas.microsoft.com/office/drawing/2014/main" id="{71061AE3-3A5A-45DF-B165-65419AC706E3}"/>
+              </a:ext>
+            </a:extLst>
+          </p:cNvPr>
+          <p:cNvSpPr/>
+          <p:nvPr/>
+        </p:nvSpPr>
+        <p:spPr>
+          <a:xfrm>
+            <a:off x="2137521" y="5612443"/>
+            <a:ext cx="534418" cy="534418"/>
+          </a:xfrm>
+          <a:prstGeom prst="ellipse">
+            <a:avLst/>
+          </a:prstGeom>
+        </p:spPr>
+        <p:style>
+          <a:lnRef idx="2">
+            <a:schemeClr val="accent6">
+              <a:hueOff val="0"/>
+              <a:satOff val="0"/>
+              <a:lumOff val="0"/>
+              <a:alphaOff val="0"/>
+            </a:schemeClr>
+          </a:lnRef>
+          <a:fillRef idx="1">
+            <a:schemeClr val="lt1">
+              <a:hueOff val="0"/>
+              <a:satOff val="0"/>
+              <a:lumOff val="0"/>
+              <a:alphaOff val="0"/>
+            </a:schemeClr>
+          </a:fillRef>
+          <a:effectRef idx="0">
+            <a:schemeClr val="lt1">
+              <a:hueOff val="0"/>
+              <a:satOff val="0"/>
+              <a:lumOff val="0"/>
+              <a:alphaOff val="0"/>
+            </a:schemeClr>
+          </a:effectRef>
+          <a:fontRef idx="minor">
+            <a:schemeClr val="dk1">
+              <a:hueOff val="0"/>
+              <a:satOff val="0"/>
+              <a:lumOff val="0"/>
+              <a:alphaOff val="0"/>
+            </a:schemeClr>
+          </a:fontRef>
+        </p:style>
+      </p:sp>
       <p:pic>
         <p:nvPicPr>
           <p:cNvPr id="1029" name="Picture 5">
@@ -16895,7 +13621,7 @@
           <p:nvPr/>
         </p:nvPicPr>
         <p:blipFill>
-          <a:blip r:embed="rId8">
+          <a:blip r:embed="rId3">
             <a:extLst>
               <a:ext uri="{28A0092B-C50C-407E-A947-70E740481C1C}">
                 <a14:useLocalDpi xmlns:a14="http://schemas.microsoft.com/office/drawing/2010/main" val="0"/>
@@ -16937,6 +13663,146 @@
   <p:clrMapOvr>
     <a:masterClrMapping/>
   </p:clrMapOvr>
+  <p:timing>
+    <p:tnLst>
+      <p:par>
+        <p:cTn id="1" dur="indefinite" restart="never" nodeType="tmRoot">
+          <p:childTnLst>
+            <p:seq concurrent="1" nextAc="seek">
+              <p:cTn id="2" dur="indefinite" nodeType="mainSeq">
+                <p:childTnLst>
+                  <p:par>
+                    <p:cTn id="3" fill="hold">
+                      <p:stCondLst>
+                        <p:cond delay="indefinite"/>
+                      </p:stCondLst>
+                      <p:childTnLst>
+                        <p:par>
+                          <p:cTn id="4" fill="hold">
+                            <p:stCondLst>
+                              <p:cond delay="0"/>
+                            </p:stCondLst>
+                            <p:childTnLst>
+                              <p:par>
+                                <p:cTn id="5" presetID="10" presetClass="entr" presetSubtype="0" fill="hold" grpId="0" nodeType="clickEffect">
+                                  <p:stCondLst>
+                                    <p:cond delay="0"/>
+                                  </p:stCondLst>
+                                  <p:childTnLst>
+                                    <p:set>
+                                      <p:cBhvr>
+                                        <p:cTn id="6" dur="1" fill="hold">
+                                          <p:stCondLst>
+                                            <p:cond delay="0"/>
+                                          </p:stCondLst>
+                                        </p:cTn>
+                                        <p:tgtEl>
+                                          <p:spTgt spid="16"/>
+                                        </p:tgtEl>
+                                        <p:attrNameLst>
+                                          <p:attrName>style.visibility</p:attrName>
+                                        </p:attrNameLst>
+                                      </p:cBhvr>
+                                      <p:to>
+                                        <p:strVal val="visible"/>
+                                      </p:to>
+                                    </p:set>
+                                    <p:animEffect transition="in" filter="fade">
+                                      <p:cBhvr>
+                                        <p:cTn id="7" dur="500"/>
+                                        <p:tgtEl>
+                                          <p:spTgt spid="16"/>
+                                        </p:tgtEl>
+                                      </p:cBhvr>
+                                    </p:animEffect>
+                                  </p:childTnLst>
+                                </p:cTn>
+                              </p:par>
+                            </p:childTnLst>
+                          </p:cTn>
+                        </p:par>
+                      </p:childTnLst>
+                    </p:cTn>
+                  </p:par>
+                  <p:par>
+                    <p:cTn id="8" fill="hold">
+                      <p:stCondLst>
+                        <p:cond delay="indefinite"/>
+                      </p:stCondLst>
+                      <p:childTnLst>
+                        <p:par>
+                          <p:cTn id="9" fill="hold">
+                            <p:stCondLst>
+                              <p:cond delay="0"/>
+                            </p:stCondLst>
+                            <p:childTnLst>
+                              <p:par>
+                                <p:cTn id="10" presetID="10" presetClass="entr" presetSubtype="0" fill="hold" grpId="0" nodeType="clickEffect">
+                                  <p:stCondLst>
+                                    <p:cond delay="0"/>
+                                  </p:stCondLst>
+                                  <p:childTnLst>
+                                    <p:set>
+                                      <p:cBhvr>
+                                        <p:cTn id="11" dur="1" fill="hold">
+                                          <p:stCondLst>
+                                            <p:cond delay="0"/>
+                                          </p:stCondLst>
+                                        </p:cTn>
+                                        <p:tgtEl>
+                                          <p:spTgt spid="18"/>
+                                        </p:tgtEl>
+                                        <p:attrNameLst>
+                                          <p:attrName>style.visibility</p:attrName>
+                                        </p:attrNameLst>
+                                      </p:cBhvr>
+                                      <p:to>
+                                        <p:strVal val="visible"/>
+                                      </p:to>
+                                    </p:set>
+                                    <p:animEffect transition="in" filter="fade">
+                                      <p:cBhvr>
+                                        <p:cTn id="12" dur="500"/>
+                                        <p:tgtEl>
+                                          <p:spTgt spid="18"/>
+                                        </p:tgtEl>
+                                      </p:cBhvr>
+                                    </p:animEffect>
+                                  </p:childTnLst>
+                                </p:cTn>
+                              </p:par>
+                            </p:childTnLst>
+                          </p:cTn>
+                        </p:par>
+                      </p:childTnLst>
+                    </p:cTn>
+                  </p:par>
+                </p:childTnLst>
+              </p:cTn>
+              <p:prevCondLst>
+                <p:cond evt="onPrev" delay="0">
+                  <p:tgtEl>
+                    <p:sldTgt/>
+                  </p:tgtEl>
+                </p:cond>
+              </p:prevCondLst>
+              <p:nextCondLst>
+                <p:cond evt="onNext" delay="0">
+                  <p:tgtEl>
+                    <p:sldTgt/>
+                  </p:tgtEl>
+                </p:cond>
+              </p:nextCondLst>
+            </p:seq>
+          </p:childTnLst>
+        </p:cTn>
+      </p:par>
+    </p:tnLst>
+    <p:bldLst>
+      <p:bldP spid="16" grpId="0" animBg="1"/>
+      <p:bldP spid="18" grpId="0" animBg="1"/>
+    </p:bldLst>
+  </p:timing>
 </p:sld>
 </file>
 
